--- a/HaiNaBian_PM知识分享/201812/PM.pptx
+++ b/HaiNaBian_PM知识分享/201812/PM.pptx
@@ -302,7 +302,7 @@
           <a:p>
             <a:fld id="{0BAC3E48-7ABA-D441-94D0-3B3C6F86371F}" type="datetimeFigureOut">
               <a:rPr kumimoji="1" lang="zh-CN" altLang="en-US" smtClean="0"/>
-              <a:t>18/12/21</a:t>
+              <a:t>18/12/23</a:t>
             </a:fld>
             <a:endParaRPr kumimoji="1" lang="zh-CN" altLang="en-US"/>
           </a:p>
@@ -472,7 +472,7 @@
           <a:p>
             <a:fld id="{0BAC3E48-7ABA-D441-94D0-3B3C6F86371F}" type="datetimeFigureOut">
               <a:rPr kumimoji="1" lang="zh-CN" altLang="en-US" smtClean="0"/>
-              <a:t>18/12/21</a:t>
+              <a:t>18/12/23</a:t>
             </a:fld>
             <a:endParaRPr kumimoji="1" lang="zh-CN" altLang="en-US"/>
           </a:p>
@@ -652,7 +652,7 @@
           <a:p>
             <a:fld id="{0BAC3E48-7ABA-D441-94D0-3B3C6F86371F}" type="datetimeFigureOut">
               <a:rPr kumimoji="1" lang="zh-CN" altLang="en-US" smtClean="0"/>
-              <a:t>18/12/21</a:t>
+              <a:t>18/12/23</a:t>
             </a:fld>
             <a:endParaRPr kumimoji="1" lang="zh-CN" altLang="en-US"/>
           </a:p>
@@ -822,7 +822,7 @@
           <a:p>
             <a:fld id="{0BAC3E48-7ABA-D441-94D0-3B3C6F86371F}" type="datetimeFigureOut">
               <a:rPr kumimoji="1" lang="zh-CN" altLang="en-US" smtClean="0"/>
-              <a:t>18/12/21</a:t>
+              <a:t>18/12/23</a:t>
             </a:fld>
             <a:endParaRPr kumimoji="1" lang="zh-CN" altLang="en-US"/>
           </a:p>
@@ -1068,7 +1068,7 @@
           <a:p>
             <a:fld id="{0BAC3E48-7ABA-D441-94D0-3B3C6F86371F}" type="datetimeFigureOut">
               <a:rPr kumimoji="1" lang="zh-CN" altLang="en-US" smtClean="0"/>
-              <a:t>18/12/21</a:t>
+              <a:t>18/12/23</a:t>
             </a:fld>
             <a:endParaRPr kumimoji="1" lang="zh-CN" altLang="en-US"/>
           </a:p>
@@ -1356,7 +1356,7 @@
           <a:p>
             <a:fld id="{0BAC3E48-7ABA-D441-94D0-3B3C6F86371F}" type="datetimeFigureOut">
               <a:rPr kumimoji="1" lang="zh-CN" altLang="en-US" smtClean="0"/>
-              <a:t>18/12/21</a:t>
+              <a:t>18/12/23</a:t>
             </a:fld>
             <a:endParaRPr kumimoji="1" lang="zh-CN" altLang="en-US"/>
           </a:p>
@@ -1778,7 +1778,7 @@
           <a:p>
             <a:fld id="{0BAC3E48-7ABA-D441-94D0-3B3C6F86371F}" type="datetimeFigureOut">
               <a:rPr kumimoji="1" lang="zh-CN" altLang="en-US" smtClean="0"/>
-              <a:t>18/12/21</a:t>
+              <a:t>18/12/23</a:t>
             </a:fld>
             <a:endParaRPr kumimoji="1" lang="zh-CN" altLang="en-US"/>
           </a:p>
@@ -1896,7 +1896,7 @@
           <a:p>
             <a:fld id="{0BAC3E48-7ABA-D441-94D0-3B3C6F86371F}" type="datetimeFigureOut">
               <a:rPr kumimoji="1" lang="zh-CN" altLang="en-US" smtClean="0"/>
-              <a:t>18/12/21</a:t>
+              <a:t>18/12/23</a:t>
             </a:fld>
             <a:endParaRPr kumimoji="1" lang="zh-CN" altLang="en-US"/>
           </a:p>
@@ -1991,7 +1991,7 @@
           <a:p>
             <a:fld id="{0BAC3E48-7ABA-D441-94D0-3B3C6F86371F}" type="datetimeFigureOut">
               <a:rPr kumimoji="1" lang="zh-CN" altLang="en-US" smtClean="0"/>
-              <a:t>18/12/21</a:t>
+              <a:t>18/12/23</a:t>
             </a:fld>
             <a:endParaRPr kumimoji="1" lang="zh-CN" altLang="en-US"/>
           </a:p>
@@ -2268,7 +2268,7 @@
           <a:p>
             <a:fld id="{0BAC3E48-7ABA-D441-94D0-3B3C6F86371F}" type="datetimeFigureOut">
               <a:rPr kumimoji="1" lang="zh-CN" altLang="en-US" smtClean="0"/>
-              <a:t>18/12/21</a:t>
+              <a:t>18/12/23</a:t>
             </a:fld>
             <a:endParaRPr kumimoji="1" lang="zh-CN" altLang="en-US"/>
           </a:p>
@@ -2521,7 +2521,7 @@
           <a:p>
             <a:fld id="{0BAC3E48-7ABA-D441-94D0-3B3C6F86371F}" type="datetimeFigureOut">
               <a:rPr kumimoji="1" lang="zh-CN" altLang="en-US" smtClean="0"/>
-              <a:t>18/12/21</a:t>
+              <a:t>18/12/23</a:t>
             </a:fld>
             <a:endParaRPr kumimoji="1" lang="zh-CN" altLang="en-US"/>
           </a:p>
@@ -2734,7 +2734,7 @@
           <a:p>
             <a:fld id="{0BAC3E48-7ABA-D441-94D0-3B3C6F86371F}" type="datetimeFigureOut">
               <a:rPr kumimoji="1" lang="zh-CN" altLang="en-US" smtClean="0"/>
-              <a:t>18/12/21</a:t>
+              <a:t>18/12/23</a:t>
             </a:fld>
             <a:endParaRPr kumimoji="1" lang="zh-CN" altLang="en-US"/>
           </a:p>
@@ -3177,6 +3177,50 @@
           </a:prstGeom>
         </p:spPr>
       </p:pic>
+      <p:sp>
+        <p:nvSpPr>
+          <p:cNvPr id="4" name="文本框 3"/>
+          <p:cNvSpPr txBox="1"/>
+          <p:nvPr/>
+        </p:nvSpPr>
+        <p:spPr>
+          <a:xfrm>
+            <a:off x="2713790" y="2272631"/>
+            <a:ext cx="3262432" cy="1015663"/>
+          </a:xfrm>
+          <a:prstGeom prst="rect">
+            <a:avLst/>
+          </a:prstGeom>
+          <a:noFill/>
+        </p:spPr>
+        <p:txBody>
+          <a:bodyPr wrap="none" rtlCol="0">
+            <a:spAutoFit/>
+          </a:bodyPr>
+          <a:lstStyle/>
+          <a:p>
+            <a:r>
+              <a:rPr kumimoji="1" lang="zh-CN" altLang="en-US" sz="6000" dirty="0" smtClean="0">
+                <a:solidFill>
+                  <a:schemeClr val="accent6">
+                    <a:lumMod val="75000"/>
+                  </a:schemeClr>
+                </a:solidFill>
+                <a:ea typeface="+mj-ea"/>
+              </a:rPr>
+              <a:t>项目管理</a:t>
+            </a:r>
+            <a:endParaRPr kumimoji="1" lang="zh-CN" altLang="en-US" sz="6000" dirty="0">
+              <a:solidFill>
+                <a:schemeClr val="accent6">
+                  <a:lumMod val="75000"/>
+                </a:schemeClr>
+              </a:solidFill>
+              <a:ea typeface="+mj-ea"/>
+            </a:endParaRPr>
+          </a:p>
+        </p:txBody>
+      </p:sp>
     </p:spTree>
     <p:extLst>
       <p:ext uri="{BB962C8B-B14F-4D97-AF65-F5344CB8AC3E}">
@@ -3187,6 +3231,9 @@
   <p:clrMapOvr>
     <a:masterClrMapping/>
   </p:clrMapOvr>
+  <p:transition xmlns:p14="http://schemas.microsoft.com/office/powerpoint/2010/main" spd="slow">
+    <p:randomBar dir="vert"/>
+  </p:transition>
   <p:timing>
     <p:tnLst>
       <p:par>
@@ -4122,18 +4169,7 @@
                   </a:schemeClr>
                 </a:solidFill>
               </a:rPr>
-              <a:t>中的常见</a:t>
-            </a:r>
-            <a:r>
-              <a:rPr kumimoji="1" lang="zh-CN" altLang="en-US" sz="2000" dirty="0" smtClean="0">
-                <a:solidFill>
-                  <a:schemeClr val="accent6">
-                    <a:lumMod val="60000"/>
-                    <a:lumOff val="40000"/>
-                  </a:schemeClr>
-                </a:solidFill>
-              </a:rPr>
-              <a:t>组织架构</a:t>
+              <a:t>中的常见组织架构</a:t>
             </a:r>
             <a:endParaRPr kumimoji="1" lang="zh-CN" altLang="en-US" sz="2000" dirty="0">
               <a:solidFill>
@@ -4200,6 +4236,426 @@
   <p:clrMapOvr>
     <a:masterClrMapping/>
   </p:clrMapOvr>
+  <p:transition xmlns:p14="http://schemas.microsoft.com/office/powerpoint/2010/main" spd="slow">
+    <p:wipe/>
+  </p:transition>
+  <p:timing>
+    <p:tnLst>
+      <p:par>
+        <p:cTn xmlns:p14="http://schemas.microsoft.com/office/powerpoint/2010/main" id="1" dur="indefinite" restart="never" nodeType="tmRoot">
+          <p:childTnLst>
+            <p:seq concurrent="1" nextAc="seek">
+              <p:cTn id="2" dur="indefinite" nodeType="mainSeq">
+                <p:childTnLst>
+                  <p:par>
+                    <p:cTn id="3" fill="hold">
+                      <p:stCondLst>
+                        <p:cond delay="indefinite"/>
+                      </p:stCondLst>
+                      <p:childTnLst>
+                        <p:par>
+                          <p:cTn id="4" fill="hold">
+                            <p:stCondLst>
+                              <p:cond delay="0"/>
+                            </p:stCondLst>
+                            <p:childTnLst>
+                              <p:par>
+                                <p:cTn id="5" presetID="12" presetClass="entr" presetSubtype="4" fill="hold" grpId="0" nodeType="clickEffect">
+                                  <p:stCondLst>
+                                    <p:cond delay="0"/>
+                                  </p:stCondLst>
+                                  <p:childTnLst>
+                                    <p:set>
+                                      <p:cBhvr>
+                                        <p:cTn id="6" dur="1" fill="hold">
+                                          <p:stCondLst>
+                                            <p:cond delay="0"/>
+                                          </p:stCondLst>
+                                        </p:cTn>
+                                        <p:tgtEl>
+                                          <p:spTgt spid="13"/>
+                                        </p:tgtEl>
+                                        <p:attrNameLst>
+                                          <p:attrName>style.visibility</p:attrName>
+                                        </p:attrNameLst>
+                                      </p:cBhvr>
+                                      <p:to>
+                                        <p:strVal val="visible"/>
+                                      </p:to>
+                                    </p:set>
+                                    <p:anim calcmode="lin" valueType="num">
+                                      <p:cBhvr additive="base">
+                                        <p:cTn id="7" dur="500"/>
+                                        <p:tgtEl>
+                                          <p:spTgt spid="13"/>
+                                        </p:tgtEl>
+                                        <p:attrNameLst>
+                                          <p:attrName>ppt_y</p:attrName>
+                                        </p:attrNameLst>
+                                      </p:cBhvr>
+                                      <p:tavLst>
+                                        <p:tav tm="0">
+                                          <p:val>
+                                            <p:strVal val="#ppt_y+#ppt_h*1.125000"/>
+                                          </p:val>
+                                        </p:tav>
+                                        <p:tav tm="100000">
+                                          <p:val>
+                                            <p:strVal val="#ppt_y"/>
+                                          </p:val>
+                                        </p:tav>
+                                      </p:tavLst>
+                                    </p:anim>
+                                    <p:animEffect transition="in" filter="wipe(up)">
+                                      <p:cBhvr>
+                                        <p:cTn id="8" dur="500"/>
+                                        <p:tgtEl>
+                                          <p:spTgt spid="13"/>
+                                        </p:tgtEl>
+                                      </p:cBhvr>
+                                    </p:animEffect>
+                                  </p:childTnLst>
+                                </p:cTn>
+                              </p:par>
+                            </p:childTnLst>
+                          </p:cTn>
+                        </p:par>
+                      </p:childTnLst>
+                    </p:cTn>
+                  </p:par>
+                  <p:par>
+                    <p:cTn id="9" fill="hold">
+                      <p:stCondLst>
+                        <p:cond delay="indefinite"/>
+                      </p:stCondLst>
+                      <p:childTnLst>
+                        <p:par>
+                          <p:cTn id="10" fill="hold">
+                            <p:stCondLst>
+                              <p:cond delay="0"/>
+                            </p:stCondLst>
+                            <p:childTnLst>
+                              <p:par>
+                                <p:cTn id="11" presetID="12" presetClass="entr" presetSubtype="4" fill="hold" grpId="0" nodeType="clickEffect">
+                                  <p:stCondLst>
+                                    <p:cond delay="0"/>
+                                  </p:stCondLst>
+                                  <p:childTnLst>
+                                    <p:set>
+                                      <p:cBhvr>
+                                        <p:cTn id="12" dur="1" fill="hold">
+                                          <p:stCondLst>
+                                            <p:cond delay="0"/>
+                                          </p:stCondLst>
+                                        </p:cTn>
+                                        <p:tgtEl>
+                                          <p:spTgt spid="14"/>
+                                        </p:tgtEl>
+                                        <p:attrNameLst>
+                                          <p:attrName>style.visibility</p:attrName>
+                                        </p:attrNameLst>
+                                      </p:cBhvr>
+                                      <p:to>
+                                        <p:strVal val="visible"/>
+                                      </p:to>
+                                    </p:set>
+                                    <p:anim calcmode="lin" valueType="num">
+                                      <p:cBhvr additive="base">
+                                        <p:cTn id="13" dur="500"/>
+                                        <p:tgtEl>
+                                          <p:spTgt spid="14"/>
+                                        </p:tgtEl>
+                                        <p:attrNameLst>
+                                          <p:attrName>ppt_y</p:attrName>
+                                        </p:attrNameLst>
+                                      </p:cBhvr>
+                                      <p:tavLst>
+                                        <p:tav tm="0">
+                                          <p:val>
+                                            <p:strVal val="#ppt_y+#ppt_h*1.125000"/>
+                                          </p:val>
+                                        </p:tav>
+                                        <p:tav tm="100000">
+                                          <p:val>
+                                            <p:strVal val="#ppt_y"/>
+                                          </p:val>
+                                        </p:tav>
+                                      </p:tavLst>
+                                    </p:anim>
+                                    <p:animEffect transition="in" filter="wipe(up)">
+                                      <p:cBhvr>
+                                        <p:cTn id="14" dur="500"/>
+                                        <p:tgtEl>
+                                          <p:spTgt spid="14"/>
+                                        </p:tgtEl>
+                                      </p:cBhvr>
+                                    </p:animEffect>
+                                  </p:childTnLst>
+                                </p:cTn>
+                              </p:par>
+                            </p:childTnLst>
+                          </p:cTn>
+                        </p:par>
+                      </p:childTnLst>
+                    </p:cTn>
+                  </p:par>
+                  <p:par>
+                    <p:cTn id="15" fill="hold">
+                      <p:stCondLst>
+                        <p:cond delay="indefinite"/>
+                      </p:stCondLst>
+                      <p:childTnLst>
+                        <p:par>
+                          <p:cTn id="16" fill="hold">
+                            <p:stCondLst>
+                              <p:cond delay="0"/>
+                            </p:stCondLst>
+                            <p:childTnLst>
+                              <p:par>
+                                <p:cTn id="17" presetID="12" presetClass="entr" presetSubtype="4" fill="hold" grpId="0" nodeType="clickEffect">
+                                  <p:stCondLst>
+                                    <p:cond delay="0"/>
+                                  </p:stCondLst>
+                                  <p:childTnLst>
+                                    <p:set>
+                                      <p:cBhvr>
+                                        <p:cTn id="18" dur="1" fill="hold">
+                                          <p:stCondLst>
+                                            <p:cond delay="0"/>
+                                          </p:stCondLst>
+                                        </p:cTn>
+                                        <p:tgtEl>
+                                          <p:spTgt spid="8"/>
+                                        </p:tgtEl>
+                                        <p:attrNameLst>
+                                          <p:attrName>style.visibility</p:attrName>
+                                        </p:attrNameLst>
+                                      </p:cBhvr>
+                                      <p:to>
+                                        <p:strVal val="visible"/>
+                                      </p:to>
+                                    </p:set>
+                                    <p:anim calcmode="lin" valueType="num">
+                                      <p:cBhvr additive="base">
+                                        <p:cTn id="19" dur="500"/>
+                                        <p:tgtEl>
+                                          <p:spTgt spid="8"/>
+                                        </p:tgtEl>
+                                        <p:attrNameLst>
+                                          <p:attrName>ppt_y</p:attrName>
+                                        </p:attrNameLst>
+                                      </p:cBhvr>
+                                      <p:tavLst>
+                                        <p:tav tm="0">
+                                          <p:val>
+                                            <p:strVal val="#ppt_y+#ppt_h*1.125000"/>
+                                          </p:val>
+                                        </p:tav>
+                                        <p:tav tm="100000">
+                                          <p:val>
+                                            <p:strVal val="#ppt_y"/>
+                                          </p:val>
+                                        </p:tav>
+                                      </p:tavLst>
+                                    </p:anim>
+                                    <p:animEffect transition="in" filter="wipe(up)">
+                                      <p:cBhvr>
+                                        <p:cTn id="20" dur="500"/>
+                                        <p:tgtEl>
+                                          <p:spTgt spid="8"/>
+                                        </p:tgtEl>
+                                      </p:cBhvr>
+                                    </p:animEffect>
+                                  </p:childTnLst>
+                                </p:cTn>
+                              </p:par>
+                            </p:childTnLst>
+                          </p:cTn>
+                        </p:par>
+                      </p:childTnLst>
+                    </p:cTn>
+                  </p:par>
+                  <p:par>
+                    <p:cTn id="21" fill="hold">
+                      <p:stCondLst>
+                        <p:cond delay="indefinite"/>
+                      </p:stCondLst>
+                      <p:childTnLst>
+                        <p:par>
+                          <p:cTn id="22" fill="hold">
+                            <p:stCondLst>
+                              <p:cond delay="0"/>
+                            </p:stCondLst>
+                            <p:childTnLst>
+                              <p:par>
+                                <p:cTn id="23" presetID="12" presetClass="entr" presetSubtype="4" fill="hold" grpId="0" nodeType="clickEffect">
+                                  <p:stCondLst>
+                                    <p:cond delay="0"/>
+                                  </p:stCondLst>
+                                  <p:childTnLst>
+                                    <p:set>
+                                      <p:cBhvr>
+                                        <p:cTn id="24" dur="1" fill="hold">
+                                          <p:stCondLst>
+                                            <p:cond delay="0"/>
+                                          </p:stCondLst>
+                                        </p:cTn>
+                                        <p:tgtEl>
+                                          <p:spTgt spid="15"/>
+                                        </p:tgtEl>
+                                        <p:attrNameLst>
+                                          <p:attrName>style.visibility</p:attrName>
+                                        </p:attrNameLst>
+                                      </p:cBhvr>
+                                      <p:to>
+                                        <p:strVal val="visible"/>
+                                      </p:to>
+                                    </p:set>
+                                    <p:anim calcmode="lin" valueType="num">
+                                      <p:cBhvr additive="base">
+                                        <p:cTn id="25" dur="500"/>
+                                        <p:tgtEl>
+                                          <p:spTgt spid="15"/>
+                                        </p:tgtEl>
+                                        <p:attrNameLst>
+                                          <p:attrName>ppt_y</p:attrName>
+                                        </p:attrNameLst>
+                                      </p:cBhvr>
+                                      <p:tavLst>
+                                        <p:tav tm="0">
+                                          <p:val>
+                                            <p:strVal val="#ppt_y+#ppt_h*1.125000"/>
+                                          </p:val>
+                                        </p:tav>
+                                        <p:tav tm="100000">
+                                          <p:val>
+                                            <p:strVal val="#ppt_y"/>
+                                          </p:val>
+                                        </p:tav>
+                                      </p:tavLst>
+                                    </p:anim>
+                                    <p:animEffect transition="in" filter="wipe(up)">
+                                      <p:cBhvr>
+                                        <p:cTn id="26" dur="500"/>
+                                        <p:tgtEl>
+                                          <p:spTgt spid="15"/>
+                                        </p:tgtEl>
+                                      </p:cBhvr>
+                                    </p:animEffect>
+                                  </p:childTnLst>
+                                </p:cTn>
+                              </p:par>
+                            </p:childTnLst>
+                          </p:cTn>
+                        </p:par>
+                      </p:childTnLst>
+                    </p:cTn>
+                  </p:par>
+                  <p:par>
+                    <p:cTn id="27" fill="hold">
+                      <p:stCondLst>
+                        <p:cond delay="indefinite"/>
+                      </p:stCondLst>
+                      <p:childTnLst>
+                        <p:par>
+                          <p:cTn id="28" fill="hold">
+                            <p:stCondLst>
+                              <p:cond delay="0"/>
+                            </p:stCondLst>
+                            <p:childTnLst>
+                              <p:par>
+                                <p:cTn id="29" presetID="12" presetClass="entr" presetSubtype="4" fill="hold" grpId="0" nodeType="clickEffect">
+                                  <p:stCondLst>
+                                    <p:cond delay="0"/>
+                                  </p:stCondLst>
+                                  <p:childTnLst>
+                                    <p:set>
+                                      <p:cBhvr>
+                                        <p:cTn id="30" dur="1" fill="hold">
+                                          <p:stCondLst>
+                                            <p:cond delay="0"/>
+                                          </p:stCondLst>
+                                        </p:cTn>
+                                        <p:tgtEl>
+                                          <p:spTgt spid="16"/>
+                                        </p:tgtEl>
+                                        <p:attrNameLst>
+                                          <p:attrName>style.visibility</p:attrName>
+                                        </p:attrNameLst>
+                                      </p:cBhvr>
+                                      <p:to>
+                                        <p:strVal val="visible"/>
+                                      </p:to>
+                                    </p:set>
+                                    <p:anim calcmode="lin" valueType="num">
+                                      <p:cBhvr additive="base">
+                                        <p:cTn id="31" dur="500"/>
+                                        <p:tgtEl>
+                                          <p:spTgt spid="16"/>
+                                        </p:tgtEl>
+                                        <p:attrNameLst>
+                                          <p:attrName>ppt_y</p:attrName>
+                                        </p:attrNameLst>
+                                      </p:cBhvr>
+                                      <p:tavLst>
+                                        <p:tav tm="0">
+                                          <p:val>
+                                            <p:strVal val="#ppt_y+#ppt_h*1.125000"/>
+                                          </p:val>
+                                        </p:tav>
+                                        <p:tav tm="100000">
+                                          <p:val>
+                                            <p:strVal val="#ppt_y"/>
+                                          </p:val>
+                                        </p:tav>
+                                      </p:tavLst>
+                                    </p:anim>
+                                    <p:animEffect transition="in" filter="wipe(up)">
+                                      <p:cBhvr>
+                                        <p:cTn id="32" dur="500"/>
+                                        <p:tgtEl>
+                                          <p:spTgt spid="16"/>
+                                        </p:tgtEl>
+                                      </p:cBhvr>
+                                    </p:animEffect>
+                                  </p:childTnLst>
+                                </p:cTn>
+                              </p:par>
+                            </p:childTnLst>
+                          </p:cTn>
+                        </p:par>
+                      </p:childTnLst>
+                    </p:cTn>
+                  </p:par>
+                </p:childTnLst>
+              </p:cTn>
+              <p:prevCondLst>
+                <p:cond evt="onPrev" delay="0">
+                  <p:tgtEl>
+                    <p:sldTgt/>
+                  </p:tgtEl>
+                </p:cond>
+              </p:prevCondLst>
+              <p:nextCondLst>
+                <p:cond evt="onNext" delay="0">
+                  <p:tgtEl>
+                    <p:sldTgt/>
+                  </p:tgtEl>
+                </p:cond>
+              </p:nextCondLst>
+            </p:seq>
+          </p:childTnLst>
+        </p:cTn>
+      </p:par>
+    </p:tnLst>
+    <p:bldLst>
+      <p:bldP spid="8" grpId="0"/>
+      <p:bldP spid="13" grpId="0"/>
+      <p:bldP spid="14" grpId="0"/>
+      <p:bldP spid="15" grpId="0"/>
+      <p:bldP spid="16" grpId="0"/>
+    </p:bldLst>
+  </p:timing>
 </p:sld>
 </file>
 

--- a/HaiNaBian_PM知识分享/201812/PM.pptx
+++ b/HaiNaBian_PM知识分享/201812/PM.pptx
@@ -302,7 +302,7 @@
           <a:p>
             <a:fld id="{0BAC3E48-7ABA-D441-94D0-3B3C6F86371F}" type="datetimeFigureOut">
               <a:rPr kumimoji="1" lang="zh-CN" altLang="en-US" smtClean="0"/>
-              <a:t>18/12/23</a:t>
+              <a:t>19/1/17</a:t>
             </a:fld>
             <a:endParaRPr kumimoji="1" lang="zh-CN" altLang="en-US"/>
           </a:p>
@@ -472,7 +472,7 @@
           <a:p>
             <a:fld id="{0BAC3E48-7ABA-D441-94D0-3B3C6F86371F}" type="datetimeFigureOut">
               <a:rPr kumimoji="1" lang="zh-CN" altLang="en-US" smtClean="0"/>
-              <a:t>18/12/23</a:t>
+              <a:t>19/1/17</a:t>
             </a:fld>
             <a:endParaRPr kumimoji="1" lang="zh-CN" altLang="en-US"/>
           </a:p>
@@ -652,7 +652,7 @@
           <a:p>
             <a:fld id="{0BAC3E48-7ABA-D441-94D0-3B3C6F86371F}" type="datetimeFigureOut">
               <a:rPr kumimoji="1" lang="zh-CN" altLang="en-US" smtClean="0"/>
-              <a:t>18/12/23</a:t>
+              <a:t>19/1/17</a:t>
             </a:fld>
             <a:endParaRPr kumimoji="1" lang="zh-CN" altLang="en-US"/>
           </a:p>
@@ -822,7 +822,7 @@
           <a:p>
             <a:fld id="{0BAC3E48-7ABA-D441-94D0-3B3C6F86371F}" type="datetimeFigureOut">
               <a:rPr kumimoji="1" lang="zh-CN" altLang="en-US" smtClean="0"/>
-              <a:t>18/12/23</a:t>
+              <a:t>19/1/17</a:t>
             </a:fld>
             <a:endParaRPr kumimoji="1" lang="zh-CN" altLang="en-US"/>
           </a:p>
@@ -1068,7 +1068,7 @@
           <a:p>
             <a:fld id="{0BAC3E48-7ABA-D441-94D0-3B3C6F86371F}" type="datetimeFigureOut">
               <a:rPr kumimoji="1" lang="zh-CN" altLang="en-US" smtClean="0"/>
-              <a:t>18/12/23</a:t>
+              <a:t>19/1/17</a:t>
             </a:fld>
             <a:endParaRPr kumimoji="1" lang="zh-CN" altLang="en-US"/>
           </a:p>
@@ -1356,7 +1356,7 @@
           <a:p>
             <a:fld id="{0BAC3E48-7ABA-D441-94D0-3B3C6F86371F}" type="datetimeFigureOut">
               <a:rPr kumimoji="1" lang="zh-CN" altLang="en-US" smtClean="0"/>
-              <a:t>18/12/23</a:t>
+              <a:t>19/1/17</a:t>
             </a:fld>
             <a:endParaRPr kumimoji="1" lang="zh-CN" altLang="en-US"/>
           </a:p>
@@ -1778,7 +1778,7 @@
           <a:p>
             <a:fld id="{0BAC3E48-7ABA-D441-94D0-3B3C6F86371F}" type="datetimeFigureOut">
               <a:rPr kumimoji="1" lang="zh-CN" altLang="en-US" smtClean="0"/>
-              <a:t>18/12/23</a:t>
+              <a:t>19/1/17</a:t>
             </a:fld>
             <a:endParaRPr kumimoji="1" lang="zh-CN" altLang="en-US"/>
           </a:p>
@@ -1896,7 +1896,7 @@
           <a:p>
             <a:fld id="{0BAC3E48-7ABA-D441-94D0-3B3C6F86371F}" type="datetimeFigureOut">
               <a:rPr kumimoji="1" lang="zh-CN" altLang="en-US" smtClean="0"/>
-              <a:t>18/12/23</a:t>
+              <a:t>19/1/17</a:t>
             </a:fld>
             <a:endParaRPr kumimoji="1" lang="zh-CN" altLang="en-US"/>
           </a:p>
@@ -1991,7 +1991,7 @@
           <a:p>
             <a:fld id="{0BAC3E48-7ABA-D441-94D0-3B3C6F86371F}" type="datetimeFigureOut">
               <a:rPr kumimoji="1" lang="zh-CN" altLang="en-US" smtClean="0"/>
-              <a:t>18/12/23</a:t>
+              <a:t>19/1/17</a:t>
             </a:fld>
             <a:endParaRPr kumimoji="1" lang="zh-CN" altLang="en-US"/>
           </a:p>
@@ -2268,7 +2268,7 @@
           <a:p>
             <a:fld id="{0BAC3E48-7ABA-D441-94D0-3B3C6F86371F}" type="datetimeFigureOut">
               <a:rPr kumimoji="1" lang="zh-CN" altLang="en-US" smtClean="0"/>
-              <a:t>18/12/23</a:t>
+              <a:t>19/1/17</a:t>
             </a:fld>
             <a:endParaRPr kumimoji="1" lang="zh-CN" altLang="en-US"/>
           </a:p>
@@ -2521,7 +2521,7 @@
           <a:p>
             <a:fld id="{0BAC3E48-7ABA-D441-94D0-3B3C6F86371F}" type="datetimeFigureOut">
               <a:rPr kumimoji="1" lang="zh-CN" altLang="en-US" smtClean="0"/>
-              <a:t>18/12/23</a:t>
+              <a:t>19/1/17</a:t>
             </a:fld>
             <a:endParaRPr kumimoji="1" lang="zh-CN" altLang="en-US"/>
           </a:p>
@@ -2734,7 +2734,7 @@
           <a:p>
             <a:fld id="{0BAC3E48-7ABA-D441-94D0-3B3C6F86371F}" type="datetimeFigureOut">
               <a:rPr kumimoji="1" lang="zh-CN" altLang="en-US" smtClean="0"/>
-              <a:t>18/12/23</a:t>
+              <a:t>19/1/17</a:t>
             </a:fld>
             <a:endParaRPr kumimoji="1" lang="zh-CN" altLang="en-US"/>
           </a:p>
@@ -4135,8 +4135,8 @@
         </p:nvSpPr>
         <p:spPr>
           <a:xfrm>
-            <a:off x="4843931" y="4412521"/>
-            <a:ext cx="3262432" cy="400110"/>
+            <a:off x="4716016" y="4412521"/>
+            <a:ext cx="3390347" cy="400110"/>
           </a:xfrm>
           <a:prstGeom prst="rect">
             <a:avLst/>
@@ -4144,7 +4144,7 @@
           <a:noFill/>
         </p:spPr>
         <p:txBody>
-          <a:bodyPr wrap="none" rtlCol="0">
+          <a:bodyPr wrap="square" rtlCol="0">
             <a:spAutoFit/>
           </a:bodyPr>
           <a:lstStyle/>
@@ -4190,7 +4190,7 @@
         </p:nvSpPr>
         <p:spPr>
           <a:xfrm>
-            <a:off x="4843931" y="5610331"/>
+            <a:off x="4768283" y="5610331"/>
             <a:ext cx="3005951" cy="400110"/>
           </a:xfrm>
           <a:prstGeom prst="rect">
@@ -4744,6 +4744,112 @@
           </a:prstGeom>
         </p:spPr>
       </p:pic>
+      <p:sp>
+        <p:nvSpPr>
+          <p:cNvPr id="4" name="文本框 3"/>
+          <p:cNvSpPr txBox="1"/>
+          <p:nvPr/>
+        </p:nvSpPr>
+        <p:spPr>
+          <a:xfrm>
+            <a:off x="1737894" y="1216526"/>
+            <a:ext cx="4291263" cy="646331"/>
+          </a:xfrm>
+          <a:prstGeom prst="rect">
+            <a:avLst/>
+          </a:prstGeom>
+          <a:noFill/>
+        </p:spPr>
+        <p:txBody>
+          <a:bodyPr wrap="square" rtlCol="0">
+            <a:spAutoFit/>
+          </a:bodyPr>
+          <a:lstStyle/>
+          <a:p>
+            <a:r>
+              <a:rPr kumimoji="1" lang="zh-CN" altLang="en-US" dirty="0" smtClean="0"/>
+              <a:t>项目是为创造独特的产品、服务或成果而进行的临时性工作。</a:t>
+            </a:r>
+            <a:endParaRPr kumimoji="1" lang="zh-CN" altLang="en-US" dirty="0"/>
+          </a:p>
+        </p:txBody>
+      </p:sp>
+      <p:sp>
+        <p:nvSpPr>
+          <p:cNvPr id="6" name="文本框 5"/>
+          <p:cNvSpPr txBox="1"/>
+          <p:nvPr/>
+        </p:nvSpPr>
+        <p:spPr>
+          <a:xfrm>
+            <a:off x="2058737" y="2633579"/>
+            <a:ext cx="3810000" cy="923330"/>
+          </a:xfrm>
+          <a:prstGeom prst="rect">
+            <a:avLst/>
+          </a:prstGeom>
+          <a:noFill/>
+        </p:spPr>
+        <p:txBody>
+          <a:bodyPr wrap="square" rtlCol="0">
+            <a:spAutoFit/>
+          </a:bodyPr>
+          <a:lstStyle/>
+          <a:p>
+            <a:r>
+              <a:rPr kumimoji="1" lang="zh-CN" altLang="en-US" dirty="0" smtClean="0"/>
+              <a:t>项目管理就是将知识、技能、工具与技术应用于项目活动中，以完成项目。</a:t>
+            </a:r>
+            <a:endParaRPr kumimoji="1" lang="zh-CN" altLang="en-US" dirty="0"/>
+          </a:p>
+        </p:txBody>
+      </p:sp>
+      <p:sp>
+        <p:nvSpPr>
+          <p:cNvPr id="7" name="文本框 6"/>
+          <p:cNvSpPr txBox="1"/>
+          <p:nvPr/>
+        </p:nvSpPr>
+        <p:spPr>
+          <a:xfrm>
+            <a:off x="2058736" y="2130425"/>
+            <a:ext cx="3582737" cy="369332"/>
+          </a:xfrm>
+          <a:prstGeom prst="rect">
+            <a:avLst/>
+          </a:prstGeom>
+          <a:noFill/>
+        </p:spPr>
+        <p:txBody>
+          <a:bodyPr wrap="square" rtlCol="0">
+            <a:spAutoFit/>
+          </a:bodyPr>
+          <a:lstStyle/>
+          <a:p>
+            <a:r>
+              <a:rPr kumimoji="1" lang="zh-CN" altLang="en-US" dirty="0" smtClean="0"/>
+              <a:t>项目 </a:t>
+            </a:r>
+            <a:r>
+              <a:rPr kumimoji="1" lang="mr-IN" altLang="zh-CN" dirty="0" smtClean="0"/>
+              <a:t>–</a:t>
+            </a:r>
+            <a:r>
+              <a:rPr kumimoji="1" lang="zh-CN" altLang="en-US" dirty="0" smtClean="0"/>
+              <a:t> 项目集 </a:t>
+            </a:r>
+            <a:r>
+              <a:rPr kumimoji="1" lang="mr-IN" altLang="zh-CN" dirty="0" smtClean="0"/>
+              <a:t>–</a:t>
+            </a:r>
+            <a:r>
+              <a:rPr kumimoji="1" lang="zh-CN" altLang="en-US" dirty="0" smtClean="0"/>
+              <a:t> 项目组合</a:t>
+            </a:r>
+            <a:endParaRPr kumimoji="1" lang="zh-CN" altLang="en-US" dirty="0"/>
+          </a:p>
+        </p:txBody>
+      </p:sp>
     </p:spTree>
     <p:extLst>
       <p:ext uri="{BB962C8B-B14F-4D97-AF65-F5344CB8AC3E}">
@@ -4849,6 +4955,503 @@
           </a:prstGeom>
         </p:spPr>
       </p:pic>
+      <p:sp>
+        <p:nvSpPr>
+          <p:cNvPr id="6" name="文本框 5"/>
+          <p:cNvSpPr txBox="1"/>
+          <p:nvPr/>
+        </p:nvSpPr>
+        <p:spPr>
+          <a:xfrm>
+            <a:off x="481263" y="619794"/>
+            <a:ext cx="6831264" cy="369332"/>
+          </a:xfrm>
+          <a:prstGeom prst="rect">
+            <a:avLst/>
+          </a:prstGeom>
+          <a:solidFill>
+            <a:schemeClr val="accent6">
+              <a:lumMod val="60000"/>
+              <a:lumOff val="40000"/>
+            </a:schemeClr>
+          </a:solidFill>
+        </p:spPr>
+        <p:txBody>
+          <a:bodyPr wrap="square" rtlCol="0">
+            <a:spAutoFit/>
+          </a:bodyPr>
+          <a:lstStyle/>
+          <a:p>
+            <a:r>
+              <a:rPr kumimoji="1" lang="zh-CN" altLang="en-US" dirty="0" smtClean="0"/>
+              <a:t>                 海那边服务互联网平台</a:t>
+            </a:r>
+            <a:endParaRPr kumimoji="1" lang="zh-CN" altLang="en-US" dirty="0"/>
+          </a:p>
+        </p:txBody>
+      </p:sp>
+      <p:sp>
+        <p:nvSpPr>
+          <p:cNvPr id="7" name="文本框 6"/>
+          <p:cNvSpPr txBox="1"/>
+          <p:nvPr/>
+        </p:nvSpPr>
+        <p:spPr>
+          <a:xfrm>
+            <a:off x="481263" y="5269468"/>
+            <a:ext cx="6831264" cy="369332"/>
+          </a:xfrm>
+          <a:prstGeom prst="rect">
+            <a:avLst/>
+          </a:prstGeom>
+          <a:solidFill>
+            <a:schemeClr val="accent6">
+              <a:lumMod val="60000"/>
+              <a:lumOff val="40000"/>
+            </a:schemeClr>
+          </a:solidFill>
+        </p:spPr>
+        <p:txBody>
+          <a:bodyPr wrap="square" rtlCol="0">
+            <a:spAutoFit/>
+          </a:bodyPr>
+          <a:lstStyle/>
+          <a:p>
+            <a:r>
+              <a:rPr kumimoji="1" lang="zh-CN" altLang="en-US" dirty="0" smtClean="0"/>
+              <a:t>                            共享资源</a:t>
+            </a:r>
+            <a:endParaRPr kumimoji="1" lang="zh-CN" altLang="en-US" dirty="0"/>
+          </a:p>
+        </p:txBody>
+      </p:sp>
+      <p:sp>
+        <p:nvSpPr>
+          <p:cNvPr id="12" name="文本框 11"/>
+          <p:cNvSpPr txBox="1"/>
+          <p:nvPr/>
+        </p:nvSpPr>
+        <p:spPr>
+          <a:xfrm>
+            <a:off x="685800" y="4234616"/>
+            <a:ext cx="985253" cy="369332"/>
+          </a:xfrm>
+          <a:prstGeom prst="rect">
+            <a:avLst/>
+          </a:prstGeom>
+          <a:solidFill>
+            <a:schemeClr val="accent6">
+              <a:lumMod val="60000"/>
+              <a:lumOff val="40000"/>
+            </a:schemeClr>
+          </a:solidFill>
+        </p:spPr>
+        <p:txBody>
+          <a:bodyPr wrap="square" rtlCol="0">
+            <a:spAutoFit/>
+          </a:bodyPr>
+          <a:lstStyle/>
+          <a:p>
+            <a:r>
+              <a:rPr kumimoji="1" lang="zh-CN" altLang="en-US" dirty="0" smtClean="0"/>
+              <a:t> </a:t>
+            </a:r>
+            <a:r>
+              <a:rPr kumimoji="1" lang="en-US" altLang="zh-CN" dirty="0" err="1" smtClean="0"/>
+              <a:t>iOS</a:t>
+            </a:r>
+            <a:r>
+              <a:rPr kumimoji="1" lang="zh-CN" altLang="en-US" dirty="0" smtClean="0"/>
+              <a:t> </a:t>
+            </a:r>
+            <a:r>
+              <a:rPr kumimoji="1" lang="en-US" altLang="zh-CN" dirty="0" smtClean="0"/>
+              <a:t>APP</a:t>
+            </a:r>
+            <a:endParaRPr kumimoji="1" lang="zh-CN" altLang="en-US" dirty="0"/>
+          </a:p>
+        </p:txBody>
+      </p:sp>
+      <p:sp>
+        <p:nvSpPr>
+          <p:cNvPr id="13" name="文本框 12"/>
+          <p:cNvSpPr txBox="1"/>
+          <p:nvPr/>
+        </p:nvSpPr>
+        <p:spPr>
+          <a:xfrm>
+            <a:off x="1858209" y="4221088"/>
+            <a:ext cx="1430423" cy="369332"/>
+          </a:xfrm>
+          <a:prstGeom prst="rect">
+            <a:avLst/>
+          </a:prstGeom>
+          <a:solidFill>
+            <a:schemeClr val="accent6">
+              <a:lumMod val="60000"/>
+              <a:lumOff val="40000"/>
+            </a:schemeClr>
+          </a:solidFill>
+        </p:spPr>
+        <p:txBody>
+          <a:bodyPr wrap="square" rtlCol="0">
+            <a:spAutoFit/>
+          </a:bodyPr>
+          <a:lstStyle/>
+          <a:p>
+            <a:r>
+              <a:rPr kumimoji="1" lang="en-US" altLang="zh-CN" dirty="0" smtClean="0"/>
+              <a:t>Android</a:t>
+            </a:r>
+            <a:r>
+              <a:rPr kumimoji="1" lang="zh-CN" altLang="en-US" dirty="0" smtClean="0"/>
+              <a:t> </a:t>
+            </a:r>
+            <a:r>
+              <a:rPr kumimoji="1" lang="en-US" altLang="zh-CN" dirty="0" smtClean="0"/>
+              <a:t>APP</a:t>
+            </a:r>
+            <a:r>
+              <a:rPr kumimoji="1" lang="zh-CN" altLang="en-US" dirty="0" smtClean="0"/>
+              <a:t> </a:t>
+            </a:r>
+            <a:endParaRPr kumimoji="1" lang="zh-CN" altLang="en-US" dirty="0"/>
+          </a:p>
+        </p:txBody>
+      </p:sp>
+      <p:sp>
+        <p:nvSpPr>
+          <p:cNvPr id="14" name="文本框 13"/>
+          <p:cNvSpPr txBox="1"/>
+          <p:nvPr/>
+        </p:nvSpPr>
+        <p:spPr>
+          <a:xfrm>
+            <a:off x="3622842" y="4221088"/>
+            <a:ext cx="917073" cy="369332"/>
+          </a:xfrm>
+          <a:prstGeom prst="rect">
+            <a:avLst/>
+          </a:prstGeom>
+          <a:solidFill>
+            <a:schemeClr val="accent6">
+              <a:lumMod val="60000"/>
+              <a:lumOff val="40000"/>
+            </a:schemeClr>
+          </a:solidFill>
+        </p:spPr>
+        <p:txBody>
+          <a:bodyPr wrap="square" rtlCol="0">
+            <a:spAutoFit/>
+          </a:bodyPr>
+          <a:lstStyle/>
+          <a:p>
+            <a:r>
+              <a:rPr kumimoji="1" lang="zh-CN" altLang="en-US" dirty="0" smtClean="0"/>
+              <a:t>小程序 </a:t>
+            </a:r>
+            <a:endParaRPr kumimoji="1" lang="zh-CN" altLang="en-US" dirty="0"/>
+          </a:p>
+        </p:txBody>
+      </p:sp>
+      <p:sp>
+        <p:nvSpPr>
+          <p:cNvPr id="15" name="文本框 14"/>
+          <p:cNvSpPr txBox="1"/>
+          <p:nvPr/>
+        </p:nvSpPr>
+        <p:spPr>
+          <a:xfrm>
+            <a:off x="2458457" y="2533152"/>
+            <a:ext cx="1069472" cy="369332"/>
+          </a:xfrm>
+          <a:prstGeom prst="rect">
+            <a:avLst/>
+          </a:prstGeom>
+          <a:solidFill>
+            <a:schemeClr val="accent6">
+              <a:lumMod val="60000"/>
+              <a:lumOff val="40000"/>
+            </a:schemeClr>
+          </a:solidFill>
+        </p:spPr>
+        <p:txBody>
+          <a:bodyPr wrap="square" rtlCol="0">
+            <a:spAutoFit/>
+          </a:bodyPr>
+          <a:lstStyle/>
+          <a:p>
+            <a:r>
+              <a:rPr kumimoji="1" lang="zh-CN" altLang="en-US" dirty="0" smtClean="0"/>
+              <a:t> </a:t>
+            </a:r>
+            <a:r>
+              <a:rPr kumimoji="1" lang="en-US" altLang="zh-CN" dirty="0" smtClean="0"/>
+              <a:t>PC</a:t>
+            </a:r>
+            <a:r>
+              <a:rPr kumimoji="1" lang="zh-CN" altLang="en-US" dirty="0" smtClean="0"/>
+              <a:t>网站 </a:t>
+            </a:r>
+            <a:endParaRPr kumimoji="1" lang="zh-CN" altLang="en-US" dirty="0"/>
+          </a:p>
+        </p:txBody>
+      </p:sp>
+      <p:sp>
+        <p:nvSpPr>
+          <p:cNvPr id="17" name="文本框 16"/>
+          <p:cNvSpPr txBox="1"/>
+          <p:nvPr/>
+        </p:nvSpPr>
+        <p:spPr>
+          <a:xfrm>
+            <a:off x="685800" y="2544347"/>
+            <a:ext cx="1358235" cy="369332"/>
+          </a:xfrm>
+          <a:prstGeom prst="rect">
+            <a:avLst/>
+          </a:prstGeom>
+          <a:solidFill>
+            <a:schemeClr val="accent6">
+              <a:lumMod val="60000"/>
+              <a:lumOff val="40000"/>
+            </a:schemeClr>
+          </a:solidFill>
+        </p:spPr>
+        <p:txBody>
+          <a:bodyPr wrap="square" rtlCol="0">
+            <a:spAutoFit/>
+          </a:bodyPr>
+          <a:lstStyle/>
+          <a:p>
+            <a:r>
+              <a:rPr kumimoji="1" lang="zh-CN" altLang="en-US" dirty="0" smtClean="0"/>
+              <a:t>移动端产品 </a:t>
+            </a:r>
+            <a:endParaRPr kumimoji="1" lang="zh-CN" altLang="en-US" dirty="0"/>
+          </a:p>
+        </p:txBody>
+      </p:sp>
+      <p:sp>
+        <p:nvSpPr>
+          <p:cNvPr id="18" name="文本框 17"/>
+          <p:cNvSpPr txBox="1"/>
+          <p:nvPr/>
+        </p:nvSpPr>
+        <p:spPr>
+          <a:xfrm>
+            <a:off x="7833894" y="2533152"/>
+            <a:ext cx="1064129" cy="369332"/>
+          </a:xfrm>
+          <a:prstGeom prst="rect">
+            <a:avLst/>
+          </a:prstGeom>
+          <a:solidFill>
+            <a:srgbClr val="FF6600"/>
+          </a:solidFill>
+        </p:spPr>
+        <p:txBody>
+          <a:bodyPr wrap="square" rtlCol="0">
+            <a:spAutoFit/>
+          </a:bodyPr>
+          <a:lstStyle/>
+          <a:p>
+            <a:r>
+              <a:rPr kumimoji="1" lang="zh-CN" altLang="en-US" dirty="0"/>
+              <a:t> 项目集</a:t>
+            </a:r>
+          </a:p>
+        </p:txBody>
+      </p:sp>
+      <p:sp>
+        <p:nvSpPr>
+          <p:cNvPr id="19" name="文本框 18"/>
+          <p:cNvSpPr txBox="1"/>
+          <p:nvPr/>
+        </p:nvSpPr>
+        <p:spPr>
+          <a:xfrm>
+            <a:off x="7926136" y="4265700"/>
+            <a:ext cx="910394" cy="369332"/>
+          </a:xfrm>
+          <a:prstGeom prst="rect">
+            <a:avLst/>
+          </a:prstGeom>
+          <a:solidFill>
+            <a:srgbClr val="FF6600"/>
+          </a:solidFill>
+        </p:spPr>
+        <p:txBody>
+          <a:bodyPr wrap="square" rtlCol="0">
+            <a:spAutoFit/>
+          </a:bodyPr>
+          <a:lstStyle/>
+          <a:p>
+            <a:r>
+              <a:rPr kumimoji="1" lang="zh-CN" altLang="en-US" dirty="0" smtClean="0"/>
+              <a:t> 项目 </a:t>
+            </a:r>
+            <a:endParaRPr kumimoji="1" lang="zh-CN" altLang="en-US" dirty="0"/>
+          </a:p>
+        </p:txBody>
+      </p:sp>
+      <p:sp>
+        <p:nvSpPr>
+          <p:cNvPr id="20" name="文本框 19"/>
+          <p:cNvSpPr txBox="1"/>
+          <p:nvPr/>
+        </p:nvSpPr>
+        <p:spPr>
+          <a:xfrm>
+            <a:off x="7772400" y="619794"/>
+            <a:ext cx="1283371" cy="369332"/>
+          </a:xfrm>
+          <a:prstGeom prst="rect">
+            <a:avLst/>
+          </a:prstGeom>
+          <a:solidFill>
+            <a:srgbClr val="FF6600"/>
+          </a:solidFill>
+        </p:spPr>
+        <p:txBody>
+          <a:bodyPr wrap="square" rtlCol="0">
+            <a:spAutoFit/>
+          </a:bodyPr>
+          <a:lstStyle/>
+          <a:p>
+            <a:r>
+              <a:rPr kumimoji="1" lang="zh-CN" altLang="en-US" dirty="0"/>
+              <a:t> </a:t>
+            </a:r>
+            <a:r>
+              <a:rPr kumimoji="1" lang="zh-CN" altLang="en-US" dirty="0" smtClean="0"/>
+              <a:t>项目</a:t>
+            </a:r>
+            <a:r>
+              <a:rPr kumimoji="1" lang="zh-CN" altLang="en-US" dirty="0" smtClean="0"/>
+              <a:t>组合</a:t>
+            </a:r>
+            <a:endParaRPr kumimoji="1" lang="zh-CN" altLang="en-US" dirty="0"/>
+          </a:p>
+        </p:txBody>
+      </p:sp>
+      <p:sp>
+        <p:nvSpPr>
+          <p:cNvPr id="21" name="文本框 20"/>
+          <p:cNvSpPr txBox="1"/>
+          <p:nvPr/>
+        </p:nvSpPr>
+        <p:spPr>
+          <a:xfrm>
+            <a:off x="3848771" y="2544347"/>
+            <a:ext cx="2646948" cy="369332"/>
+          </a:xfrm>
+          <a:prstGeom prst="rect">
+            <a:avLst/>
+          </a:prstGeom>
+          <a:solidFill>
+            <a:schemeClr val="accent6">
+              <a:lumMod val="60000"/>
+              <a:lumOff val="40000"/>
+            </a:schemeClr>
+          </a:solidFill>
+        </p:spPr>
+        <p:txBody>
+          <a:bodyPr wrap="square" rtlCol="0">
+            <a:spAutoFit/>
+          </a:bodyPr>
+          <a:lstStyle/>
+          <a:p>
+            <a:r>
+              <a:rPr kumimoji="1" lang="zh-CN" altLang="en-US" dirty="0" smtClean="0"/>
+              <a:t> 大数据统计与分析系统 </a:t>
+            </a:r>
+            <a:endParaRPr kumimoji="1" lang="zh-CN" altLang="en-US" dirty="0"/>
+          </a:p>
+        </p:txBody>
+      </p:sp>
+      <p:sp>
+        <p:nvSpPr>
+          <p:cNvPr id="23" name="上箭头 22"/>
+          <p:cNvSpPr/>
+          <p:nvPr/>
+        </p:nvSpPr>
+        <p:spPr>
+          <a:xfrm>
+            <a:off x="8090836" y="3111246"/>
+            <a:ext cx="484632" cy="978408"/>
+          </a:xfrm>
+          <a:prstGeom prst="upArrow">
+            <a:avLst/>
+          </a:prstGeom>
+          <a:solidFill>
+            <a:srgbClr val="FF6600"/>
+          </a:solidFill>
+        </p:spPr>
+        <p:style>
+          <a:lnRef idx="1">
+            <a:schemeClr val="accent1"/>
+          </a:lnRef>
+          <a:fillRef idx="3">
+            <a:schemeClr val="accent1"/>
+          </a:fillRef>
+          <a:effectRef idx="2">
+            <a:schemeClr val="accent1"/>
+          </a:effectRef>
+          <a:fontRef idx="minor">
+            <a:schemeClr val="lt1"/>
+          </a:fontRef>
+        </p:style>
+        <p:txBody>
+          <a:bodyPr rtlCol="0" anchor="ctr"/>
+          <a:lstStyle/>
+          <a:p>
+            <a:pPr algn="ctr"/>
+            <a:endParaRPr kumimoji="1" lang="zh-CN" altLang="en-US"/>
+          </a:p>
+        </p:txBody>
+      </p:sp>
+      <p:sp>
+        <p:nvSpPr>
+          <p:cNvPr id="24" name="上箭头 23"/>
+          <p:cNvSpPr/>
+          <p:nvPr/>
+        </p:nvSpPr>
+        <p:spPr>
+          <a:xfrm>
+            <a:off x="8100194" y="1156362"/>
+            <a:ext cx="484632" cy="1249954"/>
+          </a:xfrm>
+          <a:prstGeom prst="upArrow">
+            <a:avLst/>
+          </a:prstGeom>
+          <a:solidFill>
+            <a:srgbClr val="FF6600"/>
+          </a:solidFill>
+        </p:spPr>
+        <p:style>
+          <a:lnRef idx="1">
+            <a:schemeClr val="accent1"/>
+          </a:lnRef>
+          <a:fillRef idx="3">
+            <a:schemeClr val="accent1"/>
+          </a:fillRef>
+          <a:effectRef idx="2">
+            <a:schemeClr val="accent1"/>
+          </a:effectRef>
+          <a:fontRef idx="minor">
+            <a:schemeClr val="lt1"/>
+          </a:fontRef>
+        </p:style>
+        <p:txBody>
+          <a:bodyPr rtlCol="0" anchor="ctr"/>
+          <a:lstStyle/>
+          <a:p>
+            <a:pPr algn="ctr"/>
+            <a:endParaRPr kumimoji="1" lang="zh-CN" altLang="en-US"/>
+          </a:p>
+        </p:txBody>
+      </p:sp>
     </p:spTree>
     <p:extLst>
       <p:ext uri="{BB962C8B-B14F-4D97-AF65-F5344CB8AC3E}">
@@ -4862,9 +5465,592 @@
   <p:timing>
     <p:tnLst>
       <p:par>
-        <p:cTn xmlns:p14="http://schemas.microsoft.com/office/powerpoint/2010/main" id="1" dur="indefinite" restart="never" nodeType="tmRoot"/>
+        <p:cTn xmlns:p14="http://schemas.microsoft.com/office/powerpoint/2010/main" id="1" dur="indefinite" restart="never" nodeType="tmRoot">
+          <p:childTnLst>
+            <p:seq concurrent="1" nextAc="seek">
+              <p:cTn id="2" dur="indefinite" nodeType="mainSeq">
+                <p:childTnLst>
+                  <p:par>
+                    <p:cTn id="3" fill="hold">
+                      <p:stCondLst>
+                        <p:cond delay="indefinite"/>
+                      </p:stCondLst>
+                      <p:childTnLst>
+                        <p:par>
+                          <p:cTn id="4" fill="hold">
+                            <p:stCondLst>
+                              <p:cond delay="0"/>
+                            </p:stCondLst>
+                            <p:childTnLst>
+                              <p:par>
+                                <p:cTn id="5" presetID="3" presetClass="entr" presetSubtype="10" fill="hold" grpId="0" nodeType="clickEffect">
+                                  <p:stCondLst>
+                                    <p:cond delay="0"/>
+                                  </p:stCondLst>
+                                  <p:childTnLst>
+                                    <p:set>
+                                      <p:cBhvr>
+                                        <p:cTn id="6" dur="1" fill="hold">
+                                          <p:stCondLst>
+                                            <p:cond delay="0"/>
+                                          </p:stCondLst>
+                                        </p:cTn>
+                                        <p:tgtEl>
+                                          <p:spTgt spid="18"/>
+                                        </p:tgtEl>
+                                        <p:attrNameLst>
+                                          <p:attrName>style.visibility</p:attrName>
+                                        </p:attrNameLst>
+                                      </p:cBhvr>
+                                      <p:to>
+                                        <p:strVal val="visible"/>
+                                      </p:to>
+                                    </p:set>
+                                    <p:animEffect transition="in" filter="blinds(horizontal)">
+                                      <p:cBhvr>
+                                        <p:cTn id="7" dur="500"/>
+                                        <p:tgtEl>
+                                          <p:spTgt spid="18"/>
+                                        </p:tgtEl>
+                                      </p:cBhvr>
+                                    </p:animEffect>
+                                  </p:childTnLst>
+                                </p:cTn>
+                              </p:par>
+                              <p:par>
+                                <p:cTn id="8" presetID="3" presetClass="entr" presetSubtype="10" fill="hold" grpId="0" nodeType="withEffect">
+                                  <p:stCondLst>
+                                    <p:cond delay="0"/>
+                                  </p:stCondLst>
+                                  <p:childTnLst>
+                                    <p:set>
+                                      <p:cBhvr>
+                                        <p:cTn id="9" dur="1" fill="hold">
+                                          <p:stCondLst>
+                                            <p:cond delay="0"/>
+                                          </p:stCondLst>
+                                        </p:cTn>
+                                        <p:tgtEl>
+                                          <p:spTgt spid="19"/>
+                                        </p:tgtEl>
+                                        <p:attrNameLst>
+                                          <p:attrName>style.visibility</p:attrName>
+                                        </p:attrNameLst>
+                                      </p:cBhvr>
+                                      <p:to>
+                                        <p:strVal val="visible"/>
+                                      </p:to>
+                                    </p:set>
+                                    <p:animEffect transition="in" filter="blinds(horizontal)">
+                                      <p:cBhvr>
+                                        <p:cTn id="10" dur="500"/>
+                                        <p:tgtEl>
+                                          <p:spTgt spid="19"/>
+                                        </p:tgtEl>
+                                      </p:cBhvr>
+                                    </p:animEffect>
+                                  </p:childTnLst>
+                                </p:cTn>
+                              </p:par>
+                              <p:par>
+                                <p:cTn id="11" presetID="3" presetClass="entr" presetSubtype="10" fill="hold" grpId="0" nodeType="withEffect">
+                                  <p:stCondLst>
+                                    <p:cond delay="0"/>
+                                  </p:stCondLst>
+                                  <p:childTnLst>
+                                    <p:set>
+                                      <p:cBhvr>
+                                        <p:cTn id="12" dur="1" fill="hold">
+                                          <p:stCondLst>
+                                            <p:cond delay="0"/>
+                                          </p:stCondLst>
+                                        </p:cTn>
+                                        <p:tgtEl>
+                                          <p:spTgt spid="23"/>
+                                        </p:tgtEl>
+                                        <p:attrNameLst>
+                                          <p:attrName>style.visibility</p:attrName>
+                                        </p:attrNameLst>
+                                      </p:cBhvr>
+                                      <p:to>
+                                        <p:strVal val="visible"/>
+                                      </p:to>
+                                    </p:set>
+                                    <p:animEffect transition="in" filter="blinds(horizontal)">
+                                      <p:cBhvr>
+                                        <p:cTn id="13" dur="500"/>
+                                        <p:tgtEl>
+                                          <p:spTgt spid="23"/>
+                                        </p:tgtEl>
+                                      </p:cBhvr>
+                                    </p:animEffect>
+                                  </p:childTnLst>
+                                </p:cTn>
+                              </p:par>
+                              <p:par>
+                                <p:cTn id="14" presetID="3" presetClass="entr" presetSubtype="10" fill="hold" grpId="0" nodeType="withEffect">
+                                  <p:stCondLst>
+                                    <p:cond delay="0"/>
+                                  </p:stCondLst>
+                                  <p:childTnLst>
+                                    <p:set>
+                                      <p:cBhvr>
+                                        <p:cTn id="15" dur="1" fill="hold">
+                                          <p:stCondLst>
+                                            <p:cond delay="0"/>
+                                          </p:stCondLst>
+                                        </p:cTn>
+                                        <p:tgtEl>
+                                          <p:spTgt spid="24"/>
+                                        </p:tgtEl>
+                                        <p:attrNameLst>
+                                          <p:attrName>style.visibility</p:attrName>
+                                        </p:attrNameLst>
+                                      </p:cBhvr>
+                                      <p:to>
+                                        <p:strVal val="visible"/>
+                                      </p:to>
+                                    </p:set>
+                                    <p:animEffect transition="in" filter="blinds(horizontal)">
+                                      <p:cBhvr>
+                                        <p:cTn id="16" dur="500"/>
+                                        <p:tgtEl>
+                                          <p:spTgt spid="24"/>
+                                        </p:tgtEl>
+                                      </p:cBhvr>
+                                    </p:animEffect>
+                                  </p:childTnLst>
+                                </p:cTn>
+                              </p:par>
+                              <p:par>
+                                <p:cTn id="17" presetID="3" presetClass="entr" presetSubtype="10" fill="hold" grpId="0" nodeType="withEffect">
+                                  <p:stCondLst>
+                                    <p:cond delay="0"/>
+                                  </p:stCondLst>
+                                  <p:childTnLst>
+                                    <p:set>
+                                      <p:cBhvr>
+                                        <p:cTn id="18" dur="1" fill="hold">
+                                          <p:stCondLst>
+                                            <p:cond delay="0"/>
+                                          </p:stCondLst>
+                                        </p:cTn>
+                                        <p:tgtEl>
+                                          <p:spTgt spid="20"/>
+                                        </p:tgtEl>
+                                        <p:attrNameLst>
+                                          <p:attrName>style.visibility</p:attrName>
+                                        </p:attrNameLst>
+                                      </p:cBhvr>
+                                      <p:to>
+                                        <p:strVal val="visible"/>
+                                      </p:to>
+                                    </p:set>
+                                    <p:animEffect transition="in" filter="blinds(horizontal)">
+                                      <p:cBhvr>
+                                        <p:cTn id="19" dur="500"/>
+                                        <p:tgtEl>
+                                          <p:spTgt spid="20"/>
+                                        </p:tgtEl>
+                                      </p:cBhvr>
+                                    </p:animEffect>
+                                  </p:childTnLst>
+                                </p:cTn>
+                              </p:par>
+                            </p:childTnLst>
+                          </p:cTn>
+                        </p:par>
+                      </p:childTnLst>
+                    </p:cTn>
+                  </p:par>
+                  <p:par>
+                    <p:cTn id="20" fill="hold">
+                      <p:stCondLst>
+                        <p:cond delay="indefinite"/>
+                      </p:stCondLst>
+                      <p:childTnLst>
+                        <p:par>
+                          <p:cTn id="21" fill="hold">
+                            <p:stCondLst>
+                              <p:cond delay="0"/>
+                            </p:stCondLst>
+                            <p:childTnLst>
+                              <p:par>
+                                <p:cTn id="22" presetID="3" presetClass="entr" presetSubtype="10" fill="hold" grpId="0" nodeType="clickEffect">
+                                  <p:stCondLst>
+                                    <p:cond delay="0"/>
+                                  </p:stCondLst>
+                                  <p:childTnLst>
+                                    <p:set>
+                                      <p:cBhvr>
+                                        <p:cTn id="23" dur="1" fill="hold">
+                                          <p:stCondLst>
+                                            <p:cond delay="0"/>
+                                          </p:stCondLst>
+                                        </p:cTn>
+                                        <p:tgtEl>
+                                          <p:spTgt spid="7"/>
+                                        </p:tgtEl>
+                                        <p:attrNameLst>
+                                          <p:attrName>style.visibility</p:attrName>
+                                        </p:attrNameLst>
+                                      </p:cBhvr>
+                                      <p:to>
+                                        <p:strVal val="visible"/>
+                                      </p:to>
+                                    </p:set>
+                                    <p:animEffect transition="in" filter="blinds(horizontal)">
+                                      <p:cBhvr>
+                                        <p:cTn id="24" dur="500"/>
+                                        <p:tgtEl>
+                                          <p:spTgt spid="7"/>
+                                        </p:tgtEl>
+                                      </p:cBhvr>
+                                    </p:animEffect>
+                                  </p:childTnLst>
+                                </p:cTn>
+                              </p:par>
+                            </p:childTnLst>
+                          </p:cTn>
+                        </p:par>
+                      </p:childTnLst>
+                    </p:cTn>
+                  </p:par>
+                  <p:par>
+                    <p:cTn id="25" fill="hold">
+                      <p:stCondLst>
+                        <p:cond delay="indefinite"/>
+                      </p:stCondLst>
+                      <p:childTnLst>
+                        <p:par>
+                          <p:cTn id="26" fill="hold">
+                            <p:stCondLst>
+                              <p:cond delay="0"/>
+                            </p:stCondLst>
+                            <p:childTnLst>
+                              <p:par>
+                                <p:cTn id="27" presetID="3" presetClass="entr" presetSubtype="10" fill="hold" grpId="0" nodeType="clickEffect">
+                                  <p:stCondLst>
+                                    <p:cond delay="0"/>
+                                  </p:stCondLst>
+                                  <p:childTnLst>
+                                    <p:set>
+                                      <p:cBhvr>
+                                        <p:cTn id="28" dur="1" fill="hold">
+                                          <p:stCondLst>
+                                            <p:cond delay="0"/>
+                                          </p:stCondLst>
+                                        </p:cTn>
+                                        <p:tgtEl>
+                                          <p:spTgt spid="14"/>
+                                        </p:tgtEl>
+                                        <p:attrNameLst>
+                                          <p:attrName>style.visibility</p:attrName>
+                                        </p:attrNameLst>
+                                      </p:cBhvr>
+                                      <p:to>
+                                        <p:strVal val="visible"/>
+                                      </p:to>
+                                    </p:set>
+                                    <p:animEffect transition="in" filter="blinds(horizontal)">
+                                      <p:cBhvr>
+                                        <p:cTn id="29" dur="500"/>
+                                        <p:tgtEl>
+                                          <p:spTgt spid="14"/>
+                                        </p:tgtEl>
+                                      </p:cBhvr>
+                                    </p:animEffect>
+                                  </p:childTnLst>
+                                </p:cTn>
+                              </p:par>
+                              <p:par>
+                                <p:cTn id="30" presetID="3" presetClass="entr" presetSubtype="10" fill="hold" grpId="0" nodeType="withEffect">
+                                  <p:stCondLst>
+                                    <p:cond delay="0"/>
+                                  </p:stCondLst>
+                                  <p:childTnLst>
+                                    <p:set>
+                                      <p:cBhvr>
+                                        <p:cTn id="31" dur="1" fill="hold">
+                                          <p:stCondLst>
+                                            <p:cond delay="0"/>
+                                          </p:stCondLst>
+                                        </p:cTn>
+                                        <p:tgtEl>
+                                          <p:spTgt spid="13"/>
+                                        </p:tgtEl>
+                                        <p:attrNameLst>
+                                          <p:attrName>style.visibility</p:attrName>
+                                        </p:attrNameLst>
+                                      </p:cBhvr>
+                                      <p:to>
+                                        <p:strVal val="visible"/>
+                                      </p:to>
+                                    </p:set>
+                                    <p:animEffect transition="in" filter="blinds(horizontal)">
+                                      <p:cBhvr>
+                                        <p:cTn id="32" dur="500"/>
+                                        <p:tgtEl>
+                                          <p:spTgt spid="13"/>
+                                        </p:tgtEl>
+                                      </p:cBhvr>
+                                    </p:animEffect>
+                                  </p:childTnLst>
+                                </p:cTn>
+                              </p:par>
+                              <p:par>
+                                <p:cTn id="33" presetID="3" presetClass="entr" presetSubtype="10" fill="hold" grpId="0" nodeType="withEffect">
+                                  <p:stCondLst>
+                                    <p:cond delay="0"/>
+                                  </p:stCondLst>
+                                  <p:childTnLst>
+                                    <p:set>
+                                      <p:cBhvr>
+                                        <p:cTn id="34" dur="1" fill="hold">
+                                          <p:stCondLst>
+                                            <p:cond delay="0"/>
+                                          </p:stCondLst>
+                                        </p:cTn>
+                                        <p:tgtEl>
+                                          <p:spTgt spid="12"/>
+                                        </p:tgtEl>
+                                        <p:attrNameLst>
+                                          <p:attrName>style.visibility</p:attrName>
+                                        </p:attrNameLst>
+                                      </p:cBhvr>
+                                      <p:to>
+                                        <p:strVal val="visible"/>
+                                      </p:to>
+                                    </p:set>
+                                    <p:animEffect transition="in" filter="blinds(horizontal)">
+                                      <p:cBhvr>
+                                        <p:cTn id="35" dur="500"/>
+                                        <p:tgtEl>
+                                          <p:spTgt spid="12"/>
+                                        </p:tgtEl>
+                                      </p:cBhvr>
+                                    </p:animEffect>
+                                  </p:childTnLst>
+                                </p:cTn>
+                              </p:par>
+                            </p:childTnLst>
+                          </p:cTn>
+                        </p:par>
+                      </p:childTnLst>
+                    </p:cTn>
+                  </p:par>
+                  <p:par>
+                    <p:cTn id="36" fill="hold">
+                      <p:stCondLst>
+                        <p:cond delay="indefinite"/>
+                      </p:stCondLst>
+                      <p:childTnLst>
+                        <p:par>
+                          <p:cTn id="37" fill="hold">
+                            <p:stCondLst>
+                              <p:cond delay="0"/>
+                            </p:stCondLst>
+                            <p:childTnLst>
+                              <p:par>
+                                <p:cTn id="38" presetID="3" presetClass="entr" presetSubtype="10" fill="hold" grpId="0" nodeType="clickEffect">
+                                  <p:stCondLst>
+                                    <p:cond delay="0"/>
+                                  </p:stCondLst>
+                                  <p:childTnLst>
+                                    <p:set>
+                                      <p:cBhvr>
+                                        <p:cTn id="39" dur="1" fill="hold">
+                                          <p:stCondLst>
+                                            <p:cond delay="0"/>
+                                          </p:stCondLst>
+                                        </p:cTn>
+                                        <p:tgtEl>
+                                          <p:spTgt spid="21"/>
+                                        </p:tgtEl>
+                                        <p:attrNameLst>
+                                          <p:attrName>style.visibility</p:attrName>
+                                        </p:attrNameLst>
+                                      </p:cBhvr>
+                                      <p:to>
+                                        <p:strVal val="visible"/>
+                                      </p:to>
+                                    </p:set>
+                                    <p:animEffect transition="in" filter="blinds(horizontal)">
+                                      <p:cBhvr>
+                                        <p:cTn id="40" dur="500"/>
+                                        <p:tgtEl>
+                                          <p:spTgt spid="21"/>
+                                        </p:tgtEl>
+                                      </p:cBhvr>
+                                    </p:animEffect>
+                                  </p:childTnLst>
+                                </p:cTn>
+                              </p:par>
+                              <p:par>
+                                <p:cTn id="41" presetID="3" presetClass="entr" presetSubtype="10" fill="hold" grpId="0" nodeType="withEffect">
+                                  <p:stCondLst>
+                                    <p:cond delay="0"/>
+                                  </p:stCondLst>
+                                  <p:childTnLst>
+                                    <p:set>
+                                      <p:cBhvr>
+                                        <p:cTn id="42" dur="1" fill="hold">
+                                          <p:stCondLst>
+                                            <p:cond delay="0"/>
+                                          </p:stCondLst>
+                                        </p:cTn>
+                                        <p:tgtEl>
+                                          <p:spTgt spid="15"/>
+                                        </p:tgtEl>
+                                        <p:attrNameLst>
+                                          <p:attrName>style.visibility</p:attrName>
+                                        </p:attrNameLst>
+                                      </p:cBhvr>
+                                      <p:to>
+                                        <p:strVal val="visible"/>
+                                      </p:to>
+                                    </p:set>
+                                    <p:animEffect transition="in" filter="blinds(horizontal)">
+                                      <p:cBhvr>
+                                        <p:cTn id="43" dur="500"/>
+                                        <p:tgtEl>
+                                          <p:spTgt spid="15"/>
+                                        </p:tgtEl>
+                                      </p:cBhvr>
+                                    </p:animEffect>
+                                  </p:childTnLst>
+                                </p:cTn>
+                              </p:par>
+                              <p:par>
+                                <p:cTn id="44" presetID="3" presetClass="entr" presetSubtype="10" fill="hold" grpId="0" nodeType="withEffect">
+                                  <p:stCondLst>
+                                    <p:cond delay="0"/>
+                                  </p:stCondLst>
+                                  <p:childTnLst>
+                                    <p:set>
+                                      <p:cBhvr>
+                                        <p:cTn id="45" dur="1" fill="hold">
+                                          <p:stCondLst>
+                                            <p:cond delay="0"/>
+                                          </p:stCondLst>
+                                        </p:cTn>
+                                        <p:tgtEl>
+                                          <p:spTgt spid="17"/>
+                                        </p:tgtEl>
+                                        <p:attrNameLst>
+                                          <p:attrName>style.visibility</p:attrName>
+                                        </p:attrNameLst>
+                                      </p:cBhvr>
+                                      <p:to>
+                                        <p:strVal val="visible"/>
+                                      </p:to>
+                                    </p:set>
+                                    <p:animEffect transition="in" filter="blinds(horizontal)">
+                                      <p:cBhvr>
+                                        <p:cTn id="46" dur="500"/>
+                                        <p:tgtEl>
+                                          <p:spTgt spid="17"/>
+                                        </p:tgtEl>
+                                      </p:cBhvr>
+                                    </p:animEffect>
+                                  </p:childTnLst>
+                                </p:cTn>
+                              </p:par>
+                            </p:childTnLst>
+                          </p:cTn>
+                        </p:par>
+                      </p:childTnLst>
+                    </p:cTn>
+                  </p:par>
+                  <p:par>
+                    <p:cTn id="47" fill="hold">
+                      <p:stCondLst>
+                        <p:cond delay="indefinite"/>
+                      </p:stCondLst>
+                      <p:childTnLst>
+                        <p:par>
+                          <p:cTn id="48" fill="hold">
+                            <p:stCondLst>
+                              <p:cond delay="0"/>
+                            </p:stCondLst>
+                            <p:childTnLst>
+                              <p:par>
+                                <p:cTn id="49" presetID="3" presetClass="entr" presetSubtype="10" fill="hold" grpId="0" nodeType="clickEffect">
+                                  <p:stCondLst>
+                                    <p:cond delay="0"/>
+                                  </p:stCondLst>
+                                  <p:childTnLst>
+                                    <p:set>
+                                      <p:cBhvr>
+                                        <p:cTn id="50" dur="1" fill="hold">
+                                          <p:stCondLst>
+                                            <p:cond delay="0"/>
+                                          </p:stCondLst>
+                                        </p:cTn>
+                                        <p:tgtEl>
+                                          <p:spTgt spid="6"/>
+                                        </p:tgtEl>
+                                        <p:attrNameLst>
+                                          <p:attrName>style.visibility</p:attrName>
+                                        </p:attrNameLst>
+                                      </p:cBhvr>
+                                      <p:to>
+                                        <p:strVal val="visible"/>
+                                      </p:to>
+                                    </p:set>
+                                    <p:animEffect transition="in" filter="blinds(horizontal)">
+                                      <p:cBhvr>
+                                        <p:cTn id="51" dur="500"/>
+                                        <p:tgtEl>
+                                          <p:spTgt spid="6"/>
+                                        </p:tgtEl>
+                                      </p:cBhvr>
+                                    </p:animEffect>
+                                  </p:childTnLst>
+                                </p:cTn>
+                              </p:par>
+                            </p:childTnLst>
+                          </p:cTn>
+                        </p:par>
+                      </p:childTnLst>
+                    </p:cTn>
+                  </p:par>
+                </p:childTnLst>
+              </p:cTn>
+              <p:prevCondLst>
+                <p:cond evt="onPrev" delay="0">
+                  <p:tgtEl>
+                    <p:sldTgt/>
+                  </p:tgtEl>
+                </p:cond>
+              </p:prevCondLst>
+              <p:nextCondLst>
+                <p:cond evt="onNext" delay="0">
+                  <p:tgtEl>
+                    <p:sldTgt/>
+                  </p:tgtEl>
+                </p:cond>
+              </p:nextCondLst>
+            </p:seq>
+          </p:childTnLst>
+        </p:cTn>
       </p:par>
     </p:tnLst>
+    <p:bldLst>
+      <p:bldP spid="6" grpId="0" animBg="1"/>
+      <p:bldP spid="7" grpId="0" animBg="1"/>
+      <p:bldP spid="12" grpId="0" animBg="1"/>
+      <p:bldP spid="13" grpId="0" animBg="1"/>
+      <p:bldP spid="14" grpId="0" animBg="1"/>
+      <p:bldP spid="15" grpId="0" animBg="1"/>
+      <p:bldP spid="17" grpId="0" animBg="1"/>
+      <p:bldP spid="18" grpId="0" animBg="1"/>
+      <p:bldP spid="19" grpId="0" animBg="1"/>
+      <p:bldP spid="20" grpId="0" animBg="1"/>
+      <p:bldP spid="21" grpId="0" animBg="1"/>
+      <p:bldP spid="23" grpId="0" animBg="1"/>
+      <p:bldP spid="24" grpId="0" animBg="1"/>
+    </p:bldLst>
   </p:timing>
 </p:sld>
 </file>

--- a/HaiNaBian_PM知识分享/201812/PM.pptx
+++ b/HaiNaBian_PM知识分享/201812/PM.pptx
@@ -9,17 +9,23 @@
     <p:sldId id="271" r:id="rId3"/>
     <p:sldId id="258" r:id="rId4"/>
     <p:sldId id="260" r:id="rId5"/>
-    <p:sldId id="261" r:id="rId6"/>
-    <p:sldId id="259" r:id="rId7"/>
-    <p:sldId id="262" r:id="rId8"/>
-    <p:sldId id="263" r:id="rId9"/>
-    <p:sldId id="264" r:id="rId10"/>
-    <p:sldId id="265" r:id="rId11"/>
-    <p:sldId id="266" r:id="rId12"/>
-    <p:sldId id="267" r:id="rId13"/>
-    <p:sldId id="268" r:id="rId14"/>
-    <p:sldId id="269" r:id="rId15"/>
-    <p:sldId id="270" r:id="rId16"/>
+    <p:sldId id="274" r:id="rId6"/>
+    <p:sldId id="280" r:id="rId7"/>
+    <p:sldId id="281" r:id="rId8"/>
+    <p:sldId id="275" r:id="rId9"/>
+    <p:sldId id="261" r:id="rId10"/>
+    <p:sldId id="259" r:id="rId11"/>
+    <p:sldId id="262" r:id="rId12"/>
+    <p:sldId id="263" r:id="rId13"/>
+    <p:sldId id="264" r:id="rId14"/>
+    <p:sldId id="265" r:id="rId15"/>
+    <p:sldId id="266" r:id="rId16"/>
+    <p:sldId id="267" r:id="rId17"/>
+    <p:sldId id="268" r:id="rId18"/>
+    <p:sldId id="269" r:id="rId19"/>
+    <p:sldId id="276" r:id="rId20"/>
+    <p:sldId id="278" r:id="rId21"/>
+    <p:sldId id="279" r:id="rId22"/>
   </p:sldIdLst>
   <p:sldSz cx="9144000" cy="6858000" type="screen4x3"/>
   <p:notesSz cx="6858000" cy="9144000"/>
@@ -302,7 +308,7 @@
           <a:p>
             <a:fld id="{0BAC3E48-7ABA-D441-94D0-3B3C6F86371F}" type="datetimeFigureOut">
               <a:rPr kumimoji="1" lang="zh-CN" altLang="en-US" smtClean="0"/>
-              <a:t>19/1/17</a:t>
+              <a:t>19/3/24</a:t>
             </a:fld>
             <a:endParaRPr kumimoji="1" lang="zh-CN" altLang="en-US"/>
           </a:p>
@@ -472,7 +478,7 @@
           <a:p>
             <a:fld id="{0BAC3E48-7ABA-D441-94D0-3B3C6F86371F}" type="datetimeFigureOut">
               <a:rPr kumimoji="1" lang="zh-CN" altLang="en-US" smtClean="0"/>
-              <a:t>19/1/17</a:t>
+              <a:t>19/3/24</a:t>
             </a:fld>
             <a:endParaRPr kumimoji="1" lang="zh-CN" altLang="en-US"/>
           </a:p>
@@ -652,7 +658,7 @@
           <a:p>
             <a:fld id="{0BAC3E48-7ABA-D441-94D0-3B3C6F86371F}" type="datetimeFigureOut">
               <a:rPr kumimoji="1" lang="zh-CN" altLang="en-US" smtClean="0"/>
-              <a:t>19/1/17</a:t>
+              <a:t>19/3/24</a:t>
             </a:fld>
             <a:endParaRPr kumimoji="1" lang="zh-CN" altLang="en-US"/>
           </a:p>
@@ -822,7 +828,7 @@
           <a:p>
             <a:fld id="{0BAC3E48-7ABA-D441-94D0-3B3C6F86371F}" type="datetimeFigureOut">
               <a:rPr kumimoji="1" lang="zh-CN" altLang="en-US" smtClean="0"/>
-              <a:t>19/1/17</a:t>
+              <a:t>19/3/24</a:t>
             </a:fld>
             <a:endParaRPr kumimoji="1" lang="zh-CN" altLang="en-US"/>
           </a:p>
@@ -1068,7 +1074,7 @@
           <a:p>
             <a:fld id="{0BAC3E48-7ABA-D441-94D0-3B3C6F86371F}" type="datetimeFigureOut">
               <a:rPr kumimoji="1" lang="zh-CN" altLang="en-US" smtClean="0"/>
-              <a:t>19/1/17</a:t>
+              <a:t>19/3/24</a:t>
             </a:fld>
             <a:endParaRPr kumimoji="1" lang="zh-CN" altLang="en-US"/>
           </a:p>
@@ -1356,7 +1362,7 @@
           <a:p>
             <a:fld id="{0BAC3E48-7ABA-D441-94D0-3B3C6F86371F}" type="datetimeFigureOut">
               <a:rPr kumimoji="1" lang="zh-CN" altLang="en-US" smtClean="0"/>
-              <a:t>19/1/17</a:t>
+              <a:t>19/3/24</a:t>
             </a:fld>
             <a:endParaRPr kumimoji="1" lang="zh-CN" altLang="en-US"/>
           </a:p>
@@ -1778,7 +1784,7 @@
           <a:p>
             <a:fld id="{0BAC3E48-7ABA-D441-94D0-3B3C6F86371F}" type="datetimeFigureOut">
               <a:rPr kumimoji="1" lang="zh-CN" altLang="en-US" smtClean="0"/>
-              <a:t>19/1/17</a:t>
+              <a:t>19/3/24</a:t>
             </a:fld>
             <a:endParaRPr kumimoji="1" lang="zh-CN" altLang="en-US"/>
           </a:p>
@@ -1896,7 +1902,7 @@
           <a:p>
             <a:fld id="{0BAC3E48-7ABA-D441-94D0-3B3C6F86371F}" type="datetimeFigureOut">
               <a:rPr kumimoji="1" lang="zh-CN" altLang="en-US" smtClean="0"/>
-              <a:t>19/1/17</a:t>
+              <a:t>19/3/24</a:t>
             </a:fld>
             <a:endParaRPr kumimoji="1" lang="zh-CN" altLang="en-US"/>
           </a:p>
@@ -1991,7 +1997,7 @@
           <a:p>
             <a:fld id="{0BAC3E48-7ABA-D441-94D0-3B3C6F86371F}" type="datetimeFigureOut">
               <a:rPr kumimoji="1" lang="zh-CN" altLang="en-US" smtClean="0"/>
-              <a:t>19/1/17</a:t>
+              <a:t>19/3/24</a:t>
             </a:fld>
             <a:endParaRPr kumimoji="1" lang="zh-CN" altLang="en-US"/>
           </a:p>
@@ -2268,7 +2274,7 @@
           <a:p>
             <a:fld id="{0BAC3E48-7ABA-D441-94D0-3B3C6F86371F}" type="datetimeFigureOut">
               <a:rPr kumimoji="1" lang="zh-CN" altLang="en-US" smtClean="0"/>
-              <a:t>19/1/17</a:t>
+              <a:t>19/3/24</a:t>
             </a:fld>
             <a:endParaRPr kumimoji="1" lang="zh-CN" altLang="en-US"/>
           </a:p>
@@ -2521,7 +2527,7 @@
           <a:p>
             <a:fld id="{0BAC3E48-7ABA-D441-94D0-3B3C6F86371F}" type="datetimeFigureOut">
               <a:rPr kumimoji="1" lang="zh-CN" altLang="en-US" smtClean="0"/>
-              <a:t>19/1/17</a:t>
+              <a:t>19/3/24</a:t>
             </a:fld>
             <a:endParaRPr kumimoji="1" lang="zh-CN" altLang="en-US"/>
           </a:p>
@@ -2734,7 +2740,7 @@
           <a:p>
             <a:fld id="{0BAC3E48-7ABA-D441-94D0-3B3C6F86371F}" type="datetimeFigureOut">
               <a:rPr kumimoji="1" lang="zh-CN" altLang="en-US" smtClean="0"/>
-              <a:t>19/1/17</a:t>
+              <a:t>19/3/24</a:t>
             </a:fld>
             <a:endParaRPr kumimoji="1" lang="zh-CN" altLang="en-US"/>
           </a:p>
@@ -3329,6 +3335,1039 @@
           </a:prstGeom>
         </p:spPr>
       </p:pic>
+      <p:sp>
+        <p:nvSpPr>
+          <p:cNvPr id="6" name="文本框 5"/>
+          <p:cNvSpPr txBox="1"/>
+          <p:nvPr/>
+        </p:nvSpPr>
+        <p:spPr>
+          <a:xfrm>
+            <a:off x="1328821" y="943464"/>
+            <a:ext cx="6906126" cy="1200329"/>
+          </a:xfrm>
+          <a:prstGeom prst="rect">
+            <a:avLst/>
+          </a:prstGeom>
+          <a:noFill/>
+        </p:spPr>
+        <p:txBody>
+          <a:bodyPr wrap="square" rtlCol="0">
+            <a:spAutoFit/>
+          </a:bodyPr>
+          <a:lstStyle/>
+          <a:p>
+            <a:r>
+              <a:rPr kumimoji="1" lang="zh-CN" altLang="en-US" dirty="0" smtClean="0"/>
+              <a:t>定义：</a:t>
+            </a:r>
+            <a:endParaRPr kumimoji="1" lang="en-US" altLang="zh-CN" dirty="0" smtClean="0"/>
+          </a:p>
+          <a:p>
+            <a:r>
+              <a:rPr kumimoji="1" lang="zh-CN" altLang="en-US" dirty="0" smtClean="0"/>
+              <a:t>敏捷开发是一种团队</a:t>
+            </a:r>
+            <a:r>
+              <a:rPr kumimoji="1" lang="zh-CN" altLang="en-US" dirty="0"/>
+              <a:t>管理工作的方式，以人为核心、迭代、循序渐进的开发方法。在敏捷开发中，软件项目的构建被切分成多个子项目，各个子项目的成果都经过测试，具备集成和可运行的特征。</a:t>
+            </a:r>
+          </a:p>
+        </p:txBody>
+      </p:sp>
+      <p:sp>
+        <p:nvSpPr>
+          <p:cNvPr id="7" name="文本框 6"/>
+          <p:cNvSpPr txBox="1"/>
+          <p:nvPr/>
+        </p:nvSpPr>
+        <p:spPr>
+          <a:xfrm>
+            <a:off x="1328821" y="3030621"/>
+            <a:ext cx="6906126" cy="3139321"/>
+          </a:xfrm>
+          <a:prstGeom prst="rect">
+            <a:avLst/>
+          </a:prstGeom>
+          <a:noFill/>
+        </p:spPr>
+        <p:txBody>
+          <a:bodyPr wrap="square" rtlCol="0">
+            <a:spAutoFit/>
+          </a:bodyPr>
+          <a:lstStyle/>
+          <a:p>
+            <a:r>
+              <a:rPr kumimoji="1" lang="zh-CN" altLang="en-US" dirty="0"/>
+              <a:t>宣言</a:t>
+            </a:r>
+            <a:r>
+              <a:rPr kumimoji="1" lang="zh-CN" altLang="en-US" dirty="0" smtClean="0"/>
+              <a:t>：</a:t>
+            </a:r>
+            <a:endParaRPr kumimoji="1" lang="en-US" altLang="zh-CN" dirty="0" smtClean="0"/>
+          </a:p>
+          <a:p>
+            <a:r>
+              <a:rPr kumimoji="1" lang="zh-CN" altLang="en-US" dirty="0"/>
+              <a:t>个体和互动 高于 流程和工具 （人是团队核心，流程和工具只是为了提供效率）</a:t>
+            </a:r>
+          </a:p>
+          <a:p>
+            <a:r>
+              <a:rPr kumimoji="1" lang="zh-CN" altLang="en-US" dirty="0"/>
+              <a:t>工作的软件 高于 详尽的文档  </a:t>
+            </a:r>
+            <a:r>
+              <a:rPr kumimoji="1" lang="en-US" altLang="zh-CN" dirty="0"/>
+              <a:t>(</a:t>
+            </a:r>
+            <a:r>
+              <a:rPr kumimoji="1" lang="zh-CN" altLang="en-US" dirty="0"/>
+              <a:t>文档应当短小精悍、主次分明、分类清楚</a:t>
+            </a:r>
+            <a:r>
+              <a:rPr kumimoji="1" lang="en-US" altLang="zh-CN" dirty="0"/>
+              <a:t>)</a:t>
+            </a:r>
+          </a:p>
+          <a:p>
+            <a:r>
+              <a:rPr kumimoji="1" lang="zh-CN" altLang="en-US" dirty="0"/>
+              <a:t>客户合作   高于 合同谈判   </a:t>
+            </a:r>
+            <a:r>
+              <a:rPr kumimoji="1" lang="en-US" altLang="zh-CN" dirty="0"/>
+              <a:t>(</a:t>
+            </a:r>
+            <a:r>
+              <a:rPr kumimoji="1" lang="zh-CN" altLang="en-US" dirty="0"/>
+              <a:t>项目环境不明朗与变化导致需求不确定与变更，需要项目团队与客户彼此精诚合作，常沟通、及时反馈</a:t>
+            </a:r>
+            <a:r>
+              <a:rPr kumimoji="1" lang="en-US" altLang="zh-CN" dirty="0"/>
+              <a:t>)</a:t>
+            </a:r>
+          </a:p>
+          <a:p>
+            <a:r>
+              <a:rPr kumimoji="1" lang="zh-CN" altLang="en-US" dirty="0"/>
+              <a:t>响应变化   高于 遵循计划   </a:t>
+            </a:r>
+            <a:r>
+              <a:rPr kumimoji="1" lang="en-US" altLang="zh-CN" dirty="0"/>
+              <a:t>(</a:t>
+            </a:r>
+            <a:r>
+              <a:rPr kumimoji="1" lang="zh-CN" altLang="en-US" dirty="0"/>
+              <a:t>项目环境不明朗与变化导致需求不确定与变更，需要项目团队与客户彼此精诚合作，常沟通、及时反馈</a:t>
+            </a:r>
+            <a:r>
+              <a:rPr kumimoji="1" lang="en-US" altLang="zh-CN" dirty="0"/>
+              <a:t>)</a:t>
+            </a:r>
+            <a:endParaRPr kumimoji="1" lang="zh-CN" altLang="en-US" dirty="0"/>
+          </a:p>
+        </p:txBody>
+      </p:sp>
+    </p:spTree>
+    <p:extLst>
+      <p:ext uri="{BB962C8B-B14F-4D97-AF65-F5344CB8AC3E}">
+        <p14:creationId xmlns:p14="http://schemas.microsoft.com/office/powerpoint/2010/main" val="1781727684"/>
+      </p:ext>
+    </p:extLst>
+  </p:cSld>
+  <p:clrMapOvr>
+    <a:masterClrMapping/>
+  </p:clrMapOvr>
+  <p:timing>
+    <p:tnLst>
+      <p:par>
+        <p:cTn xmlns:p14="http://schemas.microsoft.com/office/powerpoint/2010/main" id="1" dur="indefinite" restart="never" nodeType="tmRoot">
+          <p:childTnLst>
+            <p:seq concurrent="1" nextAc="seek">
+              <p:cTn id="2" dur="indefinite" nodeType="mainSeq">
+                <p:childTnLst>
+                  <p:par>
+                    <p:cTn id="3" fill="hold">
+                      <p:stCondLst>
+                        <p:cond delay="indefinite"/>
+                      </p:stCondLst>
+                      <p:childTnLst>
+                        <p:par>
+                          <p:cTn id="4" fill="hold">
+                            <p:stCondLst>
+                              <p:cond delay="0"/>
+                            </p:stCondLst>
+                            <p:childTnLst>
+                              <p:par>
+                                <p:cTn id="5" presetID="2" presetClass="entr" presetSubtype="4" fill="hold" grpId="0" nodeType="clickEffect">
+                                  <p:stCondLst>
+                                    <p:cond delay="0"/>
+                                  </p:stCondLst>
+                                  <p:childTnLst>
+                                    <p:set>
+                                      <p:cBhvr>
+                                        <p:cTn id="6" dur="1" fill="hold">
+                                          <p:stCondLst>
+                                            <p:cond delay="0"/>
+                                          </p:stCondLst>
+                                        </p:cTn>
+                                        <p:tgtEl>
+                                          <p:spTgt spid="7"/>
+                                        </p:tgtEl>
+                                        <p:attrNameLst>
+                                          <p:attrName>style.visibility</p:attrName>
+                                        </p:attrNameLst>
+                                      </p:cBhvr>
+                                      <p:to>
+                                        <p:strVal val="visible"/>
+                                      </p:to>
+                                    </p:set>
+                                    <p:anim calcmode="lin" valueType="num">
+                                      <p:cBhvr additive="base">
+                                        <p:cTn id="7" dur="500" fill="hold"/>
+                                        <p:tgtEl>
+                                          <p:spTgt spid="7"/>
+                                        </p:tgtEl>
+                                        <p:attrNameLst>
+                                          <p:attrName>ppt_x</p:attrName>
+                                        </p:attrNameLst>
+                                      </p:cBhvr>
+                                      <p:tavLst>
+                                        <p:tav tm="0">
+                                          <p:val>
+                                            <p:strVal val="#ppt_x"/>
+                                          </p:val>
+                                        </p:tav>
+                                        <p:tav tm="100000">
+                                          <p:val>
+                                            <p:strVal val="#ppt_x"/>
+                                          </p:val>
+                                        </p:tav>
+                                      </p:tavLst>
+                                    </p:anim>
+                                    <p:anim calcmode="lin" valueType="num">
+                                      <p:cBhvr additive="base">
+                                        <p:cTn id="8" dur="500" fill="hold"/>
+                                        <p:tgtEl>
+                                          <p:spTgt spid="7"/>
+                                        </p:tgtEl>
+                                        <p:attrNameLst>
+                                          <p:attrName>ppt_y</p:attrName>
+                                        </p:attrNameLst>
+                                      </p:cBhvr>
+                                      <p:tavLst>
+                                        <p:tav tm="0">
+                                          <p:val>
+                                            <p:strVal val="1+#ppt_h/2"/>
+                                          </p:val>
+                                        </p:tav>
+                                        <p:tav tm="100000">
+                                          <p:val>
+                                            <p:strVal val="#ppt_y"/>
+                                          </p:val>
+                                        </p:tav>
+                                      </p:tavLst>
+                                    </p:anim>
+                                  </p:childTnLst>
+                                </p:cTn>
+                              </p:par>
+                            </p:childTnLst>
+                          </p:cTn>
+                        </p:par>
+                      </p:childTnLst>
+                    </p:cTn>
+                  </p:par>
+                </p:childTnLst>
+              </p:cTn>
+              <p:prevCondLst>
+                <p:cond evt="onPrev" delay="0">
+                  <p:tgtEl>
+                    <p:sldTgt/>
+                  </p:tgtEl>
+                </p:cond>
+              </p:prevCondLst>
+              <p:nextCondLst>
+                <p:cond evt="onNext" delay="0">
+                  <p:tgtEl>
+                    <p:sldTgt/>
+                  </p:tgtEl>
+                </p:cond>
+              </p:nextCondLst>
+            </p:seq>
+          </p:childTnLst>
+        </p:cTn>
+      </p:par>
+    </p:tnLst>
+    <p:bldLst>
+      <p:bldP spid="7" grpId="0"/>
+    </p:bldLst>
+  </p:timing>
+</p:sld>
+</file>
+
+<file path=ppt/slides/slide11.xml><?xml version="1.0" encoding="utf-8"?>
+<p:sld xmlns:a="http://schemas.openxmlformats.org/drawingml/2006/main" xmlns:r="http://schemas.openxmlformats.org/officeDocument/2006/relationships" xmlns:p="http://schemas.openxmlformats.org/presentationml/2006/main">
+  <p:cSld>
+    <p:spTree>
+      <p:nvGrpSpPr>
+        <p:cNvPr id="1" name=""/>
+        <p:cNvGrpSpPr/>
+        <p:nvPr/>
+      </p:nvGrpSpPr>
+      <p:grpSpPr>
+        <a:xfrm>
+          <a:off x="0" y="0"/>
+          <a:ext cx="0" cy="0"/>
+          <a:chOff x="0" y="0"/>
+          <a:chExt cx="0" cy="0"/>
+        </a:xfrm>
+      </p:grpSpPr>
+      <p:sp>
+        <p:nvSpPr>
+          <p:cNvPr id="2" name="标题 1"/>
+          <p:cNvSpPr>
+            <a:spLocks noGrp="1"/>
+          </p:cNvSpPr>
+          <p:nvPr>
+            <p:ph type="ctrTitle"/>
+          </p:nvPr>
+        </p:nvSpPr>
+        <p:spPr/>
+        <p:txBody>
+          <a:bodyPr/>
+          <a:lstStyle/>
+          <a:p>
+            <a:endParaRPr kumimoji="1" lang="zh-CN" altLang="en-US" dirty="0"/>
+          </a:p>
+        </p:txBody>
+      </p:sp>
+      <p:sp>
+        <p:nvSpPr>
+          <p:cNvPr id="3" name="副标题 2"/>
+          <p:cNvSpPr>
+            <a:spLocks noGrp="1"/>
+          </p:cNvSpPr>
+          <p:nvPr>
+            <p:ph type="subTitle" idx="1"/>
+          </p:nvPr>
+        </p:nvSpPr>
+        <p:spPr/>
+        <p:txBody>
+          <a:bodyPr/>
+          <a:lstStyle/>
+          <a:p>
+            <a:endParaRPr kumimoji="1" lang="zh-CN" altLang="en-US"/>
+          </a:p>
+        </p:txBody>
+      </p:sp>
+      <p:pic>
+        <p:nvPicPr>
+          <p:cNvPr id="5" name="图片 4" descr="maintheme.jpg"/>
+          <p:cNvPicPr>
+            <a:picLocks noChangeAspect="1"/>
+          </p:cNvPicPr>
+          <p:nvPr/>
+        </p:nvPicPr>
+        <p:blipFill>
+          <a:blip r:embed="rId2">
+            <a:extLst>
+              <a:ext uri="{28A0092B-C50C-407E-A947-70E740481C1C}">
+                <a14:useLocalDpi xmlns:a14="http://schemas.microsoft.com/office/drawing/2010/main" val="0"/>
+              </a:ext>
+            </a:extLst>
+          </a:blip>
+          <a:stretch>
+            <a:fillRect/>
+          </a:stretch>
+        </p:blipFill>
+        <p:spPr>
+          <a:xfrm>
+            <a:off x="0" y="0"/>
+            <a:ext cx="9144000" cy="6858000"/>
+          </a:xfrm>
+          <a:prstGeom prst="rect">
+            <a:avLst/>
+          </a:prstGeom>
+        </p:spPr>
+      </p:pic>
+      <p:sp>
+        <p:nvSpPr>
+          <p:cNvPr id="4" name="文本框 3"/>
+          <p:cNvSpPr txBox="1"/>
+          <p:nvPr/>
+        </p:nvSpPr>
+        <p:spPr>
+          <a:xfrm>
+            <a:off x="1371600" y="1106577"/>
+            <a:ext cx="6336632" cy="2031325"/>
+          </a:xfrm>
+          <a:prstGeom prst="rect">
+            <a:avLst/>
+          </a:prstGeom>
+          <a:noFill/>
+        </p:spPr>
+        <p:txBody>
+          <a:bodyPr wrap="square" rtlCol="0">
+            <a:spAutoFit/>
+          </a:bodyPr>
+          <a:lstStyle/>
+          <a:p>
+            <a:r>
+              <a:rPr kumimoji="1" lang="zh-TW" altLang="en-US" dirty="0"/>
+              <a:t>实现形式 </a:t>
+            </a:r>
+            <a:r>
+              <a:rPr kumimoji="1" lang="mr-IN" altLang="zh-TW" dirty="0" smtClean="0"/>
+              <a:t>–</a:t>
+            </a:r>
+            <a:r>
+              <a:rPr kumimoji="1" lang="en-US" altLang="zh-TW" dirty="0" smtClean="0"/>
+              <a:t> Scrum</a:t>
+            </a:r>
+          </a:p>
+          <a:p>
+            <a:r>
+              <a:rPr kumimoji="1" lang="zh-CN" altLang="en-US" dirty="0"/>
+              <a:t>快速迭代式</a:t>
+            </a:r>
+            <a:r>
+              <a:rPr kumimoji="1" lang="en-US" altLang="zh-CN" dirty="0"/>
+              <a:t>+</a:t>
+            </a:r>
+            <a:r>
+              <a:rPr kumimoji="1" lang="zh-CN" altLang="en-US" dirty="0"/>
+              <a:t>增量式软件开发过程，是敏捷软件开发的常用形式 </a:t>
+            </a:r>
+            <a:r>
+              <a:rPr kumimoji="1" lang="zh-CN" altLang="en-US" dirty="0" smtClean="0"/>
+              <a:t>。</a:t>
+            </a:r>
+            <a:endParaRPr kumimoji="1" lang="en-US" altLang="zh-CN" dirty="0" smtClean="0"/>
+          </a:p>
+          <a:p>
+            <a:endParaRPr kumimoji="1" lang="en-US" altLang="zh-CN" dirty="0" smtClean="0"/>
+          </a:p>
+          <a:p>
+            <a:r>
+              <a:rPr kumimoji="1" lang="zh-CN" altLang="en-US" dirty="0" smtClean="0"/>
+              <a:t>具体实施要求：</a:t>
+            </a:r>
+            <a:endParaRPr kumimoji="1" lang="en-US" altLang="zh-CN" dirty="0"/>
+          </a:p>
+          <a:p>
+            <a:r>
+              <a:rPr kumimoji="1" lang="zh-CN" altLang="en-US" dirty="0"/>
+              <a:t>合作型</a:t>
+            </a:r>
+            <a:r>
+              <a:rPr kumimoji="1" lang="en-US" altLang="zh-CN" dirty="0"/>
+              <a:t>+</a:t>
+            </a:r>
+            <a:r>
+              <a:rPr kumimoji="1" lang="zh-CN" altLang="en-US" dirty="0"/>
+              <a:t>面对变更、广泛的技能</a:t>
+            </a:r>
+          </a:p>
+          <a:p>
+            <a:r>
+              <a:rPr kumimoji="1" lang="zh-CN" altLang="en-US" dirty="0"/>
+              <a:t>依据实际情况筛选、裁剪。</a:t>
+            </a:r>
+          </a:p>
+        </p:txBody>
+      </p:sp>
+    </p:spTree>
+    <p:extLst>
+      <p:ext uri="{BB962C8B-B14F-4D97-AF65-F5344CB8AC3E}">
+        <p14:creationId xmlns:p14="http://schemas.microsoft.com/office/powerpoint/2010/main" val="3339805766"/>
+      </p:ext>
+    </p:extLst>
+  </p:cSld>
+  <p:clrMapOvr>
+    <a:masterClrMapping/>
+  </p:clrMapOvr>
+  <p:timing>
+    <p:tnLst>
+      <p:par>
+        <p:cTn xmlns:p14="http://schemas.microsoft.com/office/powerpoint/2010/main" id="1" dur="indefinite" restart="never" nodeType="tmRoot"/>
+      </p:par>
+    </p:tnLst>
+  </p:timing>
+</p:sld>
+</file>
+
+<file path=ppt/slides/slide12.xml><?xml version="1.0" encoding="utf-8"?>
+<p:sld xmlns:a="http://schemas.openxmlformats.org/drawingml/2006/main" xmlns:r="http://schemas.openxmlformats.org/officeDocument/2006/relationships" xmlns:p="http://schemas.openxmlformats.org/presentationml/2006/main">
+  <p:cSld>
+    <p:spTree>
+      <p:nvGrpSpPr>
+        <p:cNvPr id="1" name=""/>
+        <p:cNvGrpSpPr/>
+        <p:nvPr/>
+      </p:nvGrpSpPr>
+      <p:grpSpPr>
+        <a:xfrm>
+          <a:off x="0" y="0"/>
+          <a:ext cx="0" cy="0"/>
+          <a:chOff x="0" y="0"/>
+          <a:chExt cx="0" cy="0"/>
+        </a:xfrm>
+      </p:grpSpPr>
+      <p:sp>
+        <p:nvSpPr>
+          <p:cNvPr id="2" name="标题 1"/>
+          <p:cNvSpPr>
+            <a:spLocks noGrp="1"/>
+          </p:cNvSpPr>
+          <p:nvPr>
+            <p:ph type="ctrTitle"/>
+          </p:nvPr>
+        </p:nvSpPr>
+        <p:spPr/>
+        <p:txBody>
+          <a:bodyPr/>
+          <a:lstStyle/>
+          <a:p>
+            <a:r>
+              <a:rPr kumimoji="1" lang="en-US" altLang="zh-CN" dirty="0" smtClean="0"/>
+              <a:t> </a:t>
+            </a:r>
+            <a:endParaRPr kumimoji="1" lang="zh-CN" altLang="en-US" dirty="0"/>
+          </a:p>
+        </p:txBody>
+      </p:sp>
+      <p:sp>
+        <p:nvSpPr>
+          <p:cNvPr id="3" name="副标题 2"/>
+          <p:cNvSpPr>
+            <a:spLocks noGrp="1"/>
+          </p:cNvSpPr>
+          <p:nvPr>
+            <p:ph type="subTitle" idx="1"/>
+          </p:nvPr>
+        </p:nvSpPr>
+        <p:spPr/>
+        <p:txBody>
+          <a:bodyPr/>
+          <a:lstStyle/>
+          <a:p>
+            <a:endParaRPr kumimoji="1" lang="zh-CN" altLang="en-US"/>
+          </a:p>
+        </p:txBody>
+      </p:sp>
+      <p:pic>
+        <p:nvPicPr>
+          <p:cNvPr id="5" name="图片 4" descr="maintheme.jpg"/>
+          <p:cNvPicPr>
+            <a:picLocks noChangeAspect="1"/>
+          </p:cNvPicPr>
+          <p:nvPr/>
+        </p:nvPicPr>
+        <p:blipFill>
+          <a:blip r:embed="rId2">
+            <a:extLst>
+              <a:ext uri="{28A0092B-C50C-407E-A947-70E740481C1C}">
+                <a14:useLocalDpi xmlns:a14="http://schemas.microsoft.com/office/drawing/2010/main" val="0"/>
+              </a:ext>
+            </a:extLst>
+          </a:blip>
+          <a:stretch>
+            <a:fillRect/>
+          </a:stretch>
+        </p:blipFill>
+        <p:spPr>
+          <a:xfrm>
+            <a:off x="0" y="0"/>
+            <a:ext cx="9144000" cy="6858000"/>
+          </a:xfrm>
+          <a:prstGeom prst="rect">
+            <a:avLst/>
+          </a:prstGeom>
+        </p:spPr>
+      </p:pic>
+      <p:sp>
+        <p:nvSpPr>
+          <p:cNvPr id="6" name="文本框 5"/>
+          <p:cNvSpPr txBox="1"/>
+          <p:nvPr/>
+        </p:nvSpPr>
+        <p:spPr>
+          <a:xfrm>
+            <a:off x="1371600" y="628316"/>
+            <a:ext cx="6609347" cy="707886"/>
+          </a:xfrm>
+          <a:prstGeom prst="rect">
+            <a:avLst/>
+          </a:prstGeom>
+          <a:noFill/>
+        </p:spPr>
+        <p:txBody>
+          <a:bodyPr wrap="square" rtlCol="0">
+            <a:spAutoFit/>
+          </a:bodyPr>
+          <a:lstStyle/>
+          <a:p>
+            <a:r>
+              <a:rPr kumimoji="1" lang="zh-CN" altLang="en-US" sz="4000" dirty="0" smtClean="0">
+                <a:solidFill>
+                  <a:schemeClr val="accent6"/>
+                </a:solidFill>
+              </a:rPr>
+              <a:t>第五部分</a:t>
+            </a:r>
+            <a:r>
+              <a:rPr kumimoji="1" lang="en-US" altLang="zh-CN" sz="4000" dirty="0" smtClean="0">
+                <a:solidFill>
+                  <a:schemeClr val="accent6"/>
+                </a:solidFill>
+              </a:rPr>
+              <a:t> </a:t>
+            </a:r>
+            <a:r>
+              <a:rPr kumimoji="1" lang="en-US" altLang="zh-CN" sz="4000" dirty="0" err="1">
+                <a:solidFill>
+                  <a:schemeClr val="accent6"/>
+                </a:solidFill>
+                <a:latin typeface="+mn-ea"/>
+              </a:rPr>
+              <a:t>DevOps</a:t>
+            </a:r>
+            <a:endParaRPr kumimoji="1" lang="zh-CN" altLang="en-US" sz="4000" dirty="0">
+              <a:solidFill>
+                <a:schemeClr val="accent6"/>
+              </a:solidFill>
+            </a:endParaRPr>
+          </a:p>
+        </p:txBody>
+      </p:sp>
+    </p:spTree>
+    <p:extLst>
+      <p:ext uri="{BB962C8B-B14F-4D97-AF65-F5344CB8AC3E}">
+        <p14:creationId xmlns:p14="http://schemas.microsoft.com/office/powerpoint/2010/main" val="497512822"/>
+      </p:ext>
+    </p:extLst>
+  </p:cSld>
+  <p:clrMapOvr>
+    <a:masterClrMapping/>
+  </p:clrMapOvr>
+  <p:timing>
+    <p:tnLst>
+      <p:par>
+        <p:cTn xmlns:p14="http://schemas.microsoft.com/office/powerpoint/2010/main" id="1" dur="indefinite" restart="never" nodeType="tmRoot"/>
+      </p:par>
+    </p:tnLst>
+  </p:timing>
+</p:sld>
+</file>
+
+<file path=ppt/slides/slide13.xml><?xml version="1.0" encoding="utf-8"?>
+<p:sld xmlns:a="http://schemas.openxmlformats.org/drawingml/2006/main" xmlns:r="http://schemas.openxmlformats.org/officeDocument/2006/relationships" xmlns:p="http://schemas.openxmlformats.org/presentationml/2006/main">
+  <p:cSld>
+    <p:spTree>
+      <p:nvGrpSpPr>
+        <p:cNvPr id="1" name=""/>
+        <p:cNvGrpSpPr/>
+        <p:nvPr/>
+      </p:nvGrpSpPr>
+      <p:grpSpPr>
+        <a:xfrm>
+          <a:off x="0" y="0"/>
+          <a:ext cx="0" cy="0"/>
+          <a:chOff x="0" y="0"/>
+          <a:chExt cx="0" cy="0"/>
+        </a:xfrm>
+      </p:grpSpPr>
+      <p:sp>
+        <p:nvSpPr>
+          <p:cNvPr id="2" name="标题 1"/>
+          <p:cNvSpPr>
+            <a:spLocks noGrp="1"/>
+          </p:cNvSpPr>
+          <p:nvPr>
+            <p:ph type="ctrTitle"/>
+          </p:nvPr>
+        </p:nvSpPr>
+        <p:spPr/>
+        <p:txBody>
+          <a:bodyPr/>
+          <a:lstStyle/>
+          <a:p>
+            <a:endParaRPr kumimoji="1" lang="zh-CN" altLang="en-US" dirty="0"/>
+          </a:p>
+        </p:txBody>
+      </p:sp>
+      <p:sp>
+        <p:nvSpPr>
+          <p:cNvPr id="3" name="副标题 2"/>
+          <p:cNvSpPr>
+            <a:spLocks noGrp="1"/>
+          </p:cNvSpPr>
+          <p:nvPr>
+            <p:ph type="subTitle" idx="1"/>
+          </p:nvPr>
+        </p:nvSpPr>
+        <p:spPr/>
+        <p:txBody>
+          <a:bodyPr/>
+          <a:lstStyle/>
+          <a:p>
+            <a:endParaRPr kumimoji="1" lang="zh-CN" altLang="en-US"/>
+          </a:p>
+        </p:txBody>
+      </p:sp>
+      <p:pic>
+        <p:nvPicPr>
+          <p:cNvPr id="5" name="图片 4" descr="maintheme.jpg"/>
+          <p:cNvPicPr>
+            <a:picLocks noChangeAspect="1"/>
+          </p:cNvPicPr>
+          <p:nvPr/>
+        </p:nvPicPr>
+        <p:blipFill>
+          <a:blip r:embed="rId2">
+            <a:extLst>
+              <a:ext uri="{28A0092B-C50C-407E-A947-70E740481C1C}">
+                <a14:useLocalDpi xmlns:a14="http://schemas.microsoft.com/office/drawing/2010/main" val="0"/>
+              </a:ext>
+            </a:extLst>
+          </a:blip>
+          <a:stretch>
+            <a:fillRect/>
+          </a:stretch>
+        </p:blipFill>
+        <p:spPr>
+          <a:xfrm>
+            <a:off x="0" y="0"/>
+            <a:ext cx="9144000" cy="6858000"/>
+          </a:xfrm>
+          <a:prstGeom prst="rect">
+            <a:avLst/>
+          </a:prstGeom>
+        </p:spPr>
+      </p:pic>
+      <p:sp>
+        <p:nvSpPr>
+          <p:cNvPr id="4" name="文本框 3"/>
+          <p:cNvSpPr txBox="1"/>
+          <p:nvPr/>
+        </p:nvSpPr>
+        <p:spPr>
+          <a:xfrm>
+            <a:off x="1497263" y="1109579"/>
+            <a:ext cx="6275137" cy="3693319"/>
+          </a:xfrm>
+          <a:prstGeom prst="rect">
+            <a:avLst/>
+          </a:prstGeom>
+          <a:noFill/>
+        </p:spPr>
+        <p:txBody>
+          <a:bodyPr wrap="square" rtlCol="0">
+            <a:spAutoFit/>
+          </a:bodyPr>
+          <a:lstStyle/>
+          <a:p>
+            <a:r>
+              <a:rPr kumimoji="1" lang="zh-CN" altLang="en-US" dirty="0" smtClean="0">
+                <a:solidFill>
+                  <a:srgbClr val="F79646"/>
+                </a:solidFill>
+              </a:rPr>
+              <a:t>参考：</a:t>
+            </a:r>
+            <a:endParaRPr kumimoji="1" lang="en-US" altLang="zh-CN" dirty="0" smtClean="0">
+              <a:solidFill>
+                <a:srgbClr val="F79646"/>
+              </a:solidFill>
+            </a:endParaRPr>
+          </a:p>
+          <a:p>
+            <a:endParaRPr kumimoji="1" lang="en-US" altLang="zh-CN" dirty="0" smtClean="0">
+              <a:solidFill>
+                <a:srgbClr val="F79646"/>
+              </a:solidFill>
+              <a:hlinkClick r:id="rId3"/>
+            </a:endParaRPr>
+          </a:p>
+          <a:p>
+            <a:r>
+              <a:rPr kumimoji="1" lang="zh-CN" altLang="en-US" dirty="0" smtClean="0">
+                <a:solidFill>
+                  <a:srgbClr val="F79646"/>
+                </a:solidFill>
+                <a:hlinkClick r:id="rId3"/>
+              </a:rPr>
+              <a:t>谈谈敏捷开发和 </a:t>
+            </a:r>
+            <a:r>
+              <a:rPr kumimoji="1" lang="en-US" altLang="zh-CN" dirty="0" smtClean="0">
+                <a:solidFill>
+                  <a:srgbClr val="F79646"/>
+                </a:solidFill>
+                <a:hlinkClick r:id="rId3"/>
+              </a:rPr>
+              <a:t>Scrum</a:t>
+            </a:r>
+            <a:endParaRPr kumimoji="1" lang="en-US" altLang="zh-CN" dirty="0" smtClean="0">
+              <a:solidFill>
+                <a:srgbClr val="F79646"/>
+              </a:solidFill>
+            </a:endParaRPr>
+          </a:p>
+          <a:p>
+            <a:r>
+              <a:rPr kumimoji="1" lang="en-US" altLang="zh-CN" dirty="0" smtClean="0">
+                <a:solidFill>
+                  <a:srgbClr val="F79646"/>
+                </a:solidFill>
+              </a:rPr>
+              <a:t> </a:t>
+            </a:r>
+          </a:p>
+          <a:p>
+            <a:r>
+              <a:rPr kumimoji="1" lang="zh-CN" altLang="en-US" dirty="0" smtClean="0">
+                <a:solidFill>
+                  <a:srgbClr val="F79646"/>
+                </a:solidFill>
+                <a:hlinkClick r:id="rId4"/>
+              </a:rPr>
+              <a:t>没有人喜欢，但却不得不选择的敏捷开发</a:t>
+            </a:r>
+            <a:endParaRPr kumimoji="1" lang="en-US" altLang="zh-CN" dirty="0" smtClean="0">
+              <a:solidFill>
+                <a:srgbClr val="F79646"/>
+              </a:solidFill>
+            </a:endParaRPr>
+          </a:p>
+          <a:p>
+            <a:endParaRPr kumimoji="1" lang="en-US" altLang="zh-CN" dirty="0">
+              <a:solidFill>
+                <a:srgbClr val="F79646"/>
+              </a:solidFill>
+            </a:endParaRPr>
+          </a:p>
+          <a:p>
+            <a:r>
+              <a:rPr kumimoji="1" lang="zh-CN" altLang="en-US" dirty="0" smtClean="0">
+                <a:solidFill>
+                  <a:srgbClr val="F79646"/>
+                </a:solidFill>
+                <a:hlinkClick r:id="rId5"/>
+              </a:rPr>
+              <a:t>什么是敏捷开发？</a:t>
+            </a:r>
+            <a:endParaRPr kumimoji="1" lang="en-US" altLang="zh-CN" dirty="0" smtClean="0">
+              <a:solidFill>
+                <a:srgbClr val="F79646"/>
+              </a:solidFill>
+            </a:endParaRPr>
+          </a:p>
+          <a:p>
+            <a:endParaRPr kumimoji="1" lang="en-US" altLang="zh-CN" dirty="0">
+              <a:solidFill>
+                <a:srgbClr val="F79646"/>
+              </a:solidFill>
+            </a:endParaRPr>
+          </a:p>
+          <a:p>
+            <a:r>
+              <a:rPr kumimoji="1" lang="zh-CN" altLang="en-US" dirty="0" smtClean="0">
+                <a:solidFill>
+                  <a:srgbClr val="F79646"/>
+                </a:solidFill>
+                <a:hlinkClick r:id="rId6"/>
+              </a:rPr>
+              <a:t>你大概走了假敏捷：认真说说敏捷的实现和问题（手绘版）</a:t>
+            </a:r>
+            <a:endParaRPr kumimoji="1" lang="en-US" altLang="zh-CN" dirty="0" smtClean="0">
+              <a:solidFill>
+                <a:srgbClr val="F79646"/>
+              </a:solidFill>
+            </a:endParaRPr>
+          </a:p>
+          <a:p>
+            <a:endParaRPr kumimoji="1" lang="en-US" altLang="zh-CN" dirty="0">
+              <a:solidFill>
+                <a:srgbClr val="F79646"/>
+              </a:solidFill>
+            </a:endParaRPr>
+          </a:p>
+          <a:p>
+            <a:r>
+              <a:rPr kumimoji="1" lang="en-US" altLang="zh-CN" dirty="0" smtClean="0">
+                <a:solidFill>
+                  <a:srgbClr val="F79646"/>
+                </a:solidFill>
+                <a:hlinkClick r:id="rId7"/>
+              </a:rPr>
+              <a:t>DevOps</a:t>
+            </a:r>
+            <a:r>
+              <a:rPr kumimoji="1" lang="zh-CN" altLang="en-US" dirty="0" smtClean="0">
+                <a:solidFill>
+                  <a:srgbClr val="F79646"/>
+                </a:solidFill>
+                <a:hlinkClick r:id="rId7"/>
+              </a:rPr>
+              <a:t>第一讲：什么是</a:t>
+            </a:r>
+            <a:r>
+              <a:rPr kumimoji="1" lang="en-US" altLang="zh-CN" dirty="0" smtClean="0">
+                <a:solidFill>
+                  <a:srgbClr val="F79646"/>
+                </a:solidFill>
+                <a:hlinkClick r:id="rId7"/>
+              </a:rPr>
+              <a:t>DevOps</a:t>
+            </a:r>
+            <a:endParaRPr kumimoji="1" lang="en-US" altLang="zh-CN" dirty="0" smtClean="0">
+              <a:solidFill>
+                <a:srgbClr val="F79646"/>
+              </a:solidFill>
+            </a:endParaRPr>
+          </a:p>
+          <a:p>
+            <a:endParaRPr kumimoji="1" lang="en-US" altLang="zh-CN" dirty="0">
+              <a:solidFill>
+                <a:srgbClr val="F79646"/>
+              </a:solidFill>
+            </a:endParaRPr>
+          </a:p>
+          <a:p>
+            <a:r>
+              <a:rPr kumimoji="1" lang="en-US" altLang="zh-CN" dirty="0" smtClean="0">
+                <a:solidFill>
+                  <a:srgbClr val="F79646"/>
+                </a:solidFill>
+                <a:hlinkClick r:id="rId8"/>
+              </a:rPr>
+              <a:t>DevOps</a:t>
+            </a:r>
+            <a:r>
+              <a:rPr kumimoji="1" lang="zh-CN" altLang="en-US" dirty="0" smtClean="0">
+                <a:solidFill>
+                  <a:srgbClr val="F79646"/>
+                </a:solidFill>
+                <a:hlinkClick r:id="rId8"/>
+              </a:rPr>
+              <a:t>简介</a:t>
+            </a:r>
+            <a:endParaRPr kumimoji="1" lang="en-US" altLang="zh-CN" dirty="0" smtClean="0">
+              <a:solidFill>
+                <a:srgbClr val="F79646"/>
+              </a:solidFill>
+            </a:endParaRPr>
+          </a:p>
+        </p:txBody>
+      </p:sp>
+    </p:spTree>
+    <p:extLst>
+      <p:ext uri="{BB962C8B-B14F-4D97-AF65-F5344CB8AC3E}">
+        <p14:creationId xmlns:p14="http://schemas.microsoft.com/office/powerpoint/2010/main" val="1708010977"/>
+      </p:ext>
+    </p:extLst>
+  </p:cSld>
+  <p:clrMapOvr>
+    <a:masterClrMapping/>
+  </p:clrMapOvr>
+  <p:timing>
+    <p:tnLst>
+      <p:par>
+        <p:cTn xmlns:p14="http://schemas.microsoft.com/office/powerpoint/2010/main" id="1" dur="indefinite" restart="never" nodeType="tmRoot"/>
+      </p:par>
+    </p:tnLst>
+  </p:timing>
+</p:sld>
+</file>
+
+<file path=ppt/slides/slide14.xml><?xml version="1.0" encoding="utf-8"?>
+<p:sld xmlns:a="http://schemas.openxmlformats.org/drawingml/2006/main" xmlns:r="http://schemas.openxmlformats.org/officeDocument/2006/relationships" xmlns:p="http://schemas.openxmlformats.org/presentationml/2006/main">
+  <p:cSld>
+    <p:spTree>
+      <p:nvGrpSpPr>
+        <p:cNvPr id="1" name=""/>
+        <p:cNvGrpSpPr/>
+        <p:nvPr/>
+      </p:nvGrpSpPr>
+      <p:grpSpPr>
+        <a:xfrm>
+          <a:off x="0" y="0"/>
+          <a:ext cx="0" cy="0"/>
+          <a:chOff x="0" y="0"/>
+          <a:chExt cx="0" cy="0"/>
+        </a:xfrm>
+      </p:grpSpPr>
+      <p:sp>
+        <p:nvSpPr>
+          <p:cNvPr id="2" name="标题 1"/>
+          <p:cNvSpPr>
+            <a:spLocks noGrp="1"/>
+          </p:cNvSpPr>
+          <p:nvPr>
+            <p:ph type="ctrTitle"/>
+          </p:nvPr>
+        </p:nvSpPr>
+        <p:spPr/>
+        <p:txBody>
+          <a:bodyPr/>
+          <a:lstStyle/>
+          <a:p>
+            <a:endParaRPr kumimoji="1" lang="zh-CN" altLang="en-US" dirty="0"/>
+          </a:p>
+        </p:txBody>
+      </p:sp>
+      <p:sp>
+        <p:nvSpPr>
+          <p:cNvPr id="3" name="副标题 2"/>
+          <p:cNvSpPr>
+            <a:spLocks noGrp="1"/>
+          </p:cNvSpPr>
+          <p:nvPr>
+            <p:ph type="subTitle" idx="1"/>
+          </p:nvPr>
+        </p:nvSpPr>
+        <p:spPr/>
+        <p:txBody>
+          <a:bodyPr/>
+          <a:lstStyle/>
+          <a:p>
+            <a:endParaRPr kumimoji="1" lang="zh-CN" altLang="en-US"/>
+          </a:p>
+        </p:txBody>
+      </p:sp>
+      <p:pic>
+        <p:nvPicPr>
+          <p:cNvPr id="5" name="图片 4" descr="maintheme.jpg"/>
+          <p:cNvPicPr>
+            <a:picLocks noChangeAspect="1"/>
+          </p:cNvPicPr>
+          <p:nvPr/>
+        </p:nvPicPr>
+        <p:blipFill>
+          <a:blip r:embed="rId2">
+            <a:extLst>
+              <a:ext uri="{28A0092B-C50C-407E-A947-70E740481C1C}">
+                <a14:useLocalDpi xmlns:a14="http://schemas.microsoft.com/office/drawing/2010/main" val="0"/>
+              </a:ext>
+            </a:extLst>
+          </a:blip>
+          <a:stretch>
+            <a:fillRect/>
+          </a:stretch>
+        </p:blipFill>
+        <p:spPr>
+          <a:xfrm>
+            <a:off x="0" y="0"/>
+            <a:ext cx="9144000" cy="6858000"/>
+          </a:xfrm>
+          <a:prstGeom prst="rect">
+            <a:avLst/>
+          </a:prstGeom>
+        </p:spPr>
+      </p:pic>
     </p:spTree>
     <p:extLst>
       <p:ext uri="{BB962C8B-B14F-4D97-AF65-F5344CB8AC3E}">
@@ -3349,7 +4388,7 @@
 </p:sld>
 </file>
 
-<file path=ppt/slides/slide11.xml><?xml version="1.0" encoding="utf-8"?>
+<file path=ppt/slides/slide15.xml><?xml version="1.0" encoding="utf-8"?>
 <p:sld xmlns:a="http://schemas.openxmlformats.org/drawingml/2006/main" xmlns:r="http://schemas.openxmlformats.org/officeDocument/2006/relationships" xmlns:p="http://schemas.openxmlformats.org/presentationml/2006/main">
   <p:cSld>
     <p:spTree>
@@ -3454,7 +4493,7 @@
 </p:sld>
 </file>
 
-<file path=ppt/slides/slide12.xml><?xml version="1.0" encoding="utf-8"?>
+<file path=ppt/slides/slide16.xml><?xml version="1.0" encoding="utf-8"?>
 <p:sld xmlns:a="http://schemas.openxmlformats.org/drawingml/2006/main" xmlns:r="http://schemas.openxmlformats.org/officeDocument/2006/relationships" xmlns:p="http://schemas.openxmlformats.org/presentationml/2006/main">
   <p:cSld>
     <p:spTree>
@@ -3559,7 +4598,7 @@
 </p:sld>
 </file>
 
-<file path=ppt/slides/slide13.xml><?xml version="1.0" encoding="utf-8"?>
+<file path=ppt/slides/slide17.xml><?xml version="1.0" encoding="utf-8"?>
 <p:sld xmlns:a="http://schemas.openxmlformats.org/drawingml/2006/main" xmlns:r="http://schemas.openxmlformats.org/officeDocument/2006/relationships" xmlns:p="http://schemas.openxmlformats.org/presentationml/2006/main">
   <p:cSld>
     <p:spTree>
@@ -3664,7 +4703,7 @@
 </p:sld>
 </file>
 
-<file path=ppt/slides/slide14.xml><?xml version="1.0" encoding="utf-8"?>
+<file path=ppt/slides/slide18.xml><?xml version="1.0" encoding="utf-8"?>
 <p:sld xmlns:a="http://schemas.openxmlformats.org/drawingml/2006/main" xmlns:r="http://schemas.openxmlformats.org/officeDocument/2006/relationships" xmlns:p="http://schemas.openxmlformats.org/presentationml/2006/main">
   <p:cSld>
     <p:spTree>
@@ -3769,7 +4808,7 @@
 </p:sld>
 </file>
 
-<file path=ppt/slides/slide15.xml><?xml version="1.0" encoding="utf-8"?>
+<file path=ppt/slides/slide19.xml><?xml version="1.0" encoding="utf-8"?>
 <p:sld xmlns:a="http://schemas.openxmlformats.org/drawingml/2006/main" xmlns:r="http://schemas.openxmlformats.org/officeDocument/2006/relationships" xmlns:p="http://schemas.openxmlformats.org/presentationml/2006/main">
   <p:cSld>
     <p:spTree>
@@ -3857,7 +4896,7 @@
     </p:spTree>
     <p:extLst>
       <p:ext uri="{BB962C8B-B14F-4D97-AF65-F5344CB8AC3E}">
-        <p14:creationId xmlns:p14="http://schemas.microsoft.com/office/powerpoint/2010/main" val="3457762233"/>
+        <p14:creationId xmlns:p14="http://schemas.microsoft.com/office/powerpoint/2010/main" val="708419844"/>
       </p:ext>
     </p:extLst>
   </p:cSld>
@@ -4026,7 +5065,7 @@
                   </a:schemeClr>
                 </a:solidFill>
               </a:rPr>
-              <a:t>软件开发中的常见开发模式</a:t>
+              <a:t>关于移动端项目可优化过程</a:t>
             </a:r>
             <a:endParaRPr kumimoji="1" lang="zh-CN" altLang="en-US" sz="2000" dirty="0">
               <a:solidFill>
@@ -4048,7 +5087,7 @@
         <p:spPr>
           <a:xfrm>
             <a:off x="4843931" y="686665"/>
-            <a:ext cx="1467068" cy="400110"/>
+            <a:ext cx="2236510" cy="400110"/>
           </a:xfrm>
           <a:prstGeom prst="rect">
             <a:avLst/>
@@ -4070,7 +5109,7 @@
                   </a:schemeClr>
                 </a:solidFill>
               </a:rPr>
-              <a:t>项目的理解</a:t>
+              <a:t>项目的理解与认识</a:t>
             </a:r>
             <a:endParaRPr kumimoji="1" lang="zh-CN" altLang="en-US" sz="2000" dirty="0">
               <a:solidFill>
@@ -4114,7 +5153,7 @@
                   </a:schemeClr>
                 </a:solidFill>
               </a:rPr>
-              <a:t>项目中的管理知识</a:t>
+              <a:t>项目管理知识体系</a:t>
             </a:r>
             <a:endParaRPr kumimoji="1" lang="zh-CN" altLang="en-US" sz="2000" dirty="0">
               <a:solidFill>
@@ -4150,17 +5189,6 @@
           <a:lstStyle/>
           <a:p>
             <a:r>
-              <a:rPr kumimoji="1" lang="zh-CN" altLang="en-US" sz="2000" dirty="0">
-                <a:solidFill>
-                  <a:schemeClr val="accent6">
-                    <a:lumMod val="60000"/>
-                    <a:lumOff val="40000"/>
-                  </a:schemeClr>
-                </a:solidFill>
-              </a:rPr>
-              <a:t>软件开发</a:t>
-            </a:r>
-            <a:r>
               <a:rPr kumimoji="1" lang="zh-CN" altLang="en-US" sz="2000" dirty="0" smtClean="0">
                 <a:solidFill>
                   <a:schemeClr val="accent6">
@@ -4169,7 +5197,29 @@
                   </a:schemeClr>
                 </a:solidFill>
               </a:rPr>
-              <a:t>中的常见组织架构</a:t>
+              <a:t>敏捷开发</a:t>
+            </a:r>
+            <a:r>
+              <a:rPr kumimoji="1" lang="en-US" altLang="zh-CN" sz="2000" dirty="0" smtClean="0">
+                <a:solidFill>
+                  <a:schemeClr val="accent6">
+                    <a:lumMod val="60000"/>
+                    <a:lumOff val="40000"/>
+                  </a:schemeClr>
+                </a:solidFill>
+              </a:rPr>
+              <a:t>/</a:t>
+            </a:r>
+            <a:r>
+              <a:rPr kumimoji="1" lang="zh-CN" altLang="en-US" sz="2000" dirty="0" smtClean="0">
+                <a:solidFill>
+                  <a:schemeClr val="accent6">
+                    <a:lumMod val="60000"/>
+                    <a:lumOff val="40000"/>
+                  </a:schemeClr>
+                </a:solidFill>
+              </a:rPr>
+              <a:t>管理</a:t>
             </a:r>
             <a:endParaRPr kumimoji="1" lang="zh-CN" altLang="en-US" sz="2000" dirty="0">
               <a:solidFill>
@@ -4191,7 +5241,7 @@
         <p:spPr>
           <a:xfrm>
             <a:off x="4768283" y="5610331"/>
-            <a:ext cx="3005951" cy="400110"/>
+            <a:ext cx="990801" cy="400110"/>
           </a:xfrm>
           <a:prstGeom prst="rect">
             <a:avLst/>
@@ -4205,7 +5255,7 @@
           <a:lstStyle/>
           <a:p>
             <a:r>
-              <a:rPr kumimoji="1" lang="zh-CN" altLang="en-US" sz="2000" dirty="0" smtClean="0">
+              <a:rPr kumimoji="1" lang="en-US" altLang="zh-CN" sz="2000" dirty="0" err="1">
                 <a:solidFill>
                   <a:schemeClr val="accent6">
                     <a:lumMod val="60000"/>
@@ -4213,7 +5263,7 @@
                   </a:schemeClr>
                 </a:solidFill>
               </a:rPr>
-              <a:t>真实场景下的应用与问题</a:t>
+              <a:t>DevOps</a:t>
             </a:r>
             <a:endParaRPr kumimoji="1" lang="zh-CN" altLang="en-US" sz="2000" dirty="0">
               <a:solidFill>
@@ -4659,7 +5709,7 @@
 </p:sld>
 </file>
 
-<file path=ppt/slides/slide3.xml><?xml version="1.0" encoding="utf-8"?>
+<file path=ppt/slides/slide20.xml><?xml version="1.0" encoding="utf-8"?>
 <p:sld xmlns:a="http://schemas.openxmlformats.org/drawingml/2006/main" xmlns:r="http://schemas.openxmlformats.org/officeDocument/2006/relationships" xmlns:p="http://schemas.openxmlformats.org/presentationml/2006/main">
   <p:cSld>
     <p:spTree>
@@ -4744,6 +5794,216 @@
           </a:prstGeom>
         </p:spPr>
       </p:pic>
+    </p:spTree>
+    <p:extLst>
+      <p:ext uri="{BB962C8B-B14F-4D97-AF65-F5344CB8AC3E}">
+        <p14:creationId xmlns:p14="http://schemas.microsoft.com/office/powerpoint/2010/main" val="1960858079"/>
+      </p:ext>
+    </p:extLst>
+  </p:cSld>
+  <p:clrMapOvr>
+    <a:masterClrMapping/>
+  </p:clrMapOvr>
+  <p:timing>
+    <p:tnLst>
+      <p:par>
+        <p:cTn xmlns:p14="http://schemas.microsoft.com/office/powerpoint/2010/main" id="1" dur="indefinite" restart="never" nodeType="tmRoot"/>
+      </p:par>
+    </p:tnLst>
+  </p:timing>
+</p:sld>
+</file>
+
+<file path=ppt/slides/slide21.xml><?xml version="1.0" encoding="utf-8"?>
+<p:sld xmlns:a="http://schemas.openxmlformats.org/drawingml/2006/main" xmlns:r="http://schemas.openxmlformats.org/officeDocument/2006/relationships" xmlns:p="http://schemas.openxmlformats.org/presentationml/2006/main">
+  <p:cSld>
+    <p:spTree>
+      <p:nvGrpSpPr>
+        <p:cNvPr id="1" name=""/>
+        <p:cNvGrpSpPr/>
+        <p:nvPr/>
+      </p:nvGrpSpPr>
+      <p:grpSpPr>
+        <a:xfrm>
+          <a:off x="0" y="0"/>
+          <a:ext cx="0" cy="0"/>
+          <a:chOff x="0" y="0"/>
+          <a:chExt cx="0" cy="0"/>
+        </a:xfrm>
+      </p:grpSpPr>
+      <p:sp>
+        <p:nvSpPr>
+          <p:cNvPr id="2" name="标题 1"/>
+          <p:cNvSpPr>
+            <a:spLocks noGrp="1"/>
+          </p:cNvSpPr>
+          <p:nvPr>
+            <p:ph type="ctrTitle"/>
+          </p:nvPr>
+        </p:nvSpPr>
+        <p:spPr/>
+        <p:txBody>
+          <a:bodyPr/>
+          <a:lstStyle/>
+          <a:p>
+            <a:endParaRPr kumimoji="1" lang="zh-CN" altLang="en-US" dirty="0"/>
+          </a:p>
+        </p:txBody>
+      </p:sp>
+      <p:sp>
+        <p:nvSpPr>
+          <p:cNvPr id="3" name="副标题 2"/>
+          <p:cNvSpPr>
+            <a:spLocks noGrp="1"/>
+          </p:cNvSpPr>
+          <p:nvPr>
+            <p:ph type="subTitle" idx="1"/>
+          </p:nvPr>
+        </p:nvSpPr>
+        <p:spPr/>
+        <p:txBody>
+          <a:bodyPr/>
+          <a:lstStyle/>
+          <a:p>
+            <a:endParaRPr kumimoji="1" lang="zh-CN" altLang="en-US"/>
+          </a:p>
+        </p:txBody>
+      </p:sp>
+      <p:pic>
+        <p:nvPicPr>
+          <p:cNvPr id="5" name="图片 4" descr="maintheme.jpg"/>
+          <p:cNvPicPr>
+            <a:picLocks noChangeAspect="1"/>
+          </p:cNvPicPr>
+          <p:nvPr/>
+        </p:nvPicPr>
+        <p:blipFill>
+          <a:blip r:embed="rId2">
+            <a:extLst>
+              <a:ext uri="{28A0092B-C50C-407E-A947-70E740481C1C}">
+                <a14:useLocalDpi xmlns:a14="http://schemas.microsoft.com/office/drawing/2010/main" val="0"/>
+              </a:ext>
+            </a:extLst>
+          </a:blip>
+          <a:stretch>
+            <a:fillRect/>
+          </a:stretch>
+        </p:blipFill>
+        <p:spPr>
+          <a:xfrm>
+            <a:off x="0" y="0"/>
+            <a:ext cx="9144000" cy="6858000"/>
+          </a:xfrm>
+          <a:prstGeom prst="rect">
+            <a:avLst/>
+          </a:prstGeom>
+        </p:spPr>
+      </p:pic>
+    </p:spTree>
+    <p:extLst>
+      <p:ext uri="{BB962C8B-B14F-4D97-AF65-F5344CB8AC3E}">
+        <p14:creationId xmlns:p14="http://schemas.microsoft.com/office/powerpoint/2010/main" val="4209232060"/>
+      </p:ext>
+    </p:extLst>
+  </p:cSld>
+  <p:clrMapOvr>
+    <a:masterClrMapping/>
+  </p:clrMapOvr>
+  <p:timing>
+    <p:tnLst>
+      <p:par>
+        <p:cTn xmlns:p14="http://schemas.microsoft.com/office/powerpoint/2010/main" id="1" dur="indefinite" restart="never" nodeType="tmRoot"/>
+      </p:par>
+    </p:tnLst>
+  </p:timing>
+</p:sld>
+</file>
+
+<file path=ppt/slides/slide3.xml><?xml version="1.0" encoding="utf-8"?>
+<p:sld xmlns:a="http://schemas.openxmlformats.org/drawingml/2006/main" xmlns:r="http://schemas.openxmlformats.org/officeDocument/2006/relationships" xmlns:p="http://schemas.openxmlformats.org/presentationml/2006/main">
+  <p:cSld>
+    <p:spTree>
+      <p:nvGrpSpPr>
+        <p:cNvPr id="1" name=""/>
+        <p:cNvGrpSpPr/>
+        <p:nvPr/>
+      </p:nvGrpSpPr>
+      <p:grpSpPr>
+        <a:xfrm>
+          <a:off x="0" y="0"/>
+          <a:ext cx="0" cy="0"/>
+          <a:chOff x="0" y="0"/>
+          <a:chExt cx="0" cy="0"/>
+        </a:xfrm>
+      </p:grpSpPr>
+      <p:sp>
+        <p:nvSpPr>
+          <p:cNvPr id="2" name="标题 1"/>
+          <p:cNvSpPr>
+            <a:spLocks noGrp="1"/>
+          </p:cNvSpPr>
+          <p:nvPr>
+            <p:ph type="ctrTitle"/>
+          </p:nvPr>
+        </p:nvSpPr>
+        <p:spPr/>
+        <p:txBody>
+          <a:bodyPr/>
+          <a:lstStyle/>
+          <a:p>
+            <a:endParaRPr kumimoji="1" lang="zh-CN" altLang="en-US" dirty="0"/>
+          </a:p>
+        </p:txBody>
+      </p:sp>
+      <p:sp>
+        <p:nvSpPr>
+          <p:cNvPr id="3" name="副标题 2"/>
+          <p:cNvSpPr>
+            <a:spLocks noGrp="1"/>
+          </p:cNvSpPr>
+          <p:nvPr>
+            <p:ph type="subTitle" idx="1"/>
+          </p:nvPr>
+        </p:nvSpPr>
+        <p:spPr/>
+        <p:txBody>
+          <a:bodyPr/>
+          <a:lstStyle/>
+          <a:p>
+            <a:endParaRPr kumimoji="1" lang="zh-CN" altLang="en-US"/>
+          </a:p>
+        </p:txBody>
+      </p:sp>
+      <p:pic>
+        <p:nvPicPr>
+          <p:cNvPr id="5" name="图片 4" descr="maintheme.jpg"/>
+          <p:cNvPicPr>
+            <a:picLocks noChangeAspect="1"/>
+          </p:cNvPicPr>
+          <p:nvPr/>
+        </p:nvPicPr>
+        <p:blipFill>
+          <a:blip r:embed="rId2">
+            <a:extLst>
+              <a:ext uri="{28A0092B-C50C-407E-A947-70E740481C1C}">
+                <a14:useLocalDpi xmlns:a14="http://schemas.microsoft.com/office/drawing/2010/main" val="0"/>
+              </a:ext>
+            </a:extLst>
+          </a:blip>
+          <a:stretch>
+            <a:fillRect/>
+          </a:stretch>
+        </p:blipFill>
+        <p:spPr>
+          <a:xfrm>
+            <a:off x="0" y="0"/>
+            <a:ext cx="9144000" cy="6858000"/>
+          </a:xfrm>
+          <a:prstGeom prst="rect">
+            <a:avLst/>
+          </a:prstGeom>
+        </p:spPr>
+      </p:pic>
       <p:sp>
         <p:nvSpPr>
           <p:cNvPr id="4" name="文本框 3"/>
@@ -4752,8 +6012,8 @@
         </p:nvSpPr>
         <p:spPr>
           <a:xfrm>
-            <a:off x="1737894" y="1216526"/>
-            <a:ext cx="4291263" cy="646331"/>
+            <a:off x="1577473" y="1940742"/>
+            <a:ext cx="6034506" cy="646331"/>
           </a:xfrm>
           <a:prstGeom prst="rect">
             <a:avLst/>
@@ -4776,14 +6036,14 @@
       </p:sp>
       <p:sp>
         <p:nvSpPr>
-          <p:cNvPr id="6" name="文本框 5"/>
+          <p:cNvPr id="7" name="文本框 6"/>
           <p:cNvSpPr txBox="1"/>
           <p:nvPr/>
         </p:nvSpPr>
         <p:spPr>
           <a:xfrm>
-            <a:off x="2058737" y="2633579"/>
-            <a:ext cx="3810000" cy="923330"/>
+            <a:off x="1577473" y="3013183"/>
+            <a:ext cx="5940926" cy="369332"/>
           </a:xfrm>
           <a:prstGeom prst="rect">
             <a:avLst/>
@@ -4798,7 +6058,23 @@
           <a:p>
             <a:r>
               <a:rPr kumimoji="1" lang="zh-CN" altLang="en-US" dirty="0" smtClean="0"/>
-              <a:t>项目管理就是将知识、技能、工具与技术应用于项目活动中，以完成项目。</a:t>
+              <a:t>项目 </a:t>
+            </a:r>
+            <a:r>
+              <a:rPr kumimoji="1" lang="mr-IN" altLang="zh-CN" dirty="0" smtClean="0"/>
+              <a:t>–</a:t>
+            </a:r>
+            <a:r>
+              <a:rPr kumimoji="1" lang="zh-CN" altLang="en-US" dirty="0" smtClean="0"/>
+              <a:t> 项目集 </a:t>
+            </a:r>
+            <a:r>
+              <a:rPr kumimoji="1" lang="mr-IN" altLang="zh-CN" dirty="0" smtClean="0"/>
+              <a:t>–</a:t>
+            </a:r>
+            <a:r>
+              <a:rPr kumimoji="1" lang="zh-CN" altLang="en-US" dirty="0" smtClean="0"/>
+              <a:t> 项目组合</a:t>
             </a:r>
             <a:endParaRPr kumimoji="1" lang="zh-CN" altLang="en-US" dirty="0"/>
           </a:p>
@@ -4806,14 +6082,14 @@
       </p:sp>
       <p:sp>
         <p:nvSpPr>
-          <p:cNvPr id="7" name="文本框 6"/>
+          <p:cNvPr id="8" name="文本框 7"/>
           <p:cNvSpPr txBox="1"/>
           <p:nvPr/>
         </p:nvSpPr>
         <p:spPr>
           <a:xfrm>
-            <a:off x="2058736" y="2130425"/>
-            <a:ext cx="3582737" cy="369332"/>
+            <a:off x="1371600" y="982259"/>
+            <a:ext cx="6609347" cy="707886"/>
           </a:xfrm>
           <a:prstGeom prst="rect">
             <a:avLst/>
@@ -4827,26 +6103,21 @@
           <a:lstStyle/>
           <a:p>
             <a:r>
-              <a:rPr kumimoji="1" lang="zh-CN" altLang="en-US" dirty="0" smtClean="0"/>
-              <a:t>项目 </a:t>
-            </a:r>
-            <a:r>
-              <a:rPr kumimoji="1" lang="mr-IN" altLang="zh-CN" dirty="0" smtClean="0"/>
-              <a:t>–</a:t>
-            </a:r>
-            <a:r>
-              <a:rPr kumimoji="1" lang="zh-CN" altLang="en-US" dirty="0" smtClean="0"/>
-              <a:t> 项目集 </a:t>
-            </a:r>
-            <a:r>
-              <a:rPr kumimoji="1" lang="mr-IN" altLang="zh-CN" dirty="0" smtClean="0"/>
-              <a:t>–</a:t>
-            </a:r>
-            <a:r>
-              <a:rPr kumimoji="1" lang="zh-CN" altLang="en-US" dirty="0" smtClean="0"/>
-              <a:t> 项目组合</a:t>
-            </a:r>
-            <a:endParaRPr kumimoji="1" lang="zh-CN" altLang="en-US" dirty="0"/>
+              <a:rPr kumimoji="1" lang="zh-CN" altLang="en-US" sz="4000" dirty="0" smtClean="0">
+                <a:solidFill>
+                  <a:schemeClr val="accent6"/>
+                </a:solidFill>
+              </a:rPr>
+              <a:t>第一部分 项</a:t>
+            </a:r>
+            <a:r>
+              <a:rPr kumimoji="1" lang="zh-CN" altLang="en-US" sz="4000" dirty="0">
+                <a:solidFill>
+                  <a:schemeClr val="accent6"/>
+                </a:solidFill>
+              </a:rPr>
+              <a:t>目的理解与认识</a:t>
+            </a:r>
           </a:p>
         </p:txBody>
       </p:sp>
@@ -5033,7 +6304,7 @@
         </p:nvSpPr>
         <p:spPr>
           <a:xfrm>
-            <a:off x="685800" y="4234616"/>
+            <a:off x="685800" y="3904988"/>
             <a:ext cx="985253" cy="369332"/>
           </a:xfrm>
           <a:prstGeom prst="rect">
@@ -5080,7 +6351,7 @@
         </p:nvSpPr>
         <p:spPr>
           <a:xfrm>
-            <a:off x="1858209" y="4221088"/>
+            <a:off x="685800" y="4257619"/>
             <a:ext cx="1430423" cy="369332"/>
           </a:xfrm>
           <a:prstGeom prst="rect">
@@ -5127,7 +6398,7 @@
         </p:nvSpPr>
         <p:spPr>
           <a:xfrm>
-            <a:off x="3622842" y="4221088"/>
+            <a:off x="685800" y="4626951"/>
             <a:ext cx="917073" cy="369332"/>
           </a:xfrm>
           <a:prstGeom prst="rect">
@@ -5325,11 +6596,7 @@
             </a:r>
             <a:r>
               <a:rPr kumimoji="1" lang="zh-CN" altLang="en-US" dirty="0" smtClean="0"/>
-              <a:t>项目</a:t>
-            </a:r>
-            <a:r>
-              <a:rPr kumimoji="1" lang="zh-CN" altLang="en-US" dirty="0" smtClean="0"/>
-              <a:t>组合</a:t>
+              <a:t>项目组合</a:t>
             </a:r>
             <a:endParaRPr kumimoji="1" lang="zh-CN" altLang="en-US" dirty="0"/>
           </a:p>
@@ -5496,7 +6763,7 @@
                                           </p:stCondLst>
                                         </p:cTn>
                                         <p:tgtEl>
-                                          <p:spTgt spid="18"/>
+                                          <p:spTgt spid="7"/>
                                         </p:tgtEl>
                                         <p:attrNameLst>
                                           <p:attrName>style.visibility</p:attrName>
@@ -5509,199 +6776,6 @@
                                     <p:animEffect transition="in" filter="blinds(horizontal)">
                                       <p:cBhvr>
                                         <p:cTn id="7" dur="500"/>
-                                        <p:tgtEl>
-                                          <p:spTgt spid="18"/>
-                                        </p:tgtEl>
-                                      </p:cBhvr>
-                                    </p:animEffect>
-                                  </p:childTnLst>
-                                </p:cTn>
-                              </p:par>
-                              <p:par>
-                                <p:cTn id="8" presetID="3" presetClass="entr" presetSubtype="10" fill="hold" grpId="0" nodeType="withEffect">
-                                  <p:stCondLst>
-                                    <p:cond delay="0"/>
-                                  </p:stCondLst>
-                                  <p:childTnLst>
-                                    <p:set>
-                                      <p:cBhvr>
-                                        <p:cTn id="9" dur="1" fill="hold">
-                                          <p:stCondLst>
-                                            <p:cond delay="0"/>
-                                          </p:stCondLst>
-                                        </p:cTn>
-                                        <p:tgtEl>
-                                          <p:spTgt spid="19"/>
-                                        </p:tgtEl>
-                                        <p:attrNameLst>
-                                          <p:attrName>style.visibility</p:attrName>
-                                        </p:attrNameLst>
-                                      </p:cBhvr>
-                                      <p:to>
-                                        <p:strVal val="visible"/>
-                                      </p:to>
-                                    </p:set>
-                                    <p:animEffect transition="in" filter="blinds(horizontal)">
-                                      <p:cBhvr>
-                                        <p:cTn id="10" dur="500"/>
-                                        <p:tgtEl>
-                                          <p:spTgt spid="19"/>
-                                        </p:tgtEl>
-                                      </p:cBhvr>
-                                    </p:animEffect>
-                                  </p:childTnLst>
-                                </p:cTn>
-                              </p:par>
-                              <p:par>
-                                <p:cTn id="11" presetID="3" presetClass="entr" presetSubtype="10" fill="hold" grpId="0" nodeType="withEffect">
-                                  <p:stCondLst>
-                                    <p:cond delay="0"/>
-                                  </p:stCondLst>
-                                  <p:childTnLst>
-                                    <p:set>
-                                      <p:cBhvr>
-                                        <p:cTn id="12" dur="1" fill="hold">
-                                          <p:stCondLst>
-                                            <p:cond delay="0"/>
-                                          </p:stCondLst>
-                                        </p:cTn>
-                                        <p:tgtEl>
-                                          <p:spTgt spid="23"/>
-                                        </p:tgtEl>
-                                        <p:attrNameLst>
-                                          <p:attrName>style.visibility</p:attrName>
-                                        </p:attrNameLst>
-                                      </p:cBhvr>
-                                      <p:to>
-                                        <p:strVal val="visible"/>
-                                      </p:to>
-                                    </p:set>
-                                    <p:animEffect transition="in" filter="blinds(horizontal)">
-                                      <p:cBhvr>
-                                        <p:cTn id="13" dur="500"/>
-                                        <p:tgtEl>
-                                          <p:spTgt spid="23"/>
-                                        </p:tgtEl>
-                                      </p:cBhvr>
-                                    </p:animEffect>
-                                  </p:childTnLst>
-                                </p:cTn>
-                              </p:par>
-                              <p:par>
-                                <p:cTn id="14" presetID="3" presetClass="entr" presetSubtype="10" fill="hold" grpId="0" nodeType="withEffect">
-                                  <p:stCondLst>
-                                    <p:cond delay="0"/>
-                                  </p:stCondLst>
-                                  <p:childTnLst>
-                                    <p:set>
-                                      <p:cBhvr>
-                                        <p:cTn id="15" dur="1" fill="hold">
-                                          <p:stCondLst>
-                                            <p:cond delay="0"/>
-                                          </p:stCondLst>
-                                        </p:cTn>
-                                        <p:tgtEl>
-                                          <p:spTgt spid="24"/>
-                                        </p:tgtEl>
-                                        <p:attrNameLst>
-                                          <p:attrName>style.visibility</p:attrName>
-                                        </p:attrNameLst>
-                                      </p:cBhvr>
-                                      <p:to>
-                                        <p:strVal val="visible"/>
-                                      </p:to>
-                                    </p:set>
-                                    <p:animEffect transition="in" filter="blinds(horizontal)">
-                                      <p:cBhvr>
-                                        <p:cTn id="16" dur="500"/>
-                                        <p:tgtEl>
-                                          <p:spTgt spid="24"/>
-                                        </p:tgtEl>
-                                      </p:cBhvr>
-                                    </p:animEffect>
-                                  </p:childTnLst>
-                                </p:cTn>
-                              </p:par>
-                              <p:par>
-                                <p:cTn id="17" presetID="3" presetClass="entr" presetSubtype="10" fill="hold" grpId="0" nodeType="withEffect">
-                                  <p:stCondLst>
-                                    <p:cond delay="0"/>
-                                  </p:stCondLst>
-                                  <p:childTnLst>
-                                    <p:set>
-                                      <p:cBhvr>
-                                        <p:cTn id="18" dur="1" fill="hold">
-                                          <p:stCondLst>
-                                            <p:cond delay="0"/>
-                                          </p:stCondLst>
-                                        </p:cTn>
-                                        <p:tgtEl>
-                                          <p:spTgt spid="20"/>
-                                        </p:tgtEl>
-                                        <p:attrNameLst>
-                                          <p:attrName>style.visibility</p:attrName>
-                                        </p:attrNameLst>
-                                      </p:cBhvr>
-                                      <p:to>
-                                        <p:strVal val="visible"/>
-                                      </p:to>
-                                    </p:set>
-                                    <p:animEffect transition="in" filter="blinds(horizontal)">
-                                      <p:cBhvr>
-                                        <p:cTn id="19" dur="500"/>
-                                        <p:tgtEl>
-                                          <p:spTgt spid="20"/>
-                                        </p:tgtEl>
-                                      </p:cBhvr>
-                                    </p:animEffect>
-                                  </p:childTnLst>
-                                </p:cTn>
-                              </p:par>
-                            </p:childTnLst>
-                          </p:cTn>
-                        </p:par>
-                      </p:childTnLst>
-                    </p:cTn>
-                  </p:par>
-                  <p:par>
-                    <p:cTn id="20" fill="hold">
-                      <p:stCondLst>
-                        <p:cond delay="indefinite"/>
-                      </p:stCondLst>
-                      <p:childTnLst>
-                        <p:par>
-                          <p:cTn id="21" fill="hold">
-                            <p:stCondLst>
-                              <p:cond delay="0"/>
-                            </p:stCondLst>
-                            <p:childTnLst>
-                              <p:par>
-                                <p:cTn id="22" presetID="3" presetClass="entr" presetSubtype="10" fill="hold" grpId="0" nodeType="clickEffect">
-                                  <p:stCondLst>
-                                    <p:cond delay="0"/>
-                                  </p:stCondLst>
-                                  <p:childTnLst>
-                                    <p:set>
-                                      <p:cBhvr>
-                                        <p:cTn id="23" dur="1" fill="hold">
-                                          <p:stCondLst>
-                                            <p:cond delay="0"/>
-                                          </p:stCondLst>
-                                        </p:cTn>
-                                        <p:tgtEl>
-                                          <p:spTgt spid="7"/>
-                                        </p:tgtEl>
-                                        <p:attrNameLst>
-                                          <p:attrName>style.visibility</p:attrName>
-                                        </p:attrNameLst>
-                                      </p:cBhvr>
-                                      <p:to>
-                                        <p:strVal val="visible"/>
-                                      </p:to>
-                                    </p:set>
-                                    <p:animEffect transition="in" filter="blinds(horizontal)">
-                                      <p:cBhvr>
-                                        <p:cTn id="24" dur="500"/>
                                         <p:tgtEl>
                                           <p:spTgt spid="7"/>
                                         </p:tgtEl>
@@ -5717,26 +6791,26 @@
                     </p:cTn>
                   </p:par>
                   <p:par>
-                    <p:cTn id="25" fill="hold">
+                    <p:cTn id="8" fill="hold">
                       <p:stCondLst>
                         <p:cond delay="indefinite"/>
                       </p:stCondLst>
                       <p:childTnLst>
                         <p:par>
-                          <p:cTn id="26" fill="hold">
+                          <p:cTn id="9" fill="hold">
                             <p:stCondLst>
                               <p:cond delay="0"/>
                             </p:stCondLst>
                             <p:childTnLst>
                               <p:par>
-                                <p:cTn id="27" presetID="3" presetClass="entr" presetSubtype="10" fill="hold" grpId="0" nodeType="clickEffect">
+                                <p:cTn id="10" presetID="3" presetClass="entr" presetSubtype="10" fill="hold" grpId="0" nodeType="clickEffect">
                                   <p:stCondLst>
                                     <p:cond delay="0"/>
                                   </p:stCondLst>
                                   <p:childTnLst>
                                     <p:set>
                                       <p:cBhvr>
-                                        <p:cTn id="28" dur="1" fill="hold">
+                                        <p:cTn id="11" dur="1" fill="hold">
                                           <p:stCondLst>
                                             <p:cond delay="0"/>
                                           </p:stCondLst>
@@ -5754,7 +6828,7 @@
                                     </p:set>
                                     <p:animEffect transition="in" filter="blinds(horizontal)">
                                       <p:cBhvr>
-                                        <p:cTn id="29" dur="500"/>
+                                        <p:cTn id="12" dur="500"/>
                                         <p:tgtEl>
                                           <p:spTgt spid="14"/>
                                         </p:tgtEl>
@@ -5764,14 +6838,14 @@
                                 </p:cTn>
                               </p:par>
                               <p:par>
-                                <p:cTn id="30" presetID="3" presetClass="entr" presetSubtype="10" fill="hold" grpId="0" nodeType="withEffect">
+                                <p:cTn id="13" presetID="3" presetClass="entr" presetSubtype="10" fill="hold" grpId="0" nodeType="withEffect">
                                   <p:stCondLst>
                                     <p:cond delay="0"/>
                                   </p:stCondLst>
                                   <p:childTnLst>
                                     <p:set>
                                       <p:cBhvr>
-                                        <p:cTn id="31" dur="1" fill="hold">
+                                        <p:cTn id="14" dur="1" fill="hold">
                                           <p:stCondLst>
                                             <p:cond delay="0"/>
                                           </p:stCondLst>
@@ -5789,7 +6863,7 @@
                                     </p:set>
                                     <p:animEffect transition="in" filter="blinds(horizontal)">
                                       <p:cBhvr>
-                                        <p:cTn id="32" dur="500"/>
+                                        <p:cTn id="15" dur="500"/>
                                         <p:tgtEl>
                                           <p:spTgt spid="13"/>
                                         </p:tgtEl>
@@ -5799,14 +6873,14 @@
                                 </p:cTn>
                               </p:par>
                               <p:par>
-                                <p:cTn id="33" presetID="3" presetClass="entr" presetSubtype="10" fill="hold" grpId="0" nodeType="withEffect">
+                                <p:cTn id="16" presetID="3" presetClass="entr" presetSubtype="10" fill="hold" grpId="0" nodeType="withEffect">
                                   <p:stCondLst>
                                     <p:cond delay="0"/>
                                   </p:stCondLst>
                                   <p:childTnLst>
                                     <p:set>
                                       <p:cBhvr>
-                                        <p:cTn id="34" dur="1" fill="hold">
+                                        <p:cTn id="17" dur="1" fill="hold">
                                           <p:stCondLst>
                                             <p:cond delay="0"/>
                                           </p:stCondLst>
@@ -5824,7 +6898,7 @@
                                     </p:set>
                                     <p:animEffect transition="in" filter="blinds(horizontal)">
                                       <p:cBhvr>
-                                        <p:cTn id="35" dur="500"/>
+                                        <p:cTn id="18" dur="500"/>
                                         <p:tgtEl>
                                           <p:spTgt spid="12"/>
                                         </p:tgtEl>
@@ -5840,26 +6914,26 @@
                     </p:cTn>
                   </p:par>
                   <p:par>
-                    <p:cTn id="36" fill="hold">
+                    <p:cTn id="19" fill="hold">
                       <p:stCondLst>
                         <p:cond delay="indefinite"/>
                       </p:stCondLst>
                       <p:childTnLst>
                         <p:par>
-                          <p:cTn id="37" fill="hold">
+                          <p:cTn id="20" fill="hold">
                             <p:stCondLst>
                               <p:cond delay="0"/>
                             </p:stCondLst>
                             <p:childTnLst>
                               <p:par>
-                                <p:cTn id="38" presetID="3" presetClass="entr" presetSubtype="10" fill="hold" grpId="0" nodeType="clickEffect">
+                                <p:cTn id="21" presetID="3" presetClass="entr" presetSubtype="10" fill="hold" grpId="0" nodeType="clickEffect">
                                   <p:stCondLst>
                                     <p:cond delay="0"/>
                                   </p:stCondLst>
                                   <p:childTnLst>
                                     <p:set>
                                       <p:cBhvr>
-                                        <p:cTn id="39" dur="1" fill="hold">
+                                        <p:cTn id="22" dur="1" fill="hold">
                                           <p:stCondLst>
                                             <p:cond delay="0"/>
                                           </p:stCondLst>
@@ -5877,7 +6951,7 @@
                                     </p:set>
                                     <p:animEffect transition="in" filter="blinds(horizontal)">
                                       <p:cBhvr>
-                                        <p:cTn id="40" dur="500"/>
+                                        <p:cTn id="23" dur="500"/>
                                         <p:tgtEl>
                                           <p:spTgt spid="21"/>
                                         </p:tgtEl>
@@ -5887,14 +6961,14 @@
                                 </p:cTn>
                               </p:par>
                               <p:par>
-                                <p:cTn id="41" presetID="3" presetClass="entr" presetSubtype="10" fill="hold" grpId="0" nodeType="withEffect">
+                                <p:cTn id="24" presetID="3" presetClass="entr" presetSubtype="10" fill="hold" grpId="0" nodeType="withEffect">
                                   <p:stCondLst>
                                     <p:cond delay="0"/>
                                   </p:stCondLst>
                                   <p:childTnLst>
                                     <p:set>
                                       <p:cBhvr>
-                                        <p:cTn id="42" dur="1" fill="hold">
+                                        <p:cTn id="25" dur="1" fill="hold">
                                           <p:stCondLst>
                                             <p:cond delay="0"/>
                                           </p:stCondLst>
@@ -5912,7 +6986,7 @@
                                     </p:set>
                                     <p:animEffect transition="in" filter="blinds(horizontal)">
                                       <p:cBhvr>
-                                        <p:cTn id="43" dur="500"/>
+                                        <p:cTn id="26" dur="500"/>
                                         <p:tgtEl>
                                           <p:spTgt spid="15"/>
                                         </p:tgtEl>
@@ -5922,14 +6996,14 @@
                                 </p:cTn>
                               </p:par>
                               <p:par>
-                                <p:cTn id="44" presetID="3" presetClass="entr" presetSubtype="10" fill="hold" grpId="0" nodeType="withEffect">
+                                <p:cTn id="27" presetID="3" presetClass="entr" presetSubtype="10" fill="hold" grpId="0" nodeType="withEffect">
                                   <p:stCondLst>
                                     <p:cond delay="0"/>
                                   </p:stCondLst>
                                   <p:childTnLst>
                                     <p:set>
                                       <p:cBhvr>
-                                        <p:cTn id="45" dur="1" fill="hold">
+                                        <p:cTn id="28" dur="1" fill="hold">
                                           <p:stCondLst>
                                             <p:cond delay="0"/>
                                           </p:stCondLst>
@@ -5947,7 +7021,7 @@
                                     </p:set>
                                     <p:animEffect transition="in" filter="blinds(horizontal)">
                                       <p:cBhvr>
-                                        <p:cTn id="46" dur="500"/>
+                                        <p:cTn id="29" dur="500"/>
                                         <p:tgtEl>
                                           <p:spTgt spid="17"/>
                                         </p:tgtEl>
@@ -5963,26 +7037,26 @@
                     </p:cTn>
                   </p:par>
                   <p:par>
-                    <p:cTn id="47" fill="hold">
+                    <p:cTn id="30" fill="hold">
                       <p:stCondLst>
                         <p:cond delay="indefinite"/>
                       </p:stCondLst>
                       <p:childTnLst>
                         <p:par>
-                          <p:cTn id="48" fill="hold">
+                          <p:cTn id="31" fill="hold">
                             <p:stCondLst>
                               <p:cond delay="0"/>
                             </p:stCondLst>
                             <p:childTnLst>
                               <p:par>
-                                <p:cTn id="49" presetID="3" presetClass="entr" presetSubtype="10" fill="hold" grpId="0" nodeType="clickEffect">
+                                <p:cTn id="32" presetID="3" presetClass="entr" presetSubtype="10" fill="hold" grpId="0" nodeType="clickEffect">
                                   <p:stCondLst>
                                     <p:cond delay="0"/>
                                   </p:stCondLst>
                                   <p:childTnLst>
                                     <p:set>
                                       <p:cBhvr>
-                                        <p:cTn id="50" dur="1" fill="hold">
+                                        <p:cTn id="33" dur="1" fill="hold">
                                           <p:stCondLst>
                                             <p:cond delay="0"/>
                                           </p:stCondLst>
@@ -6000,7 +7074,7 @@
                                     </p:set>
                                     <p:animEffect transition="in" filter="blinds(horizontal)">
                                       <p:cBhvr>
-                                        <p:cTn id="51" dur="500"/>
+                                        <p:cTn id="34" dur="500"/>
                                         <p:tgtEl>
                                           <p:spTgt spid="6"/>
                                         </p:tgtEl>
@@ -6044,18 +7118,2213 @@
       <p:bldP spid="14" grpId="0" animBg="1"/>
       <p:bldP spid="15" grpId="0" animBg="1"/>
       <p:bldP spid="17" grpId="0" animBg="1"/>
-      <p:bldP spid="18" grpId="0" animBg="1"/>
-      <p:bldP spid="19" grpId="0" animBg="1"/>
-      <p:bldP spid="20" grpId="0" animBg="1"/>
       <p:bldP spid="21" grpId="0" animBg="1"/>
-      <p:bldP spid="23" grpId="0" animBg="1"/>
-      <p:bldP spid="24" grpId="0" animBg="1"/>
     </p:bldLst>
   </p:timing>
 </p:sld>
 </file>
 
 <file path=ppt/slides/slide5.xml><?xml version="1.0" encoding="utf-8"?>
+<p:sld xmlns:a="http://schemas.openxmlformats.org/drawingml/2006/main" xmlns:r="http://schemas.openxmlformats.org/officeDocument/2006/relationships" xmlns:p="http://schemas.openxmlformats.org/presentationml/2006/main">
+  <p:cSld>
+    <p:spTree>
+      <p:nvGrpSpPr>
+        <p:cNvPr id="1" name=""/>
+        <p:cNvGrpSpPr/>
+        <p:nvPr/>
+      </p:nvGrpSpPr>
+      <p:grpSpPr>
+        <a:xfrm>
+          <a:off x="0" y="0"/>
+          <a:ext cx="0" cy="0"/>
+          <a:chOff x="0" y="0"/>
+          <a:chExt cx="0" cy="0"/>
+        </a:xfrm>
+      </p:grpSpPr>
+      <p:sp>
+        <p:nvSpPr>
+          <p:cNvPr id="2" name="标题 1"/>
+          <p:cNvSpPr>
+            <a:spLocks noGrp="1"/>
+          </p:cNvSpPr>
+          <p:nvPr>
+            <p:ph type="ctrTitle"/>
+          </p:nvPr>
+        </p:nvSpPr>
+        <p:spPr/>
+        <p:txBody>
+          <a:bodyPr/>
+          <a:lstStyle/>
+          <a:p>
+            <a:endParaRPr kumimoji="1" lang="zh-CN" altLang="en-US" dirty="0"/>
+          </a:p>
+        </p:txBody>
+      </p:sp>
+      <p:sp>
+        <p:nvSpPr>
+          <p:cNvPr id="3" name="副标题 2"/>
+          <p:cNvSpPr>
+            <a:spLocks noGrp="1"/>
+          </p:cNvSpPr>
+          <p:nvPr>
+            <p:ph type="subTitle" idx="1"/>
+          </p:nvPr>
+        </p:nvSpPr>
+        <p:spPr/>
+        <p:txBody>
+          <a:bodyPr/>
+          <a:lstStyle/>
+          <a:p>
+            <a:endParaRPr kumimoji="1" lang="zh-CN" altLang="en-US"/>
+          </a:p>
+        </p:txBody>
+      </p:sp>
+      <p:pic>
+        <p:nvPicPr>
+          <p:cNvPr id="5" name="图片 4" descr="maintheme.jpg"/>
+          <p:cNvPicPr>
+            <a:picLocks noChangeAspect="1"/>
+          </p:cNvPicPr>
+          <p:nvPr/>
+        </p:nvPicPr>
+        <p:blipFill>
+          <a:blip r:embed="rId2">
+            <a:extLst>
+              <a:ext uri="{28A0092B-C50C-407E-A947-70E740481C1C}">
+                <a14:useLocalDpi xmlns:a14="http://schemas.microsoft.com/office/drawing/2010/main" val="0"/>
+              </a:ext>
+            </a:extLst>
+          </a:blip>
+          <a:stretch>
+            <a:fillRect/>
+          </a:stretch>
+        </p:blipFill>
+        <p:spPr>
+          <a:xfrm>
+            <a:off x="0" y="0"/>
+            <a:ext cx="9144000" cy="6858000"/>
+          </a:xfrm>
+          <a:prstGeom prst="rect">
+            <a:avLst/>
+          </a:prstGeom>
+        </p:spPr>
+      </p:pic>
+      <p:sp>
+        <p:nvSpPr>
+          <p:cNvPr id="6" name="文本框 5"/>
+          <p:cNvSpPr txBox="1"/>
+          <p:nvPr/>
+        </p:nvSpPr>
+        <p:spPr>
+          <a:xfrm>
+            <a:off x="481263" y="619794"/>
+            <a:ext cx="6831264" cy="369332"/>
+          </a:xfrm>
+          <a:prstGeom prst="rect">
+            <a:avLst/>
+          </a:prstGeom>
+          <a:solidFill>
+            <a:schemeClr val="accent6">
+              <a:lumMod val="60000"/>
+              <a:lumOff val="40000"/>
+            </a:schemeClr>
+          </a:solidFill>
+        </p:spPr>
+        <p:txBody>
+          <a:bodyPr wrap="square" rtlCol="0">
+            <a:spAutoFit/>
+          </a:bodyPr>
+          <a:lstStyle/>
+          <a:p>
+            <a:pPr algn="ctr"/>
+            <a:r>
+              <a:rPr kumimoji="1" lang="zh-CN" altLang="en-US" dirty="0" smtClean="0"/>
+              <a:t>承办奥运会</a:t>
+            </a:r>
+            <a:endParaRPr kumimoji="1" lang="zh-CN" altLang="en-US" dirty="0"/>
+          </a:p>
+        </p:txBody>
+      </p:sp>
+      <p:sp>
+        <p:nvSpPr>
+          <p:cNvPr id="7" name="文本框 6"/>
+          <p:cNvSpPr txBox="1"/>
+          <p:nvPr/>
+        </p:nvSpPr>
+        <p:spPr>
+          <a:xfrm>
+            <a:off x="481263" y="5269468"/>
+            <a:ext cx="6831264" cy="369332"/>
+          </a:xfrm>
+          <a:prstGeom prst="rect">
+            <a:avLst/>
+          </a:prstGeom>
+          <a:solidFill>
+            <a:schemeClr val="accent6">
+              <a:lumMod val="60000"/>
+              <a:lumOff val="40000"/>
+            </a:schemeClr>
+          </a:solidFill>
+        </p:spPr>
+        <p:txBody>
+          <a:bodyPr wrap="square" rtlCol="0">
+            <a:spAutoFit/>
+          </a:bodyPr>
+          <a:lstStyle/>
+          <a:p>
+            <a:r>
+              <a:rPr kumimoji="1" lang="zh-CN" altLang="en-US" dirty="0" smtClean="0"/>
+              <a:t>                            共享资源</a:t>
+            </a:r>
+            <a:endParaRPr kumimoji="1" lang="zh-CN" altLang="en-US" dirty="0"/>
+          </a:p>
+        </p:txBody>
+      </p:sp>
+      <p:sp>
+        <p:nvSpPr>
+          <p:cNvPr id="12" name="文本框 11"/>
+          <p:cNvSpPr txBox="1"/>
+          <p:nvPr/>
+        </p:nvSpPr>
+        <p:spPr>
+          <a:xfrm>
+            <a:off x="685800" y="3720322"/>
+            <a:ext cx="1814095" cy="369332"/>
+          </a:xfrm>
+          <a:prstGeom prst="rect">
+            <a:avLst/>
+          </a:prstGeom>
+          <a:solidFill>
+            <a:schemeClr val="accent6">
+              <a:lumMod val="60000"/>
+              <a:lumOff val="40000"/>
+            </a:schemeClr>
+          </a:solidFill>
+        </p:spPr>
+        <p:txBody>
+          <a:bodyPr wrap="square" rtlCol="0">
+            <a:spAutoFit/>
+          </a:bodyPr>
+          <a:lstStyle/>
+          <a:p>
+            <a:r>
+              <a:rPr kumimoji="1" lang="zh-CN" altLang="en-US" dirty="0" smtClean="0"/>
+              <a:t> 羽毛球馆建设</a:t>
+            </a:r>
+            <a:endParaRPr kumimoji="1" lang="zh-CN" altLang="en-US" dirty="0"/>
+          </a:p>
+        </p:txBody>
+      </p:sp>
+      <p:sp>
+        <p:nvSpPr>
+          <p:cNvPr id="13" name="文本框 12"/>
+          <p:cNvSpPr txBox="1"/>
+          <p:nvPr/>
+        </p:nvSpPr>
+        <p:spPr>
+          <a:xfrm>
+            <a:off x="685800" y="4090828"/>
+            <a:ext cx="1430423" cy="369332"/>
+          </a:xfrm>
+          <a:prstGeom prst="rect">
+            <a:avLst/>
+          </a:prstGeom>
+          <a:solidFill>
+            <a:schemeClr val="accent6">
+              <a:lumMod val="60000"/>
+              <a:lumOff val="40000"/>
+            </a:schemeClr>
+          </a:solidFill>
+        </p:spPr>
+        <p:txBody>
+          <a:bodyPr wrap="square" rtlCol="0">
+            <a:spAutoFit/>
+          </a:bodyPr>
+          <a:lstStyle/>
+          <a:p>
+            <a:r>
+              <a:rPr kumimoji="1" lang="zh-CN" altLang="en-US" dirty="0" smtClean="0"/>
+              <a:t>游泳馆建设 </a:t>
+            </a:r>
+            <a:endParaRPr kumimoji="1" lang="zh-CN" altLang="en-US" dirty="0"/>
+          </a:p>
+        </p:txBody>
+      </p:sp>
+      <p:sp>
+        <p:nvSpPr>
+          <p:cNvPr id="14" name="文本框 13"/>
+          <p:cNvSpPr txBox="1"/>
+          <p:nvPr/>
+        </p:nvSpPr>
+        <p:spPr>
+          <a:xfrm>
+            <a:off x="685800" y="4460160"/>
+            <a:ext cx="917073" cy="369332"/>
+          </a:xfrm>
+          <a:prstGeom prst="rect">
+            <a:avLst/>
+          </a:prstGeom>
+          <a:solidFill>
+            <a:schemeClr val="accent6">
+              <a:lumMod val="60000"/>
+              <a:lumOff val="40000"/>
+            </a:schemeClr>
+          </a:solidFill>
+        </p:spPr>
+        <p:txBody>
+          <a:bodyPr wrap="square" rtlCol="0">
+            <a:spAutoFit/>
+          </a:bodyPr>
+          <a:lstStyle/>
+          <a:p>
+            <a:r>
+              <a:rPr kumimoji="1" lang="zh-CN" altLang="en-US" dirty="0" smtClean="0"/>
+              <a:t>。。。 </a:t>
+            </a:r>
+            <a:endParaRPr kumimoji="1" lang="zh-CN" altLang="en-US" dirty="0"/>
+          </a:p>
+        </p:txBody>
+      </p:sp>
+      <p:sp>
+        <p:nvSpPr>
+          <p:cNvPr id="18" name="文本框 17"/>
+          <p:cNvSpPr txBox="1"/>
+          <p:nvPr/>
+        </p:nvSpPr>
+        <p:spPr>
+          <a:xfrm>
+            <a:off x="7833894" y="2533152"/>
+            <a:ext cx="1064129" cy="369332"/>
+          </a:xfrm>
+          <a:prstGeom prst="rect">
+            <a:avLst/>
+          </a:prstGeom>
+          <a:solidFill>
+            <a:srgbClr val="FF6600"/>
+          </a:solidFill>
+        </p:spPr>
+        <p:txBody>
+          <a:bodyPr wrap="square" rtlCol="0">
+            <a:spAutoFit/>
+          </a:bodyPr>
+          <a:lstStyle/>
+          <a:p>
+            <a:r>
+              <a:rPr kumimoji="1" lang="zh-CN" altLang="en-US" dirty="0"/>
+              <a:t> 项目集</a:t>
+            </a:r>
+          </a:p>
+        </p:txBody>
+      </p:sp>
+      <p:sp>
+        <p:nvSpPr>
+          <p:cNvPr id="19" name="文本框 18"/>
+          <p:cNvSpPr txBox="1"/>
+          <p:nvPr/>
+        </p:nvSpPr>
+        <p:spPr>
+          <a:xfrm>
+            <a:off x="7926136" y="4265700"/>
+            <a:ext cx="910394" cy="369332"/>
+          </a:xfrm>
+          <a:prstGeom prst="rect">
+            <a:avLst/>
+          </a:prstGeom>
+          <a:solidFill>
+            <a:srgbClr val="FF6600"/>
+          </a:solidFill>
+        </p:spPr>
+        <p:txBody>
+          <a:bodyPr wrap="square" rtlCol="0">
+            <a:spAutoFit/>
+          </a:bodyPr>
+          <a:lstStyle/>
+          <a:p>
+            <a:r>
+              <a:rPr kumimoji="1" lang="zh-CN" altLang="en-US" dirty="0" smtClean="0"/>
+              <a:t> 项目 </a:t>
+            </a:r>
+            <a:endParaRPr kumimoji="1" lang="zh-CN" altLang="en-US" dirty="0"/>
+          </a:p>
+        </p:txBody>
+      </p:sp>
+      <p:sp>
+        <p:nvSpPr>
+          <p:cNvPr id="20" name="文本框 19"/>
+          <p:cNvSpPr txBox="1"/>
+          <p:nvPr/>
+        </p:nvSpPr>
+        <p:spPr>
+          <a:xfrm>
+            <a:off x="7772400" y="619794"/>
+            <a:ext cx="1283371" cy="369332"/>
+          </a:xfrm>
+          <a:prstGeom prst="rect">
+            <a:avLst/>
+          </a:prstGeom>
+          <a:solidFill>
+            <a:srgbClr val="FF6600"/>
+          </a:solidFill>
+        </p:spPr>
+        <p:txBody>
+          <a:bodyPr wrap="square" rtlCol="0">
+            <a:spAutoFit/>
+          </a:bodyPr>
+          <a:lstStyle/>
+          <a:p>
+            <a:r>
+              <a:rPr kumimoji="1" lang="zh-CN" altLang="en-US" dirty="0"/>
+              <a:t> </a:t>
+            </a:r>
+            <a:r>
+              <a:rPr kumimoji="1" lang="zh-CN" altLang="en-US" dirty="0" smtClean="0"/>
+              <a:t>项目组合</a:t>
+            </a:r>
+            <a:endParaRPr kumimoji="1" lang="zh-CN" altLang="en-US" dirty="0"/>
+          </a:p>
+        </p:txBody>
+      </p:sp>
+      <p:sp>
+        <p:nvSpPr>
+          <p:cNvPr id="23" name="上箭头 22"/>
+          <p:cNvSpPr/>
+          <p:nvPr/>
+        </p:nvSpPr>
+        <p:spPr>
+          <a:xfrm>
+            <a:off x="8090836" y="3111246"/>
+            <a:ext cx="484632" cy="978408"/>
+          </a:xfrm>
+          <a:prstGeom prst="upArrow">
+            <a:avLst/>
+          </a:prstGeom>
+          <a:solidFill>
+            <a:srgbClr val="FF6600"/>
+          </a:solidFill>
+        </p:spPr>
+        <p:style>
+          <a:lnRef idx="1">
+            <a:schemeClr val="accent1"/>
+          </a:lnRef>
+          <a:fillRef idx="3">
+            <a:schemeClr val="accent1"/>
+          </a:fillRef>
+          <a:effectRef idx="2">
+            <a:schemeClr val="accent1"/>
+          </a:effectRef>
+          <a:fontRef idx="minor">
+            <a:schemeClr val="lt1"/>
+          </a:fontRef>
+        </p:style>
+        <p:txBody>
+          <a:bodyPr rtlCol="0" anchor="ctr"/>
+          <a:lstStyle/>
+          <a:p>
+            <a:pPr algn="ctr"/>
+            <a:endParaRPr kumimoji="1" lang="zh-CN" altLang="en-US"/>
+          </a:p>
+        </p:txBody>
+      </p:sp>
+      <p:sp>
+        <p:nvSpPr>
+          <p:cNvPr id="24" name="上箭头 23"/>
+          <p:cNvSpPr/>
+          <p:nvPr/>
+        </p:nvSpPr>
+        <p:spPr>
+          <a:xfrm>
+            <a:off x="8100194" y="1156362"/>
+            <a:ext cx="484632" cy="1249954"/>
+          </a:xfrm>
+          <a:prstGeom prst="upArrow">
+            <a:avLst/>
+          </a:prstGeom>
+          <a:solidFill>
+            <a:srgbClr val="FF6600"/>
+          </a:solidFill>
+        </p:spPr>
+        <p:style>
+          <a:lnRef idx="1">
+            <a:schemeClr val="accent1"/>
+          </a:lnRef>
+          <a:fillRef idx="3">
+            <a:schemeClr val="accent1"/>
+          </a:fillRef>
+          <a:effectRef idx="2">
+            <a:schemeClr val="accent1"/>
+          </a:effectRef>
+          <a:fontRef idx="minor">
+            <a:schemeClr val="lt1"/>
+          </a:fontRef>
+        </p:style>
+        <p:txBody>
+          <a:bodyPr rtlCol="0" anchor="ctr"/>
+          <a:lstStyle/>
+          <a:p>
+            <a:pPr algn="ctr"/>
+            <a:endParaRPr kumimoji="1" lang="zh-CN" altLang="en-US"/>
+          </a:p>
+        </p:txBody>
+      </p:sp>
+      <p:sp>
+        <p:nvSpPr>
+          <p:cNvPr id="22" name="文本框 21"/>
+          <p:cNvSpPr txBox="1"/>
+          <p:nvPr/>
+        </p:nvSpPr>
+        <p:spPr>
+          <a:xfrm>
+            <a:off x="481263" y="2495539"/>
+            <a:ext cx="2847474" cy="369332"/>
+          </a:xfrm>
+          <a:prstGeom prst="rect">
+            <a:avLst/>
+          </a:prstGeom>
+          <a:solidFill>
+            <a:schemeClr val="accent6">
+              <a:lumMod val="60000"/>
+              <a:lumOff val="40000"/>
+            </a:schemeClr>
+          </a:solidFill>
+        </p:spPr>
+        <p:txBody>
+          <a:bodyPr wrap="square" rtlCol="0">
+            <a:spAutoFit/>
+          </a:bodyPr>
+          <a:lstStyle/>
+          <a:p>
+            <a:pPr algn="ctr"/>
+            <a:r>
+              <a:rPr kumimoji="1" lang="zh-CN" altLang="en-US" dirty="0" smtClean="0"/>
+              <a:t>奥运体育馆建设</a:t>
+            </a:r>
+            <a:endParaRPr kumimoji="1" lang="zh-CN" altLang="en-US" dirty="0"/>
+          </a:p>
+        </p:txBody>
+      </p:sp>
+      <p:sp>
+        <p:nvSpPr>
+          <p:cNvPr id="25" name="文本框 24"/>
+          <p:cNvSpPr txBox="1"/>
+          <p:nvPr/>
+        </p:nvSpPr>
+        <p:spPr>
+          <a:xfrm>
+            <a:off x="3523916" y="2495539"/>
+            <a:ext cx="954505" cy="369332"/>
+          </a:xfrm>
+          <a:prstGeom prst="rect">
+            <a:avLst/>
+          </a:prstGeom>
+          <a:solidFill>
+            <a:schemeClr val="accent6">
+              <a:lumMod val="60000"/>
+              <a:lumOff val="40000"/>
+            </a:schemeClr>
+          </a:solidFill>
+        </p:spPr>
+        <p:txBody>
+          <a:bodyPr wrap="square" rtlCol="0">
+            <a:spAutoFit/>
+          </a:bodyPr>
+          <a:lstStyle/>
+          <a:p>
+            <a:pPr algn="ctr"/>
+            <a:r>
+              <a:rPr kumimoji="1" lang="zh-CN" altLang="en-US" dirty="0" smtClean="0"/>
+              <a:t>治安</a:t>
+            </a:r>
+            <a:endParaRPr kumimoji="1" lang="zh-CN" altLang="en-US" dirty="0"/>
+          </a:p>
+        </p:txBody>
+      </p:sp>
+      <p:sp>
+        <p:nvSpPr>
+          <p:cNvPr id="26" name="文本框 25"/>
+          <p:cNvSpPr txBox="1"/>
+          <p:nvPr/>
+        </p:nvSpPr>
+        <p:spPr>
+          <a:xfrm>
+            <a:off x="6395454" y="2495539"/>
+            <a:ext cx="917073" cy="369332"/>
+          </a:xfrm>
+          <a:prstGeom prst="rect">
+            <a:avLst/>
+          </a:prstGeom>
+          <a:solidFill>
+            <a:schemeClr val="accent6">
+              <a:lumMod val="60000"/>
+              <a:lumOff val="40000"/>
+            </a:schemeClr>
+          </a:solidFill>
+        </p:spPr>
+        <p:txBody>
+          <a:bodyPr wrap="square" rtlCol="0">
+            <a:spAutoFit/>
+          </a:bodyPr>
+          <a:lstStyle/>
+          <a:p>
+            <a:r>
+              <a:rPr kumimoji="1" lang="zh-CN" altLang="en-US" dirty="0" smtClean="0"/>
+              <a:t>。。。 </a:t>
+            </a:r>
+            <a:endParaRPr kumimoji="1" lang="zh-CN" altLang="en-US" dirty="0"/>
+          </a:p>
+        </p:txBody>
+      </p:sp>
+      <p:sp>
+        <p:nvSpPr>
+          <p:cNvPr id="27" name="文本框 26"/>
+          <p:cNvSpPr txBox="1"/>
+          <p:nvPr/>
+        </p:nvSpPr>
+        <p:spPr>
+          <a:xfrm>
+            <a:off x="4740442" y="2495539"/>
+            <a:ext cx="1275347" cy="369332"/>
+          </a:xfrm>
+          <a:prstGeom prst="rect">
+            <a:avLst/>
+          </a:prstGeom>
+          <a:solidFill>
+            <a:schemeClr val="accent6">
+              <a:lumMod val="60000"/>
+              <a:lumOff val="40000"/>
+            </a:schemeClr>
+          </a:solidFill>
+        </p:spPr>
+        <p:txBody>
+          <a:bodyPr wrap="square" rtlCol="0">
+            <a:spAutoFit/>
+          </a:bodyPr>
+          <a:lstStyle/>
+          <a:p>
+            <a:pPr algn="ctr"/>
+            <a:r>
+              <a:rPr kumimoji="1" lang="zh-CN" altLang="en-US" dirty="0" smtClean="0"/>
+              <a:t>便民设施</a:t>
+            </a:r>
+            <a:endParaRPr kumimoji="1" lang="zh-CN" altLang="en-US" dirty="0"/>
+          </a:p>
+        </p:txBody>
+      </p:sp>
+    </p:spTree>
+    <p:extLst>
+      <p:ext uri="{BB962C8B-B14F-4D97-AF65-F5344CB8AC3E}">
+        <p14:creationId xmlns:p14="http://schemas.microsoft.com/office/powerpoint/2010/main" val="3271342224"/>
+      </p:ext>
+    </p:extLst>
+  </p:cSld>
+  <p:clrMapOvr>
+    <a:masterClrMapping/>
+  </p:clrMapOvr>
+  <p:timing>
+    <p:tnLst>
+      <p:par>
+        <p:cTn xmlns:p14="http://schemas.microsoft.com/office/powerpoint/2010/main" id="1" dur="indefinite" restart="never" nodeType="tmRoot">
+          <p:childTnLst>
+            <p:seq concurrent="1" nextAc="seek">
+              <p:cTn id="2" dur="indefinite" nodeType="mainSeq">
+                <p:childTnLst>
+                  <p:par>
+                    <p:cTn id="3" fill="hold">
+                      <p:stCondLst>
+                        <p:cond delay="indefinite"/>
+                      </p:stCondLst>
+                      <p:childTnLst>
+                        <p:par>
+                          <p:cTn id="4" fill="hold">
+                            <p:stCondLst>
+                              <p:cond delay="0"/>
+                            </p:stCondLst>
+                            <p:childTnLst>
+                              <p:par>
+                                <p:cTn id="5" presetID="3" presetClass="entr" presetSubtype="10" fill="hold" grpId="0" nodeType="clickEffect">
+                                  <p:stCondLst>
+                                    <p:cond delay="0"/>
+                                  </p:stCondLst>
+                                  <p:childTnLst>
+                                    <p:set>
+                                      <p:cBhvr>
+                                        <p:cTn id="6" dur="1" fill="hold">
+                                          <p:stCondLst>
+                                            <p:cond delay="0"/>
+                                          </p:stCondLst>
+                                        </p:cTn>
+                                        <p:tgtEl>
+                                          <p:spTgt spid="7"/>
+                                        </p:tgtEl>
+                                        <p:attrNameLst>
+                                          <p:attrName>style.visibility</p:attrName>
+                                        </p:attrNameLst>
+                                      </p:cBhvr>
+                                      <p:to>
+                                        <p:strVal val="visible"/>
+                                      </p:to>
+                                    </p:set>
+                                    <p:animEffect transition="in" filter="blinds(horizontal)">
+                                      <p:cBhvr>
+                                        <p:cTn id="7" dur="500"/>
+                                        <p:tgtEl>
+                                          <p:spTgt spid="7"/>
+                                        </p:tgtEl>
+                                      </p:cBhvr>
+                                    </p:animEffect>
+                                  </p:childTnLst>
+                                </p:cTn>
+                              </p:par>
+                            </p:childTnLst>
+                          </p:cTn>
+                        </p:par>
+                      </p:childTnLst>
+                    </p:cTn>
+                  </p:par>
+                  <p:par>
+                    <p:cTn id="8" fill="hold">
+                      <p:stCondLst>
+                        <p:cond delay="indefinite"/>
+                      </p:stCondLst>
+                      <p:childTnLst>
+                        <p:par>
+                          <p:cTn id="9" fill="hold">
+                            <p:stCondLst>
+                              <p:cond delay="0"/>
+                            </p:stCondLst>
+                            <p:childTnLst>
+                              <p:par>
+                                <p:cTn id="10" presetID="3" presetClass="entr" presetSubtype="10" fill="hold" grpId="0" nodeType="clickEffect">
+                                  <p:stCondLst>
+                                    <p:cond delay="0"/>
+                                  </p:stCondLst>
+                                  <p:childTnLst>
+                                    <p:set>
+                                      <p:cBhvr>
+                                        <p:cTn id="11" dur="1" fill="hold">
+                                          <p:stCondLst>
+                                            <p:cond delay="0"/>
+                                          </p:stCondLst>
+                                        </p:cTn>
+                                        <p:tgtEl>
+                                          <p:spTgt spid="14"/>
+                                        </p:tgtEl>
+                                        <p:attrNameLst>
+                                          <p:attrName>style.visibility</p:attrName>
+                                        </p:attrNameLst>
+                                      </p:cBhvr>
+                                      <p:to>
+                                        <p:strVal val="visible"/>
+                                      </p:to>
+                                    </p:set>
+                                    <p:animEffect transition="in" filter="blinds(horizontal)">
+                                      <p:cBhvr>
+                                        <p:cTn id="12" dur="500"/>
+                                        <p:tgtEl>
+                                          <p:spTgt spid="14"/>
+                                        </p:tgtEl>
+                                      </p:cBhvr>
+                                    </p:animEffect>
+                                  </p:childTnLst>
+                                </p:cTn>
+                              </p:par>
+                              <p:par>
+                                <p:cTn id="13" presetID="3" presetClass="entr" presetSubtype="10" fill="hold" grpId="0" nodeType="withEffect">
+                                  <p:stCondLst>
+                                    <p:cond delay="0"/>
+                                  </p:stCondLst>
+                                  <p:childTnLst>
+                                    <p:set>
+                                      <p:cBhvr>
+                                        <p:cTn id="14" dur="1" fill="hold">
+                                          <p:stCondLst>
+                                            <p:cond delay="0"/>
+                                          </p:stCondLst>
+                                        </p:cTn>
+                                        <p:tgtEl>
+                                          <p:spTgt spid="13"/>
+                                        </p:tgtEl>
+                                        <p:attrNameLst>
+                                          <p:attrName>style.visibility</p:attrName>
+                                        </p:attrNameLst>
+                                      </p:cBhvr>
+                                      <p:to>
+                                        <p:strVal val="visible"/>
+                                      </p:to>
+                                    </p:set>
+                                    <p:animEffect transition="in" filter="blinds(horizontal)">
+                                      <p:cBhvr>
+                                        <p:cTn id="15" dur="500"/>
+                                        <p:tgtEl>
+                                          <p:spTgt spid="13"/>
+                                        </p:tgtEl>
+                                      </p:cBhvr>
+                                    </p:animEffect>
+                                  </p:childTnLst>
+                                </p:cTn>
+                              </p:par>
+                              <p:par>
+                                <p:cTn id="16" presetID="3" presetClass="entr" presetSubtype="10" fill="hold" grpId="0" nodeType="withEffect">
+                                  <p:stCondLst>
+                                    <p:cond delay="0"/>
+                                  </p:stCondLst>
+                                  <p:childTnLst>
+                                    <p:set>
+                                      <p:cBhvr>
+                                        <p:cTn id="17" dur="1" fill="hold">
+                                          <p:stCondLst>
+                                            <p:cond delay="0"/>
+                                          </p:stCondLst>
+                                        </p:cTn>
+                                        <p:tgtEl>
+                                          <p:spTgt spid="12"/>
+                                        </p:tgtEl>
+                                        <p:attrNameLst>
+                                          <p:attrName>style.visibility</p:attrName>
+                                        </p:attrNameLst>
+                                      </p:cBhvr>
+                                      <p:to>
+                                        <p:strVal val="visible"/>
+                                      </p:to>
+                                    </p:set>
+                                    <p:animEffect transition="in" filter="blinds(horizontal)">
+                                      <p:cBhvr>
+                                        <p:cTn id="18" dur="500"/>
+                                        <p:tgtEl>
+                                          <p:spTgt spid="12"/>
+                                        </p:tgtEl>
+                                      </p:cBhvr>
+                                    </p:animEffect>
+                                  </p:childTnLst>
+                                </p:cTn>
+                              </p:par>
+                            </p:childTnLst>
+                          </p:cTn>
+                        </p:par>
+                      </p:childTnLst>
+                    </p:cTn>
+                  </p:par>
+                  <p:par>
+                    <p:cTn id="19" fill="hold">
+                      <p:stCondLst>
+                        <p:cond delay="indefinite"/>
+                      </p:stCondLst>
+                      <p:childTnLst>
+                        <p:par>
+                          <p:cTn id="20" fill="hold">
+                            <p:stCondLst>
+                              <p:cond delay="0"/>
+                            </p:stCondLst>
+                            <p:childTnLst>
+                              <p:par>
+                                <p:cTn id="21" presetID="9" presetClass="entr" presetSubtype="0" fill="hold" grpId="0" nodeType="clickEffect">
+                                  <p:stCondLst>
+                                    <p:cond delay="0"/>
+                                  </p:stCondLst>
+                                  <p:childTnLst>
+                                    <p:set>
+                                      <p:cBhvr>
+                                        <p:cTn id="22" dur="1" fill="hold">
+                                          <p:stCondLst>
+                                            <p:cond delay="0"/>
+                                          </p:stCondLst>
+                                        </p:cTn>
+                                        <p:tgtEl>
+                                          <p:spTgt spid="22"/>
+                                        </p:tgtEl>
+                                        <p:attrNameLst>
+                                          <p:attrName>style.visibility</p:attrName>
+                                        </p:attrNameLst>
+                                      </p:cBhvr>
+                                      <p:to>
+                                        <p:strVal val="visible"/>
+                                      </p:to>
+                                    </p:set>
+                                    <p:animEffect transition="in" filter="dissolve">
+                                      <p:cBhvr>
+                                        <p:cTn id="23" dur="500"/>
+                                        <p:tgtEl>
+                                          <p:spTgt spid="22"/>
+                                        </p:tgtEl>
+                                      </p:cBhvr>
+                                    </p:animEffect>
+                                  </p:childTnLst>
+                                </p:cTn>
+                              </p:par>
+                              <p:par>
+                                <p:cTn id="24" presetID="9" presetClass="entr" presetSubtype="0" fill="hold" grpId="0" nodeType="withEffect">
+                                  <p:stCondLst>
+                                    <p:cond delay="0"/>
+                                  </p:stCondLst>
+                                  <p:childTnLst>
+                                    <p:set>
+                                      <p:cBhvr>
+                                        <p:cTn id="25" dur="1" fill="hold">
+                                          <p:stCondLst>
+                                            <p:cond delay="0"/>
+                                          </p:stCondLst>
+                                        </p:cTn>
+                                        <p:tgtEl>
+                                          <p:spTgt spid="25"/>
+                                        </p:tgtEl>
+                                        <p:attrNameLst>
+                                          <p:attrName>style.visibility</p:attrName>
+                                        </p:attrNameLst>
+                                      </p:cBhvr>
+                                      <p:to>
+                                        <p:strVal val="visible"/>
+                                      </p:to>
+                                    </p:set>
+                                    <p:animEffect transition="in" filter="dissolve">
+                                      <p:cBhvr>
+                                        <p:cTn id="26" dur="500"/>
+                                        <p:tgtEl>
+                                          <p:spTgt spid="25"/>
+                                        </p:tgtEl>
+                                      </p:cBhvr>
+                                    </p:animEffect>
+                                  </p:childTnLst>
+                                </p:cTn>
+                              </p:par>
+                              <p:par>
+                                <p:cTn id="27" presetID="9" presetClass="entr" presetSubtype="0" fill="hold" grpId="0" nodeType="withEffect">
+                                  <p:stCondLst>
+                                    <p:cond delay="0"/>
+                                  </p:stCondLst>
+                                  <p:childTnLst>
+                                    <p:set>
+                                      <p:cBhvr>
+                                        <p:cTn id="28" dur="1" fill="hold">
+                                          <p:stCondLst>
+                                            <p:cond delay="0"/>
+                                          </p:stCondLst>
+                                        </p:cTn>
+                                        <p:tgtEl>
+                                          <p:spTgt spid="27"/>
+                                        </p:tgtEl>
+                                        <p:attrNameLst>
+                                          <p:attrName>style.visibility</p:attrName>
+                                        </p:attrNameLst>
+                                      </p:cBhvr>
+                                      <p:to>
+                                        <p:strVal val="visible"/>
+                                      </p:to>
+                                    </p:set>
+                                    <p:animEffect transition="in" filter="dissolve">
+                                      <p:cBhvr>
+                                        <p:cTn id="29" dur="500"/>
+                                        <p:tgtEl>
+                                          <p:spTgt spid="27"/>
+                                        </p:tgtEl>
+                                      </p:cBhvr>
+                                    </p:animEffect>
+                                  </p:childTnLst>
+                                </p:cTn>
+                              </p:par>
+                              <p:par>
+                                <p:cTn id="30" presetID="9" presetClass="entr" presetSubtype="0" fill="hold" grpId="0" nodeType="withEffect">
+                                  <p:stCondLst>
+                                    <p:cond delay="0"/>
+                                  </p:stCondLst>
+                                  <p:childTnLst>
+                                    <p:set>
+                                      <p:cBhvr>
+                                        <p:cTn id="31" dur="1" fill="hold">
+                                          <p:stCondLst>
+                                            <p:cond delay="0"/>
+                                          </p:stCondLst>
+                                        </p:cTn>
+                                        <p:tgtEl>
+                                          <p:spTgt spid="26"/>
+                                        </p:tgtEl>
+                                        <p:attrNameLst>
+                                          <p:attrName>style.visibility</p:attrName>
+                                        </p:attrNameLst>
+                                      </p:cBhvr>
+                                      <p:to>
+                                        <p:strVal val="visible"/>
+                                      </p:to>
+                                    </p:set>
+                                    <p:animEffect transition="in" filter="dissolve">
+                                      <p:cBhvr>
+                                        <p:cTn id="32" dur="500"/>
+                                        <p:tgtEl>
+                                          <p:spTgt spid="26"/>
+                                        </p:tgtEl>
+                                      </p:cBhvr>
+                                    </p:animEffect>
+                                  </p:childTnLst>
+                                </p:cTn>
+                              </p:par>
+                            </p:childTnLst>
+                          </p:cTn>
+                        </p:par>
+                      </p:childTnLst>
+                    </p:cTn>
+                  </p:par>
+                  <p:par>
+                    <p:cTn id="33" fill="hold">
+                      <p:stCondLst>
+                        <p:cond delay="indefinite"/>
+                      </p:stCondLst>
+                      <p:childTnLst>
+                        <p:par>
+                          <p:cTn id="34" fill="hold">
+                            <p:stCondLst>
+                              <p:cond delay="0"/>
+                            </p:stCondLst>
+                            <p:childTnLst>
+                              <p:par>
+                                <p:cTn id="35" presetID="9" presetClass="entr" presetSubtype="0" fill="hold" grpId="0" nodeType="clickEffect">
+                                  <p:stCondLst>
+                                    <p:cond delay="0"/>
+                                  </p:stCondLst>
+                                  <p:childTnLst>
+                                    <p:set>
+                                      <p:cBhvr>
+                                        <p:cTn id="36" dur="1" fill="hold">
+                                          <p:stCondLst>
+                                            <p:cond delay="0"/>
+                                          </p:stCondLst>
+                                        </p:cTn>
+                                        <p:tgtEl>
+                                          <p:spTgt spid="6"/>
+                                        </p:tgtEl>
+                                        <p:attrNameLst>
+                                          <p:attrName>style.visibility</p:attrName>
+                                        </p:attrNameLst>
+                                      </p:cBhvr>
+                                      <p:to>
+                                        <p:strVal val="visible"/>
+                                      </p:to>
+                                    </p:set>
+                                    <p:animEffect transition="in" filter="dissolve">
+                                      <p:cBhvr>
+                                        <p:cTn id="37" dur="500"/>
+                                        <p:tgtEl>
+                                          <p:spTgt spid="6"/>
+                                        </p:tgtEl>
+                                      </p:cBhvr>
+                                    </p:animEffect>
+                                  </p:childTnLst>
+                                </p:cTn>
+                              </p:par>
+                            </p:childTnLst>
+                          </p:cTn>
+                        </p:par>
+                      </p:childTnLst>
+                    </p:cTn>
+                  </p:par>
+                </p:childTnLst>
+              </p:cTn>
+              <p:prevCondLst>
+                <p:cond evt="onPrev" delay="0">
+                  <p:tgtEl>
+                    <p:sldTgt/>
+                  </p:tgtEl>
+                </p:cond>
+              </p:prevCondLst>
+              <p:nextCondLst>
+                <p:cond evt="onNext" delay="0">
+                  <p:tgtEl>
+                    <p:sldTgt/>
+                  </p:tgtEl>
+                </p:cond>
+              </p:nextCondLst>
+            </p:seq>
+          </p:childTnLst>
+        </p:cTn>
+      </p:par>
+    </p:tnLst>
+    <p:bldLst>
+      <p:bldP spid="6" grpId="0" animBg="1"/>
+      <p:bldP spid="7" grpId="0" animBg="1"/>
+      <p:bldP spid="12" grpId="0" animBg="1"/>
+      <p:bldP spid="13" grpId="0" animBg="1"/>
+      <p:bldP spid="14" grpId="0" animBg="1"/>
+      <p:bldP spid="22" grpId="0" animBg="1"/>
+      <p:bldP spid="25" grpId="0" animBg="1"/>
+      <p:bldP spid="26" grpId="0" animBg="1"/>
+      <p:bldP spid="27" grpId="0" animBg="1"/>
+    </p:bldLst>
+  </p:timing>
+</p:sld>
+</file>
+
+<file path=ppt/slides/slide6.xml><?xml version="1.0" encoding="utf-8"?>
+<p:sld xmlns:a="http://schemas.openxmlformats.org/drawingml/2006/main" xmlns:r="http://schemas.openxmlformats.org/officeDocument/2006/relationships" xmlns:p="http://schemas.openxmlformats.org/presentationml/2006/main">
+  <p:cSld>
+    <p:spTree>
+      <p:nvGrpSpPr>
+        <p:cNvPr id="1" name=""/>
+        <p:cNvGrpSpPr/>
+        <p:nvPr/>
+      </p:nvGrpSpPr>
+      <p:grpSpPr>
+        <a:xfrm>
+          <a:off x="0" y="0"/>
+          <a:ext cx="0" cy="0"/>
+          <a:chOff x="0" y="0"/>
+          <a:chExt cx="0" cy="0"/>
+        </a:xfrm>
+      </p:grpSpPr>
+      <p:sp>
+        <p:nvSpPr>
+          <p:cNvPr id="2" name="标题 1"/>
+          <p:cNvSpPr>
+            <a:spLocks noGrp="1"/>
+          </p:cNvSpPr>
+          <p:nvPr>
+            <p:ph type="ctrTitle"/>
+          </p:nvPr>
+        </p:nvSpPr>
+        <p:spPr/>
+        <p:txBody>
+          <a:bodyPr/>
+          <a:lstStyle/>
+          <a:p>
+            <a:endParaRPr kumimoji="1" lang="zh-CN" altLang="en-US" dirty="0"/>
+          </a:p>
+        </p:txBody>
+      </p:sp>
+      <p:sp>
+        <p:nvSpPr>
+          <p:cNvPr id="3" name="副标题 2"/>
+          <p:cNvSpPr>
+            <a:spLocks noGrp="1"/>
+          </p:cNvSpPr>
+          <p:nvPr>
+            <p:ph type="subTitle" idx="1"/>
+          </p:nvPr>
+        </p:nvSpPr>
+        <p:spPr/>
+        <p:txBody>
+          <a:bodyPr/>
+          <a:lstStyle/>
+          <a:p>
+            <a:endParaRPr kumimoji="1" lang="zh-CN" altLang="en-US"/>
+          </a:p>
+        </p:txBody>
+      </p:sp>
+      <p:pic>
+        <p:nvPicPr>
+          <p:cNvPr id="5" name="图片 4" descr="maintheme.jpg"/>
+          <p:cNvPicPr>
+            <a:picLocks noChangeAspect="1"/>
+          </p:cNvPicPr>
+          <p:nvPr/>
+        </p:nvPicPr>
+        <p:blipFill>
+          <a:blip r:embed="rId2">
+            <a:extLst>
+              <a:ext uri="{28A0092B-C50C-407E-A947-70E740481C1C}">
+                <a14:useLocalDpi xmlns:a14="http://schemas.microsoft.com/office/drawing/2010/main" val="0"/>
+              </a:ext>
+            </a:extLst>
+          </a:blip>
+          <a:stretch>
+            <a:fillRect/>
+          </a:stretch>
+        </p:blipFill>
+        <p:spPr>
+          <a:xfrm>
+            <a:off x="0" y="0"/>
+            <a:ext cx="9144000" cy="6858000"/>
+          </a:xfrm>
+          <a:prstGeom prst="rect">
+            <a:avLst/>
+          </a:prstGeom>
+        </p:spPr>
+      </p:pic>
+      <p:sp>
+        <p:nvSpPr>
+          <p:cNvPr id="6" name="文本框 5"/>
+          <p:cNvSpPr txBox="1"/>
+          <p:nvPr/>
+        </p:nvSpPr>
+        <p:spPr>
+          <a:xfrm>
+            <a:off x="1515980" y="838200"/>
+            <a:ext cx="6055894" cy="646331"/>
+          </a:xfrm>
+          <a:prstGeom prst="rect">
+            <a:avLst/>
+          </a:prstGeom>
+          <a:noFill/>
+        </p:spPr>
+        <p:txBody>
+          <a:bodyPr wrap="square" rtlCol="0">
+            <a:spAutoFit/>
+          </a:bodyPr>
+          <a:lstStyle/>
+          <a:p>
+            <a:r>
+              <a:rPr kumimoji="1" lang="zh-CN" altLang="en-US" dirty="0" smtClean="0"/>
+              <a:t>项目管理就是将知识、技能、工具与技术应用于项目活动中，以完成项目。</a:t>
+            </a:r>
+            <a:endParaRPr kumimoji="1" lang="zh-CN" altLang="en-US" dirty="0"/>
+          </a:p>
+        </p:txBody>
+      </p:sp>
+      <p:sp>
+        <p:nvSpPr>
+          <p:cNvPr id="7" name="文本框 6"/>
+          <p:cNvSpPr txBox="1"/>
+          <p:nvPr/>
+        </p:nvSpPr>
+        <p:spPr>
+          <a:xfrm>
+            <a:off x="2892927" y="2124395"/>
+            <a:ext cx="2708441" cy="369332"/>
+          </a:xfrm>
+          <a:prstGeom prst="rect">
+            <a:avLst/>
+          </a:prstGeom>
+          <a:solidFill>
+            <a:srgbClr val="FF6600"/>
+          </a:solidFill>
+        </p:spPr>
+        <p:txBody>
+          <a:bodyPr wrap="square" rtlCol="0">
+            <a:spAutoFit/>
+          </a:bodyPr>
+          <a:lstStyle/>
+          <a:p>
+            <a:pPr algn="ctr"/>
+            <a:r>
+              <a:rPr kumimoji="1" lang="zh-CN" altLang="en-US" dirty="0"/>
+              <a:t> </a:t>
+            </a:r>
+            <a:r>
+              <a:rPr kumimoji="1" lang="zh-CN" altLang="en-US" dirty="0" smtClean="0"/>
+              <a:t>项目</a:t>
+            </a:r>
+            <a:r>
+              <a:rPr kumimoji="1" lang="zh-CN" altLang="en-US" dirty="0" smtClean="0"/>
+              <a:t>管理最终要达成</a:t>
+            </a:r>
+            <a:endParaRPr kumimoji="1" lang="zh-CN" altLang="en-US" dirty="0"/>
+          </a:p>
+        </p:txBody>
+      </p:sp>
+      <p:sp>
+        <p:nvSpPr>
+          <p:cNvPr id="4" name="椭圆 3"/>
+          <p:cNvSpPr/>
+          <p:nvPr/>
+        </p:nvSpPr>
+        <p:spPr>
+          <a:xfrm>
+            <a:off x="828841" y="2830095"/>
+            <a:ext cx="2299369" cy="2112210"/>
+          </a:xfrm>
+          <a:prstGeom prst="ellipse">
+            <a:avLst/>
+          </a:prstGeom>
+          <a:solidFill>
+            <a:schemeClr val="accent6">
+              <a:lumMod val="60000"/>
+              <a:lumOff val="40000"/>
+            </a:schemeClr>
+          </a:solidFill>
+        </p:spPr>
+        <p:style>
+          <a:lnRef idx="1">
+            <a:schemeClr val="accent1"/>
+          </a:lnRef>
+          <a:fillRef idx="3">
+            <a:schemeClr val="accent1"/>
+          </a:fillRef>
+          <a:effectRef idx="2">
+            <a:schemeClr val="accent1"/>
+          </a:effectRef>
+          <a:fontRef idx="minor">
+            <a:schemeClr val="lt1"/>
+          </a:fontRef>
+        </p:style>
+        <p:txBody>
+          <a:bodyPr rtlCol="0" anchor="ctr"/>
+          <a:lstStyle/>
+          <a:p>
+            <a:pPr algn="ctr"/>
+            <a:endParaRPr kumimoji="1" lang="zh-CN" altLang="en-US" dirty="0">
+              <a:solidFill>
+                <a:schemeClr val="accent6">
+                  <a:lumMod val="60000"/>
+                  <a:lumOff val="40000"/>
+                </a:schemeClr>
+              </a:solidFill>
+            </a:endParaRPr>
+          </a:p>
+        </p:txBody>
+      </p:sp>
+      <p:sp>
+        <p:nvSpPr>
+          <p:cNvPr id="9" name="文本框 8"/>
+          <p:cNvSpPr txBox="1"/>
+          <p:nvPr/>
+        </p:nvSpPr>
+        <p:spPr>
+          <a:xfrm>
+            <a:off x="887664" y="5347368"/>
+            <a:ext cx="2240546" cy="369332"/>
+          </a:xfrm>
+          <a:prstGeom prst="rect">
+            <a:avLst/>
+          </a:prstGeom>
+          <a:solidFill>
+            <a:schemeClr val="accent6">
+              <a:lumMod val="60000"/>
+              <a:lumOff val="40000"/>
+            </a:schemeClr>
+          </a:solidFill>
+        </p:spPr>
+        <p:txBody>
+          <a:bodyPr wrap="square" rtlCol="0">
+            <a:spAutoFit/>
+          </a:bodyPr>
+          <a:lstStyle/>
+          <a:p>
+            <a:pPr algn="ctr"/>
+            <a:r>
+              <a:rPr kumimoji="1" lang="zh-CN" altLang="en-US" dirty="0" smtClean="0"/>
+              <a:t>要符合</a:t>
+            </a:r>
+            <a:r>
+              <a:rPr kumimoji="1" lang="zh-CN" altLang="en-US" dirty="0" smtClean="0"/>
+              <a:t> </a:t>
+            </a:r>
+            <a:r>
+              <a:rPr kumimoji="1" lang="en-US" altLang="zh-CN" dirty="0" smtClean="0"/>
+              <a:t>SMART</a:t>
+            </a:r>
+            <a:r>
+              <a:rPr kumimoji="1" lang="zh-CN" altLang="en-US" dirty="0" smtClean="0"/>
+              <a:t> </a:t>
+            </a:r>
+            <a:r>
+              <a:rPr kumimoji="1" lang="zh-CN" altLang="en-US" dirty="0" smtClean="0"/>
+              <a:t>原则</a:t>
+            </a:r>
+            <a:endParaRPr kumimoji="1" lang="zh-CN" altLang="en-US" dirty="0"/>
+          </a:p>
+        </p:txBody>
+      </p:sp>
+      <p:sp>
+        <p:nvSpPr>
+          <p:cNvPr id="10" name="文本框 9"/>
+          <p:cNvSpPr txBox="1"/>
+          <p:nvPr/>
+        </p:nvSpPr>
+        <p:spPr>
+          <a:xfrm>
+            <a:off x="1515980" y="3729789"/>
+            <a:ext cx="943809" cy="374316"/>
+          </a:xfrm>
+          <a:prstGeom prst="rect">
+            <a:avLst/>
+          </a:prstGeom>
+          <a:noFill/>
+        </p:spPr>
+        <p:txBody>
+          <a:bodyPr wrap="square" rtlCol="0">
+            <a:spAutoFit/>
+          </a:bodyPr>
+          <a:lstStyle/>
+          <a:p>
+            <a:pPr algn="ctr"/>
+            <a:r>
+              <a:rPr kumimoji="1" lang="zh-CN" altLang="en-US" dirty="0" smtClean="0"/>
+              <a:t>目标</a:t>
+            </a:r>
+            <a:endParaRPr kumimoji="1" lang="zh-CN" altLang="en-US" dirty="0"/>
+          </a:p>
+        </p:txBody>
+      </p:sp>
+      <p:sp>
+        <p:nvSpPr>
+          <p:cNvPr id="11" name="椭圆 10"/>
+          <p:cNvSpPr/>
+          <p:nvPr/>
+        </p:nvSpPr>
+        <p:spPr>
+          <a:xfrm>
+            <a:off x="5700295" y="2830095"/>
+            <a:ext cx="2299369" cy="2112210"/>
+          </a:xfrm>
+          <a:prstGeom prst="ellipse">
+            <a:avLst/>
+          </a:prstGeom>
+          <a:solidFill>
+            <a:schemeClr val="accent6">
+              <a:lumMod val="60000"/>
+              <a:lumOff val="40000"/>
+            </a:schemeClr>
+          </a:solidFill>
+        </p:spPr>
+        <p:style>
+          <a:lnRef idx="1">
+            <a:schemeClr val="accent1"/>
+          </a:lnRef>
+          <a:fillRef idx="3">
+            <a:schemeClr val="accent1"/>
+          </a:fillRef>
+          <a:effectRef idx="2">
+            <a:schemeClr val="accent1"/>
+          </a:effectRef>
+          <a:fontRef idx="minor">
+            <a:schemeClr val="lt1"/>
+          </a:fontRef>
+        </p:style>
+        <p:txBody>
+          <a:bodyPr rtlCol="0" anchor="ctr"/>
+          <a:lstStyle/>
+          <a:p>
+            <a:pPr algn="ctr"/>
+            <a:endParaRPr kumimoji="1" lang="zh-CN" altLang="en-US" dirty="0">
+              <a:solidFill>
+                <a:schemeClr val="accent6">
+                  <a:lumMod val="60000"/>
+                  <a:lumOff val="40000"/>
+                </a:schemeClr>
+              </a:solidFill>
+            </a:endParaRPr>
+          </a:p>
+        </p:txBody>
+      </p:sp>
+      <p:sp>
+        <p:nvSpPr>
+          <p:cNvPr id="12" name="文本框 11"/>
+          <p:cNvSpPr txBox="1"/>
+          <p:nvPr/>
+        </p:nvSpPr>
+        <p:spPr>
+          <a:xfrm>
+            <a:off x="5759118" y="5347368"/>
+            <a:ext cx="2240546" cy="369332"/>
+          </a:xfrm>
+          <a:prstGeom prst="rect">
+            <a:avLst/>
+          </a:prstGeom>
+          <a:solidFill>
+            <a:schemeClr val="accent6">
+              <a:lumMod val="60000"/>
+              <a:lumOff val="40000"/>
+            </a:schemeClr>
+          </a:solidFill>
+        </p:spPr>
+        <p:txBody>
+          <a:bodyPr wrap="square" rtlCol="0">
+            <a:spAutoFit/>
+          </a:bodyPr>
+          <a:lstStyle/>
+          <a:p>
+            <a:pPr algn="ctr"/>
+            <a:r>
+              <a:rPr kumimoji="1" lang="zh-CN" altLang="en-US" dirty="0" smtClean="0"/>
+              <a:t>有形的与无形的</a:t>
+            </a:r>
+            <a:endParaRPr kumimoji="1" lang="zh-CN" altLang="en-US" dirty="0"/>
+          </a:p>
+        </p:txBody>
+      </p:sp>
+      <p:sp>
+        <p:nvSpPr>
+          <p:cNvPr id="13" name="文本框 12"/>
+          <p:cNvSpPr txBox="1"/>
+          <p:nvPr/>
+        </p:nvSpPr>
+        <p:spPr>
+          <a:xfrm>
+            <a:off x="6387434" y="3563034"/>
+            <a:ext cx="943809" cy="646331"/>
+          </a:xfrm>
+          <a:prstGeom prst="rect">
+            <a:avLst/>
+          </a:prstGeom>
+          <a:noFill/>
+        </p:spPr>
+        <p:txBody>
+          <a:bodyPr wrap="square" rtlCol="0">
+            <a:spAutoFit/>
+          </a:bodyPr>
+          <a:lstStyle/>
+          <a:p>
+            <a:pPr algn="ctr"/>
+            <a:r>
+              <a:rPr kumimoji="1" lang="zh-CN" altLang="en-US" dirty="0" smtClean="0"/>
+              <a:t>创造商业价值</a:t>
+            </a:r>
+            <a:endParaRPr kumimoji="1" lang="zh-CN" altLang="en-US" dirty="0"/>
+          </a:p>
+        </p:txBody>
+      </p:sp>
+    </p:spTree>
+    <p:extLst>
+      <p:ext uri="{BB962C8B-B14F-4D97-AF65-F5344CB8AC3E}">
+        <p14:creationId xmlns:p14="http://schemas.microsoft.com/office/powerpoint/2010/main" val="1060920271"/>
+      </p:ext>
+    </p:extLst>
+  </p:cSld>
+  <p:clrMapOvr>
+    <a:masterClrMapping/>
+  </p:clrMapOvr>
+  <p:timing>
+    <p:tnLst>
+      <p:par>
+        <p:cTn xmlns:p14="http://schemas.microsoft.com/office/powerpoint/2010/main" id="1" dur="indefinite" restart="never" nodeType="tmRoot">
+          <p:childTnLst>
+            <p:seq concurrent="1" nextAc="seek">
+              <p:cTn id="2" dur="indefinite" nodeType="mainSeq">
+                <p:childTnLst>
+                  <p:par>
+                    <p:cTn id="3" fill="hold">
+                      <p:stCondLst>
+                        <p:cond delay="indefinite"/>
+                        <p:cond evt="onBegin" delay="0">
+                          <p:tn val="2"/>
+                        </p:cond>
+                      </p:stCondLst>
+                      <p:childTnLst>
+                        <p:par>
+                          <p:cTn id="4" fill="hold">
+                            <p:stCondLst>
+                              <p:cond delay="0"/>
+                            </p:stCondLst>
+                            <p:childTnLst>
+                              <p:par>
+                                <p:cTn id="5" presetID="3" presetClass="entr" presetSubtype="10" fill="hold" grpId="0" nodeType="withEffect">
+                                  <p:stCondLst>
+                                    <p:cond delay="0"/>
+                                  </p:stCondLst>
+                                  <p:childTnLst>
+                                    <p:set>
+                                      <p:cBhvr>
+                                        <p:cTn id="6" dur="1" fill="hold">
+                                          <p:stCondLst>
+                                            <p:cond delay="0"/>
+                                          </p:stCondLst>
+                                        </p:cTn>
+                                        <p:tgtEl>
+                                          <p:spTgt spid="9"/>
+                                        </p:tgtEl>
+                                        <p:attrNameLst>
+                                          <p:attrName>style.visibility</p:attrName>
+                                        </p:attrNameLst>
+                                      </p:cBhvr>
+                                      <p:to>
+                                        <p:strVal val="visible"/>
+                                      </p:to>
+                                    </p:set>
+                                    <p:animEffect transition="in" filter="blinds(horizontal)">
+                                      <p:cBhvr>
+                                        <p:cTn id="7" dur="500"/>
+                                        <p:tgtEl>
+                                          <p:spTgt spid="9"/>
+                                        </p:tgtEl>
+                                      </p:cBhvr>
+                                    </p:animEffect>
+                                  </p:childTnLst>
+                                </p:cTn>
+                              </p:par>
+                              <p:par>
+                                <p:cTn id="8" presetID="3" presetClass="entr" presetSubtype="10" fill="hold" grpId="0" nodeType="withEffect">
+                                  <p:stCondLst>
+                                    <p:cond delay="0"/>
+                                  </p:stCondLst>
+                                  <p:childTnLst>
+                                    <p:set>
+                                      <p:cBhvr>
+                                        <p:cTn id="9" dur="1" fill="hold">
+                                          <p:stCondLst>
+                                            <p:cond delay="0"/>
+                                          </p:stCondLst>
+                                        </p:cTn>
+                                        <p:tgtEl>
+                                          <p:spTgt spid="12"/>
+                                        </p:tgtEl>
+                                        <p:attrNameLst>
+                                          <p:attrName>style.visibility</p:attrName>
+                                        </p:attrNameLst>
+                                      </p:cBhvr>
+                                      <p:to>
+                                        <p:strVal val="visible"/>
+                                      </p:to>
+                                    </p:set>
+                                    <p:animEffect transition="in" filter="blinds(horizontal)">
+                                      <p:cBhvr>
+                                        <p:cTn id="10" dur="500"/>
+                                        <p:tgtEl>
+                                          <p:spTgt spid="12"/>
+                                        </p:tgtEl>
+                                      </p:cBhvr>
+                                    </p:animEffect>
+                                  </p:childTnLst>
+                                </p:cTn>
+                              </p:par>
+                            </p:childTnLst>
+                          </p:cTn>
+                        </p:par>
+                      </p:childTnLst>
+                    </p:cTn>
+                  </p:par>
+                  <p:par>
+                    <p:cTn id="11" fill="hold">
+                      <p:stCondLst>
+                        <p:cond delay="indefinite"/>
+                      </p:stCondLst>
+                      <p:childTnLst>
+                        <p:par>
+                          <p:cTn id="12" fill="hold">
+                            <p:stCondLst>
+                              <p:cond delay="0"/>
+                            </p:stCondLst>
+                            <p:childTnLst>
+                              <p:par>
+                                <p:cTn id="13" presetID="2" presetClass="entr" presetSubtype="4" fill="hold" grpId="0" nodeType="clickEffect">
+                                  <p:stCondLst>
+                                    <p:cond delay="0"/>
+                                  </p:stCondLst>
+                                  <p:childTnLst>
+                                    <p:set>
+                                      <p:cBhvr>
+                                        <p:cTn id="14" dur="1" fill="hold">
+                                          <p:stCondLst>
+                                            <p:cond delay="0"/>
+                                          </p:stCondLst>
+                                        </p:cTn>
+                                        <p:tgtEl>
+                                          <p:spTgt spid="6"/>
+                                        </p:tgtEl>
+                                        <p:attrNameLst>
+                                          <p:attrName>style.visibility</p:attrName>
+                                        </p:attrNameLst>
+                                      </p:cBhvr>
+                                      <p:to>
+                                        <p:strVal val="visible"/>
+                                      </p:to>
+                                    </p:set>
+                                    <p:anim calcmode="lin" valueType="num">
+                                      <p:cBhvr additive="base">
+                                        <p:cTn id="15" dur="500" fill="hold"/>
+                                        <p:tgtEl>
+                                          <p:spTgt spid="6"/>
+                                        </p:tgtEl>
+                                        <p:attrNameLst>
+                                          <p:attrName>ppt_x</p:attrName>
+                                        </p:attrNameLst>
+                                      </p:cBhvr>
+                                      <p:tavLst>
+                                        <p:tav tm="0">
+                                          <p:val>
+                                            <p:strVal val="#ppt_x"/>
+                                          </p:val>
+                                        </p:tav>
+                                        <p:tav tm="100000">
+                                          <p:val>
+                                            <p:strVal val="#ppt_x"/>
+                                          </p:val>
+                                        </p:tav>
+                                      </p:tavLst>
+                                    </p:anim>
+                                    <p:anim calcmode="lin" valueType="num">
+                                      <p:cBhvr additive="base">
+                                        <p:cTn id="16" dur="500" fill="hold"/>
+                                        <p:tgtEl>
+                                          <p:spTgt spid="6"/>
+                                        </p:tgtEl>
+                                        <p:attrNameLst>
+                                          <p:attrName>ppt_y</p:attrName>
+                                        </p:attrNameLst>
+                                      </p:cBhvr>
+                                      <p:tavLst>
+                                        <p:tav tm="0">
+                                          <p:val>
+                                            <p:strVal val="1+#ppt_h/2"/>
+                                          </p:val>
+                                        </p:tav>
+                                        <p:tav tm="100000">
+                                          <p:val>
+                                            <p:strVal val="#ppt_y"/>
+                                          </p:val>
+                                        </p:tav>
+                                      </p:tavLst>
+                                    </p:anim>
+                                  </p:childTnLst>
+                                </p:cTn>
+                              </p:par>
+                            </p:childTnLst>
+                          </p:cTn>
+                        </p:par>
+                      </p:childTnLst>
+                    </p:cTn>
+                  </p:par>
+                  <p:par>
+                    <p:cTn id="17" fill="hold">
+                      <p:stCondLst>
+                        <p:cond delay="indefinite"/>
+                      </p:stCondLst>
+                      <p:childTnLst>
+                        <p:par>
+                          <p:cTn id="18" fill="hold">
+                            <p:stCondLst>
+                              <p:cond delay="0"/>
+                            </p:stCondLst>
+                            <p:childTnLst>
+                              <p:par>
+                                <p:cTn id="19" presetID="2" presetClass="entr" presetSubtype="4" fill="hold" grpId="0" nodeType="clickEffect">
+                                  <p:stCondLst>
+                                    <p:cond delay="0"/>
+                                  </p:stCondLst>
+                                  <p:childTnLst>
+                                    <p:set>
+                                      <p:cBhvr>
+                                        <p:cTn id="20" dur="1" fill="hold">
+                                          <p:stCondLst>
+                                            <p:cond delay="0"/>
+                                          </p:stCondLst>
+                                        </p:cTn>
+                                        <p:tgtEl>
+                                          <p:spTgt spid="7"/>
+                                        </p:tgtEl>
+                                        <p:attrNameLst>
+                                          <p:attrName>style.visibility</p:attrName>
+                                        </p:attrNameLst>
+                                      </p:cBhvr>
+                                      <p:to>
+                                        <p:strVal val="visible"/>
+                                      </p:to>
+                                    </p:set>
+                                    <p:anim calcmode="lin" valueType="num">
+                                      <p:cBhvr additive="base">
+                                        <p:cTn id="21" dur="500" fill="hold"/>
+                                        <p:tgtEl>
+                                          <p:spTgt spid="7"/>
+                                        </p:tgtEl>
+                                        <p:attrNameLst>
+                                          <p:attrName>ppt_x</p:attrName>
+                                        </p:attrNameLst>
+                                      </p:cBhvr>
+                                      <p:tavLst>
+                                        <p:tav tm="0">
+                                          <p:val>
+                                            <p:strVal val="#ppt_x"/>
+                                          </p:val>
+                                        </p:tav>
+                                        <p:tav tm="100000">
+                                          <p:val>
+                                            <p:strVal val="#ppt_x"/>
+                                          </p:val>
+                                        </p:tav>
+                                      </p:tavLst>
+                                    </p:anim>
+                                    <p:anim calcmode="lin" valueType="num">
+                                      <p:cBhvr additive="base">
+                                        <p:cTn id="22" dur="500" fill="hold"/>
+                                        <p:tgtEl>
+                                          <p:spTgt spid="7"/>
+                                        </p:tgtEl>
+                                        <p:attrNameLst>
+                                          <p:attrName>ppt_y</p:attrName>
+                                        </p:attrNameLst>
+                                      </p:cBhvr>
+                                      <p:tavLst>
+                                        <p:tav tm="0">
+                                          <p:val>
+                                            <p:strVal val="1+#ppt_h/2"/>
+                                          </p:val>
+                                        </p:tav>
+                                        <p:tav tm="100000">
+                                          <p:val>
+                                            <p:strVal val="#ppt_y"/>
+                                          </p:val>
+                                        </p:tav>
+                                      </p:tavLst>
+                                    </p:anim>
+                                  </p:childTnLst>
+                                </p:cTn>
+                              </p:par>
+                              <p:par>
+                                <p:cTn id="23" presetID="2" presetClass="entr" presetSubtype="4" fill="hold" grpId="0" nodeType="withEffect">
+                                  <p:stCondLst>
+                                    <p:cond delay="0"/>
+                                  </p:stCondLst>
+                                  <p:childTnLst>
+                                    <p:set>
+                                      <p:cBhvr>
+                                        <p:cTn id="24" dur="1" fill="hold">
+                                          <p:stCondLst>
+                                            <p:cond delay="0"/>
+                                          </p:stCondLst>
+                                        </p:cTn>
+                                        <p:tgtEl>
+                                          <p:spTgt spid="4"/>
+                                        </p:tgtEl>
+                                        <p:attrNameLst>
+                                          <p:attrName>style.visibility</p:attrName>
+                                        </p:attrNameLst>
+                                      </p:cBhvr>
+                                      <p:to>
+                                        <p:strVal val="visible"/>
+                                      </p:to>
+                                    </p:set>
+                                    <p:anim calcmode="lin" valueType="num">
+                                      <p:cBhvr additive="base">
+                                        <p:cTn id="25" dur="500" fill="hold"/>
+                                        <p:tgtEl>
+                                          <p:spTgt spid="4"/>
+                                        </p:tgtEl>
+                                        <p:attrNameLst>
+                                          <p:attrName>ppt_x</p:attrName>
+                                        </p:attrNameLst>
+                                      </p:cBhvr>
+                                      <p:tavLst>
+                                        <p:tav tm="0">
+                                          <p:val>
+                                            <p:strVal val="#ppt_x"/>
+                                          </p:val>
+                                        </p:tav>
+                                        <p:tav tm="100000">
+                                          <p:val>
+                                            <p:strVal val="#ppt_x"/>
+                                          </p:val>
+                                        </p:tav>
+                                      </p:tavLst>
+                                    </p:anim>
+                                    <p:anim calcmode="lin" valueType="num">
+                                      <p:cBhvr additive="base">
+                                        <p:cTn id="26" dur="500" fill="hold"/>
+                                        <p:tgtEl>
+                                          <p:spTgt spid="4"/>
+                                        </p:tgtEl>
+                                        <p:attrNameLst>
+                                          <p:attrName>ppt_y</p:attrName>
+                                        </p:attrNameLst>
+                                      </p:cBhvr>
+                                      <p:tavLst>
+                                        <p:tav tm="0">
+                                          <p:val>
+                                            <p:strVal val="1+#ppt_h/2"/>
+                                          </p:val>
+                                        </p:tav>
+                                        <p:tav tm="100000">
+                                          <p:val>
+                                            <p:strVal val="#ppt_y"/>
+                                          </p:val>
+                                        </p:tav>
+                                      </p:tavLst>
+                                    </p:anim>
+                                  </p:childTnLst>
+                                </p:cTn>
+                              </p:par>
+                              <p:par>
+                                <p:cTn id="27" presetID="2" presetClass="entr" presetSubtype="4" fill="hold" grpId="0" nodeType="withEffect">
+                                  <p:stCondLst>
+                                    <p:cond delay="0"/>
+                                  </p:stCondLst>
+                                  <p:childTnLst>
+                                    <p:set>
+                                      <p:cBhvr>
+                                        <p:cTn id="28" dur="1" fill="hold">
+                                          <p:stCondLst>
+                                            <p:cond delay="0"/>
+                                          </p:stCondLst>
+                                        </p:cTn>
+                                        <p:tgtEl>
+                                          <p:spTgt spid="10"/>
+                                        </p:tgtEl>
+                                        <p:attrNameLst>
+                                          <p:attrName>style.visibility</p:attrName>
+                                        </p:attrNameLst>
+                                      </p:cBhvr>
+                                      <p:to>
+                                        <p:strVal val="visible"/>
+                                      </p:to>
+                                    </p:set>
+                                    <p:anim calcmode="lin" valueType="num">
+                                      <p:cBhvr additive="base">
+                                        <p:cTn id="29" dur="500" fill="hold"/>
+                                        <p:tgtEl>
+                                          <p:spTgt spid="10"/>
+                                        </p:tgtEl>
+                                        <p:attrNameLst>
+                                          <p:attrName>ppt_x</p:attrName>
+                                        </p:attrNameLst>
+                                      </p:cBhvr>
+                                      <p:tavLst>
+                                        <p:tav tm="0">
+                                          <p:val>
+                                            <p:strVal val="#ppt_x"/>
+                                          </p:val>
+                                        </p:tav>
+                                        <p:tav tm="100000">
+                                          <p:val>
+                                            <p:strVal val="#ppt_x"/>
+                                          </p:val>
+                                        </p:tav>
+                                      </p:tavLst>
+                                    </p:anim>
+                                    <p:anim calcmode="lin" valueType="num">
+                                      <p:cBhvr additive="base">
+                                        <p:cTn id="30" dur="500" fill="hold"/>
+                                        <p:tgtEl>
+                                          <p:spTgt spid="10"/>
+                                        </p:tgtEl>
+                                        <p:attrNameLst>
+                                          <p:attrName>ppt_y</p:attrName>
+                                        </p:attrNameLst>
+                                      </p:cBhvr>
+                                      <p:tavLst>
+                                        <p:tav tm="0">
+                                          <p:val>
+                                            <p:strVal val="1+#ppt_h/2"/>
+                                          </p:val>
+                                        </p:tav>
+                                        <p:tav tm="100000">
+                                          <p:val>
+                                            <p:strVal val="#ppt_y"/>
+                                          </p:val>
+                                        </p:tav>
+                                      </p:tavLst>
+                                    </p:anim>
+                                  </p:childTnLst>
+                                </p:cTn>
+                              </p:par>
+                              <p:par>
+                                <p:cTn id="31" presetID="2" presetClass="entr" presetSubtype="4" fill="hold" grpId="1" nodeType="withEffect">
+                                  <p:stCondLst>
+                                    <p:cond delay="0"/>
+                                  </p:stCondLst>
+                                  <p:childTnLst>
+                                    <p:set>
+                                      <p:cBhvr>
+                                        <p:cTn id="32" dur="1" fill="hold">
+                                          <p:stCondLst>
+                                            <p:cond delay="0"/>
+                                          </p:stCondLst>
+                                        </p:cTn>
+                                        <p:tgtEl>
+                                          <p:spTgt spid="9"/>
+                                        </p:tgtEl>
+                                        <p:attrNameLst>
+                                          <p:attrName>style.visibility</p:attrName>
+                                        </p:attrNameLst>
+                                      </p:cBhvr>
+                                      <p:to>
+                                        <p:strVal val="visible"/>
+                                      </p:to>
+                                    </p:set>
+                                    <p:anim calcmode="lin" valueType="num">
+                                      <p:cBhvr additive="base">
+                                        <p:cTn id="33" dur="500" fill="hold"/>
+                                        <p:tgtEl>
+                                          <p:spTgt spid="9"/>
+                                        </p:tgtEl>
+                                        <p:attrNameLst>
+                                          <p:attrName>ppt_x</p:attrName>
+                                        </p:attrNameLst>
+                                      </p:cBhvr>
+                                      <p:tavLst>
+                                        <p:tav tm="0">
+                                          <p:val>
+                                            <p:strVal val="#ppt_x"/>
+                                          </p:val>
+                                        </p:tav>
+                                        <p:tav tm="100000">
+                                          <p:val>
+                                            <p:strVal val="#ppt_x"/>
+                                          </p:val>
+                                        </p:tav>
+                                      </p:tavLst>
+                                    </p:anim>
+                                    <p:anim calcmode="lin" valueType="num">
+                                      <p:cBhvr additive="base">
+                                        <p:cTn id="34" dur="500" fill="hold"/>
+                                        <p:tgtEl>
+                                          <p:spTgt spid="9"/>
+                                        </p:tgtEl>
+                                        <p:attrNameLst>
+                                          <p:attrName>ppt_y</p:attrName>
+                                        </p:attrNameLst>
+                                      </p:cBhvr>
+                                      <p:tavLst>
+                                        <p:tav tm="0">
+                                          <p:val>
+                                            <p:strVal val="1+#ppt_h/2"/>
+                                          </p:val>
+                                        </p:tav>
+                                        <p:tav tm="100000">
+                                          <p:val>
+                                            <p:strVal val="#ppt_y"/>
+                                          </p:val>
+                                        </p:tav>
+                                      </p:tavLst>
+                                    </p:anim>
+                                  </p:childTnLst>
+                                </p:cTn>
+                              </p:par>
+                              <p:par>
+                                <p:cTn id="35" presetID="2" presetClass="entr" presetSubtype="4" fill="hold" grpId="0" nodeType="withEffect">
+                                  <p:stCondLst>
+                                    <p:cond delay="0"/>
+                                  </p:stCondLst>
+                                  <p:childTnLst>
+                                    <p:set>
+                                      <p:cBhvr>
+                                        <p:cTn id="36" dur="1" fill="hold">
+                                          <p:stCondLst>
+                                            <p:cond delay="0"/>
+                                          </p:stCondLst>
+                                        </p:cTn>
+                                        <p:tgtEl>
+                                          <p:spTgt spid="11"/>
+                                        </p:tgtEl>
+                                        <p:attrNameLst>
+                                          <p:attrName>style.visibility</p:attrName>
+                                        </p:attrNameLst>
+                                      </p:cBhvr>
+                                      <p:to>
+                                        <p:strVal val="visible"/>
+                                      </p:to>
+                                    </p:set>
+                                    <p:anim calcmode="lin" valueType="num">
+                                      <p:cBhvr additive="base">
+                                        <p:cTn id="37" dur="500" fill="hold"/>
+                                        <p:tgtEl>
+                                          <p:spTgt spid="11"/>
+                                        </p:tgtEl>
+                                        <p:attrNameLst>
+                                          <p:attrName>ppt_x</p:attrName>
+                                        </p:attrNameLst>
+                                      </p:cBhvr>
+                                      <p:tavLst>
+                                        <p:tav tm="0">
+                                          <p:val>
+                                            <p:strVal val="#ppt_x"/>
+                                          </p:val>
+                                        </p:tav>
+                                        <p:tav tm="100000">
+                                          <p:val>
+                                            <p:strVal val="#ppt_x"/>
+                                          </p:val>
+                                        </p:tav>
+                                      </p:tavLst>
+                                    </p:anim>
+                                    <p:anim calcmode="lin" valueType="num">
+                                      <p:cBhvr additive="base">
+                                        <p:cTn id="38" dur="500" fill="hold"/>
+                                        <p:tgtEl>
+                                          <p:spTgt spid="11"/>
+                                        </p:tgtEl>
+                                        <p:attrNameLst>
+                                          <p:attrName>ppt_y</p:attrName>
+                                        </p:attrNameLst>
+                                      </p:cBhvr>
+                                      <p:tavLst>
+                                        <p:tav tm="0">
+                                          <p:val>
+                                            <p:strVal val="1+#ppt_h/2"/>
+                                          </p:val>
+                                        </p:tav>
+                                        <p:tav tm="100000">
+                                          <p:val>
+                                            <p:strVal val="#ppt_y"/>
+                                          </p:val>
+                                        </p:tav>
+                                      </p:tavLst>
+                                    </p:anim>
+                                  </p:childTnLst>
+                                </p:cTn>
+                              </p:par>
+                              <p:par>
+                                <p:cTn id="39" presetID="2" presetClass="entr" presetSubtype="4" fill="hold" grpId="0" nodeType="withEffect">
+                                  <p:stCondLst>
+                                    <p:cond delay="0"/>
+                                  </p:stCondLst>
+                                  <p:childTnLst>
+                                    <p:set>
+                                      <p:cBhvr>
+                                        <p:cTn id="40" dur="1" fill="hold">
+                                          <p:stCondLst>
+                                            <p:cond delay="0"/>
+                                          </p:stCondLst>
+                                        </p:cTn>
+                                        <p:tgtEl>
+                                          <p:spTgt spid="13"/>
+                                        </p:tgtEl>
+                                        <p:attrNameLst>
+                                          <p:attrName>style.visibility</p:attrName>
+                                        </p:attrNameLst>
+                                      </p:cBhvr>
+                                      <p:to>
+                                        <p:strVal val="visible"/>
+                                      </p:to>
+                                    </p:set>
+                                    <p:anim calcmode="lin" valueType="num">
+                                      <p:cBhvr additive="base">
+                                        <p:cTn id="41" dur="500" fill="hold"/>
+                                        <p:tgtEl>
+                                          <p:spTgt spid="13"/>
+                                        </p:tgtEl>
+                                        <p:attrNameLst>
+                                          <p:attrName>ppt_x</p:attrName>
+                                        </p:attrNameLst>
+                                      </p:cBhvr>
+                                      <p:tavLst>
+                                        <p:tav tm="0">
+                                          <p:val>
+                                            <p:strVal val="#ppt_x"/>
+                                          </p:val>
+                                        </p:tav>
+                                        <p:tav tm="100000">
+                                          <p:val>
+                                            <p:strVal val="#ppt_x"/>
+                                          </p:val>
+                                        </p:tav>
+                                      </p:tavLst>
+                                    </p:anim>
+                                    <p:anim calcmode="lin" valueType="num">
+                                      <p:cBhvr additive="base">
+                                        <p:cTn id="42" dur="500" fill="hold"/>
+                                        <p:tgtEl>
+                                          <p:spTgt spid="13"/>
+                                        </p:tgtEl>
+                                        <p:attrNameLst>
+                                          <p:attrName>ppt_y</p:attrName>
+                                        </p:attrNameLst>
+                                      </p:cBhvr>
+                                      <p:tavLst>
+                                        <p:tav tm="0">
+                                          <p:val>
+                                            <p:strVal val="1+#ppt_h/2"/>
+                                          </p:val>
+                                        </p:tav>
+                                        <p:tav tm="100000">
+                                          <p:val>
+                                            <p:strVal val="#ppt_y"/>
+                                          </p:val>
+                                        </p:tav>
+                                      </p:tavLst>
+                                    </p:anim>
+                                  </p:childTnLst>
+                                </p:cTn>
+                              </p:par>
+                              <p:par>
+                                <p:cTn id="43" presetID="2" presetClass="entr" presetSubtype="4" fill="hold" grpId="1" nodeType="withEffect">
+                                  <p:stCondLst>
+                                    <p:cond delay="0"/>
+                                  </p:stCondLst>
+                                  <p:childTnLst>
+                                    <p:set>
+                                      <p:cBhvr>
+                                        <p:cTn id="44" dur="1" fill="hold">
+                                          <p:stCondLst>
+                                            <p:cond delay="0"/>
+                                          </p:stCondLst>
+                                        </p:cTn>
+                                        <p:tgtEl>
+                                          <p:spTgt spid="12"/>
+                                        </p:tgtEl>
+                                        <p:attrNameLst>
+                                          <p:attrName>style.visibility</p:attrName>
+                                        </p:attrNameLst>
+                                      </p:cBhvr>
+                                      <p:to>
+                                        <p:strVal val="visible"/>
+                                      </p:to>
+                                    </p:set>
+                                    <p:anim calcmode="lin" valueType="num">
+                                      <p:cBhvr additive="base">
+                                        <p:cTn id="45" dur="500" fill="hold"/>
+                                        <p:tgtEl>
+                                          <p:spTgt spid="12"/>
+                                        </p:tgtEl>
+                                        <p:attrNameLst>
+                                          <p:attrName>ppt_x</p:attrName>
+                                        </p:attrNameLst>
+                                      </p:cBhvr>
+                                      <p:tavLst>
+                                        <p:tav tm="0">
+                                          <p:val>
+                                            <p:strVal val="#ppt_x"/>
+                                          </p:val>
+                                        </p:tav>
+                                        <p:tav tm="100000">
+                                          <p:val>
+                                            <p:strVal val="#ppt_x"/>
+                                          </p:val>
+                                        </p:tav>
+                                      </p:tavLst>
+                                    </p:anim>
+                                    <p:anim calcmode="lin" valueType="num">
+                                      <p:cBhvr additive="base">
+                                        <p:cTn id="46" dur="500" fill="hold"/>
+                                        <p:tgtEl>
+                                          <p:spTgt spid="12"/>
+                                        </p:tgtEl>
+                                        <p:attrNameLst>
+                                          <p:attrName>ppt_y</p:attrName>
+                                        </p:attrNameLst>
+                                      </p:cBhvr>
+                                      <p:tavLst>
+                                        <p:tav tm="0">
+                                          <p:val>
+                                            <p:strVal val="1+#ppt_h/2"/>
+                                          </p:val>
+                                        </p:tav>
+                                        <p:tav tm="100000">
+                                          <p:val>
+                                            <p:strVal val="#ppt_y"/>
+                                          </p:val>
+                                        </p:tav>
+                                      </p:tavLst>
+                                    </p:anim>
+                                  </p:childTnLst>
+                                </p:cTn>
+                              </p:par>
+                            </p:childTnLst>
+                          </p:cTn>
+                        </p:par>
+                      </p:childTnLst>
+                    </p:cTn>
+                  </p:par>
+                </p:childTnLst>
+              </p:cTn>
+              <p:prevCondLst>
+                <p:cond evt="onPrev" delay="0">
+                  <p:tgtEl>
+                    <p:sldTgt/>
+                  </p:tgtEl>
+                </p:cond>
+              </p:prevCondLst>
+              <p:nextCondLst>
+                <p:cond evt="onNext" delay="0">
+                  <p:tgtEl>
+                    <p:sldTgt/>
+                  </p:tgtEl>
+                </p:cond>
+              </p:nextCondLst>
+            </p:seq>
+          </p:childTnLst>
+        </p:cTn>
+      </p:par>
+    </p:tnLst>
+    <p:bldLst>
+      <p:bldP spid="6" grpId="0"/>
+      <p:bldP spid="7" grpId="0" animBg="1"/>
+      <p:bldP spid="4" grpId="0" animBg="1"/>
+      <p:bldP spid="9" grpId="0" animBg="1"/>
+      <p:bldP spid="9" grpId="1" animBg="1"/>
+      <p:bldP spid="10" grpId="0"/>
+      <p:bldP spid="11" grpId="0" animBg="1"/>
+      <p:bldP spid="12" grpId="0" animBg="1"/>
+      <p:bldP spid="12" grpId="1" animBg="1"/>
+      <p:bldP spid="13" grpId="0"/>
+    </p:bldLst>
+  </p:timing>
+</p:sld>
+</file>
+
+<file path=ppt/slides/slide7.xml><?xml version="1.0" encoding="utf-8"?>
 <p:sld xmlns:a="http://schemas.openxmlformats.org/drawingml/2006/main" xmlns:r="http://schemas.openxmlformats.org/officeDocument/2006/relationships" xmlns:p="http://schemas.openxmlformats.org/presentationml/2006/main">
   <p:cSld>
     <p:spTree>
@@ -6143,217 +9412,7 @@
     </p:spTree>
     <p:extLst>
       <p:ext uri="{BB962C8B-B14F-4D97-AF65-F5344CB8AC3E}">
-        <p14:creationId xmlns:p14="http://schemas.microsoft.com/office/powerpoint/2010/main" val="3893064068"/>
-      </p:ext>
-    </p:extLst>
-  </p:cSld>
-  <p:clrMapOvr>
-    <a:masterClrMapping/>
-  </p:clrMapOvr>
-  <p:timing>
-    <p:tnLst>
-      <p:par>
-        <p:cTn xmlns:p14="http://schemas.microsoft.com/office/powerpoint/2010/main" id="1" dur="indefinite" restart="never" nodeType="tmRoot"/>
-      </p:par>
-    </p:tnLst>
-  </p:timing>
-</p:sld>
-</file>
-
-<file path=ppt/slides/slide6.xml><?xml version="1.0" encoding="utf-8"?>
-<p:sld xmlns:a="http://schemas.openxmlformats.org/drawingml/2006/main" xmlns:r="http://schemas.openxmlformats.org/officeDocument/2006/relationships" xmlns:p="http://schemas.openxmlformats.org/presentationml/2006/main">
-  <p:cSld>
-    <p:spTree>
-      <p:nvGrpSpPr>
-        <p:cNvPr id="1" name=""/>
-        <p:cNvGrpSpPr/>
-        <p:nvPr/>
-      </p:nvGrpSpPr>
-      <p:grpSpPr>
-        <a:xfrm>
-          <a:off x="0" y="0"/>
-          <a:ext cx="0" cy="0"/>
-          <a:chOff x="0" y="0"/>
-          <a:chExt cx="0" cy="0"/>
-        </a:xfrm>
-      </p:grpSpPr>
-      <p:sp>
-        <p:nvSpPr>
-          <p:cNvPr id="2" name="标题 1"/>
-          <p:cNvSpPr>
-            <a:spLocks noGrp="1"/>
-          </p:cNvSpPr>
-          <p:nvPr>
-            <p:ph type="ctrTitle"/>
-          </p:nvPr>
-        </p:nvSpPr>
-        <p:spPr/>
-        <p:txBody>
-          <a:bodyPr/>
-          <a:lstStyle/>
-          <a:p>
-            <a:endParaRPr kumimoji="1" lang="zh-CN" altLang="en-US" dirty="0"/>
-          </a:p>
-        </p:txBody>
-      </p:sp>
-      <p:sp>
-        <p:nvSpPr>
-          <p:cNvPr id="3" name="副标题 2"/>
-          <p:cNvSpPr>
-            <a:spLocks noGrp="1"/>
-          </p:cNvSpPr>
-          <p:nvPr>
-            <p:ph type="subTitle" idx="1"/>
-          </p:nvPr>
-        </p:nvSpPr>
-        <p:spPr/>
-        <p:txBody>
-          <a:bodyPr/>
-          <a:lstStyle/>
-          <a:p>
-            <a:endParaRPr kumimoji="1" lang="zh-CN" altLang="en-US"/>
-          </a:p>
-        </p:txBody>
-      </p:sp>
-      <p:pic>
-        <p:nvPicPr>
-          <p:cNvPr id="5" name="图片 4" descr="maintheme.jpg"/>
-          <p:cNvPicPr>
-            <a:picLocks noChangeAspect="1"/>
-          </p:cNvPicPr>
-          <p:nvPr/>
-        </p:nvPicPr>
-        <p:blipFill>
-          <a:blip r:embed="rId2">
-            <a:extLst>
-              <a:ext uri="{28A0092B-C50C-407E-A947-70E740481C1C}">
-                <a14:useLocalDpi xmlns:a14="http://schemas.microsoft.com/office/drawing/2010/main" val="0"/>
-              </a:ext>
-            </a:extLst>
-          </a:blip>
-          <a:stretch>
-            <a:fillRect/>
-          </a:stretch>
-        </p:blipFill>
-        <p:spPr>
-          <a:xfrm>
-            <a:off x="0" y="0"/>
-            <a:ext cx="9144000" cy="6858000"/>
-          </a:xfrm>
-          <a:prstGeom prst="rect">
-            <a:avLst/>
-          </a:prstGeom>
-        </p:spPr>
-      </p:pic>
-    </p:spTree>
-    <p:extLst>
-      <p:ext uri="{BB962C8B-B14F-4D97-AF65-F5344CB8AC3E}">
-        <p14:creationId xmlns:p14="http://schemas.microsoft.com/office/powerpoint/2010/main" val="1781727684"/>
-      </p:ext>
-    </p:extLst>
-  </p:cSld>
-  <p:clrMapOvr>
-    <a:masterClrMapping/>
-  </p:clrMapOvr>
-  <p:timing>
-    <p:tnLst>
-      <p:par>
-        <p:cTn xmlns:p14="http://schemas.microsoft.com/office/powerpoint/2010/main" id="1" dur="indefinite" restart="never" nodeType="tmRoot"/>
-      </p:par>
-    </p:tnLst>
-  </p:timing>
-</p:sld>
-</file>
-
-<file path=ppt/slides/slide7.xml><?xml version="1.0" encoding="utf-8"?>
-<p:sld xmlns:a="http://schemas.openxmlformats.org/drawingml/2006/main" xmlns:r="http://schemas.openxmlformats.org/officeDocument/2006/relationships" xmlns:p="http://schemas.openxmlformats.org/presentationml/2006/main">
-  <p:cSld>
-    <p:spTree>
-      <p:nvGrpSpPr>
-        <p:cNvPr id="1" name=""/>
-        <p:cNvGrpSpPr/>
-        <p:nvPr/>
-      </p:nvGrpSpPr>
-      <p:grpSpPr>
-        <a:xfrm>
-          <a:off x="0" y="0"/>
-          <a:ext cx="0" cy="0"/>
-          <a:chOff x="0" y="0"/>
-          <a:chExt cx="0" cy="0"/>
-        </a:xfrm>
-      </p:grpSpPr>
-      <p:sp>
-        <p:nvSpPr>
-          <p:cNvPr id="2" name="标题 1"/>
-          <p:cNvSpPr>
-            <a:spLocks noGrp="1"/>
-          </p:cNvSpPr>
-          <p:nvPr>
-            <p:ph type="ctrTitle"/>
-          </p:nvPr>
-        </p:nvSpPr>
-        <p:spPr/>
-        <p:txBody>
-          <a:bodyPr/>
-          <a:lstStyle/>
-          <a:p>
-            <a:endParaRPr kumimoji="1" lang="zh-CN" altLang="en-US" dirty="0"/>
-          </a:p>
-        </p:txBody>
-      </p:sp>
-      <p:sp>
-        <p:nvSpPr>
-          <p:cNvPr id="3" name="副标题 2"/>
-          <p:cNvSpPr>
-            <a:spLocks noGrp="1"/>
-          </p:cNvSpPr>
-          <p:nvPr>
-            <p:ph type="subTitle" idx="1"/>
-          </p:nvPr>
-        </p:nvSpPr>
-        <p:spPr/>
-        <p:txBody>
-          <a:bodyPr/>
-          <a:lstStyle/>
-          <a:p>
-            <a:endParaRPr kumimoji="1" lang="zh-CN" altLang="en-US"/>
-          </a:p>
-        </p:txBody>
-      </p:sp>
-      <p:pic>
-        <p:nvPicPr>
-          <p:cNvPr id="5" name="图片 4" descr="maintheme.jpg"/>
-          <p:cNvPicPr>
-            <a:picLocks noChangeAspect="1"/>
-          </p:cNvPicPr>
-          <p:nvPr/>
-        </p:nvPicPr>
-        <p:blipFill>
-          <a:blip r:embed="rId2">
-            <a:extLst>
-              <a:ext uri="{28A0092B-C50C-407E-A947-70E740481C1C}">
-                <a14:useLocalDpi xmlns:a14="http://schemas.microsoft.com/office/drawing/2010/main" val="0"/>
-              </a:ext>
-            </a:extLst>
-          </a:blip>
-          <a:stretch>
-            <a:fillRect/>
-          </a:stretch>
-        </p:blipFill>
-        <p:spPr>
-          <a:xfrm>
-            <a:off x="0" y="0"/>
-            <a:ext cx="9144000" cy="6858000"/>
-          </a:xfrm>
-          <a:prstGeom prst="rect">
-            <a:avLst/>
-          </a:prstGeom>
-        </p:spPr>
-      </p:pic>
-    </p:spTree>
-    <p:extLst>
-      <p:ext uri="{BB962C8B-B14F-4D97-AF65-F5344CB8AC3E}">
-        <p14:creationId xmlns:p14="http://schemas.microsoft.com/office/powerpoint/2010/main" val="3339805766"/>
+        <p14:creationId xmlns:p14="http://schemas.microsoft.com/office/powerpoint/2010/main" val="1457508148"/>
       </p:ext>
     </p:extLst>
   </p:cSld>
@@ -6455,10 +9514,458 @@
           </a:prstGeom>
         </p:spPr>
       </p:pic>
+      <p:sp>
+        <p:nvSpPr>
+          <p:cNvPr id="6" name="文本框 5"/>
+          <p:cNvSpPr txBox="1"/>
+          <p:nvPr/>
+        </p:nvSpPr>
+        <p:spPr>
+          <a:xfrm>
+            <a:off x="481263" y="989126"/>
+            <a:ext cx="2700422" cy="369332"/>
+          </a:xfrm>
+          <a:prstGeom prst="rect">
+            <a:avLst/>
+          </a:prstGeom>
+          <a:solidFill>
+            <a:srgbClr val="FF6600"/>
+          </a:solidFill>
+        </p:spPr>
+        <p:txBody>
+          <a:bodyPr wrap="square" rtlCol="0">
+            <a:spAutoFit/>
+          </a:bodyPr>
+          <a:lstStyle/>
+          <a:p>
+            <a:r>
+              <a:rPr kumimoji="1" lang="zh-CN" altLang="en-US" dirty="0"/>
+              <a:t> </a:t>
+            </a:r>
+            <a:r>
+              <a:rPr kumimoji="1" lang="zh-CN" altLang="en-US" dirty="0" smtClean="0"/>
+              <a:t>战略与项目管理的关系：</a:t>
+            </a:r>
+            <a:endParaRPr kumimoji="1" lang="zh-CN" altLang="en-US" dirty="0"/>
+          </a:p>
+        </p:txBody>
+      </p:sp>
+      <p:sp>
+        <p:nvSpPr>
+          <p:cNvPr id="8" name="文本框 7"/>
+          <p:cNvSpPr txBox="1"/>
+          <p:nvPr/>
+        </p:nvSpPr>
+        <p:spPr>
+          <a:xfrm>
+            <a:off x="481262" y="1945759"/>
+            <a:ext cx="2700423" cy="369332"/>
+          </a:xfrm>
+          <a:prstGeom prst="rect">
+            <a:avLst/>
+          </a:prstGeom>
+          <a:solidFill>
+            <a:schemeClr val="accent6">
+              <a:lumMod val="60000"/>
+              <a:lumOff val="40000"/>
+            </a:schemeClr>
+          </a:solidFill>
+        </p:spPr>
+        <p:txBody>
+          <a:bodyPr wrap="square" rtlCol="0">
+            <a:spAutoFit/>
+          </a:bodyPr>
+          <a:lstStyle/>
+          <a:p>
+            <a:pPr algn="ctr"/>
+            <a:r>
+              <a:rPr kumimoji="1" lang="zh-CN" altLang="en-US" dirty="0" smtClean="0"/>
+              <a:t>战略</a:t>
+            </a:r>
+            <a:endParaRPr kumimoji="1" lang="zh-CN" altLang="en-US" dirty="0"/>
+          </a:p>
+        </p:txBody>
+      </p:sp>
+      <p:sp>
+        <p:nvSpPr>
+          <p:cNvPr id="9" name="文本框 8"/>
+          <p:cNvSpPr txBox="1"/>
+          <p:nvPr/>
+        </p:nvSpPr>
+        <p:spPr>
+          <a:xfrm>
+            <a:off x="481263" y="5052580"/>
+            <a:ext cx="2700422" cy="369332"/>
+          </a:xfrm>
+          <a:prstGeom prst="rect">
+            <a:avLst/>
+          </a:prstGeom>
+          <a:solidFill>
+            <a:schemeClr val="accent6">
+              <a:lumMod val="60000"/>
+              <a:lumOff val="40000"/>
+            </a:schemeClr>
+          </a:solidFill>
+        </p:spPr>
+        <p:txBody>
+          <a:bodyPr wrap="square" rtlCol="0">
+            <a:spAutoFit/>
+          </a:bodyPr>
+          <a:lstStyle/>
+          <a:p>
+            <a:pPr algn="ctr"/>
+            <a:r>
+              <a:rPr kumimoji="1" lang="zh-CN" altLang="en-US" dirty="0" smtClean="0"/>
+              <a:t>项目管理</a:t>
+            </a:r>
+            <a:endParaRPr kumimoji="1" lang="zh-CN" altLang="en-US" dirty="0"/>
+          </a:p>
+        </p:txBody>
+      </p:sp>
+      <p:cxnSp>
+        <p:nvCxnSpPr>
+          <p:cNvPr id="10" name="直线箭头连接符 9"/>
+          <p:cNvCxnSpPr/>
+          <p:nvPr/>
+        </p:nvCxnSpPr>
+        <p:spPr>
+          <a:xfrm flipH="1">
+            <a:off x="1938421" y="2315091"/>
+            <a:ext cx="26737" cy="2632896"/>
+          </a:xfrm>
+          <a:prstGeom prst="straightConnector1">
+            <a:avLst/>
+          </a:prstGeom>
+          <a:ln>
+            <a:tailEnd type="arrow"/>
+          </a:ln>
+        </p:spPr>
+        <p:style>
+          <a:lnRef idx="2">
+            <a:schemeClr val="accent1"/>
+          </a:lnRef>
+          <a:fillRef idx="0">
+            <a:schemeClr val="accent1"/>
+          </a:fillRef>
+          <a:effectRef idx="1">
+            <a:schemeClr val="accent1"/>
+          </a:effectRef>
+          <a:fontRef idx="minor">
+            <a:schemeClr val="tx1"/>
+          </a:fontRef>
+        </p:style>
+      </p:cxnSp>
+      <p:cxnSp>
+        <p:nvCxnSpPr>
+          <p:cNvPr id="12" name="直线箭头连接符 11"/>
+          <p:cNvCxnSpPr/>
+          <p:nvPr/>
+        </p:nvCxnSpPr>
+        <p:spPr>
+          <a:xfrm flipV="1">
+            <a:off x="1737894" y="2343819"/>
+            <a:ext cx="53474" cy="2604168"/>
+          </a:xfrm>
+          <a:prstGeom prst="straightConnector1">
+            <a:avLst/>
+          </a:prstGeom>
+          <a:ln>
+            <a:tailEnd type="arrow"/>
+          </a:ln>
+        </p:spPr>
+        <p:style>
+          <a:lnRef idx="2">
+            <a:schemeClr val="accent1"/>
+          </a:lnRef>
+          <a:fillRef idx="0">
+            <a:schemeClr val="accent1"/>
+          </a:fillRef>
+          <a:effectRef idx="1">
+            <a:schemeClr val="accent1"/>
+          </a:effectRef>
+          <a:fontRef idx="minor">
+            <a:schemeClr val="tx1"/>
+          </a:fontRef>
+        </p:style>
+      </p:cxnSp>
+      <p:sp>
+        <p:nvSpPr>
+          <p:cNvPr id="14" name="文本框 13"/>
+          <p:cNvSpPr txBox="1"/>
+          <p:nvPr/>
+        </p:nvSpPr>
+        <p:spPr>
+          <a:xfrm>
+            <a:off x="855579" y="3154947"/>
+            <a:ext cx="735263" cy="1200329"/>
+          </a:xfrm>
+          <a:prstGeom prst="rect">
+            <a:avLst/>
+          </a:prstGeom>
+          <a:noFill/>
+        </p:spPr>
+        <p:txBody>
+          <a:bodyPr wrap="square" rtlCol="0">
+            <a:spAutoFit/>
+          </a:bodyPr>
+          <a:lstStyle/>
+          <a:p>
+            <a:r>
+              <a:rPr kumimoji="1" lang="zh-CN" altLang="en-US" dirty="0" smtClean="0"/>
+              <a:t>支持战略目标实现</a:t>
+            </a:r>
+            <a:endParaRPr kumimoji="1" lang="zh-CN" altLang="en-US" dirty="0"/>
+          </a:p>
+        </p:txBody>
+      </p:sp>
+      <p:sp>
+        <p:nvSpPr>
+          <p:cNvPr id="15" name="文本框 14"/>
+          <p:cNvSpPr txBox="1"/>
+          <p:nvPr/>
+        </p:nvSpPr>
+        <p:spPr>
+          <a:xfrm>
+            <a:off x="2251242" y="3382210"/>
+            <a:ext cx="735263" cy="646331"/>
+          </a:xfrm>
+          <a:prstGeom prst="rect">
+            <a:avLst/>
+          </a:prstGeom>
+          <a:noFill/>
+        </p:spPr>
+        <p:txBody>
+          <a:bodyPr wrap="square" rtlCol="0">
+            <a:spAutoFit/>
+          </a:bodyPr>
+          <a:lstStyle/>
+          <a:p>
+            <a:r>
+              <a:rPr kumimoji="1" lang="zh-CN" altLang="en-US" dirty="0" smtClean="0"/>
+              <a:t>筛选</a:t>
+            </a:r>
+            <a:r>
+              <a:rPr kumimoji="1" lang="en-US" altLang="zh-CN" dirty="0" smtClean="0"/>
+              <a:t>/</a:t>
+            </a:r>
+            <a:r>
+              <a:rPr kumimoji="1" lang="zh-CN" altLang="en-US" dirty="0" smtClean="0"/>
+              <a:t>推进</a:t>
+            </a:r>
+            <a:endParaRPr kumimoji="1" lang="zh-CN" altLang="en-US" dirty="0"/>
+          </a:p>
+        </p:txBody>
+      </p:sp>
+      <p:sp>
+        <p:nvSpPr>
+          <p:cNvPr id="16" name="文本框 15"/>
+          <p:cNvSpPr txBox="1"/>
+          <p:nvPr/>
+        </p:nvSpPr>
+        <p:spPr>
+          <a:xfrm>
+            <a:off x="5299242" y="989126"/>
+            <a:ext cx="2700422" cy="369332"/>
+          </a:xfrm>
+          <a:prstGeom prst="rect">
+            <a:avLst/>
+          </a:prstGeom>
+          <a:solidFill>
+            <a:srgbClr val="FF6600"/>
+          </a:solidFill>
+        </p:spPr>
+        <p:txBody>
+          <a:bodyPr wrap="square" rtlCol="0">
+            <a:spAutoFit/>
+          </a:bodyPr>
+          <a:lstStyle/>
+          <a:p>
+            <a:r>
+              <a:rPr kumimoji="1" lang="zh-CN" altLang="en-US" dirty="0" smtClean="0"/>
+              <a:t>项目管理推进项目的好处：</a:t>
+            </a:r>
+            <a:endParaRPr kumimoji="1" lang="zh-CN" altLang="en-US" dirty="0"/>
+          </a:p>
+        </p:txBody>
+      </p:sp>
+      <p:sp>
+        <p:nvSpPr>
+          <p:cNvPr id="17" name="文本框 16"/>
+          <p:cNvSpPr txBox="1"/>
+          <p:nvPr/>
+        </p:nvSpPr>
+        <p:spPr>
+          <a:xfrm>
+            <a:off x="5299241" y="1945759"/>
+            <a:ext cx="2700423" cy="369332"/>
+          </a:xfrm>
+          <a:prstGeom prst="rect">
+            <a:avLst/>
+          </a:prstGeom>
+          <a:solidFill>
+            <a:schemeClr val="accent6">
+              <a:lumMod val="60000"/>
+              <a:lumOff val="40000"/>
+            </a:schemeClr>
+          </a:solidFill>
+        </p:spPr>
+        <p:txBody>
+          <a:bodyPr wrap="square" rtlCol="0">
+            <a:spAutoFit/>
+          </a:bodyPr>
+          <a:lstStyle/>
+          <a:p>
+            <a:pPr algn="ctr"/>
+            <a:r>
+              <a:rPr kumimoji="1" lang="zh-CN" altLang="en-US" dirty="0" smtClean="0"/>
+              <a:t>以市场为导向</a:t>
+            </a:r>
+            <a:endParaRPr kumimoji="1" lang="zh-CN" altLang="en-US" dirty="0"/>
+          </a:p>
+        </p:txBody>
+      </p:sp>
+      <p:sp>
+        <p:nvSpPr>
+          <p:cNvPr id="18" name="文本框 17"/>
+          <p:cNvSpPr txBox="1"/>
+          <p:nvPr/>
+        </p:nvSpPr>
+        <p:spPr>
+          <a:xfrm>
+            <a:off x="5299241" y="2785615"/>
+            <a:ext cx="2700423" cy="369332"/>
+          </a:xfrm>
+          <a:prstGeom prst="rect">
+            <a:avLst/>
+          </a:prstGeom>
+          <a:solidFill>
+            <a:schemeClr val="accent6">
+              <a:lumMod val="60000"/>
+              <a:lumOff val="40000"/>
+            </a:schemeClr>
+          </a:solidFill>
+        </p:spPr>
+        <p:txBody>
+          <a:bodyPr wrap="square" rtlCol="0">
+            <a:spAutoFit/>
+          </a:bodyPr>
+          <a:lstStyle/>
+          <a:p>
+            <a:pPr algn="ctr"/>
+            <a:r>
+              <a:rPr kumimoji="1" lang="zh-CN" altLang="en-US" dirty="0" smtClean="0"/>
+              <a:t>以结果为导向</a:t>
+            </a:r>
+            <a:endParaRPr kumimoji="1" lang="zh-CN" altLang="en-US" dirty="0"/>
+          </a:p>
+        </p:txBody>
+      </p:sp>
+      <p:sp>
+        <p:nvSpPr>
+          <p:cNvPr id="19" name="文本框 18"/>
+          <p:cNvSpPr txBox="1"/>
+          <p:nvPr/>
+        </p:nvSpPr>
+        <p:spPr>
+          <a:xfrm>
+            <a:off x="5299241" y="3886200"/>
+            <a:ext cx="2700423" cy="369332"/>
+          </a:xfrm>
+          <a:prstGeom prst="rect">
+            <a:avLst/>
+          </a:prstGeom>
+          <a:solidFill>
+            <a:schemeClr val="accent6">
+              <a:lumMod val="60000"/>
+              <a:lumOff val="40000"/>
+            </a:schemeClr>
+          </a:solidFill>
+        </p:spPr>
+        <p:txBody>
+          <a:bodyPr wrap="square" rtlCol="0">
+            <a:spAutoFit/>
+          </a:bodyPr>
+          <a:lstStyle/>
+          <a:p>
+            <a:pPr algn="ctr"/>
+            <a:r>
+              <a:rPr kumimoji="1" lang="zh-CN" altLang="en-US" dirty="0" smtClean="0"/>
+              <a:t>以客户为导向</a:t>
+            </a:r>
+            <a:endParaRPr kumimoji="1" lang="zh-CN" altLang="en-US" dirty="0"/>
+          </a:p>
+        </p:txBody>
+      </p:sp>
+      <p:sp>
+        <p:nvSpPr>
+          <p:cNvPr id="20" name="文本框 19"/>
+          <p:cNvSpPr txBox="1"/>
+          <p:nvPr/>
+        </p:nvSpPr>
+        <p:spPr>
+          <a:xfrm>
+            <a:off x="5299242" y="5052580"/>
+            <a:ext cx="3158958" cy="369332"/>
+          </a:xfrm>
+          <a:prstGeom prst="rect">
+            <a:avLst/>
+          </a:prstGeom>
+          <a:solidFill>
+            <a:schemeClr val="accent6">
+              <a:lumMod val="60000"/>
+              <a:lumOff val="40000"/>
+            </a:schemeClr>
+          </a:solidFill>
+        </p:spPr>
+        <p:txBody>
+          <a:bodyPr wrap="square" rtlCol="0">
+            <a:spAutoFit/>
+          </a:bodyPr>
+          <a:lstStyle/>
+          <a:p>
+            <a:pPr algn="ctr"/>
+            <a:r>
+              <a:rPr kumimoji="1" lang="zh-CN" altLang="en-US" dirty="0" smtClean="0"/>
+              <a:t>项目商业价值尽可能最大化</a:t>
+            </a:r>
+            <a:endParaRPr kumimoji="1" lang="zh-CN" altLang="en-US" dirty="0"/>
+          </a:p>
+        </p:txBody>
+      </p:sp>
+      <p:sp>
+        <p:nvSpPr>
+          <p:cNvPr id="21" name="文本框 20"/>
+          <p:cNvSpPr txBox="1"/>
+          <p:nvPr/>
+        </p:nvSpPr>
+        <p:spPr>
+          <a:xfrm>
+            <a:off x="1716506" y="3886200"/>
+            <a:ext cx="6055894" cy="646331"/>
+          </a:xfrm>
+          <a:prstGeom prst="rect">
+            <a:avLst/>
+          </a:prstGeom>
+          <a:noFill/>
+        </p:spPr>
+        <p:txBody>
+          <a:bodyPr wrap="square" rtlCol="0">
+            <a:spAutoFit/>
+          </a:bodyPr>
+          <a:lstStyle/>
+          <a:p>
+            <a:r>
+              <a:rPr kumimoji="1" lang="zh-CN" altLang="en-US" dirty="0" smtClean="0"/>
+              <a:t>项目管理就是将知识、技能、工具与技术应用于项目活动中，以完成项目。</a:t>
+            </a:r>
+            <a:endParaRPr kumimoji="1" lang="zh-CN" altLang="en-US" dirty="0"/>
+          </a:p>
+        </p:txBody>
+      </p:sp>
     </p:spTree>
     <p:extLst>
       <p:ext uri="{BB962C8B-B14F-4D97-AF65-F5344CB8AC3E}">
-        <p14:creationId xmlns:p14="http://schemas.microsoft.com/office/powerpoint/2010/main" val="497512822"/>
+        <p14:creationId xmlns:p14="http://schemas.microsoft.com/office/powerpoint/2010/main" val="2655234767"/>
       </p:ext>
     </p:extLst>
   </p:cSld>
@@ -6468,9 +9975,358 @@
   <p:timing>
     <p:tnLst>
       <p:par>
-        <p:cTn xmlns:p14="http://schemas.microsoft.com/office/powerpoint/2010/main" id="1" dur="indefinite" restart="never" nodeType="tmRoot"/>
+        <p:cTn xmlns:p14="http://schemas.microsoft.com/office/powerpoint/2010/main" id="1" dur="indefinite" restart="never" nodeType="tmRoot">
+          <p:childTnLst>
+            <p:seq concurrent="1" nextAc="seek">
+              <p:cTn id="2" dur="indefinite" nodeType="mainSeq">
+                <p:childTnLst>
+                  <p:par>
+                    <p:cTn id="3" fill="hold">
+                      <p:stCondLst>
+                        <p:cond delay="indefinite"/>
+                      </p:stCondLst>
+                      <p:childTnLst>
+                        <p:par>
+                          <p:cTn id="4" fill="hold">
+                            <p:stCondLst>
+                              <p:cond delay="0"/>
+                            </p:stCondLst>
+                            <p:childTnLst>
+                              <p:par>
+                                <p:cTn id="5" presetID="9" presetClass="entr" presetSubtype="0" fill="hold" grpId="0" nodeType="clickEffect">
+                                  <p:stCondLst>
+                                    <p:cond delay="0"/>
+                                  </p:stCondLst>
+                                  <p:childTnLst>
+                                    <p:set>
+                                      <p:cBhvr>
+                                        <p:cTn id="6" dur="1" fill="hold">
+                                          <p:stCondLst>
+                                            <p:cond delay="0"/>
+                                          </p:stCondLst>
+                                        </p:cTn>
+                                        <p:tgtEl>
+                                          <p:spTgt spid="8"/>
+                                        </p:tgtEl>
+                                        <p:attrNameLst>
+                                          <p:attrName>style.visibility</p:attrName>
+                                        </p:attrNameLst>
+                                      </p:cBhvr>
+                                      <p:to>
+                                        <p:strVal val="visible"/>
+                                      </p:to>
+                                    </p:set>
+                                    <p:animEffect transition="in" filter="dissolve">
+                                      <p:cBhvr>
+                                        <p:cTn id="7" dur="500"/>
+                                        <p:tgtEl>
+                                          <p:spTgt spid="8"/>
+                                        </p:tgtEl>
+                                      </p:cBhvr>
+                                    </p:animEffect>
+                                  </p:childTnLst>
+                                </p:cTn>
+                              </p:par>
+                            </p:childTnLst>
+                          </p:cTn>
+                        </p:par>
+                      </p:childTnLst>
+                    </p:cTn>
+                  </p:par>
+                  <p:par>
+                    <p:cTn id="8" fill="hold">
+                      <p:stCondLst>
+                        <p:cond delay="indefinite"/>
+                      </p:stCondLst>
+                      <p:childTnLst>
+                        <p:par>
+                          <p:cTn id="9" fill="hold">
+                            <p:stCondLst>
+                              <p:cond delay="0"/>
+                            </p:stCondLst>
+                            <p:childTnLst>
+                              <p:par>
+                                <p:cTn id="10" presetID="9" presetClass="entr" presetSubtype="0" fill="hold" grpId="0" nodeType="clickEffect">
+                                  <p:stCondLst>
+                                    <p:cond delay="0"/>
+                                  </p:stCondLst>
+                                  <p:childTnLst>
+                                    <p:set>
+                                      <p:cBhvr>
+                                        <p:cTn id="11" dur="1" fill="hold">
+                                          <p:stCondLst>
+                                            <p:cond delay="0"/>
+                                          </p:stCondLst>
+                                        </p:cTn>
+                                        <p:tgtEl>
+                                          <p:spTgt spid="9"/>
+                                        </p:tgtEl>
+                                        <p:attrNameLst>
+                                          <p:attrName>style.visibility</p:attrName>
+                                        </p:attrNameLst>
+                                      </p:cBhvr>
+                                      <p:to>
+                                        <p:strVal val="visible"/>
+                                      </p:to>
+                                    </p:set>
+                                    <p:animEffect transition="in" filter="dissolve">
+                                      <p:cBhvr>
+                                        <p:cTn id="12" dur="500"/>
+                                        <p:tgtEl>
+                                          <p:spTgt spid="9"/>
+                                        </p:tgtEl>
+                                      </p:cBhvr>
+                                    </p:animEffect>
+                                  </p:childTnLst>
+                                </p:cTn>
+                              </p:par>
+                            </p:childTnLst>
+                          </p:cTn>
+                        </p:par>
+                      </p:childTnLst>
+                    </p:cTn>
+                  </p:par>
+                  <p:par>
+                    <p:cTn id="13" fill="hold">
+                      <p:stCondLst>
+                        <p:cond delay="indefinite"/>
+                      </p:stCondLst>
+                      <p:childTnLst>
+                        <p:par>
+                          <p:cTn id="14" fill="hold">
+                            <p:stCondLst>
+                              <p:cond delay="0"/>
+                            </p:stCondLst>
+                            <p:childTnLst>
+                              <p:par>
+                                <p:cTn id="15" presetID="9" presetClass="entr" presetSubtype="0" fill="hold" grpId="0" nodeType="clickEffect">
+                                  <p:stCondLst>
+                                    <p:cond delay="0"/>
+                                  </p:stCondLst>
+                                  <p:childTnLst>
+                                    <p:set>
+                                      <p:cBhvr>
+                                        <p:cTn id="16" dur="1" fill="hold">
+                                          <p:stCondLst>
+                                            <p:cond delay="0"/>
+                                          </p:stCondLst>
+                                        </p:cTn>
+                                        <p:tgtEl>
+                                          <p:spTgt spid="17"/>
+                                        </p:tgtEl>
+                                        <p:attrNameLst>
+                                          <p:attrName>style.visibility</p:attrName>
+                                        </p:attrNameLst>
+                                      </p:cBhvr>
+                                      <p:to>
+                                        <p:strVal val="visible"/>
+                                      </p:to>
+                                    </p:set>
+                                    <p:animEffect transition="in" filter="dissolve">
+                                      <p:cBhvr>
+                                        <p:cTn id="17" dur="500"/>
+                                        <p:tgtEl>
+                                          <p:spTgt spid="17"/>
+                                        </p:tgtEl>
+                                      </p:cBhvr>
+                                    </p:animEffect>
+                                  </p:childTnLst>
+                                </p:cTn>
+                              </p:par>
+                            </p:childTnLst>
+                          </p:cTn>
+                        </p:par>
+                      </p:childTnLst>
+                    </p:cTn>
+                  </p:par>
+                  <p:par>
+                    <p:cTn id="18" fill="hold">
+                      <p:stCondLst>
+                        <p:cond delay="indefinite"/>
+                      </p:stCondLst>
+                      <p:childTnLst>
+                        <p:par>
+                          <p:cTn id="19" fill="hold">
+                            <p:stCondLst>
+                              <p:cond delay="0"/>
+                            </p:stCondLst>
+                            <p:childTnLst>
+                              <p:par>
+                                <p:cTn id="20" presetID="9" presetClass="entr" presetSubtype="0" fill="hold" grpId="0" nodeType="clickEffect">
+                                  <p:stCondLst>
+                                    <p:cond delay="0"/>
+                                  </p:stCondLst>
+                                  <p:childTnLst>
+                                    <p:set>
+                                      <p:cBhvr>
+                                        <p:cTn id="21" dur="1" fill="hold">
+                                          <p:stCondLst>
+                                            <p:cond delay="0"/>
+                                          </p:stCondLst>
+                                        </p:cTn>
+                                        <p:tgtEl>
+                                          <p:spTgt spid="18"/>
+                                        </p:tgtEl>
+                                        <p:attrNameLst>
+                                          <p:attrName>style.visibility</p:attrName>
+                                        </p:attrNameLst>
+                                      </p:cBhvr>
+                                      <p:to>
+                                        <p:strVal val="visible"/>
+                                      </p:to>
+                                    </p:set>
+                                    <p:animEffect transition="in" filter="dissolve">
+                                      <p:cBhvr>
+                                        <p:cTn id="22" dur="500"/>
+                                        <p:tgtEl>
+                                          <p:spTgt spid="18"/>
+                                        </p:tgtEl>
+                                      </p:cBhvr>
+                                    </p:animEffect>
+                                  </p:childTnLst>
+                                </p:cTn>
+                              </p:par>
+                            </p:childTnLst>
+                          </p:cTn>
+                        </p:par>
+                      </p:childTnLst>
+                    </p:cTn>
+                  </p:par>
+                  <p:par>
+                    <p:cTn id="23" fill="hold">
+                      <p:stCondLst>
+                        <p:cond delay="indefinite"/>
+                      </p:stCondLst>
+                      <p:childTnLst>
+                        <p:par>
+                          <p:cTn id="24" fill="hold">
+                            <p:stCondLst>
+                              <p:cond delay="0"/>
+                            </p:stCondLst>
+                            <p:childTnLst>
+                              <p:par>
+                                <p:cTn id="25" presetID="9" presetClass="entr" presetSubtype="0" fill="hold" grpId="0" nodeType="clickEffect">
+                                  <p:stCondLst>
+                                    <p:cond delay="0"/>
+                                  </p:stCondLst>
+                                  <p:childTnLst>
+                                    <p:set>
+                                      <p:cBhvr>
+                                        <p:cTn id="26" dur="1" fill="hold">
+                                          <p:stCondLst>
+                                            <p:cond delay="0"/>
+                                          </p:stCondLst>
+                                        </p:cTn>
+                                        <p:tgtEl>
+                                          <p:spTgt spid="19"/>
+                                        </p:tgtEl>
+                                        <p:attrNameLst>
+                                          <p:attrName>style.visibility</p:attrName>
+                                        </p:attrNameLst>
+                                      </p:cBhvr>
+                                      <p:to>
+                                        <p:strVal val="visible"/>
+                                      </p:to>
+                                    </p:set>
+                                    <p:animEffect transition="in" filter="dissolve">
+                                      <p:cBhvr>
+                                        <p:cTn id="27" dur="500"/>
+                                        <p:tgtEl>
+                                          <p:spTgt spid="19"/>
+                                        </p:tgtEl>
+                                      </p:cBhvr>
+                                    </p:animEffect>
+                                  </p:childTnLst>
+                                </p:cTn>
+                              </p:par>
+                            </p:childTnLst>
+                          </p:cTn>
+                        </p:par>
+                      </p:childTnLst>
+                    </p:cTn>
+                  </p:par>
+                  <p:par>
+                    <p:cTn id="28" fill="hold">
+                      <p:stCondLst>
+                        <p:cond delay="indefinite"/>
+                      </p:stCondLst>
+                      <p:childTnLst>
+                        <p:par>
+                          <p:cTn id="29" fill="hold">
+                            <p:stCondLst>
+                              <p:cond delay="0"/>
+                            </p:stCondLst>
+                            <p:childTnLst>
+                              <p:par>
+                                <p:cTn id="30" presetID="9" presetClass="entr" presetSubtype="0" fill="hold" grpId="0" nodeType="clickEffect">
+                                  <p:stCondLst>
+                                    <p:cond delay="0"/>
+                                  </p:stCondLst>
+                                  <p:childTnLst>
+                                    <p:set>
+                                      <p:cBhvr>
+                                        <p:cTn id="31" dur="1" fill="hold">
+                                          <p:stCondLst>
+                                            <p:cond delay="0"/>
+                                          </p:stCondLst>
+                                        </p:cTn>
+                                        <p:tgtEl>
+                                          <p:spTgt spid="20"/>
+                                        </p:tgtEl>
+                                        <p:attrNameLst>
+                                          <p:attrName>style.visibility</p:attrName>
+                                        </p:attrNameLst>
+                                      </p:cBhvr>
+                                      <p:to>
+                                        <p:strVal val="visible"/>
+                                      </p:to>
+                                    </p:set>
+                                    <p:animEffect transition="in" filter="dissolve">
+                                      <p:cBhvr>
+                                        <p:cTn id="32" dur="500"/>
+                                        <p:tgtEl>
+                                          <p:spTgt spid="20"/>
+                                        </p:tgtEl>
+                                      </p:cBhvr>
+                                    </p:animEffect>
+                                  </p:childTnLst>
+                                </p:cTn>
+                              </p:par>
+                            </p:childTnLst>
+                          </p:cTn>
+                        </p:par>
+                      </p:childTnLst>
+                    </p:cTn>
+                  </p:par>
+                </p:childTnLst>
+              </p:cTn>
+              <p:prevCondLst>
+                <p:cond evt="onPrev" delay="0">
+                  <p:tgtEl>
+                    <p:sldTgt/>
+                  </p:tgtEl>
+                </p:cond>
+              </p:prevCondLst>
+              <p:nextCondLst>
+                <p:cond evt="onNext" delay="0">
+                  <p:tgtEl>
+                    <p:sldTgt/>
+                  </p:tgtEl>
+                </p:cond>
+              </p:nextCondLst>
+            </p:seq>
+          </p:childTnLst>
+        </p:cTn>
       </p:par>
     </p:tnLst>
+    <p:bldLst>
+      <p:bldP spid="8" grpId="0" animBg="1"/>
+      <p:bldP spid="9" grpId="0" animBg="1"/>
+      <p:bldP spid="17" grpId="0" animBg="1"/>
+      <p:bldP spid="18" grpId="0" animBg="1"/>
+      <p:bldP spid="19" grpId="0" animBg="1"/>
+      <p:bldP spid="20" grpId="0" animBg="1"/>
+    </p:bldLst>
   </p:timing>
 </p:sld>
 </file>
@@ -6560,10 +10416,251 @@
           </a:prstGeom>
         </p:spPr>
       </p:pic>
+      <p:sp>
+        <p:nvSpPr>
+          <p:cNvPr id="4" name="文本框 3"/>
+          <p:cNvSpPr txBox="1"/>
+          <p:nvPr/>
+        </p:nvSpPr>
+        <p:spPr>
+          <a:xfrm>
+            <a:off x="1371600" y="628316"/>
+            <a:ext cx="6609347" cy="707886"/>
+          </a:xfrm>
+          <a:prstGeom prst="rect">
+            <a:avLst/>
+          </a:prstGeom>
+          <a:noFill/>
+        </p:spPr>
+        <p:txBody>
+          <a:bodyPr wrap="square" rtlCol="0">
+            <a:spAutoFit/>
+          </a:bodyPr>
+          <a:lstStyle/>
+          <a:p>
+            <a:r>
+              <a:rPr kumimoji="1" lang="zh-CN" altLang="en-US" sz="4000" dirty="0" smtClean="0">
+                <a:solidFill>
+                  <a:schemeClr val="accent6"/>
+                </a:solidFill>
+              </a:rPr>
+              <a:t>第四部分</a:t>
+            </a:r>
+            <a:r>
+              <a:rPr kumimoji="1" lang="en-US" altLang="zh-CN" sz="4000" dirty="0" smtClean="0">
+                <a:solidFill>
+                  <a:schemeClr val="accent6"/>
+                </a:solidFill>
+              </a:rPr>
+              <a:t> </a:t>
+            </a:r>
+            <a:r>
+              <a:rPr kumimoji="1" lang="zh-CN" altLang="en-US" sz="4000" dirty="0" smtClean="0">
+                <a:solidFill>
+                  <a:schemeClr val="accent6"/>
+                </a:solidFill>
+                <a:latin typeface="+mn-ea"/>
+              </a:rPr>
+              <a:t>敏捷开发</a:t>
+            </a:r>
+            <a:r>
+              <a:rPr kumimoji="1" lang="en-US" altLang="zh-CN" sz="4000" dirty="0" smtClean="0">
+                <a:solidFill>
+                  <a:schemeClr val="accent6"/>
+                </a:solidFill>
+              </a:rPr>
+              <a:t>/</a:t>
+            </a:r>
+            <a:r>
+              <a:rPr kumimoji="1" lang="zh-CN" altLang="en-US" sz="4000" dirty="0" smtClean="0">
+                <a:solidFill>
+                  <a:schemeClr val="accent6"/>
+                </a:solidFill>
+              </a:rPr>
+              <a:t>管理</a:t>
+            </a:r>
+            <a:endParaRPr kumimoji="1" lang="zh-CN" altLang="en-US" sz="4000" dirty="0">
+              <a:solidFill>
+                <a:schemeClr val="accent6"/>
+              </a:solidFill>
+            </a:endParaRPr>
+          </a:p>
+        </p:txBody>
+      </p:sp>
+      <p:sp>
+        <p:nvSpPr>
+          <p:cNvPr id="6" name="文本框 5"/>
+          <p:cNvSpPr txBox="1"/>
+          <p:nvPr/>
+        </p:nvSpPr>
+        <p:spPr>
+          <a:xfrm>
+            <a:off x="1371600" y="1657684"/>
+            <a:ext cx="6609347" cy="646331"/>
+          </a:xfrm>
+          <a:prstGeom prst="rect">
+            <a:avLst/>
+          </a:prstGeom>
+          <a:noFill/>
+        </p:spPr>
+        <p:txBody>
+          <a:bodyPr wrap="square" rtlCol="0">
+            <a:spAutoFit/>
+          </a:bodyPr>
+          <a:lstStyle/>
+          <a:p>
+            <a:r>
+              <a:rPr kumimoji="1" lang="zh-CN" altLang="en-US" dirty="0" smtClean="0"/>
+              <a:t>已经有了标准化</a:t>
+            </a:r>
+            <a:r>
+              <a:rPr kumimoji="1" lang="zh-CN" altLang="en-US" dirty="0"/>
+              <a:t>的项目管理体系为什么还有其他的项目管理过程</a:t>
+            </a:r>
+            <a:r>
+              <a:rPr kumimoji="1" lang="en-US" altLang="zh-CN" dirty="0"/>
+              <a:t>/</a:t>
+            </a:r>
+            <a:r>
+              <a:rPr kumimoji="1" lang="zh-CN" altLang="en-US" dirty="0"/>
+              <a:t>理论 </a:t>
+            </a:r>
+            <a:r>
+              <a:rPr kumimoji="1" lang="zh-CN" altLang="en-US" dirty="0" smtClean="0"/>
+              <a:t>？</a:t>
+            </a:r>
+            <a:endParaRPr kumimoji="1" lang="zh-CN" altLang="en-US" dirty="0"/>
+          </a:p>
+        </p:txBody>
+      </p:sp>
+      <p:sp>
+        <p:nvSpPr>
+          <p:cNvPr id="8" name="文本框 7"/>
+          <p:cNvSpPr txBox="1"/>
+          <p:nvPr/>
+        </p:nvSpPr>
+        <p:spPr>
+          <a:xfrm>
+            <a:off x="1371600" y="2513263"/>
+            <a:ext cx="6443579" cy="646331"/>
+          </a:xfrm>
+          <a:prstGeom prst="rect">
+            <a:avLst/>
+          </a:prstGeom>
+          <a:noFill/>
+        </p:spPr>
+        <p:txBody>
+          <a:bodyPr wrap="square" rtlCol="0">
+            <a:spAutoFit/>
+          </a:bodyPr>
+          <a:lstStyle/>
+          <a:p>
+            <a:r>
+              <a:rPr kumimoji="1" lang="en-US" altLang="zh-CN" dirty="0"/>
+              <a:t>1. </a:t>
+            </a:r>
+            <a:r>
+              <a:rPr kumimoji="1" lang="zh-CN" altLang="en-US" dirty="0"/>
+              <a:t>项</a:t>
+            </a:r>
+            <a:r>
+              <a:rPr kumimoji="1" lang="zh-CN" altLang="en-US" dirty="0" smtClean="0"/>
+              <a:t>目处在竞争愈发激烈的环境中，产品胜出不单单在产品本身质量也在于产品推向市场的速度 。</a:t>
+            </a:r>
+          </a:p>
+        </p:txBody>
+      </p:sp>
+      <p:sp>
+        <p:nvSpPr>
+          <p:cNvPr id="9" name="文本框 8"/>
+          <p:cNvSpPr txBox="1"/>
+          <p:nvPr/>
+        </p:nvSpPr>
+        <p:spPr>
+          <a:xfrm>
+            <a:off x="1371600" y="3708709"/>
+            <a:ext cx="6443579" cy="646331"/>
+          </a:xfrm>
+          <a:prstGeom prst="rect">
+            <a:avLst/>
+          </a:prstGeom>
+          <a:noFill/>
+        </p:spPr>
+        <p:txBody>
+          <a:bodyPr wrap="square" rtlCol="0">
+            <a:spAutoFit/>
+          </a:bodyPr>
+          <a:lstStyle/>
+          <a:p>
+            <a:r>
+              <a:rPr kumimoji="1" lang="en-US" altLang="zh-CN" dirty="0" smtClean="0"/>
+              <a:t>2</a:t>
+            </a:r>
+            <a:r>
+              <a:rPr kumimoji="1" lang="en-US" altLang="zh-CN" dirty="0"/>
+              <a:t>. </a:t>
+            </a:r>
+            <a:r>
+              <a:rPr kumimoji="1" lang="zh-CN" altLang="en-US" dirty="0"/>
+              <a:t>本质上，降低沟通成本和试错成本的方式方法；快速迭代出可高质量</a:t>
+            </a:r>
+            <a:r>
+              <a:rPr kumimoji="1" lang="en-US" altLang="zh-CN" dirty="0"/>
+              <a:t>&amp;</a:t>
+            </a:r>
+            <a:r>
+              <a:rPr kumimoji="1" lang="zh-CN" altLang="en-US" dirty="0"/>
+              <a:t>稳定的产品</a:t>
+            </a:r>
+            <a:r>
+              <a:rPr kumimoji="1" lang="zh-CN" altLang="en-US" dirty="0" smtClean="0"/>
+              <a:t>。</a:t>
+            </a:r>
+            <a:endParaRPr kumimoji="1" lang="zh-CN" altLang="en-US" dirty="0"/>
+          </a:p>
+        </p:txBody>
+      </p:sp>
+      <p:sp>
+        <p:nvSpPr>
+          <p:cNvPr id="10" name="文本框 9"/>
+          <p:cNvSpPr txBox="1"/>
+          <p:nvPr/>
+        </p:nvSpPr>
+        <p:spPr>
+          <a:xfrm>
+            <a:off x="1371600" y="5012976"/>
+            <a:ext cx="6443579" cy="369332"/>
+          </a:xfrm>
+          <a:prstGeom prst="rect">
+            <a:avLst/>
+          </a:prstGeom>
+          <a:noFill/>
+        </p:spPr>
+        <p:txBody>
+          <a:bodyPr wrap="square" rtlCol="0">
+            <a:spAutoFit/>
+          </a:bodyPr>
+          <a:lstStyle/>
+          <a:p>
+            <a:r>
+              <a:rPr kumimoji="1" lang="en-US" altLang="zh-CN" dirty="0" smtClean="0"/>
+              <a:t>3</a:t>
+            </a:r>
+            <a:r>
+              <a:rPr kumimoji="1" lang="en-US" altLang="zh-CN" dirty="0"/>
+              <a:t>. </a:t>
+            </a:r>
+            <a:r>
+              <a:rPr kumimoji="1" lang="zh-CN" altLang="en-US" dirty="0"/>
+              <a:t>开发用户真正需要的产品。</a:t>
+            </a:r>
+          </a:p>
+        </p:txBody>
+      </p:sp>
     </p:spTree>
     <p:extLst>
       <p:ext uri="{BB962C8B-B14F-4D97-AF65-F5344CB8AC3E}">
-        <p14:creationId xmlns:p14="http://schemas.microsoft.com/office/powerpoint/2010/main" val="1708010977"/>
+        <p14:creationId xmlns:p14="http://schemas.microsoft.com/office/powerpoint/2010/main" val="3893064068"/>
       </p:ext>
     </p:extLst>
   </p:cSld>
@@ -6573,9 +10670,402 @@
   <p:timing>
     <p:tnLst>
       <p:par>
-        <p:cTn xmlns:p14="http://schemas.microsoft.com/office/powerpoint/2010/main" id="1" dur="indefinite" restart="never" nodeType="tmRoot"/>
+        <p:cTn xmlns:p14="http://schemas.microsoft.com/office/powerpoint/2010/main" id="1" dur="indefinite" restart="never" nodeType="tmRoot">
+          <p:childTnLst>
+            <p:seq concurrent="1" nextAc="seek">
+              <p:cTn id="2" dur="indefinite" nodeType="mainSeq">
+                <p:childTnLst>
+                  <p:par>
+                    <p:cTn id="3" fill="hold">
+                      <p:stCondLst>
+                        <p:cond delay="indefinite"/>
+                      </p:stCondLst>
+                      <p:childTnLst>
+                        <p:par>
+                          <p:cTn id="4" fill="hold">
+                            <p:stCondLst>
+                              <p:cond delay="0"/>
+                            </p:stCondLst>
+                            <p:childTnLst>
+                              <p:par>
+                                <p:cTn id="5" presetID="2" presetClass="entr" presetSubtype="4" fill="hold" grpId="0" nodeType="clickEffect">
+                                  <p:stCondLst>
+                                    <p:cond delay="0"/>
+                                  </p:stCondLst>
+                                  <p:childTnLst>
+                                    <p:set>
+                                      <p:cBhvr>
+                                        <p:cTn id="6" dur="1" fill="hold">
+                                          <p:stCondLst>
+                                            <p:cond delay="0"/>
+                                          </p:stCondLst>
+                                        </p:cTn>
+                                        <p:tgtEl>
+                                          <p:spTgt spid="6"/>
+                                        </p:tgtEl>
+                                        <p:attrNameLst>
+                                          <p:attrName>style.visibility</p:attrName>
+                                        </p:attrNameLst>
+                                      </p:cBhvr>
+                                      <p:to>
+                                        <p:strVal val="visible"/>
+                                      </p:to>
+                                    </p:set>
+                                    <p:anim calcmode="lin" valueType="num">
+                                      <p:cBhvr additive="base">
+                                        <p:cTn id="7" dur="500" fill="hold"/>
+                                        <p:tgtEl>
+                                          <p:spTgt spid="6"/>
+                                        </p:tgtEl>
+                                        <p:attrNameLst>
+                                          <p:attrName>ppt_x</p:attrName>
+                                        </p:attrNameLst>
+                                      </p:cBhvr>
+                                      <p:tavLst>
+                                        <p:tav tm="0">
+                                          <p:val>
+                                            <p:strVal val="#ppt_x"/>
+                                          </p:val>
+                                        </p:tav>
+                                        <p:tav tm="100000">
+                                          <p:val>
+                                            <p:strVal val="#ppt_x"/>
+                                          </p:val>
+                                        </p:tav>
+                                      </p:tavLst>
+                                    </p:anim>
+                                    <p:anim calcmode="lin" valueType="num">
+                                      <p:cBhvr additive="base">
+                                        <p:cTn id="8" dur="500" fill="hold"/>
+                                        <p:tgtEl>
+                                          <p:spTgt spid="6"/>
+                                        </p:tgtEl>
+                                        <p:attrNameLst>
+                                          <p:attrName>ppt_y</p:attrName>
+                                        </p:attrNameLst>
+                                      </p:cBhvr>
+                                      <p:tavLst>
+                                        <p:tav tm="0">
+                                          <p:val>
+                                            <p:strVal val="1+#ppt_h/2"/>
+                                          </p:val>
+                                        </p:tav>
+                                        <p:tav tm="100000">
+                                          <p:val>
+                                            <p:strVal val="#ppt_y"/>
+                                          </p:val>
+                                        </p:tav>
+                                      </p:tavLst>
+                                    </p:anim>
+                                  </p:childTnLst>
+                                </p:cTn>
+                              </p:par>
+                            </p:childTnLst>
+                          </p:cTn>
+                        </p:par>
+                      </p:childTnLst>
+                    </p:cTn>
+                  </p:par>
+                  <p:par>
+                    <p:cTn id="9" fill="hold">
+                      <p:stCondLst>
+                        <p:cond delay="indefinite"/>
+                      </p:stCondLst>
+                      <p:childTnLst>
+                        <p:par>
+                          <p:cTn id="10" fill="hold">
+                            <p:stCondLst>
+                              <p:cond delay="0"/>
+                            </p:stCondLst>
+                            <p:childTnLst>
+                              <p:par>
+                                <p:cTn id="11" presetID="2" presetClass="entr" presetSubtype="4" fill="hold" grpId="0" nodeType="clickEffect">
+                                  <p:stCondLst>
+                                    <p:cond delay="0"/>
+                                  </p:stCondLst>
+                                  <p:childTnLst>
+                                    <p:set>
+                                      <p:cBhvr>
+                                        <p:cTn id="12" dur="1" fill="hold">
+                                          <p:stCondLst>
+                                            <p:cond delay="0"/>
+                                          </p:stCondLst>
+                                        </p:cTn>
+                                        <p:tgtEl>
+                                          <p:spTgt spid="8"/>
+                                        </p:tgtEl>
+                                        <p:attrNameLst>
+                                          <p:attrName>style.visibility</p:attrName>
+                                        </p:attrNameLst>
+                                      </p:cBhvr>
+                                      <p:to>
+                                        <p:strVal val="visible"/>
+                                      </p:to>
+                                    </p:set>
+                                    <p:anim calcmode="lin" valueType="num">
+                                      <p:cBhvr additive="base">
+                                        <p:cTn id="13" dur="500" fill="hold"/>
+                                        <p:tgtEl>
+                                          <p:spTgt spid="8"/>
+                                        </p:tgtEl>
+                                        <p:attrNameLst>
+                                          <p:attrName>ppt_x</p:attrName>
+                                        </p:attrNameLst>
+                                      </p:cBhvr>
+                                      <p:tavLst>
+                                        <p:tav tm="0">
+                                          <p:val>
+                                            <p:strVal val="#ppt_x"/>
+                                          </p:val>
+                                        </p:tav>
+                                        <p:tav tm="100000">
+                                          <p:val>
+                                            <p:strVal val="#ppt_x"/>
+                                          </p:val>
+                                        </p:tav>
+                                      </p:tavLst>
+                                    </p:anim>
+                                    <p:anim calcmode="lin" valueType="num">
+                                      <p:cBhvr additive="base">
+                                        <p:cTn id="14" dur="500" fill="hold"/>
+                                        <p:tgtEl>
+                                          <p:spTgt spid="8"/>
+                                        </p:tgtEl>
+                                        <p:attrNameLst>
+                                          <p:attrName>ppt_y</p:attrName>
+                                        </p:attrNameLst>
+                                      </p:cBhvr>
+                                      <p:tavLst>
+                                        <p:tav tm="0">
+                                          <p:val>
+                                            <p:strVal val="1+#ppt_h/2"/>
+                                          </p:val>
+                                        </p:tav>
+                                        <p:tav tm="100000">
+                                          <p:val>
+                                            <p:strVal val="#ppt_y"/>
+                                          </p:val>
+                                        </p:tav>
+                                      </p:tavLst>
+                                    </p:anim>
+                                  </p:childTnLst>
+                                </p:cTn>
+                              </p:par>
+                            </p:childTnLst>
+                          </p:cTn>
+                        </p:par>
+                      </p:childTnLst>
+                    </p:cTn>
+                  </p:par>
+                  <p:par>
+                    <p:cTn id="15" fill="hold">
+                      <p:stCondLst>
+                        <p:cond delay="indefinite"/>
+                      </p:stCondLst>
+                      <p:childTnLst>
+                        <p:par>
+                          <p:cTn id="16" fill="hold">
+                            <p:stCondLst>
+                              <p:cond delay="0"/>
+                            </p:stCondLst>
+                            <p:childTnLst>
+                              <p:par>
+                                <p:cTn id="17" presetID="2" presetClass="entr" presetSubtype="4" fill="hold" grpId="0" nodeType="clickEffect">
+                                  <p:stCondLst>
+                                    <p:cond delay="0"/>
+                                  </p:stCondLst>
+                                  <p:childTnLst>
+                                    <p:set>
+                                      <p:cBhvr>
+                                        <p:cTn id="18" dur="1" fill="hold">
+                                          <p:stCondLst>
+                                            <p:cond delay="0"/>
+                                          </p:stCondLst>
+                                        </p:cTn>
+                                        <p:tgtEl>
+                                          <p:spTgt spid="9"/>
+                                        </p:tgtEl>
+                                        <p:attrNameLst>
+                                          <p:attrName>style.visibility</p:attrName>
+                                        </p:attrNameLst>
+                                      </p:cBhvr>
+                                      <p:to>
+                                        <p:strVal val="visible"/>
+                                      </p:to>
+                                    </p:set>
+                                    <p:anim calcmode="lin" valueType="num">
+                                      <p:cBhvr additive="base">
+                                        <p:cTn id="19" dur="500" fill="hold"/>
+                                        <p:tgtEl>
+                                          <p:spTgt spid="9"/>
+                                        </p:tgtEl>
+                                        <p:attrNameLst>
+                                          <p:attrName>ppt_x</p:attrName>
+                                        </p:attrNameLst>
+                                      </p:cBhvr>
+                                      <p:tavLst>
+                                        <p:tav tm="0">
+                                          <p:val>
+                                            <p:strVal val="#ppt_x"/>
+                                          </p:val>
+                                        </p:tav>
+                                        <p:tav tm="100000">
+                                          <p:val>
+                                            <p:strVal val="#ppt_x"/>
+                                          </p:val>
+                                        </p:tav>
+                                      </p:tavLst>
+                                    </p:anim>
+                                    <p:anim calcmode="lin" valueType="num">
+                                      <p:cBhvr additive="base">
+                                        <p:cTn id="20" dur="500" fill="hold"/>
+                                        <p:tgtEl>
+                                          <p:spTgt spid="9"/>
+                                        </p:tgtEl>
+                                        <p:attrNameLst>
+                                          <p:attrName>ppt_y</p:attrName>
+                                        </p:attrNameLst>
+                                      </p:cBhvr>
+                                      <p:tavLst>
+                                        <p:tav tm="0">
+                                          <p:val>
+                                            <p:strVal val="1+#ppt_h/2"/>
+                                          </p:val>
+                                        </p:tav>
+                                        <p:tav tm="100000">
+                                          <p:val>
+                                            <p:strVal val="#ppt_y"/>
+                                          </p:val>
+                                        </p:tav>
+                                      </p:tavLst>
+                                    </p:anim>
+                                  </p:childTnLst>
+                                </p:cTn>
+                              </p:par>
+                            </p:childTnLst>
+                          </p:cTn>
+                        </p:par>
+                      </p:childTnLst>
+                    </p:cTn>
+                  </p:par>
+                  <p:par>
+                    <p:cTn id="21" fill="hold">
+                      <p:stCondLst>
+                        <p:cond delay="indefinite"/>
+                      </p:stCondLst>
+                      <p:childTnLst>
+                        <p:par>
+                          <p:cTn id="22" fill="hold">
+                            <p:stCondLst>
+                              <p:cond delay="0"/>
+                            </p:stCondLst>
+                            <p:childTnLst>
+                              <p:par>
+                                <p:cTn id="23" presetID="2" presetClass="entr" presetSubtype="4" fill="hold" grpId="0" nodeType="clickEffect">
+                                  <p:stCondLst>
+                                    <p:cond delay="0"/>
+                                  </p:stCondLst>
+                                  <p:childTnLst>
+                                    <p:set>
+                                      <p:cBhvr>
+                                        <p:cTn id="24" dur="1" fill="hold">
+                                          <p:stCondLst>
+                                            <p:cond delay="0"/>
+                                          </p:stCondLst>
+                                        </p:cTn>
+                                        <p:tgtEl>
+                                          <p:spTgt spid="10"/>
+                                        </p:tgtEl>
+                                        <p:attrNameLst>
+                                          <p:attrName>style.visibility</p:attrName>
+                                        </p:attrNameLst>
+                                      </p:cBhvr>
+                                      <p:to>
+                                        <p:strVal val="visible"/>
+                                      </p:to>
+                                    </p:set>
+                                    <p:anim calcmode="lin" valueType="num">
+                                      <p:cBhvr additive="base">
+                                        <p:cTn id="25" dur="500" fill="hold"/>
+                                        <p:tgtEl>
+                                          <p:spTgt spid="10"/>
+                                        </p:tgtEl>
+                                        <p:attrNameLst>
+                                          <p:attrName>ppt_x</p:attrName>
+                                        </p:attrNameLst>
+                                      </p:cBhvr>
+                                      <p:tavLst>
+                                        <p:tav tm="0">
+                                          <p:val>
+                                            <p:strVal val="#ppt_x"/>
+                                          </p:val>
+                                        </p:tav>
+                                        <p:tav tm="100000">
+                                          <p:val>
+                                            <p:strVal val="#ppt_x"/>
+                                          </p:val>
+                                        </p:tav>
+                                      </p:tavLst>
+                                    </p:anim>
+                                    <p:anim calcmode="lin" valueType="num">
+                                      <p:cBhvr additive="base">
+                                        <p:cTn id="26" dur="500" fill="hold"/>
+                                        <p:tgtEl>
+                                          <p:spTgt spid="10"/>
+                                        </p:tgtEl>
+                                        <p:attrNameLst>
+                                          <p:attrName>ppt_y</p:attrName>
+                                        </p:attrNameLst>
+                                      </p:cBhvr>
+                                      <p:tavLst>
+                                        <p:tav tm="0">
+                                          <p:val>
+                                            <p:strVal val="1+#ppt_h/2"/>
+                                          </p:val>
+                                        </p:tav>
+                                        <p:tav tm="100000">
+                                          <p:val>
+                                            <p:strVal val="#ppt_y"/>
+                                          </p:val>
+                                        </p:tav>
+                                      </p:tavLst>
+                                    </p:anim>
+                                  </p:childTnLst>
+                                </p:cTn>
+                              </p:par>
+                            </p:childTnLst>
+                          </p:cTn>
+                        </p:par>
+                      </p:childTnLst>
+                    </p:cTn>
+                  </p:par>
+                </p:childTnLst>
+              </p:cTn>
+              <p:prevCondLst>
+                <p:cond evt="onPrev" delay="0">
+                  <p:tgtEl>
+                    <p:sldTgt/>
+                  </p:tgtEl>
+                </p:cond>
+              </p:prevCondLst>
+              <p:nextCondLst>
+                <p:cond evt="onNext" delay="0">
+                  <p:tgtEl>
+                    <p:sldTgt/>
+                  </p:tgtEl>
+                </p:cond>
+              </p:nextCondLst>
+            </p:seq>
+          </p:childTnLst>
+        </p:cTn>
       </p:par>
     </p:tnLst>
+    <p:bldLst>
+      <p:bldP spid="6" grpId="0"/>
+      <p:bldP spid="8" grpId="0"/>
+      <p:bldP spid="9" grpId="0"/>
+      <p:bldP spid="10" grpId="0"/>
+    </p:bldLst>
   </p:timing>
 </p:sld>
 </file>

--- a/HaiNaBian_PM知识分享/201812/PM.pptx
+++ b/HaiNaBian_PM知识分享/201812/PM.pptx
@@ -14,18 +14,19 @@
     <p:sldId id="281" r:id="rId8"/>
     <p:sldId id="275" r:id="rId9"/>
     <p:sldId id="261" r:id="rId10"/>
-    <p:sldId id="259" r:id="rId11"/>
-    <p:sldId id="262" r:id="rId12"/>
-    <p:sldId id="263" r:id="rId13"/>
-    <p:sldId id="264" r:id="rId14"/>
-    <p:sldId id="265" r:id="rId15"/>
-    <p:sldId id="266" r:id="rId16"/>
-    <p:sldId id="267" r:id="rId17"/>
-    <p:sldId id="268" r:id="rId18"/>
-    <p:sldId id="269" r:id="rId19"/>
-    <p:sldId id="276" r:id="rId20"/>
-    <p:sldId id="278" r:id="rId21"/>
-    <p:sldId id="279" r:id="rId22"/>
+    <p:sldId id="283" r:id="rId11"/>
+    <p:sldId id="284" r:id="rId12"/>
+    <p:sldId id="285" r:id="rId13"/>
+    <p:sldId id="286" r:id="rId14"/>
+    <p:sldId id="287" r:id="rId15"/>
+    <p:sldId id="288" r:id="rId16"/>
+    <p:sldId id="289" r:id="rId17"/>
+    <p:sldId id="290" r:id="rId18"/>
+    <p:sldId id="282" r:id="rId19"/>
+    <p:sldId id="259" r:id="rId20"/>
+    <p:sldId id="262" r:id="rId21"/>
+    <p:sldId id="263" r:id="rId22"/>
+    <p:sldId id="264" r:id="rId23"/>
   </p:sldIdLst>
   <p:sldSz cx="9144000" cy="6858000" type="screen4x3"/>
   <p:notesSz cx="6858000" cy="9144000"/>
@@ -308,7 +309,7 @@
           <a:p>
             <a:fld id="{0BAC3E48-7ABA-D441-94D0-3B3C6F86371F}" type="datetimeFigureOut">
               <a:rPr kumimoji="1" lang="zh-CN" altLang="en-US" smtClean="0"/>
-              <a:t>19/3/24</a:t>
+              <a:t>19/3/25</a:t>
             </a:fld>
             <a:endParaRPr kumimoji="1" lang="zh-CN" altLang="en-US"/>
           </a:p>
@@ -478,7 +479,7 @@
           <a:p>
             <a:fld id="{0BAC3E48-7ABA-D441-94D0-3B3C6F86371F}" type="datetimeFigureOut">
               <a:rPr kumimoji="1" lang="zh-CN" altLang="en-US" smtClean="0"/>
-              <a:t>19/3/24</a:t>
+              <a:t>19/3/25</a:t>
             </a:fld>
             <a:endParaRPr kumimoji="1" lang="zh-CN" altLang="en-US"/>
           </a:p>
@@ -658,7 +659,7 @@
           <a:p>
             <a:fld id="{0BAC3E48-7ABA-D441-94D0-3B3C6F86371F}" type="datetimeFigureOut">
               <a:rPr kumimoji="1" lang="zh-CN" altLang="en-US" smtClean="0"/>
-              <a:t>19/3/24</a:t>
+              <a:t>19/3/25</a:t>
             </a:fld>
             <a:endParaRPr kumimoji="1" lang="zh-CN" altLang="en-US"/>
           </a:p>
@@ -828,7 +829,7 @@
           <a:p>
             <a:fld id="{0BAC3E48-7ABA-D441-94D0-3B3C6F86371F}" type="datetimeFigureOut">
               <a:rPr kumimoji="1" lang="zh-CN" altLang="en-US" smtClean="0"/>
-              <a:t>19/3/24</a:t>
+              <a:t>19/3/25</a:t>
             </a:fld>
             <a:endParaRPr kumimoji="1" lang="zh-CN" altLang="en-US"/>
           </a:p>
@@ -1074,7 +1075,7 @@
           <a:p>
             <a:fld id="{0BAC3E48-7ABA-D441-94D0-3B3C6F86371F}" type="datetimeFigureOut">
               <a:rPr kumimoji="1" lang="zh-CN" altLang="en-US" smtClean="0"/>
-              <a:t>19/3/24</a:t>
+              <a:t>19/3/25</a:t>
             </a:fld>
             <a:endParaRPr kumimoji="1" lang="zh-CN" altLang="en-US"/>
           </a:p>
@@ -1362,7 +1363,7 @@
           <a:p>
             <a:fld id="{0BAC3E48-7ABA-D441-94D0-3B3C6F86371F}" type="datetimeFigureOut">
               <a:rPr kumimoji="1" lang="zh-CN" altLang="en-US" smtClean="0"/>
-              <a:t>19/3/24</a:t>
+              <a:t>19/3/25</a:t>
             </a:fld>
             <a:endParaRPr kumimoji="1" lang="zh-CN" altLang="en-US"/>
           </a:p>
@@ -1784,7 +1785,7 @@
           <a:p>
             <a:fld id="{0BAC3E48-7ABA-D441-94D0-3B3C6F86371F}" type="datetimeFigureOut">
               <a:rPr kumimoji="1" lang="zh-CN" altLang="en-US" smtClean="0"/>
-              <a:t>19/3/24</a:t>
+              <a:t>19/3/25</a:t>
             </a:fld>
             <a:endParaRPr kumimoji="1" lang="zh-CN" altLang="en-US"/>
           </a:p>
@@ -1902,7 +1903,7 @@
           <a:p>
             <a:fld id="{0BAC3E48-7ABA-D441-94D0-3B3C6F86371F}" type="datetimeFigureOut">
               <a:rPr kumimoji="1" lang="zh-CN" altLang="en-US" smtClean="0"/>
-              <a:t>19/3/24</a:t>
+              <a:t>19/3/25</a:t>
             </a:fld>
             <a:endParaRPr kumimoji="1" lang="zh-CN" altLang="en-US"/>
           </a:p>
@@ -1997,7 +1998,7 @@
           <a:p>
             <a:fld id="{0BAC3E48-7ABA-D441-94D0-3B3C6F86371F}" type="datetimeFigureOut">
               <a:rPr kumimoji="1" lang="zh-CN" altLang="en-US" smtClean="0"/>
-              <a:t>19/3/24</a:t>
+              <a:t>19/3/25</a:t>
             </a:fld>
             <a:endParaRPr kumimoji="1" lang="zh-CN" altLang="en-US"/>
           </a:p>
@@ -2274,7 +2275,7 @@
           <a:p>
             <a:fld id="{0BAC3E48-7ABA-D441-94D0-3B3C6F86371F}" type="datetimeFigureOut">
               <a:rPr kumimoji="1" lang="zh-CN" altLang="en-US" smtClean="0"/>
-              <a:t>19/3/24</a:t>
+              <a:t>19/3/25</a:t>
             </a:fld>
             <a:endParaRPr kumimoji="1" lang="zh-CN" altLang="en-US"/>
           </a:p>
@@ -2527,7 +2528,7 @@
           <a:p>
             <a:fld id="{0BAC3E48-7ABA-D441-94D0-3B3C6F86371F}" type="datetimeFigureOut">
               <a:rPr kumimoji="1" lang="zh-CN" altLang="en-US" smtClean="0"/>
-              <a:t>19/3/24</a:t>
+              <a:t>19/3/25</a:t>
             </a:fld>
             <a:endParaRPr kumimoji="1" lang="zh-CN" altLang="en-US"/>
           </a:p>
@@ -2740,7 +2741,7 @@
           <a:p>
             <a:fld id="{0BAC3E48-7ABA-D441-94D0-3B3C6F86371F}" type="datetimeFigureOut">
               <a:rPr kumimoji="1" lang="zh-CN" altLang="en-US" smtClean="0"/>
-              <a:t>19/3/24</a:t>
+              <a:t>19/3/25</a:t>
             </a:fld>
             <a:endParaRPr kumimoji="1" lang="zh-CN" altLang="en-US"/>
           </a:p>
@@ -3335,6 +3336,1645 @@
           </a:prstGeom>
         </p:spPr>
       </p:pic>
+      <p:pic>
+        <p:nvPicPr>
+          <p:cNvPr id="4" name="图片 3" descr="五大过程组.jpeg"/>
+          <p:cNvPicPr>
+            <a:picLocks noChangeAspect="1"/>
+          </p:cNvPicPr>
+          <p:nvPr/>
+        </p:nvPicPr>
+        <p:blipFill>
+          <a:blip r:embed="rId3">
+            <a:extLst>
+              <a:ext uri="{28A0092B-C50C-407E-A947-70E740481C1C}">
+                <a14:useLocalDpi xmlns:a14="http://schemas.microsoft.com/office/drawing/2010/main" val="0"/>
+              </a:ext>
+            </a:extLst>
+          </a:blip>
+          <a:stretch>
+            <a:fillRect/>
+          </a:stretch>
+        </p:blipFill>
+        <p:spPr>
+          <a:xfrm>
+            <a:off x="446407" y="1854200"/>
+            <a:ext cx="8289347" cy="3784600"/>
+          </a:xfrm>
+          <a:prstGeom prst="rect">
+            <a:avLst/>
+          </a:prstGeom>
+        </p:spPr>
+      </p:pic>
+    </p:spTree>
+    <p:extLst>
+      <p:ext uri="{BB962C8B-B14F-4D97-AF65-F5344CB8AC3E}">
+        <p14:creationId xmlns:p14="http://schemas.microsoft.com/office/powerpoint/2010/main" val="4154426245"/>
+      </p:ext>
+    </p:extLst>
+  </p:cSld>
+  <p:clrMapOvr>
+    <a:masterClrMapping/>
+  </p:clrMapOvr>
+  <p:timing>
+    <p:tnLst>
+      <p:par>
+        <p:cTn xmlns:p14="http://schemas.microsoft.com/office/powerpoint/2010/main" id="1" dur="indefinite" restart="never" nodeType="tmRoot"/>
+      </p:par>
+    </p:tnLst>
+  </p:timing>
+</p:sld>
+</file>
+
+<file path=ppt/slides/slide11.xml><?xml version="1.0" encoding="utf-8"?>
+<p:sld xmlns:a="http://schemas.openxmlformats.org/drawingml/2006/main" xmlns:r="http://schemas.openxmlformats.org/officeDocument/2006/relationships" xmlns:p="http://schemas.openxmlformats.org/presentationml/2006/main">
+  <p:cSld>
+    <p:spTree>
+      <p:nvGrpSpPr>
+        <p:cNvPr id="1" name=""/>
+        <p:cNvGrpSpPr/>
+        <p:nvPr/>
+      </p:nvGrpSpPr>
+      <p:grpSpPr>
+        <a:xfrm>
+          <a:off x="0" y="0"/>
+          <a:ext cx="0" cy="0"/>
+          <a:chOff x="0" y="0"/>
+          <a:chExt cx="0" cy="0"/>
+        </a:xfrm>
+      </p:grpSpPr>
+      <p:sp>
+        <p:nvSpPr>
+          <p:cNvPr id="2" name="标题 1"/>
+          <p:cNvSpPr>
+            <a:spLocks noGrp="1"/>
+          </p:cNvSpPr>
+          <p:nvPr>
+            <p:ph type="ctrTitle"/>
+          </p:nvPr>
+        </p:nvSpPr>
+        <p:spPr/>
+        <p:txBody>
+          <a:bodyPr/>
+          <a:lstStyle/>
+          <a:p>
+            <a:endParaRPr kumimoji="1" lang="zh-CN" altLang="en-US" dirty="0"/>
+          </a:p>
+        </p:txBody>
+      </p:sp>
+      <p:sp>
+        <p:nvSpPr>
+          <p:cNvPr id="3" name="副标题 2"/>
+          <p:cNvSpPr>
+            <a:spLocks noGrp="1"/>
+          </p:cNvSpPr>
+          <p:nvPr>
+            <p:ph type="subTitle" idx="1"/>
+          </p:nvPr>
+        </p:nvSpPr>
+        <p:spPr/>
+        <p:txBody>
+          <a:bodyPr/>
+          <a:lstStyle/>
+          <a:p>
+            <a:endParaRPr kumimoji="1" lang="zh-CN" altLang="en-US"/>
+          </a:p>
+        </p:txBody>
+      </p:sp>
+      <p:pic>
+        <p:nvPicPr>
+          <p:cNvPr id="5" name="图片 4" descr="maintheme.jpg"/>
+          <p:cNvPicPr>
+            <a:picLocks noChangeAspect="1"/>
+          </p:cNvPicPr>
+          <p:nvPr/>
+        </p:nvPicPr>
+        <p:blipFill>
+          <a:blip r:embed="rId2">
+            <a:extLst>
+              <a:ext uri="{28A0092B-C50C-407E-A947-70E740481C1C}">
+                <a14:useLocalDpi xmlns:a14="http://schemas.microsoft.com/office/drawing/2010/main" val="0"/>
+              </a:ext>
+            </a:extLst>
+          </a:blip>
+          <a:stretch>
+            <a:fillRect/>
+          </a:stretch>
+        </p:blipFill>
+        <p:spPr>
+          <a:xfrm>
+            <a:off x="0" y="0"/>
+            <a:ext cx="9144000" cy="6858000"/>
+          </a:xfrm>
+          <a:prstGeom prst="rect">
+            <a:avLst/>
+          </a:prstGeom>
+        </p:spPr>
+      </p:pic>
+      <p:pic>
+        <p:nvPicPr>
+          <p:cNvPr id="4" name="图片 3" descr="过程组与知识领域.png"/>
+          <p:cNvPicPr>
+            <a:picLocks noChangeAspect="1"/>
+          </p:cNvPicPr>
+          <p:nvPr/>
+        </p:nvPicPr>
+        <p:blipFill>
+          <a:blip r:embed="rId3">
+            <a:extLst>
+              <a:ext uri="{28A0092B-C50C-407E-A947-70E740481C1C}">
+                <a14:useLocalDpi xmlns:a14="http://schemas.microsoft.com/office/drawing/2010/main" val="0"/>
+              </a:ext>
+            </a:extLst>
+          </a:blip>
+          <a:stretch>
+            <a:fillRect/>
+          </a:stretch>
+        </p:blipFill>
+        <p:spPr>
+          <a:xfrm>
+            <a:off x="2032000" y="0"/>
+            <a:ext cx="5063529" cy="6858000"/>
+          </a:xfrm>
+          <a:prstGeom prst="rect">
+            <a:avLst/>
+          </a:prstGeom>
+        </p:spPr>
+      </p:pic>
+    </p:spTree>
+    <p:extLst>
+      <p:ext uri="{BB962C8B-B14F-4D97-AF65-F5344CB8AC3E}">
+        <p14:creationId xmlns:p14="http://schemas.microsoft.com/office/powerpoint/2010/main" val="3329961660"/>
+      </p:ext>
+    </p:extLst>
+  </p:cSld>
+  <p:clrMapOvr>
+    <a:masterClrMapping/>
+  </p:clrMapOvr>
+  <p:timing>
+    <p:tnLst>
+      <p:par>
+        <p:cTn xmlns:p14="http://schemas.microsoft.com/office/powerpoint/2010/main" id="1" dur="indefinite" restart="never" nodeType="tmRoot"/>
+      </p:par>
+    </p:tnLst>
+  </p:timing>
+</p:sld>
+</file>
+
+<file path=ppt/slides/slide12.xml><?xml version="1.0" encoding="utf-8"?>
+<p:sld xmlns:a="http://schemas.openxmlformats.org/drawingml/2006/main" xmlns:r="http://schemas.openxmlformats.org/officeDocument/2006/relationships" xmlns:p="http://schemas.openxmlformats.org/presentationml/2006/main">
+  <p:cSld>
+    <p:spTree>
+      <p:nvGrpSpPr>
+        <p:cNvPr id="1" name=""/>
+        <p:cNvGrpSpPr/>
+        <p:nvPr/>
+      </p:nvGrpSpPr>
+      <p:grpSpPr>
+        <a:xfrm>
+          <a:off x="0" y="0"/>
+          <a:ext cx="0" cy="0"/>
+          <a:chOff x="0" y="0"/>
+          <a:chExt cx="0" cy="0"/>
+        </a:xfrm>
+      </p:grpSpPr>
+      <p:sp>
+        <p:nvSpPr>
+          <p:cNvPr id="2" name="标题 1"/>
+          <p:cNvSpPr>
+            <a:spLocks noGrp="1"/>
+          </p:cNvSpPr>
+          <p:nvPr>
+            <p:ph type="ctrTitle"/>
+          </p:nvPr>
+        </p:nvSpPr>
+        <p:spPr/>
+        <p:txBody>
+          <a:bodyPr/>
+          <a:lstStyle/>
+          <a:p>
+            <a:endParaRPr kumimoji="1" lang="zh-CN" altLang="en-US" dirty="0"/>
+          </a:p>
+        </p:txBody>
+      </p:sp>
+      <p:sp>
+        <p:nvSpPr>
+          <p:cNvPr id="3" name="副标题 2"/>
+          <p:cNvSpPr>
+            <a:spLocks noGrp="1"/>
+          </p:cNvSpPr>
+          <p:nvPr>
+            <p:ph type="subTitle" idx="1"/>
+          </p:nvPr>
+        </p:nvSpPr>
+        <p:spPr/>
+        <p:txBody>
+          <a:bodyPr/>
+          <a:lstStyle/>
+          <a:p>
+            <a:endParaRPr kumimoji="1" lang="zh-CN" altLang="en-US"/>
+          </a:p>
+        </p:txBody>
+      </p:sp>
+      <p:pic>
+        <p:nvPicPr>
+          <p:cNvPr id="5" name="图片 4" descr="maintheme.jpg"/>
+          <p:cNvPicPr>
+            <a:picLocks noChangeAspect="1"/>
+          </p:cNvPicPr>
+          <p:nvPr/>
+        </p:nvPicPr>
+        <p:blipFill>
+          <a:blip r:embed="rId2">
+            <a:extLst>
+              <a:ext uri="{28A0092B-C50C-407E-A947-70E740481C1C}">
+                <a14:useLocalDpi xmlns:a14="http://schemas.microsoft.com/office/drawing/2010/main" val="0"/>
+              </a:ext>
+            </a:extLst>
+          </a:blip>
+          <a:stretch>
+            <a:fillRect/>
+          </a:stretch>
+        </p:blipFill>
+        <p:spPr>
+          <a:xfrm>
+            <a:off x="0" y="0"/>
+            <a:ext cx="9144000" cy="6858000"/>
+          </a:xfrm>
+          <a:prstGeom prst="rect">
+            <a:avLst/>
+          </a:prstGeom>
+        </p:spPr>
+      </p:pic>
+    </p:spTree>
+    <p:extLst>
+      <p:ext uri="{BB962C8B-B14F-4D97-AF65-F5344CB8AC3E}">
+        <p14:creationId xmlns:p14="http://schemas.microsoft.com/office/powerpoint/2010/main" val="101245657"/>
+      </p:ext>
+    </p:extLst>
+  </p:cSld>
+  <p:clrMapOvr>
+    <a:masterClrMapping/>
+  </p:clrMapOvr>
+  <p:timing>
+    <p:tnLst>
+      <p:par>
+        <p:cTn xmlns:p14="http://schemas.microsoft.com/office/powerpoint/2010/main" id="1" dur="indefinite" restart="never" nodeType="tmRoot"/>
+      </p:par>
+    </p:tnLst>
+  </p:timing>
+</p:sld>
+</file>
+
+<file path=ppt/slides/slide13.xml><?xml version="1.0" encoding="utf-8"?>
+<p:sld xmlns:a="http://schemas.openxmlformats.org/drawingml/2006/main" xmlns:r="http://schemas.openxmlformats.org/officeDocument/2006/relationships" xmlns:p="http://schemas.openxmlformats.org/presentationml/2006/main">
+  <p:cSld>
+    <p:spTree>
+      <p:nvGrpSpPr>
+        <p:cNvPr id="1" name=""/>
+        <p:cNvGrpSpPr/>
+        <p:nvPr/>
+      </p:nvGrpSpPr>
+      <p:grpSpPr>
+        <a:xfrm>
+          <a:off x="0" y="0"/>
+          <a:ext cx="0" cy="0"/>
+          <a:chOff x="0" y="0"/>
+          <a:chExt cx="0" cy="0"/>
+        </a:xfrm>
+      </p:grpSpPr>
+      <p:sp>
+        <p:nvSpPr>
+          <p:cNvPr id="2" name="标题 1"/>
+          <p:cNvSpPr>
+            <a:spLocks noGrp="1"/>
+          </p:cNvSpPr>
+          <p:nvPr>
+            <p:ph type="ctrTitle"/>
+          </p:nvPr>
+        </p:nvSpPr>
+        <p:spPr/>
+        <p:txBody>
+          <a:bodyPr/>
+          <a:lstStyle/>
+          <a:p>
+            <a:endParaRPr kumimoji="1" lang="zh-CN" altLang="en-US" dirty="0"/>
+          </a:p>
+        </p:txBody>
+      </p:sp>
+      <p:sp>
+        <p:nvSpPr>
+          <p:cNvPr id="3" name="副标题 2"/>
+          <p:cNvSpPr>
+            <a:spLocks noGrp="1"/>
+          </p:cNvSpPr>
+          <p:nvPr>
+            <p:ph type="subTitle" idx="1"/>
+          </p:nvPr>
+        </p:nvSpPr>
+        <p:spPr/>
+        <p:txBody>
+          <a:bodyPr/>
+          <a:lstStyle/>
+          <a:p>
+            <a:endParaRPr kumimoji="1" lang="zh-CN" altLang="en-US"/>
+          </a:p>
+        </p:txBody>
+      </p:sp>
+      <p:pic>
+        <p:nvPicPr>
+          <p:cNvPr id="5" name="图片 4" descr="maintheme.jpg"/>
+          <p:cNvPicPr>
+            <a:picLocks noChangeAspect="1"/>
+          </p:cNvPicPr>
+          <p:nvPr/>
+        </p:nvPicPr>
+        <p:blipFill>
+          <a:blip r:embed="rId2">
+            <a:extLst>
+              <a:ext uri="{28A0092B-C50C-407E-A947-70E740481C1C}">
+                <a14:useLocalDpi xmlns:a14="http://schemas.microsoft.com/office/drawing/2010/main" val="0"/>
+              </a:ext>
+            </a:extLst>
+          </a:blip>
+          <a:stretch>
+            <a:fillRect/>
+          </a:stretch>
+        </p:blipFill>
+        <p:spPr>
+          <a:xfrm>
+            <a:off x="0" y="0"/>
+            <a:ext cx="9144000" cy="6858000"/>
+          </a:xfrm>
+          <a:prstGeom prst="rect">
+            <a:avLst/>
+          </a:prstGeom>
+        </p:spPr>
+      </p:pic>
+    </p:spTree>
+    <p:extLst>
+      <p:ext uri="{BB962C8B-B14F-4D97-AF65-F5344CB8AC3E}">
+        <p14:creationId xmlns:p14="http://schemas.microsoft.com/office/powerpoint/2010/main" val="2679894954"/>
+      </p:ext>
+    </p:extLst>
+  </p:cSld>
+  <p:clrMapOvr>
+    <a:masterClrMapping/>
+  </p:clrMapOvr>
+  <p:timing>
+    <p:tnLst>
+      <p:par>
+        <p:cTn xmlns:p14="http://schemas.microsoft.com/office/powerpoint/2010/main" id="1" dur="indefinite" restart="never" nodeType="tmRoot"/>
+      </p:par>
+    </p:tnLst>
+  </p:timing>
+</p:sld>
+</file>
+
+<file path=ppt/slides/slide14.xml><?xml version="1.0" encoding="utf-8"?>
+<p:sld xmlns:a="http://schemas.openxmlformats.org/drawingml/2006/main" xmlns:r="http://schemas.openxmlformats.org/officeDocument/2006/relationships" xmlns:p="http://schemas.openxmlformats.org/presentationml/2006/main">
+  <p:cSld>
+    <p:spTree>
+      <p:nvGrpSpPr>
+        <p:cNvPr id="1" name=""/>
+        <p:cNvGrpSpPr/>
+        <p:nvPr/>
+      </p:nvGrpSpPr>
+      <p:grpSpPr>
+        <a:xfrm>
+          <a:off x="0" y="0"/>
+          <a:ext cx="0" cy="0"/>
+          <a:chOff x="0" y="0"/>
+          <a:chExt cx="0" cy="0"/>
+        </a:xfrm>
+      </p:grpSpPr>
+      <p:sp>
+        <p:nvSpPr>
+          <p:cNvPr id="2" name="标题 1"/>
+          <p:cNvSpPr>
+            <a:spLocks noGrp="1"/>
+          </p:cNvSpPr>
+          <p:nvPr>
+            <p:ph type="ctrTitle"/>
+          </p:nvPr>
+        </p:nvSpPr>
+        <p:spPr/>
+        <p:txBody>
+          <a:bodyPr/>
+          <a:lstStyle/>
+          <a:p>
+            <a:endParaRPr kumimoji="1" lang="zh-CN" altLang="en-US" dirty="0"/>
+          </a:p>
+        </p:txBody>
+      </p:sp>
+      <p:sp>
+        <p:nvSpPr>
+          <p:cNvPr id="3" name="副标题 2"/>
+          <p:cNvSpPr>
+            <a:spLocks noGrp="1"/>
+          </p:cNvSpPr>
+          <p:nvPr>
+            <p:ph type="subTitle" idx="1"/>
+          </p:nvPr>
+        </p:nvSpPr>
+        <p:spPr/>
+        <p:txBody>
+          <a:bodyPr/>
+          <a:lstStyle/>
+          <a:p>
+            <a:endParaRPr kumimoji="1" lang="zh-CN" altLang="en-US"/>
+          </a:p>
+        </p:txBody>
+      </p:sp>
+      <p:pic>
+        <p:nvPicPr>
+          <p:cNvPr id="5" name="图片 4" descr="maintheme.jpg"/>
+          <p:cNvPicPr>
+            <a:picLocks noChangeAspect="1"/>
+          </p:cNvPicPr>
+          <p:nvPr/>
+        </p:nvPicPr>
+        <p:blipFill>
+          <a:blip r:embed="rId2">
+            <a:extLst>
+              <a:ext uri="{28A0092B-C50C-407E-A947-70E740481C1C}">
+                <a14:useLocalDpi xmlns:a14="http://schemas.microsoft.com/office/drawing/2010/main" val="0"/>
+              </a:ext>
+            </a:extLst>
+          </a:blip>
+          <a:stretch>
+            <a:fillRect/>
+          </a:stretch>
+        </p:blipFill>
+        <p:spPr>
+          <a:xfrm>
+            <a:off x="0" y="0"/>
+            <a:ext cx="9144000" cy="6858000"/>
+          </a:xfrm>
+          <a:prstGeom prst="rect">
+            <a:avLst/>
+          </a:prstGeom>
+        </p:spPr>
+      </p:pic>
+    </p:spTree>
+    <p:extLst>
+      <p:ext uri="{BB962C8B-B14F-4D97-AF65-F5344CB8AC3E}">
+        <p14:creationId xmlns:p14="http://schemas.microsoft.com/office/powerpoint/2010/main" val="158482912"/>
+      </p:ext>
+    </p:extLst>
+  </p:cSld>
+  <p:clrMapOvr>
+    <a:masterClrMapping/>
+  </p:clrMapOvr>
+  <p:timing>
+    <p:tnLst>
+      <p:par>
+        <p:cTn xmlns:p14="http://schemas.microsoft.com/office/powerpoint/2010/main" id="1" dur="indefinite" restart="never" nodeType="tmRoot"/>
+      </p:par>
+    </p:tnLst>
+  </p:timing>
+</p:sld>
+</file>
+
+<file path=ppt/slides/slide15.xml><?xml version="1.0" encoding="utf-8"?>
+<p:sld xmlns:a="http://schemas.openxmlformats.org/drawingml/2006/main" xmlns:r="http://schemas.openxmlformats.org/officeDocument/2006/relationships" xmlns:p="http://schemas.openxmlformats.org/presentationml/2006/main">
+  <p:cSld>
+    <p:spTree>
+      <p:nvGrpSpPr>
+        <p:cNvPr id="1" name=""/>
+        <p:cNvGrpSpPr/>
+        <p:nvPr/>
+      </p:nvGrpSpPr>
+      <p:grpSpPr>
+        <a:xfrm>
+          <a:off x="0" y="0"/>
+          <a:ext cx="0" cy="0"/>
+          <a:chOff x="0" y="0"/>
+          <a:chExt cx="0" cy="0"/>
+        </a:xfrm>
+      </p:grpSpPr>
+      <p:sp>
+        <p:nvSpPr>
+          <p:cNvPr id="2" name="标题 1"/>
+          <p:cNvSpPr>
+            <a:spLocks noGrp="1"/>
+          </p:cNvSpPr>
+          <p:nvPr>
+            <p:ph type="ctrTitle"/>
+          </p:nvPr>
+        </p:nvSpPr>
+        <p:spPr/>
+        <p:txBody>
+          <a:bodyPr/>
+          <a:lstStyle/>
+          <a:p>
+            <a:endParaRPr kumimoji="1" lang="zh-CN" altLang="en-US" dirty="0"/>
+          </a:p>
+        </p:txBody>
+      </p:sp>
+      <p:sp>
+        <p:nvSpPr>
+          <p:cNvPr id="3" name="副标题 2"/>
+          <p:cNvSpPr>
+            <a:spLocks noGrp="1"/>
+          </p:cNvSpPr>
+          <p:nvPr>
+            <p:ph type="subTitle" idx="1"/>
+          </p:nvPr>
+        </p:nvSpPr>
+        <p:spPr/>
+        <p:txBody>
+          <a:bodyPr/>
+          <a:lstStyle/>
+          <a:p>
+            <a:endParaRPr kumimoji="1" lang="zh-CN" altLang="en-US"/>
+          </a:p>
+        </p:txBody>
+      </p:sp>
+      <p:pic>
+        <p:nvPicPr>
+          <p:cNvPr id="5" name="图片 4" descr="maintheme.jpg"/>
+          <p:cNvPicPr>
+            <a:picLocks noChangeAspect="1"/>
+          </p:cNvPicPr>
+          <p:nvPr/>
+        </p:nvPicPr>
+        <p:blipFill>
+          <a:blip r:embed="rId2">
+            <a:extLst>
+              <a:ext uri="{28A0092B-C50C-407E-A947-70E740481C1C}">
+                <a14:useLocalDpi xmlns:a14="http://schemas.microsoft.com/office/drawing/2010/main" val="0"/>
+              </a:ext>
+            </a:extLst>
+          </a:blip>
+          <a:stretch>
+            <a:fillRect/>
+          </a:stretch>
+        </p:blipFill>
+        <p:spPr>
+          <a:xfrm>
+            <a:off x="0" y="0"/>
+            <a:ext cx="9144000" cy="6858000"/>
+          </a:xfrm>
+          <a:prstGeom prst="rect">
+            <a:avLst/>
+          </a:prstGeom>
+        </p:spPr>
+      </p:pic>
+    </p:spTree>
+    <p:extLst>
+      <p:ext uri="{BB962C8B-B14F-4D97-AF65-F5344CB8AC3E}">
+        <p14:creationId xmlns:p14="http://schemas.microsoft.com/office/powerpoint/2010/main" val="2022837066"/>
+      </p:ext>
+    </p:extLst>
+  </p:cSld>
+  <p:clrMapOvr>
+    <a:masterClrMapping/>
+  </p:clrMapOvr>
+  <p:timing>
+    <p:tnLst>
+      <p:par>
+        <p:cTn xmlns:p14="http://schemas.microsoft.com/office/powerpoint/2010/main" id="1" dur="indefinite" restart="never" nodeType="tmRoot"/>
+      </p:par>
+    </p:tnLst>
+  </p:timing>
+</p:sld>
+</file>
+
+<file path=ppt/slides/slide16.xml><?xml version="1.0" encoding="utf-8"?>
+<p:sld xmlns:a="http://schemas.openxmlformats.org/drawingml/2006/main" xmlns:r="http://schemas.openxmlformats.org/officeDocument/2006/relationships" xmlns:p="http://schemas.openxmlformats.org/presentationml/2006/main">
+  <p:cSld>
+    <p:spTree>
+      <p:nvGrpSpPr>
+        <p:cNvPr id="1" name=""/>
+        <p:cNvGrpSpPr/>
+        <p:nvPr/>
+      </p:nvGrpSpPr>
+      <p:grpSpPr>
+        <a:xfrm>
+          <a:off x="0" y="0"/>
+          <a:ext cx="0" cy="0"/>
+          <a:chOff x="0" y="0"/>
+          <a:chExt cx="0" cy="0"/>
+        </a:xfrm>
+      </p:grpSpPr>
+      <p:sp>
+        <p:nvSpPr>
+          <p:cNvPr id="2" name="标题 1"/>
+          <p:cNvSpPr>
+            <a:spLocks noGrp="1"/>
+          </p:cNvSpPr>
+          <p:nvPr>
+            <p:ph type="ctrTitle"/>
+          </p:nvPr>
+        </p:nvSpPr>
+        <p:spPr/>
+        <p:txBody>
+          <a:bodyPr/>
+          <a:lstStyle/>
+          <a:p>
+            <a:endParaRPr kumimoji="1" lang="zh-CN" altLang="en-US" dirty="0"/>
+          </a:p>
+        </p:txBody>
+      </p:sp>
+      <p:sp>
+        <p:nvSpPr>
+          <p:cNvPr id="3" name="副标题 2"/>
+          <p:cNvSpPr>
+            <a:spLocks noGrp="1"/>
+          </p:cNvSpPr>
+          <p:nvPr>
+            <p:ph type="subTitle" idx="1"/>
+          </p:nvPr>
+        </p:nvSpPr>
+        <p:spPr/>
+        <p:txBody>
+          <a:bodyPr/>
+          <a:lstStyle/>
+          <a:p>
+            <a:endParaRPr kumimoji="1" lang="zh-CN" altLang="en-US"/>
+          </a:p>
+        </p:txBody>
+      </p:sp>
+      <p:pic>
+        <p:nvPicPr>
+          <p:cNvPr id="5" name="图片 4" descr="maintheme.jpg"/>
+          <p:cNvPicPr>
+            <a:picLocks noChangeAspect="1"/>
+          </p:cNvPicPr>
+          <p:nvPr/>
+        </p:nvPicPr>
+        <p:blipFill>
+          <a:blip r:embed="rId2">
+            <a:extLst>
+              <a:ext uri="{28A0092B-C50C-407E-A947-70E740481C1C}">
+                <a14:useLocalDpi xmlns:a14="http://schemas.microsoft.com/office/drawing/2010/main" val="0"/>
+              </a:ext>
+            </a:extLst>
+          </a:blip>
+          <a:stretch>
+            <a:fillRect/>
+          </a:stretch>
+        </p:blipFill>
+        <p:spPr>
+          <a:xfrm>
+            <a:off x="0" y="0"/>
+            <a:ext cx="9144000" cy="6858000"/>
+          </a:xfrm>
+          <a:prstGeom prst="rect">
+            <a:avLst/>
+          </a:prstGeom>
+        </p:spPr>
+      </p:pic>
+    </p:spTree>
+    <p:extLst>
+      <p:ext uri="{BB962C8B-B14F-4D97-AF65-F5344CB8AC3E}">
+        <p14:creationId xmlns:p14="http://schemas.microsoft.com/office/powerpoint/2010/main" val="1240615458"/>
+      </p:ext>
+    </p:extLst>
+  </p:cSld>
+  <p:clrMapOvr>
+    <a:masterClrMapping/>
+  </p:clrMapOvr>
+  <p:timing>
+    <p:tnLst>
+      <p:par>
+        <p:cTn xmlns:p14="http://schemas.microsoft.com/office/powerpoint/2010/main" id="1" dur="indefinite" restart="never" nodeType="tmRoot"/>
+      </p:par>
+    </p:tnLst>
+  </p:timing>
+</p:sld>
+</file>
+
+<file path=ppt/slides/slide17.xml><?xml version="1.0" encoding="utf-8"?>
+<p:sld xmlns:a="http://schemas.openxmlformats.org/drawingml/2006/main" xmlns:r="http://schemas.openxmlformats.org/officeDocument/2006/relationships" xmlns:p="http://schemas.openxmlformats.org/presentationml/2006/main">
+  <p:cSld>
+    <p:spTree>
+      <p:nvGrpSpPr>
+        <p:cNvPr id="1" name=""/>
+        <p:cNvGrpSpPr/>
+        <p:nvPr/>
+      </p:nvGrpSpPr>
+      <p:grpSpPr>
+        <a:xfrm>
+          <a:off x="0" y="0"/>
+          <a:ext cx="0" cy="0"/>
+          <a:chOff x="0" y="0"/>
+          <a:chExt cx="0" cy="0"/>
+        </a:xfrm>
+      </p:grpSpPr>
+      <p:sp>
+        <p:nvSpPr>
+          <p:cNvPr id="2" name="标题 1"/>
+          <p:cNvSpPr>
+            <a:spLocks noGrp="1"/>
+          </p:cNvSpPr>
+          <p:nvPr>
+            <p:ph type="ctrTitle"/>
+          </p:nvPr>
+        </p:nvSpPr>
+        <p:spPr/>
+        <p:txBody>
+          <a:bodyPr/>
+          <a:lstStyle/>
+          <a:p>
+            <a:endParaRPr kumimoji="1" lang="zh-CN" altLang="en-US" dirty="0"/>
+          </a:p>
+        </p:txBody>
+      </p:sp>
+      <p:sp>
+        <p:nvSpPr>
+          <p:cNvPr id="3" name="副标题 2"/>
+          <p:cNvSpPr>
+            <a:spLocks noGrp="1"/>
+          </p:cNvSpPr>
+          <p:nvPr>
+            <p:ph type="subTitle" idx="1"/>
+          </p:nvPr>
+        </p:nvSpPr>
+        <p:spPr/>
+        <p:txBody>
+          <a:bodyPr/>
+          <a:lstStyle/>
+          <a:p>
+            <a:endParaRPr kumimoji="1" lang="zh-CN" altLang="en-US"/>
+          </a:p>
+        </p:txBody>
+      </p:sp>
+      <p:pic>
+        <p:nvPicPr>
+          <p:cNvPr id="5" name="图片 4" descr="maintheme.jpg"/>
+          <p:cNvPicPr>
+            <a:picLocks noChangeAspect="1"/>
+          </p:cNvPicPr>
+          <p:nvPr/>
+        </p:nvPicPr>
+        <p:blipFill>
+          <a:blip r:embed="rId2">
+            <a:extLst>
+              <a:ext uri="{28A0092B-C50C-407E-A947-70E740481C1C}">
+                <a14:useLocalDpi xmlns:a14="http://schemas.microsoft.com/office/drawing/2010/main" val="0"/>
+              </a:ext>
+            </a:extLst>
+          </a:blip>
+          <a:stretch>
+            <a:fillRect/>
+          </a:stretch>
+        </p:blipFill>
+        <p:spPr>
+          <a:xfrm>
+            <a:off x="0" y="0"/>
+            <a:ext cx="9144000" cy="6858000"/>
+          </a:xfrm>
+          <a:prstGeom prst="rect">
+            <a:avLst/>
+          </a:prstGeom>
+        </p:spPr>
+      </p:pic>
+    </p:spTree>
+    <p:extLst>
+      <p:ext uri="{BB962C8B-B14F-4D97-AF65-F5344CB8AC3E}">
+        <p14:creationId xmlns:p14="http://schemas.microsoft.com/office/powerpoint/2010/main" val="3855994952"/>
+      </p:ext>
+    </p:extLst>
+  </p:cSld>
+  <p:clrMapOvr>
+    <a:masterClrMapping/>
+  </p:clrMapOvr>
+  <p:timing>
+    <p:tnLst>
+      <p:par>
+        <p:cTn xmlns:p14="http://schemas.microsoft.com/office/powerpoint/2010/main" id="1" dur="indefinite" restart="never" nodeType="tmRoot"/>
+      </p:par>
+    </p:tnLst>
+  </p:timing>
+</p:sld>
+</file>
+
+<file path=ppt/slides/slide18.xml><?xml version="1.0" encoding="utf-8"?>
+<p:sld xmlns:a="http://schemas.openxmlformats.org/drawingml/2006/main" xmlns:r="http://schemas.openxmlformats.org/officeDocument/2006/relationships" xmlns:p="http://schemas.openxmlformats.org/presentationml/2006/main">
+  <p:cSld>
+    <p:spTree>
+      <p:nvGrpSpPr>
+        <p:cNvPr id="1" name=""/>
+        <p:cNvGrpSpPr/>
+        <p:nvPr/>
+      </p:nvGrpSpPr>
+      <p:grpSpPr>
+        <a:xfrm>
+          <a:off x="0" y="0"/>
+          <a:ext cx="0" cy="0"/>
+          <a:chOff x="0" y="0"/>
+          <a:chExt cx="0" cy="0"/>
+        </a:xfrm>
+      </p:grpSpPr>
+      <p:sp>
+        <p:nvSpPr>
+          <p:cNvPr id="2" name="标题 1"/>
+          <p:cNvSpPr>
+            <a:spLocks noGrp="1"/>
+          </p:cNvSpPr>
+          <p:nvPr>
+            <p:ph type="ctrTitle"/>
+          </p:nvPr>
+        </p:nvSpPr>
+        <p:spPr/>
+        <p:txBody>
+          <a:bodyPr/>
+          <a:lstStyle/>
+          <a:p>
+            <a:endParaRPr kumimoji="1" lang="zh-CN" altLang="en-US" dirty="0"/>
+          </a:p>
+        </p:txBody>
+      </p:sp>
+      <p:sp>
+        <p:nvSpPr>
+          <p:cNvPr id="3" name="副标题 2"/>
+          <p:cNvSpPr>
+            <a:spLocks noGrp="1"/>
+          </p:cNvSpPr>
+          <p:nvPr>
+            <p:ph type="subTitle" idx="1"/>
+          </p:nvPr>
+        </p:nvSpPr>
+        <p:spPr/>
+        <p:txBody>
+          <a:bodyPr/>
+          <a:lstStyle/>
+          <a:p>
+            <a:endParaRPr kumimoji="1" lang="zh-CN" altLang="en-US"/>
+          </a:p>
+        </p:txBody>
+      </p:sp>
+      <p:pic>
+        <p:nvPicPr>
+          <p:cNvPr id="5" name="图片 4" descr="maintheme.jpg"/>
+          <p:cNvPicPr>
+            <a:picLocks noChangeAspect="1"/>
+          </p:cNvPicPr>
+          <p:nvPr/>
+        </p:nvPicPr>
+        <p:blipFill>
+          <a:blip r:embed="rId2">
+            <a:extLst>
+              <a:ext uri="{28A0092B-C50C-407E-A947-70E740481C1C}">
+                <a14:useLocalDpi xmlns:a14="http://schemas.microsoft.com/office/drawing/2010/main" val="0"/>
+              </a:ext>
+            </a:extLst>
+          </a:blip>
+          <a:stretch>
+            <a:fillRect/>
+          </a:stretch>
+        </p:blipFill>
+        <p:spPr>
+          <a:xfrm>
+            <a:off x="0" y="0"/>
+            <a:ext cx="9144000" cy="6858000"/>
+          </a:xfrm>
+          <a:prstGeom prst="rect">
+            <a:avLst/>
+          </a:prstGeom>
+        </p:spPr>
+      </p:pic>
+      <p:sp>
+        <p:nvSpPr>
+          <p:cNvPr id="4" name="文本框 3"/>
+          <p:cNvSpPr txBox="1"/>
+          <p:nvPr/>
+        </p:nvSpPr>
+        <p:spPr>
+          <a:xfrm>
+            <a:off x="1371600" y="628316"/>
+            <a:ext cx="6609347" cy="707886"/>
+          </a:xfrm>
+          <a:prstGeom prst="rect">
+            <a:avLst/>
+          </a:prstGeom>
+          <a:noFill/>
+        </p:spPr>
+        <p:txBody>
+          <a:bodyPr wrap="square" rtlCol="0">
+            <a:spAutoFit/>
+          </a:bodyPr>
+          <a:lstStyle/>
+          <a:p>
+            <a:r>
+              <a:rPr kumimoji="1" lang="zh-CN" altLang="en-US" sz="4000" dirty="0" smtClean="0">
+                <a:solidFill>
+                  <a:schemeClr val="accent6"/>
+                </a:solidFill>
+              </a:rPr>
+              <a:t>第四部分</a:t>
+            </a:r>
+            <a:r>
+              <a:rPr kumimoji="1" lang="en-US" altLang="zh-CN" sz="4000" dirty="0" smtClean="0">
+                <a:solidFill>
+                  <a:schemeClr val="accent6"/>
+                </a:solidFill>
+              </a:rPr>
+              <a:t> </a:t>
+            </a:r>
+            <a:r>
+              <a:rPr kumimoji="1" lang="zh-CN" altLang="en-US" sz="4000" dirty="0" smtClean="0">
+                <a:solidFill>
+                  <a:schemeClr val="accent6"/>
+                </a:solidFill>
+                <a:latin typeface="+mn-ea"/>
+              </a:rPr>
+              <a:t>敏捷开发</a:t>
+            </a:r>
+            <a:r>
+              <a:rPr kumimoji="1" lang="en-US" altLang="zh-CN" sz="4000" dirty="0" smtClean="0">
+                <a:solidFill>
+                  <a:schemeClr val="accent6"/>
+                </a:solidFill>
+              </a:rPr>
+              <a:t>/</a:t>
+            </a:r>
+            <a:r>
+              <a:rPr kumimoji="1" lang="zh-CN" altLang="en-US" sz="4000" dirty="0" smtClean="0">
+                <a:solidFill>
+                  <a:schemeClr val="accent6"/>
+                </a:solidFill>
+              </a:rPr>
+              <a:t>管理</a:t>
+            </a:r>
+            <a:endParaRPr kumimoji="1" lang="zh-CN" altLang="en-US" sz="4000" dirty="0">
+              <a:solidFill>
+                <a:schemeClr val="accent6"/>
+              </a:solidFill>
+            </a:endParaRPr>
+          </a:p>
+        </p:txBody>
+      </p:sp>
+      <p:sp>
+        <p:nvSpPr>
+          <p:cNvPr id="6" name="文本框 5"/>
+          <p:cNvSpPr txBox="1"/>
+          <p:nvPr/>
+        </p:nvSpPr>
+        <p:spPr>
+          <a:xfrm>
+            <a:off x="1371600" y="1657684"/>
+            <a:ext cx="6609347" cy="646331"/>
+          </a:xfrm>
+          <a:prstGeom prst="rect">
+            <a:avLst/>
+          </a:prstGeom>
+          <a:noFill/>
+        </p:spPr>
+        <p:txBody>
+          <a:bodyPr wrap="square" rtlCol="0">
+            <a:spAutoFit/>
+          </a:bodyPr>
+          <a:lstStyle/>
+          <a:p>
+            <a:r>
+              <a:rPr kumimoji="1" lang="zh-CN" altLang="en-US" dirty="0" smtClean="0"/>
+              <a:t>已经有了标准化</a:t>
+            </a:r>
+            <a:r>
+              <a:rPr kumimoji="1" lang="zh-CN" altLang="en-US" dirty="0"/>
+              <a:t>的项目管理体系为什么还有其他的项目管理过程</a:t>
+            </a:r>
+            <a:r>
+              <a:rPr kumimoji="1" lang="en-US" altLang="zh-CN" dirty="0"/>
+              <a:t>/</a:t>
+            </a:r>
+            <a:r>
+              <a:rPr kumimoji="1" lang="zh-CN" altLang="en-US" dirty="0"/>
+              <a:t>理论 </a:t>
+            </a:r>
+            <a:r>
+              <a:rPr kumimoji="1" lang="zh-CN" altLang="en-US" dirty="0" smtClean="0"/>
+              <a:t>？</a:t>
+            </a:r>
+            <a:endParaRPr kumimoji="1" lang="zh-CN" altLang="en-US" dirty="0"/>
+          </a:p>
+        </p:txBody>
+      </p:sp>
+      <p:sp>
+        <p:nvSpPr>
+          <p:cNvPr id="8" name="文本框 7"/>
+          <p:cNvSpPr txBox="1"/>
+          <p:nvPr/>
+        </p:nvSpPr>
+        <p:spPr>
+          <a:xfrm>
+            <a:off x="1371600" y="2513263"/>
+            <a:ext cx="6443579" cy="646331"/>
+          </a:xfrm>
+          <a:prstGeom prst="rect">
+            <a:avLst/>
+          </a:prstGeom>
+          <a:noFill/>
+        </p:spPr>
+        <p:txBody>
+          <a:bodyPr wrap="square" rtlCol="0">
+            <a:spAutoFit/>
+          </a:bodyPr>
+          <a:lstStyle/>
+          <a:p>
+            <a:r>
+              <a:rPr kumimoji="1" lang="en-US" altLang="zh-CN" dirty="0"/>
+              <a:t>1. </a:t>
+            </a:r>
+            <a:r>
+              <a:rPr kumimoji="1" lang="zh-CN" altLang="en-US" dirty="0"/>
+              <a:t>项</a:t>
+            </a:r>
+            <a:r>
+              <a:rPr kumimoji="1" lang="zh-CN" altLang="en-US" dirty="0" smtClean="0"/>
+              <a:t>目处在竞争愈发激烈的环境中，产品胜出不单单在产品本身质量也在于产品推向市场的速度 。</a:t>
+            </a:r>
+          </a:p>
+        </p:txBody>
+      </p:sp>
+      <p:sp>
+        <p:nvSpPr>
+          <p:cNvPr id="9" name="文本框 8"/>
+          <p:cNvSpPr txBox="1"/>
+          <p:nvPr/>
+        </p:nvSpPr>
+        <p:spPr>
+          <a:xfrm>
+            <a:off x="1371600" y="3708709"/>
+            <a:ext cx="6443579" cy="646331"/>
+          </a:xfrm>
+          <a:prstGeom prst="rect">
+            <a:avLst/>
+          </a:prstGeom>
+          <a:noFill/>
+        </p:spPr>
+        <p:txBody>
+          <a:bodyPr wrap="square" rtlCol="0">
+            <a:spAutoFit/>
+          </a:bodyPr>
+          <a:lstStyle/>
+          <a:p>
+            <a:r>
+              <a:rPr kumimoji="1" lang="en-US" altLang="zh-CN" dirty="0" smtClean="0"/>
+              <a:t>2</a:t>
+            </a:r>
+            <a:r>
+              <a:rPr kumimoji="1" lang="en-US" altLang="zh-CN" dirty="0"/>
+              <a:t>. </a:t>
+            </a:r>
+            <a:r>
+              <a:rPr kumimoji="1" lang="zh-CN" altLang="en-US" dirty="0"/>
+              <a:t>本质上，降低沟通成本和试错成本的方式方法；快速迭代出可高质量</a:t>
+            </a:r>
+            <a:r>
+              <a:rPr kumimoji="1" lang="en-US" altLang="zh-CN" dirty="0"/>
+              <a:t>&amp;</a:t>
+            </a:r>
+            <a:r>
+              <a:rPr kumimoji="1" lang="zh-CN" altLang="en-US" dirty="0"/>
+              <a:t>稳定的产品</a:t>
+            </a:r>
+            <a:r>
+              <a:rPr kumimoji="1" lang="zh-CN" altLang="en-US" dirty="0" smtClean="0"/>
+              <a:t>。</a:t>
+            </a:r>
+            <a:endParaRPr kumimoji="1" lang="zh-CN" altLang="en-US" dirty="0"/>
+          </a:p>
+        </p:txBody>
+      </p:sp>
+      <p:sp>
+        <p:nvSpPr>
+          <p:cNvPr id="10" name="文本框 9"/>
+          <p:cNvSpPr txBox="1"/>
+          <p:nvPr/>
+        </p:nvSpPr>
+        <p:spPr>
+          <a:xfrm>
+            <a:off x="1371600" y="5012976"/>
+            <a:ext cx="6443579" cy="369332"/>
+          </a:xfrm>
+          <a:prstGeom prst="rect">
+            <a:avLst/>
+          </a:prstGeom>
+          <a:noFill/>
+        </p:spPr>
+        <p:txBody>
+          <a:bodyPr wrap="square" rtlCol="0">
+            <a:spAutoFit/>
+          </a:bodyPr>
+          <a:lstStyle/>
+          <a:p>
+            <a:r>
+              <a:rPr kumimoji="1" lang="en-US" altLang="zh-CN" dirty="0" smtClean="0"/>
+              <a:t>3</a:t>
+            </a:r>
+            <a:r>
+              <a:rPr kumimoji="1" lang="en-US" altLang="zh-CN" dirty="0"/>
+              <a:t>. </a:t>
+            </a:r>
+            <a:r>
+              <a:rPr kumimoji="1" lang="zh-CN" altLang="en-US" dirty="0"/>
+              <a:t>开发用户真正需要的产品。</a:t>
+            </a:r>
+          </a:p>
+        </p:txBody>
+      </p:sp>
+    </p:spTree>
+    <p:extLst>
+      <p:ext uri="{BB962C8B-B14F-4D97-AF65-F5344CB8AC3E}">
+        <p14:creationId xmlns:p14="http://schemas.microsoft.com/office/powerpoint/2010/main" val="3201790668"/>
+      </p:ext>
+    </p:extLst>
+  </p:cSld>
+  <p:clrMapOvr>
+    <a:masterClrMapping/>
+  </p:clrMapOvr>
+  <p:timing>
+    <p:tnLst>
+      <p:par>
+        <p:cTn xmlns:p14="http://schemas.microsoft.com/office/powerpoint/2010/main" id="1" dur="indefinite" restart="never" nodeType="tmRoot">
+          <p:childTnLst>
+            <p:seq concurrent="1" nextAc="seek">
+              <p:cTn id="2" dur="indefinite" nodeType="mainSeq">
+                <p:childTnLst>
+                  <p:par>
+                    <p:cTn id="3" fill="hold">
+                      <p:stCondLst>
+                        <p:cond delay="indefinite"/>
+                      </p:stCondLst>
+                      <p:childTnLst>
+                        <p:par>
+                          <p:cTn id="4" fill="hold">
+                            <p:stCondLst>
+                              <p:cond delay="0"/>
+                            </p:stCondLst>
+                            <p:childTnLst>
+                              <p:par>
+                                <p:cTn id="5" presetID="2" presetClass="entr" presetSubtype="4" fill="hold" grpId="0" nodeType="clickEffect">
+                                  <p:stCondLst>
+                                    <p:cond delay="0"/>
+                                  </p:stCondLst>
+                                  <p:childTnLst>
+                                    <p:set>
+                                      <p:cBhvr>
+                                        <p:cTn id="6" dur="1" fill="hold">
+                                          <p:stCondLst>
+                                            <p:cond delay="0"/>
+                                          </p:stCondLst>
+                                        </p:cTn>
+                                        <p:tgtEl>
+                                          <p:spTgt spid="6"/>
+                                        </p:tgtEl>
+                                        <p:attrNameLst>
+                                          <p:attrName>style.visibility</p:attrName>
+                                        </p:attrNameLst>
+                                      </p:cBhvr>
+                                      <p:to>
+                                        <p:strVal val="visible"/>
+                                      </p:to>
+                                    </p:set>
+                                    <p:anim calcmode="lin" valueType="num">
+                                      <p:cBhvr additive="base">
+                                        <p:cTn id="7" dur="500" fill="hold"/>
+                                        <p:tgtEl>
+                                          <p:spTgt spid="6"/>
+                                        </p:tgtEl>
+                                        <p:attrNameLst>
+                                          <p:attrName>ppt_x</p:attrName>
+                                        </p:attrNameLst>
+                                      </p:cBhvr>
+                                      <p:tavLst>
+                                        <p:tav tm="0">
+                                          <p:val>
+                                            <p:strVal val="#ppt_x"/>
+                                          </p:val>
+                                        </p:tav>
+                                        <p:tav tm="100000">
+                                          <p:val>
+                                            <p:strVal val="#ppt_x"/>
+                                          </p:val>
+                                        </p:tav>
+                                      </p:tavLst>
+                                    </p:anim>
+                                    <p:anim calcmode="lin" valueType="num">
+                                      <p:cBhvr additive="base">
+                                        <p:cTn id="8" dur="500" fill="hold"/>
+                                        <p:tgtEl>
+                                          <p:spTgt spid="6"/>
+                                        </p:tgtEl>
+                                        <p:attrNameLst>
+                                          <p:attrName>ppt_y</p:attrName>
+                                        </p:attrNameLst>
+                                      </p:cBhvr>
+                                      <p:tavLst>
+                                        <p:tav tm="0">
+                                          <p:val>
+                                            <p:strVal val="1+#ppt_h/2"/>
+                                          </p:val>
+                                        </p:tav>
+                                        <p:tav tm="100000">
+                                          <p:val>
+                                            <p:strVal val="#ppt_y"/>
+                                          </p:val>
+                                        </p:tav>
+                                      </p:tavLst>
+                                    </p:anim>
+                                  </p:childTnLst>
+                                </p:cTn>
+                              </p:par>
+                            </p:childTnLst>
+                          </p:cTn>
+                        </p:par>
+                      </p:childTnLst>
+                    </p:cTn>
+                  </p:par>
+                  <p:par>
+                    <p:cTn id="9" fill="hold">
+                      <p:stCondLst>
+                        <p:cond delay="indefinite"/>
+                      </p:stCondLst>
+                      <p:childTnLst>
+                        <p:par>
+                          <p:cTn id="10" fill="hold">
+                            <p:stCondLst>
+                              <p:cond delay="0"/>
+                            </p:stCondLst>
+                            <p:childTnLst>
+                              <p:par>
+                                <p:cTn id="11" presetID="2" presetClass="entr" presetSubtype="4" fill="hold" grpId="0" nodeType="clickEffect">
+                                  <p:stCondLst>
+                                    <p:cond delay="0"/>
+                                  </p:stCondLst>
+                                  <p:childTnLst>
+                                    <p:set>
+                                      <p:cBhvr>
+                                        <p:cTn id="12" dur="1" fill="hold">
+                                          <p:stCondLst>
+                                            <p:cond delay="0"/>
+                                          </p:stCondLst>
+                                        </p:cTn>
+                                        <p:tgtEl>
+                                          <p:spTgt spid="8"/>
+                                        </p:tgtEl>
+                                        <p:attrNameLst>
+                                          <p:attrName>style.visibility</p:attrName>
+                                        </p:attrNameLst>
+                                      </p:cBhvr>
+                                      <p:to>
+                                        <p:strVal val="visible"/>
+                                      </p:to>
+                                    </p:set>
+                                    <p:anim calcmode="lin" valueType="num">
+                                      <p:cBhvr additive="base">
+                                        <p:cTn id="13" dur="500" fill="hold"/>
+                                        <p:tgtEl>
+                                          <p:spTgt spid="8"/>
+                                        </p:tgtEl>
+                                        <p:attrNameLst>
+                                          <p:attrName>ppt_x</p:attrName>
+                                        </p:attrNameLst>
+                                      </p:cBhvr>
+                                      <p:tavLst>
+                                        <p:tav tm="0">
+                                          <p:val>
+                                            <p:strVal val="#ppt_x"/>
+                                          </p:val>
+                                        </p:tav>
+                                        <p:tav tm="100000">
+                                          <p:val>
+                                            <p:strVal val="#ppt_x"/>
+                                          </p:val>
+                                        </p:tav>
+                                      </p:tavLst>
+                                    </p:anim>
+                                    <p:anim calcmode="lin" valueType="num">
+                                      <p:cBhvr additive="base">
+                                        <p:cTn id="14" dur="500" fill="hold"/>
+                                        <p:tgtEl>
+                                          <p:spTgt spid="8"/>
+                                        </p:tgtEl>
+                                        <p:attrNameLst>
+                                          <p:attrName>ppt_y</p:attrName>
+                                        </p:attrNameLst>
+                                      </p:cBhvr>
+                                      <p:tavLst>
+                                        <p:tav tm="0">
+                                          <p:val>
+                                            <p:strVal val="1+#ppt_h/2"/>
+                                          </p:val>
+                                        </p:tav>
+                                        <p:tav tm="100000">
+                                          <p:val>
+                                            <p:strVal val="#ppt_y"/>
+                                          </p:val>
+                                        </p:tav>
+                                      </p:tavLst>
+                                    </p:anim>
+                                  </p:childTnLst>
+                                </p:cTn>
+                              </p:par>
+                            </p:childTnLst>
+                          </p:cTn>
+                        </p:par>
+                      </p:childTnLst>
+                    </p:cTn>
+                  </p:par>
+                  <p:par>
+                    <p:cTn id="15" fill="hold">
+                      <p:stCondLst>
+                        <p:cond delay="indefinite"/>
+                      </p:stCondLst>
+                      <p:childTnLst>
+                        <p:par>
+                          <p:cTn id="16" fill="hold">
+                            <p:stCondLst>
+                              <p:cond delay="0"/>
+                            </p:stCondLst>
+                            <p:childTnLst>
+                              <p:par>
+                                <p:cTn id="17" presetID="2" presetClass="entr" presetSubtype="4" fill="hold" grpId="0" nodeType="clickEffect">
+                                  <p:stCondLst>
+                                    <p:cond delay="0"/>
+                                  </p:stCondLst>
+                                  <p:childTnLst>
+                                    <p:set>
+                                      <p:cBhvr>
+                                        <p:cTn id="18" dur="1" fill="hold">
+                                          <p:stCondLst>
+                                            <p:cond delay="0"/>
+                                          </p:stCondLst>
+                                        </p:cTn>
+                                        <p:tgtEl>
+                                          <p:spTgt spid="9"/>
+                                        </p:tgtEl>
+                                        <p:attrNameLst>
+                                          <p:attrName>style.visibility</p:attrName>
+                                        </p:attrNameLst>
+                                      </p:cBhvr>
+                                      <p:to>
+                                        <p:strVal val="visible"/>
+                                      </p:to>
+                                    </p:set>
+                                    <p:anim calcmode="lin" valueType="num">
+                                      <p:cBhvr additive="base">
+                                        <p:cTn id="19" dur="500" fill="hold"/>
+                                        <p:tgtEl>
+                                          <p:spTgt spid="9"/>
+                                        </p:tgtEl>
+                                        <p:attrNameLst>
+                                          <p:attrName>ppt_x</p:attrName>
+                                        </p:attrNameLst>
+                                      </p:cBhvr>
+                                      <p:tavLst>
+                                        <p:tav tm="0">
+                                          <p:val>
+                                            <p:strVal val="#ppt_x"/>
+                                          </p:val>
+                                        </p:tav>
+                                        <p:tav tm="100000">
+                                          <p:val>
+                                            <p:strVal val="#ppt_x"/>
+                                          </p:val>
+                                        </p:tav>
+                                      </p:tavLst>
+                                    </p:anim>
+                                    <p:anim calcmode="lin" valueType="num">
+                                      <p:cBhvr additive="base">
+                                        <p:cTn id="20" dur="500" fill="hold"/>
+                                        <p:tgtEl>
+                                          <p:spTgt spid="9"/>
+                                        </p:tgtEl>
+                                        <p:attrNameLst>
+                                          <p:attrName>ppt_y</p:attrName>
+                                        </p:attrNameLst>
+                                      </p:cBhvr>
+                                      <p:tavLst>
+                                        <p:tav tm="0">
+                                          <p:val>
+                                            <p:strVal val="1+#ppt_h/2"/>
+                                          </p:val>
+                                        </p:tav>
+                                        <p:tav tm="100000">
+                                          <p:val>
+                                            <p:strVal val="#ppt_y"/>
+                                          </p:val>
+                                        </p:tav>
+                                      </p:tavLst>
+                                    </p:anim>
+                                  </p:childTnLst>
+                                </p:cTn>
+                              </p:par>
+                            </p:childTnLst>
+                          </p:cTn>
+                        </p:par>
+                      </p:childTnLst>
+                    </p:cTn>
+                  </p:par>
+                  <p:par>
+                    <p:cTn id="21" fill="hold">
+                      <p:stCondLst>
+                        <p:cond delay="indefinite"/>
+                      </p:stCondLst>
+                      <p:childTnLst>
+                        <p:par>
+                          <p:cTn id="22" fill="hold">
+                            <p:stCondLst>
+                              <p:cond delay="0"/>
+                            </p:stCondLst>
+                            <p:childTnLst>
+                              <p:par>
+                                <p:cTn id="23" presetID="2" presetClass="entr" presetSubtype="4" fill="hold" grpId="0" nodeType="clickEffect">
+                                  <p:stCondLst>
+                                    <p:cond delay="0"/>
+                                  </p:stCondLst>
+                                  <p:childTnLst>
+                                    <p:set>
+                                      <p:cBhvr>
+                                        <p:cTn id="24" dur="1" fill="hold">
+                                          <p:stCondLst>
+                                            <p:cond delay="0"/>
+                                          </p:stCondLst>
+                                        </p:cTn>
+                                        <p:tgtEl>
+                                          <p:spTgt spid="10"/>
+                                        </p:tgtEl>
+                                        <p:attrNameLst>
+                                          <p:attrName>style.visibility</p:attrName>
+                                        </p:attrNameLst>
+                                      </p:cBhvr>
+                                      <p:to>
+                                        <p:strVal val="visible"/>
+                                      </p:to>
+                                    </p:set>
+                                    <p:anim calcmode="lin" valueType="num">
+                                      <p:cBhvr additive="base">
+                                        <p:cTn id="25" dur="500" fill="hold"/>
+                                        <p:tgtEl>
+                                          <p:spTgt spid="10"/>
+                                        </p:tgtEl>
+                                        <p:attrNameLst>
+                                          <p:attrName>ppt_x</p:attrName>
+                                        </p:attrNameLst>
+                                      </p:cBhvr>
+                                      <p:tavLst>
+                                        <p:tav tm="0">
+                                          <p:val>
+                                            <p:strVal val="#ppt_x"/>
+                                          </p:val>
+                                        </p:tav>
+                                        <p:tav tm="100000">
+                                          <p:val>
+                                            <p:strVal val="#ppt_x"/>
+                                          </p:val>
+                                        </p:tav>
+                                      </p:tavLst>
+                                    </p:anim>
+                                    <p:anim calcmode="lin" valueType="num">
+                                      <p:cBhvr additive="base">
+                                        <p:cTn id="26" dur="500" fill="hold"/>
+                                        <p:tgtEl>
+                                          <p:spTgt spid="10"/>
+                                        </p:tgtEl>
+                                        <p:attrNameLst>
+                                          <p:attrName>ppt_y</p:attrName>
+                                        </p:attrNameLst>
+                                      </p:cBhvr>
+                                      <p:tavLst>
+                                        <p:tav tm="0">
+                                          <p:val>
+                                            <p:strVal val="1+#ppt_h/2"/>
+                                          </p:val>
+                                        </p:tav>
+                                        <p:tav tm="100000">
+                                          <p:val>
+                                            <p:strVal val="#ppt_y"/>
+                                          </p:val>
+                                        </p:tav>
+                                      </p:tavLst>
+                                    </p:anim>
+                                  </p:childTnLst>
+                                </p:cTn>
+                              </p:par>
+                            </p:childTnLst>
+                          </p:cTn>
+                        </p:par>
+                      </p:childTnLst>
+                    </p:cTn>
+                  </p:par>
+                </p:childTnLst>
+              </p:cTn>
+              <p:prevCondLst>
+                <p:cond evt="onPrev" delay="0">
+                  <p:tgtEl>
+                    <p:sldTgt/>
+                  </p:tgtEl>
+                </p:cond>
+              </p:prevCondLst>
+              <p:nextCondLst>
+                <p:cond evt="onNext" delay="0">
+                  <p:tgtEl>
+                    <p:sldTgt/>
+                  </p:tgtEl>
+                </p:cond>
+              </p:nextCondLst>
+            </p:seq>
+          </p:childTnLst>
+        </p:cTn>
+      </p:par>
+    </p:tnLst>
+    <p:bldLst>
+      <p:bldP spid="6" grpId="0"/>
+      <p:bldP spid="8" grpId="0"/>
+      <p:bldP spid="9" grpId="0"/>
+      <p:bldP spid="10" grpId="0"/>
+    </p:bldLst>
+  </p:timing>
+</p:sld>
+</file>
+
+<file path=ppt/slides/slide19.xml><?xml version="1.0" encoding="utf-8"?>
+<p:sld xmlns:a="http://schemas.openxmlformats.org/drawingml/2006/main" xmlns:r="http://schemas.openxmlformats.org/officeDocument/2006/relationships" xmlns:p="http://schemas.openxmlformats.org/presentationml/2006/main">
+  <p:cSld>
+    <p:spTree>
+      <p:nvGrpSpPr>
+        <p:cNvPr id="1" name=""/>
+        <p:cNvGrpSpPr/>
+        <p:nvPr/>
+      </p:nvGrpSpPr>
+      <p:grpSpPr>
+        <a:xfrm>
+          <a:off x="0" y="0"/>
+          <a:ext cx="0" cy="0"/>
+          <a:chOff x="0" y="0"/>
+          <a:chExt cx="0" cy="0"/>
+        </a:xfrm>
+      </p:grpSpPr>
+      <p:sp>
+        <p:nvSpPr>
+          <p:cNvPr id="2" name="标题 1"/>
+          <p:cNvSpPr>
+            <a:spLocks noGrp="1"/>
+          </p:cNvSpPr>
+          <p:nvPr>
+            <p:ph type="ctrTitle"/>
+          </p:nvPr>
+        </p:nvSpPr>
+        <p:spPr/>
+        <p:txBody>
+          <a:bodyPr/>
+          <a:lstStyle/>
+          <a:p>
+            <a:endParaRPr kumimoji="1" lang="zh-CN" altLang="en-US" dirty="0"/>
+          </a:p>
+        </p:txBody>
+      </p:sp>
+      <p:sp>
+        <p:nvSpPr>
+          <p:cNvPr id="3" name="副标题 2"/>
+          <p:cNvSpPr>
+            <a:spLocks noGrp="1"/>
+          </p:cNvSpPr>
+          <p:nvPr>
+            <p:ph type="subTitle" idx="1"/>
+          </p:nvPr>
+        </p:nvSpPr>
+        <p:spPr/>
+        <p:txBody>
+          <a:bodyPr/>
+          <a:lstStyle/>
+          <a:p>
+            <a:endParaRPr kumimoji="1" lang="zh-CN" altLang="en-US"/>
+          </a:p>
+        </p:txBody>
+      </p:sp>
+      <p:pic>
+        <p:nvPicPr>
+          <p:cNvPr id="5" name="图片 4" descr="maintheme.jpg"/>
+          <p:cNvPicPr>
+            <a:picLocks noChangeAspect="1"/>
+          </p:cNvPicPr>
+          <p:nvPr/>
+        </p:nvPicPr>
+        <p:blipFill>
+          <a:blip r:embed="rId2">
+            <a:extLst>
+              <a:ext uri="{28A0092B-C50C-407E-A947-70E740481C1C}">
+                <a14:useLocalDpi xmlns:a14="http://schemas.microsoft.com/office/drawing/2010/main" val="0"/>
+              </a:ext>
+            </a:extLst>
+          </a:blip>
+          <a:stretch>
+            <a:fillRect/>
+          </a:stretch>
+        </p:blipFill>
+        <p:spPr>
+          <a:xfrm>
+            <a:off x="0" y="0"/>
+            <a:ext cx="9144000" cy="6858000"/>
+          </a:xfrm>
+          <a:prstGeom prst="rect">
+            <a:avLst/>
+          </a:prstGeom>
+        </p:spPr>
+      </p:pic>
       <p:sp>
         <p:nvSpPr>
           <p:cNvPr id="6" name="文本框 5"/>
@@ -3603,1312 +5243,6 @@
     <p:bldLst>
       <p:bldP spid="7" grpId="0"/>
     </p:bldLst>
-  </p:timing>
-</p:sld>
-</file>
-
-<file path=ppt/slides/slide11.xml><?xml version="1.0" encoding="utf-8"?>
-<p:sld xmlns:a="http://schemas.openxmlformats.org/drawingml/2006/main" xmlns:r="http://schemas.openxmlformats.org/officeDocument/2006/relationships" xmlns:p="http://schemas.openxmlformats.org/presentationml/2006/main">
-  <p:cSld>
-    <p:spTree>
-      <p:nvGrpSpPr>
-        <p:cNvPr id="1" name=""/>
-        <p:cNvGrpSpPr/>
-        <p:nvPr/>
-      </p:nvGrpSpPr>
-      <p:grpSpPr>
-        <a:xfrm>
-          <a:off x="0" y="0"/>
-          <a:ext cx="0" cy="0"/>
-          <a:chOff x="0" y="0"/>
-          <a:chExt cx="0" cy="0"/>
-        </a:xfrm>
-      </p:grpSpPr>
-      <p:sp>
-        <p:nvSpPr>
-          <p:cNvPr id="2" name="标题 1"/>
-          <p:cNvSpPr>
-            <a:spLocks noGrp="1"/>
-          </p:cNvSpPr>
-          <p:nvPr>
-            <p:ph type="ctrTitle"/>
-          </p:nvPr>
-        </p:nvSpPr>
-        <p:spPr/>
-        <p:txBody>
-          <a:bodyPr/>
-          <a:lstStyle/>
-          <a:p>
-            <a:endParaRPr kumimoji="1" lang="zh-CN" altLang="en-US" dirty="0"/>
-          </a:p>
-        </p:txBody>
-      </p:sp>
-      <p:sp>
-        <p:nvSpPr>
-          <p:cNvPr id="3" name="副标题 2"/>
-          <p:cNvSpPr>
-            <a:spLocks noGrp="1"/>
-          </p:cNvSpPr>
-          <p:nvPr>
-            <p:ph type="subTitle" idx="1"/>
-          </p:nvPr>
-        </p:nvSpPr>
-        <p:spPr/>
-        <p:txBody>
-          <a:bodyPr/>
-          <a:lstStyle/>
-          <a:p>
-            <a:endParaRPr kumimoji="1" lang="zh-CN" altLang="en-US"/>
-          </a:p>
-        </p:txBody>
-      </p:sp>
-      <p:pic>
-        <p:nvPicPr>
-          <p:cNvPr id="5" name="图片 4" descr="maintheme.jpg"/>
-          <p:cNvPicPr>
-            <a:picLocks noChangeAspect="1"/>
-          </p:cNvPicPr>
-          <p:nvPr/>
-        </p:nvPicPr>
-        <p:blipFill>
-          <a:blip r:embed="rId2">
-            <a:extLst>
-              <a:ext uri="{28A0092B-C50C-407E-A947-70E740481C1C}">
-                <a14:useLocalDpi xmlns:a14="http://schemas.microsoft.com/office/drawing/2010/main" val="0"/>
-              </a:ext>
-            </a:extLst>
-          </a:blip>
-          <a:stretch>
-            <a:fillRect/>
-          </a:stretch>
-        </p:blipFill>
-        <p:spPr>
-          <a:xfrm>
-            <a:off x="0" y="0"/>
-            <a:ext cx="9144000" cy="6858000"/>
-          </a:xfrm>
-          <a:prstGeom prst="rect">
-            <a:avLst/>
-          </a:prstGeom>
-        </p:spPr>
-      </p:pic>
-      <p:sp>
-        <p:nvSpPr>
-          <p:cNvPr id="4" name="文本框 3"/>
-          <p:cNvSpPr txBox="1"/>
-          <p:nvPr/>
-        </p:nvSpPr>
-        <p:spPr>
-          <a:xfrm>
-            <a:off x="1371600" y="1106577"/>
-            <a:ext cx="6336632" cy="2031325"/>
-          </a:xfrm>
-          <a:prstGeom prst="rect">
-            <a:avLst/>
-          </a:prstGeom>
-          <a:noFill/>
-        </p:spPr>
-        <p:txBody>
-          <a:bodyPr wrap="square" rtlCol="0">
-            <a:spAutoFit/>
-          </a:bodyPr>
-          <a:lstStyle/>
-          <a:p>
-            <a:r>
-              <a:rPr kumimoji="1" lang="zh-TW" altLang="en-US" dirty="0"/>
-              <a:t>实现形式 </a:t>
-            </a:r>
-            <a:r>
-              <a:rPr kumimoji="1" lang="mr-IN" altLang="zh-TW" dirty="0" smtClean="0"/>
-              <a:t>–</a:t>
-            </a:r>
-            <a:r>
-              <a:rPr kumimoji="1" lang="en-US" altLang="zh-TW" dirty="0" smtClean="0"/>
-              <a:t> Scrum</a:t>
-            </a:r>
-          </a:p>
-          <a:p>
-            <a:r>
-              <a:rPr kumimoji="1" lang="zh-CN" altLang="en-US" dirty="0"/>
-              <a:t>快速迭代式</a:t>
-            </a:r>
-            <a:r>
-              <a:rPr kumimoji="1" lang="en-US" altLang="zh-CN" dirty="0"/>
-              <a:t>+</a:t>
-            </a:r>
-            <a:r>
-              <a:rPr kumimoji="1" lang="zh-CN" altLang="en-US" dirty="0"/>
-              <a:t>增量式软件开发过程，是敏捷软件开发的常用形式 </a:t>
-            </a:r>
-            <a:r>
-              <a:rPr kumimoji="1" lang="zh-CN" altLang="en-US" dirty="0" smtClean="0"/>
-              <a:t>。</a:t>
-            </a:r>
-            <a:endParaRPr kumimoji="1" lang="en-US" altLang="zh-CN" dirty="0" smtClean="0"/>
-          </a:p>
-          <a:p>
-            <a:endParaRPr kumimoji="1" lang="en-US" altLang="zh-CN" dirty="0" smtClean="0"/>
-          </a:p>
-          <a:p>
-            <a:r>
-              <a:rPr kumimoji="1" lang="zh-CN" altLang="en-US" dirty="0" smtClean="0"/>
-              <a:t>具体实施要求：</a:t>
-            </a:r>
-            <a:endParaRPr kumimoji="1" lang="en-US" altLang="zh-CN" dirty="0"/>
-          </a:p>
-          <a:p>
-            <a:r>
-              <a:rPr kumimoji="1" lang="zh-CN" altLang="en-US" dirty="0"/>
-              <a:t>合作型</a:t>
-            </a:r>
-            <a:r>
-              <a:rPr kumimoji="1" lang="en-US" altLang="zh-CN" dirty="0"/>
-              <a:t>+</a:t>
-            </a:r>
-            <a:r>
-              <a:rPr kumimoji="1" lang="zh-CN" altLang="en-US" dirty="0"/>
-              <a:t>面对变更、广泛的技能</a:t>
-            </a:r>
-          </a:p>
-          <a:p>
-            <a:r>
-              <a:rPr kumimoji="1" lang="zh-CN" altLang="en-US" dirty="0"/>
-              <a:t>依据实际情况筛选、裁剪。</a:t>
-            </a:r>
-          </a:p>
-        </p:txBody>
-      </p:sp>
-    </p:spTree>
-    <p:extLst>
-      <p:ext uri="{BB962C8B-B14F-4D97-AF65-F5344CB8AC3E}">
-        <p14:creationId xmlns:p14="http://schemas.microsoft.com/office/powerpoint/2010/main" val="3339805766"/>
-      </p:ext>
-    </p:extLst>
-  </p:cSld>
-  <p:clrMapOvr>
-    <a:masterClrMapping/>
-  </p:clrMapOvr>
-  <p:timing>
-    <p:tnLst>
-      <p:par>
-        <p:cTn xmlns:p14="http://schemas.microsoft.com/office/powerpoint/2010/main" id="1" dur="indefinite" restart="never" nodeType="tmRoot"/>
-      </p:par>
-    </p:tnLst>
-  </p:timing>
-</p:sld>
-</file>
-
-<file path=ppt/slides/slide12.xml><?xml version="1.0" encoding="utf-8"?>
-<p:sld xmlns:a="http://schemas.openxmlformats.org/drawingml/2006/main" xmlns:r="http://schemas.openxmlformats.org/officeDocument/2006/relationships" xmlns:p="http://schemas.openxmlformats.org/presentationml/2006/main">
-  <p:cSld>
-    <p:spTree>
-      <p:nvGrpSpPr>
-        <p:cNvPr id="1" name=""/>
-        <p:cNvGrpSpPr/>
-        <p:nvPr/>
-      </p:nvGrpSpPr>
-      <p:grpSpPr>
-        <a:xfrm>
-          <a:off x="0" y="0"/>
-          <a:ext cx="0" cy="0"/>
-          <a:chOff x="0" y="0"/>
-          <a:chExt cx="0" cy="0"/>
-        </a:xfrm>
-      </p:grpSpPr>
-      <p:sp>
-        <p:nvSpPr>
-          <p:cNvPr id="2" name="标题 1"/>
-          <p:cNvSpPr>
-            <a:spLocks noGrp="1"/>
-          </p:cNvSpPr>
-          <p:nvPr>
-            <p:ph type="ctrTitle"/>
-          </p:nvPr>
-        </p:nvSpPr>
-        <p:spPr/>
-        <p:txBody>
-          <a:bodyPr/>
-          <a:lstStyle/>
-          <a:p>
-            <a:r>
-              <a:rPr kumimoji="1" lang="en-US" altLang="zh-CN" dirty="0" smtClean="0"/>
-              <a:t> </a:t>
-            </a:r>
-            <a:endParaRPr kumimoji="1" lang="zh-CN" altLang="en-US" dirty="0"/>
-          </a:p>
-        </p:txBody>
-      </p:sp>
-      <p:sp>
-        <p:nvSpPr>
-          <p:cNvPr id="3" name="副标题 2"/>
-          <p:cNvSpPr>
-            <a:spLocks noGrp="1"/>
-          </p:cNvSpPr>
-          <p:nvPr>
-            <p:ph type="subTitle" idx="1"/>
-          </p:nvPr>
-        </p:nvSpPr>
-        <p:spPr/>
-        <p:txBody>
-          <a:bodyPr/>
-          <a:lstStyle/>
-          <a:p>
-            <a:endParaRPr kumimoji="1" lang="zh-CN" altLang="en-US"/>
-          </a:p>
-        </p:txBody>
-      </p:sp>
-      <p:pic>
-        <p:nvPicPr>
-          <p:cNvPr id="5" name="图片 4" descr="maintheme.jpg"/>
-          <p:cNvPicPr>
-            <a:picLocks noChangeAspect="1"/>
-          </p:cNvPicPr>
-          <p:nvPr/>
-        </p:nvPicPr>
-        <p:blipFill>
-          <a:blip r:embed="rId2">
-            <a:extLst>
-              <a:ext uri="{28A0092B-C50C-407E-A947-70E740481C1C}">
-                <a14:useLocalDpi xmlns:a14="http://schemas.microsoft.com/office/drawing/2010/main" val="0"/>
-              </a:ext>
-            </a:extLst>
-          </a:blip>
-          <a:stretch>
-            <a:fillRect/>
-          </a:stretch>
-        </p:blipFill>
-        <p:spPr>
-          <a:xfrm>
-            <a:off x="0" y="0"/>
-            <a:ext cx="9144000" cy="6858000"/>
-          </a:xfrm>
-          <a:prstGeom prst="rect">
-            <a:avLst/>
-          </a:prstGeom>
-        </p:spPr>
-      </p:pic>
-      <p:sp>
-        <p:nvSpPr>
-          <p:cNvPr id="6" name="文本框 5"/>
-          <p:cNvSpPr txBox="1"/>
-          <p:nvPr/>
-        </p:nvSpPr>
-        <p:spPr>
-          <a:xfrm>
-            <a:off x="1371600" y="628316"/>
-            <a:ext cx="6609347" cy="707886"/>
-          </a:xfrm>
-          <a:prstGeom prst="rect">
-            <a:avLst/>
-          </a:prstGeom>
-          <a:noFill/>
-        </p:spPr>
-        <p:txBody>
-          <a:bodyPr wrap="square" rtlCol="0">
-            <a:spAutoFit/>
-          </a:bodyPr>
-          <a:lstStyle/>
-          <a:p>
-            <a:r>
-              <a:rPr kumimoji="1" lang="zh-CN" altLang="en-US" sz="4000" dirty="0" smtClean="0">
-                <a:solidFill>
-                  <a:schemeClr val="accent6"/>
-                </a:solidFill>
-              </a:rPr>
-              <a:t>第五部分</a:t>
-            </a:r>
-            <a:r>
-              <a:rPr kumimoji="1" lang="en-US" altLang="zh-CN" sz="4000" dirty="0" smtClean="0">
-                <a:solidFill>
-                  <a:schemeClr val="accent6"/>
-                </a:solidFill>
-              </a:rPr>
-              <a:t> </a:t>
-            </a:r>
-            <a:r>
-              <a:rPr kumimoji="1" lang="en-US" altLang="zh-CN" sz="4000" dirty="0" err="1">
-                <a:solidFill>
-                  <a:schemeClr val="accent6"/>
-                </a:solidFill>
-                <a:latin typeface="+mn-ea"/>
-              </a:rPr>
-              <a:t>DevOps</a:t>
-            </a:r>
-            <a:endParaRPr kumimoji="1" lang="zh-CN" altLang="en-US" sz="4000" dirty="0">
-              <a:solidFill>
-                <a:schemeClr val="accent6"/>
-              </a:solidFill>
-            </a:endParaRPr>
-          </a:p>
-        </p:txBody>
-      </p:sp>
-    </p:spTree>
-    <p:extLst>
-      <p:ext uri="{BB962C8B-B14F-4D97-AF65-F5344CB8AC3E}">
-        <p14:creationId xmlns:p14="http://schemas.microsoft.com/office/powerpoint/2010/main" val="497512822"/>
-      </p:ext>
-    </p:extLst>
-  </p:cSld>
-  <p:clrMapOvr>
-    <a:masterClrMapping/>
-  </p:clrMapOvr>
-  <p:timing>
-    <p:tnLst>
-      <p:par>
-        <p:cTn xmlns:p14="http://schemas.microsoft.com/office/powerpoint/2010/main" id="1" dur="indefinite" restart="never" nodeType="tmRoot"/>
-      </p:par>
-    </p:tnLst>
-  </p:timing>
-</p:sld>
-</file>
-
-<file path=ppt/slides/slide13.xml><?xml version="1.0" encoding="utf-8"?>
-<p:sld xmlns:a="http://schemas.openxmlformats.org/drawingml/2006/main" xmlns:r="http://schemas.openxmlformats.org/officeDocument/2006/relationships" xmlns:p="http://schemas.openxmlformats.org/presentationml/2006/main">
-  <p:cSld>
-    <p:spTree>
-      <p:nvGrpSpPr>
-        <p:cNvPr id="1" name=""/>
-        <p:cNvGrpSpPr/>
-        <p:nvPr/>
-      </p:nvGrpSpPr>
-      <p:grpSpPr>
-        <a:xfrm>
-          <a:off x="0" y="0"/>
-          <a:ext cx="0" cy="0"/>
-          <a:chOff x="0" y="0"/>
-          <a:chExt cx="0" cy="0"/>
-        </a:xfrm>
-      </p:grpSpPr>
-      <p:sp>
-        <p:nvSpPr>
-          <p:cNvPr id="2" name="标题 1"/>
-          <p:cNvSpPr>
-            <a:spLocks noGrp="1"/>
-          </p:cNvSpPr>
-          <p:nvPr>
-            <p:ph type="ctrTitle"/>
-          </p:nvPr>
-        </p:nvSpPr>
-        <p:spPr/>
-        <p:txBody>
-          <a:bodyPr/>
-          <a:lstStyle/>
-          <a:p>
-            <a:endParaRPr kumimoji="1" lang="zh-CN" altLang="en-US" dirty="0"/>
-          </a:p>
-        </p:txBody>
-      </p:sp>
-      <p:sp>
-        <p:nvSpPr>
-          <p:cNvPr id="3" name="副标题 2"/>
-          <p:cNvSpPr>
-            <a:spLocks noGrp="1"/>
-          </p:cNvSpPr>
-          <p:nvPr>
-            <p:ph type="subTitle" idx="1"/>
-          </p:nvPr>
-        </p:nvSpPr>
-        <p:spPr/>
-        <p:txBody>
-          <a:bodyPr/>
-          <a:lstStyle/>
-          <a:p>
-            <a:endParaRPr kumimoji="1" lang="zh-CN" altLang="en-US"/>
-          </a:p>
-        </p:txBody>
-      </p:sp>
-      <p:pic>
-        <p:nvPicPr>
-          <p:cNvPr id="5" name="图片 4" descr="maintheme.jpg"/>
-          <p:cNvPicPr>
-            <a:picLocks noChangeAspect="1"/>
-          </p:cNvPicPr>
-          <p:nvPr/>
-        </p:nvPicPr>
-        <p:blipFill>
-          <a:blip r:embed="rId2">
-            <a:extLst>
-              <a:ext uri="{28A0092B-C50C-407E-A947-70E740481C1C}">
-                <a14:useLocalDpi xmlns:a14="http://schemas.microsoft.com/office/drawing/2010/main" val="0"/>
-              </a:ext>
-            </a:extLst>
-          </a:blip>
-          <a:stretch>
-            <a:fillRect/>
-          </a:stretch>
-        </p:blipFill>
-        <p:spPr>
-          <a:xfrm>
-            <a:off x="0" y="0"/>
-            <a:ext cx="9144000" cy="6858000"/>
-          </a:xfrm>
-          <a:prstGeom prst="rect">
-            <a:avLst/>
-          </a:prstGeom>
-        </p:spPr>
-      </p:pic>
-      <p:sp>
-        <p:nvSpPr>
-          <p:cNvPr id="4" name="文本框 3"/>
-          <p:cNvSpPr txBox="1"/>
-          <p:nvPr/>
-        </p:nvSpPr>
-        <p:spPr>
-          <a:xfrm>
-            <a:off x="1497263" y="1109579"/>
-            <a:ext cx="6275137" cy="3693319"/>
-          </a:xfrm>
-          <a:prstGeom prst="rect">
-            <a:avLst/>
-          </a:prstGeom>
-          <a:noFill/>
-        </p:spPr>
-        <p:txBody>
-          <a:bodyPr wrap="square" rtlCol="0">
-            <a:spAutoFit/>
-          </a:bodyPr>
-          <a:lstStyle/>
-          <a:p>
-            <a:r>
-              <a:rPr kumimoji="1" lang="zh-CN" altLang="en-US" dirty="0" smtClean="0">
-                <a:solidFill>
-                  <a:srgbClr val="F79646"/>
-                </a:solidFill>
-              </a:rPr>
-              <a:t>参考：</a:t>
-            </a:r>
-            <a:endParaRPr kumimoji="1" lang="en-US" altLang="zh-CN" dirty="0" smtClean="0">
-              <a:solidFill>
-                <a:srgbClr val="F79646"/>
-              </a:solidFill>
-            </a:endParaRPr>
-          </a:p>
-          <a:p>
-            <a:endParaRPr kumimoji="1" lang="en-US" altLang="zh-CN" dirty="0" smtClean="0">
-              <a:solidFill>
-                <a:srgbClr val="F79646"/>
-              </a:solidFill>
-              <a:hlinkClick r:id="rId3"/>
-            </a:endParaRPr>
-          </a:p>
-          <a:p>
-            <a:r>
-              <a:rPr kumimoji="1" lang="zh-CN" altLang="en-US" dirty="0" smtClean="0">
-                <a:solidFill>
-                  <a:srgbClr val="F79646"/>
-                </a:solidFill>
-                <a:hlinkClick r:id="rId3"/>
-              </a:rPr>
-              <a:t>谈谈敏捷开发和 </a:t>
-            </a:r>
-            <a:r>
-              <a:rPr kumimoji="1" lang="en-US" altLang="zh-CN" dirty="0" smtClean="0">
-                <a:solidFill>
-                  <a:srgbClr val="F79646"/>
-                </a:solidFill>
-                <a:hlinkClick r:id="rId3"/>
-              </a:rPr>
-              <a:t>Scrum</a:t>
-            </a:r>
-            <a:endParaRPr kumimoji="1" lang="en-US" altLang="zh-CN" dirty="0" smtClean="0">
-              <a:solidFill>
-                <a:srgbClr val="F79646"/>
-              </a:solidFill>
-            </a:endParaRPr>
-          </a:p>
-          <a:p>
-            <a:r>
-              <a:rPr kumimoji="1" lang="en-US" altLang="zh-CN" dirty="0" smtClean="0">
-                <a:solidFill>
-                  <a:srgbClr val="F79646"/>
-                </a:solidFill>
-              </a:rPr>
-              <a:t> </a:t>
-            </a:r>
-          </a:p>
-          <a:p>
-            <a:r>
-              <a:rPr kumimoji="1" lang="zh-CN" altLang="en-US" dirty="0" smtClean="0">
-                <a:solidFill>
-                  <a:srgbClr val="F79646"/>
-                </a:solidFill>
-                <a:hlinkClick r:id="rId4"/>
-              </a:rPr>
-              <a:t>没有人喜欢，但却不得不选择的敏捷开发</a:t>
-            </a:r>
-            <a:endParaRPr kumimoji="1" lang="en-US" altLang="zh-CN" dirty="0" smtClean="0">
-              <a:solidFill>
-                <a:srgbClr val="F79646"/>
-              </a:solidFill>
-            </a:endParaRPr>
-          </a:p>
-          <a:p>
-            <a:endParaRPr kumimoji="1" lang="en-US" altLang="zh-CN" dirty="0">
-              <a:solidFill>
-                <a:srgbClr val="F79646"/>
-              </a:solidFill>
-            </a:endParaRPr>
-          </a:p>
-          <a:p>
-            <a:r>
-              <a:rPr kumimoji="1" lang="zh-CN" altLang="en-US" dirty="0" smtClean="0">
-                <a:solidFill>
-                  <a:srgbClr val="F79646"/>
-                </a:solidFill>
-                <a:hlinkClick r:id="rId5"/>
-              </a:rPr>
-              <a:t>什么是敏捷开发？</a:t>
-            </a:r>
-            <a:endParaRPr kumimoji="1" lang="en-US" altLang="zh-CN" dirty="0" smtClean="0">
-              <a:solidFill>
-                <a:srgbClr val="F79646"/>
-              </a:solidFill>
-            </a:endParaRPr>
-          </a:p>
-          <a:p>
-            <a:endParaRPr kumimoji="1" lang="en-US" altLang="zh-CN" dirty="0">
-              <a:solidFill>
-                <a:srgbClr val="F79646"/>
-              </a:solidFill>
-            </a:endParaRPr>
-          </a:p>
-          <a:p>
-            <a:r>
-              <a:rPr kumimoji="1" lang="zh-CN" altLang="en-US" dirty="0" smtClean="0">
-                <a:solidFill>
-                  <a:srgbClr val="F79646"/>
-                </a:solidFill>
-                <a:hlinkClick r:id="rId6"/>
-              </a:rPr>
-              <a:t>你大概走了假敏捷：认真说说敏捷的实现和问题（手绘版）</a:t>
-            </a:r>
-            <a:endParaRPr kumimoji="1" lang="en-US" altLang="zh-CN" dirty="0" smtClean="0">
-              <a:solidFill>
-                <a:srgbClr val="F79646"/>
-              </a:solidFill>
-            </a:endParaRPr>
-          </a:p>
-          <a:p>
-            <a:endParaRPr kumimoji="1" lang="en-US" altLang="zh-CN" dirty="0">
-              <a:solidFill>
-                <a:srgbClr val="F79646"/>
-              </a:solidFill>
-            </a:endParaRPr>
-          </a:p>
-          <a:p>
-            <a:r>
-              <a:rPr kumimoji="1" lang="en-US" altLang="zh-CN" dirty="0" smtClean="0">
-                <a:solidFill>
-                  <a:srgbClr val="F79646"/>
-                </a:solidFill>
-                <a:hlinkClick r:id="rId7"/>
-              </a:rPr>
-              <a:t>DevOps</a:t>
-            </a:r>
-            <a:r>
-              <a:rPr kumimoji="1" lang="zh-CN" altLang="en-US" dirty="0" smtClean="0">
-                <a:solidFill>
-                  <a:srgbClr val="F79646"/>
-                </a:solidFill>
-                <a:hlinkClick r:id="rId7"/>
-              </a:rPr>
-              <a:t>第一讲：什么是</a:t>
-            </a:r>
-            <a:r>
-              <a:rPr kumimoji="1" lang="en-US" altLang="zh-CN" dirty="0" smtClean="0">
-                <a:solidFill>
-                  <a:srgbClr val="F79646"/>
-                </a:solidFill>
-                <a:hlinkClick r:id="rId7"/>
-              </a:rPr>
-              <a:t>DevOps</a:t>
-            </a:r>
-            <a:endParaRPr kumimoji="1" lang="en-US" altLang="zh-CN" dirty="0" smtClean="0">
-              <a:solidFill>
-                <a:srgbClr val="F79646"/>
-              </a:solidFill>
-            </a:endParaRPr>
-          </a:p>
-          <a:p>
-            <a:endParaRPr kumimoji="1" lang="en-US" altLang="zh-CN" dirty="0">
-              <a:solidFill>
-                <a:srgbClr val="F79646"/>
-              </a:solidFill>
-            </a:endParaRPr>
-          </a:p>
-          <a:p>
-            <a:r>
-              <a:rPr kumimoji="1" lang="en-US" altLang="zh-CN" dirty="0" smtClean="0">
-                <a:solidFill>
-                  <a:srgbClr val="F79646"/>
-                </a:solidFill>
-                <a:hlinkClick r:id="rId8"/>
-              </a:rPr>
-              <a:t>DevOps</a:t>
-            </a:r>
-            <a:r>
-              <a:rPr kumimoji="1" lang="zh-CN" altLang="en-US" dirty="0" smtClean="0">
-                <a:solidFill>
-                  <a:srgbClr val="F79646"/>
-                </a:solidFill>
-                <a:hlinkClick r:id="rId8"/>
-              </a:rPr>
-              <a:t>简介</a:t>
-            </a:r>
-            <a:endParaRPr kumimoji="1" lang="en-US" altLang="zh-CN" dirty="0" smtClean="0">
-              <a:solidFill>
-                <a:srgbClr val="F79646"/>
-              </a:solidFill>
-            </a:endParaRPr>
-          </a:p>
-        </p:txBody>
-      </p:sp>
-    </p:spTree>
-    <p:extLst>
-      <p:ext uri="{BB962C8B-B14F-4D97-AF65-F5344CB8AC3E}">
-        <p14:creationId xmlns:p14="http://schemas.microsoft.com/office/powerpoint/2010/main" val="1708010977"/>
-      </p:ext>
-    </p:extLst>
-  </p:cSld>
-  <p:clrMapOvr>
-    <a:masterClrMapping/>
-  </p:clrMapOvr>
-  <p:timing>
-    <p:tnLst>
-      <p:par>
-        <p:cTn xmlns:p14="http://schemas.microsoft.com/office/powerpoint/2010/main" id="1" dur="indefinite" restart="never" nodeType="tmRoot"/>
-      </p:par>
-    </p:tnLst>
-  </p:timing>
-</p:sld>
-</file>
-
-<file path=ppt/slides/slide14.xml><?xml version="1.0" encoding="utf-8"?>
-<p:sld xmlns:a="http://schemas.openxmlformats.org/drawingml/2006/main" xmlns:r="http://schemas.openxmlformats.org/officeDocument/2006/relationships" xmlns:p="http://schemas.openxmlformats.org/presentationml/2006/main">
-  <p:cSld>
-    <p:spTree>
-      <p:nvGrpSpPr>
-        <p:cNvPr id="1" name=""/>
-        <p:cNvGrpSpPr/>
-        <p:nvPr/>
-      </p:nvGrpSpPr>
-      <p:grpSpPr>
-        <a:xfrm>
-          <a:off x="0" y="0"/>
-          <a:ext cx="0" cy="0"/>
-          <a:chOff x="0" y="0"/>
-          <a:chExt cx="0" cy="0"/>
-        </a:xfrm>
-      </p:grpSpPr>
-      <p:sp>
-        <p:nvSpPr>
-          <p:cNvPr id="2" name="标题 1"/>
-          <p:cNvSpPr>
-            <a:spLocks noGrp="1"/>
-          </p:cNvSpPr>
-          <p:nvPr>
-            <p:ph type="ctrTitle"/>
-          </p:nvPr>
-        </p:nvSpPr>
-        <p:spPr/>
-        <p:txBody>
-          <a:bodyPr/>
-          <a:lstStyle/>
-          <a:p>
-            <a:endParaRPr kumimoji="1" lang="zh-CN" altLang="en-US" dirty="0"/>
-          </a:p>
-        </p:txBody>
-      </p:sp>
-      <p:sp>
-        <p:nvSpPr>
-          <p:cNvPr id="3" name="副标题 2"/>
-          <p:cNvSpPr>
-            <a:spLocks noGrp="1"/>
-          </p:cNvSpPr>
-          <p:nvPr>
-            <p:ph type="subTitle" idx="1"/>
-          </p:nvPr>
-        </p:nvSpPr>
-        <p:spPr/>
-        <p:txBody>
-          <a:bodyPr/>
-          <a:lstStyle/>
-          <a:p>
-            <a:endParaRPr kumimoji="1" lang="zh-CN" altLang="en-US"/>
-          </a:p>
-        </p:txBody>
-      </p:sp>
-      <p:pic>
-        <p:nvPicPr>
-          <p:cNvPr id="5" name="图片 4" descr="maintheme.jpg"/>
-          <p:cNvPicPr>
-            <a:picLocks noChangeAspect="1"/>
-          </p:cNvPicPr>
-          <p:nvPr/>
-        </p:nvPicPr>
-        <p:blipFill>
-          <a:blip r:embed="rId2">
-            <a:extLst>
-              <a:ext uri="{28A0092B-C50C-407E-A947-70E740481C1C}">
-                <a14:useLocalDpi xmlns:a14="http://schemas.microsoft.com/office/drawing/2010/main" val="0"/>
-              </a:ext>
-            </a:extLst>
-          </a:blip>
-          <a:stretch>
-            <a:fillRect/>
-          </a:stretch>
-        </p:blipFill>
-        <p:spPr>
-          <a:xfrm>
-            <a:off x="0" y="0"/>
-            <a:ext cx="9144000" cy="6858000"/>
-          </a:xfrm>
-          <a:prstGeom prst="rect">
-            <a:avLst/>
-          </a:prstGeom>
-        </p:spPr>
-      </p:pic>
-    </p:spTree>
-    <p:extLst>
-      <p:ext uri="{BB962C8B-B14F-4D97-AF65-F5344CB8AC3E}">
-        <p14:creationId xmlns:p14="http://schemas.microsoft.com/office/powerpoint/2010/main" val="429352772"/>
-      </p:ext>
-    </p:extLst>
-  </p:cSld>
-  <p:clrMapOvr>
-    <a:masterClrMapping/>
-  </p:clrMapOvr>
-  <p:timing>
-    <p:tnLst>
-      <p:par>
-        <p:cTn xmlns:p14="http://schemas.microsoft.com/office/powerpoint/2010/main" id="1" dur="indefinite" restart="never" nodeType="tmRoot"/>
-      </p:par>
-    </p:tnLst>
-  </p:timing>
-</p:sld>
-</file>
-
-<file path=ppt/slides/slide15.xml><?xml version="1.0" encoding="utf-8"?>
-<p:sld xmlns:a="http://schemas.openxmlformats.org/drawingml/2006/main" xmlns:r="http://schemas.openxmlformats.org/officeDocument/2006/relationships" xmlns:p="http://schemas.openxmlformats.org/presentationml/2006/main">
-  <p:cSld>
-    <p:spTree>
-      <p:nvGrpSpPr>
-        <p:cNvPr id="1" name=""/>
-        <p:cNvGrpSpPr/>
-        <p:nvPr/>
-      </p:nvGrpSpPr>
-      <p:grpSpPr>
-        <a:xfrm>
-          <a:off x="0" y="0"/>
-          <a:ext cx="0" cy="0"/>
-          <a:chOff x="0" y="0"/>
-          <a:chExt cx="0" cy="0"/>
-        </a:xfrm>
-      </p:grpSpPr>
-      <p:sp>
-        <p:nvSpPr>
-          <p:cNvPr id="2" name="标题 1"/>
-          <p:cNvSpPr>
-            <a:spLocks noGrp="1"/>
-          </p:cNvSpPr>
-          <p:nvPr>
-            <p:ph type="ctrTitle"/>
-          </p:nvPr>
-        </p:nvSpPr>
-        <p:spPr/>
-        <p:txBody>
-          <a:bodyPr/>
-          <a:lstStyle/>
-          <a:p>
-            <a:endParaRPr kumimoji="1" lang="zh-CN" altLang="en-US" dirty="0"/>
-          </a:p>
-        </p:txBody>
-      </p:sp>
-      <p:sp>
-        <p:nvSpPr>
-          <p:cNvPr id="3" name="副标题 2"/>
-          <p:cNvSpPr>
-            <a:spLocks noGrp="1"/>
-          </p:cNvSpPr>
-          <p:nvPr>
-            <p:ph type="subTitle" idx="1"/>
-          </p:nvPr>
-        </p:nvSpPr>
-        <p:spPr/>
-        <p:txBody>
-          <a:bodyPr/>
-          <a:lstStyle/>
-          <a:p>
-            <a:endParaRPr kumimoji="1" lang="zh-CN" altLang="en-US"/>
-          </a:p>
-        </p:txBody>
-      </p:sp>
-      <p:pic>
-        <p:nvPicPr>
-          <p:cNvPr id="5" name="图片 4" descr="maintheme.jpg"/>
-          <p:cNvPicPr>
-            <a:picLocks noChangeAspect="1"/>
-          </p:cNvPicPr>
-          <p:nvPr/>
-        </p:nvPicPr>
-        <p:blipFill>
-          <a:blip r:embed="rId2">
-            <a:extLst>
-              <a:ext uri="{28A0092B-C50C-407E-A947-70E740481C1C}">
-                <a14:useLocalDpi xmlns:a14="http://schemas.microsoft.com/office/drawing/2010/main" val="0"/>
-              </a:ext>
-            </a:extLst>
-          </a:blip>
-          <a:stretch>
-            <a:fillRect/>
-          </a:stretch>
-        </p:blipFill>
-        <p:spPr>
-          <a:xfrm>
-            <a:off x="0" y="0"/>
-            <a:ext cx="9144000" cy="6858000"/>
-          </a:xfrm>
-          <a:prstGeom prst="rect">
-            <a:avLst/>
-          </a:prstGeom>
-        </p:spPr>
-      </p:pic>
-    </p:spTree>
-    <p:extLst>
-      <p:ext uri="{BB962C8B-B14F-4D97-AF65-F5344CB8AC3E}">
-        <p14:creationId xmlns:p14="http://schemas.microsoft.com/office/powerpoint/2010/main" val="638228610"/>
-      </p:ext>
-    </p:extLst>
-  </p:cSld>
-  <p:clrMapOvr>
-    <a:masterClrMapping/>
-  </p:clrMapOvr>
-  <p:timing>
-    <p:tnLst>
-      <p:par>
-        <p:cTn xmlns:p14="http://schemas.microsoft.com/office/powerpoint/2010/main" id="1" dur="indefinite" restart="never" nodeType="tmRoot"/>
-      </p:par>
-    </p:tnLst>
-  </p:timing>
-</p:sld>
-</file>
-
-<file path=ppt/slides/slide16.xml><?xml version="1.0" encoding="utf-8"?>
-<p:sld xmlns:a="http://schemas.openxmlformats.org/drawingml/2006/main" xmlns:r="http://schemas.openxmlformats.org/officeDocument/2006/relationships" xmlns:p="http://schemas.openxmlformats.org/presentationml/2006/main">
-  <p:cSld>
-    <p:spTree>
-      <p:nvGrpSpPr>
-        <p:cNvPr id="1" name=""/>
-        <p:cNvGrpSpPr/>
-        <p:nvPr/>
-      </p:nvGrpSpPr>
-      <p:grpSpPr>
-        <a:xfrm>
-          <a:off x="0" y="0"/>
-          <a:ext cx="0" cy="0"/>
-          <a:chOff x="0" y="0"/>
-          <a:chExt cx="0" cy="0"/>
-        </a:xfrm>
-      </p:grpSpPr>
-      <p:sp>
-        <p:nvSpPr>
-          <p:cNvPr id="2" name="标题 1"/>
-          <p:cNvSpPr>
-            <a:spLocks noGrp="1"/>
-          </p:cNvSpPr>
-          <p:nvPr>
-            <p:ph type="ctrTitle"/>
-          </p:nvPr>
-        </p:nvSpPr>
-        <p:spPr/>
-        <p:txBody>
-          <a:bodyPr/>
-          <a:lstStyle/>
-          <a:p>
-            <a:endParaRPr kumimoji="1" lang="zh-CN" altLang="en-US" dirty="0"/>
-          </a:p>
-        </p:txBody>
-      </p:sp>
-      <p:sp>
-        <p:nvSpPr>
-          <p:cNvPr id="3" name="副标题 2"/>
-          <p:cNvSpPr>
-            <a:spLocks noGrp="1"/>
-          </p:cNvSpPr>
-          <p:nvPr>
-            <p:ph type="subTitle" idx="1"/>
-          </p:nvPr>
-        </p:nvSpPr>
-        <p:spPr/>
-        <p:txBody>
-          <a:bodyPr/>
-          <a:lstStyle/>
-          <a:p>
-            <a:endParaRPr kumimoji="1" lang="zh-CN" altLang="en-US"/>
-          </a:p>
-        </p:txBody>
-      </p:sp>
-      <p:pic>
-        <p:nvPicPr>
-          <p:cNvPr id="5" name="图片 4" descr="maintheme.jpg"/>
-          <p:cNvPicPr>
-            <a:picLocks noChangeAspect="1"/>
-          </p:cNvPicPr>
-          <p:nvPr/>
-        </p:nvPicPr>
-        <p:blipFill>
-          <a:blip r:embed="rId2">
-            <a:extLst>
-              <a:ext uri="{28A0092B-C50C-407E-A947-70E740481C1C}">
-                <a14:useLocalDpi xmlns:a14="http://schemas.microsoft.com/office/drawing/2010/main" val="0"/>
-              </a:ext>
-            </a:extLst>
-          </a:blip>
-          <a:stretch>
-            <a:fillRect/>
-          </a:stretch>
-        </p:blipFill>
-        <p:spPr>
-          <a:xfrm>
-            <a:off x="0" y="0"/>
-            <a:ext cx="9144000" cy="6858000"/>
-          </a:xfrm>
-          <a:prstGeom prst="rect">
-            <a:avLst/>
-          </a:prstGeom>
-        </p:spPr>
-      </p:pic>
-    </p:spTree>
-    <p:extLst>
-      <p:ext uri="{BB962C8B-B14F-4D97-AF65-F5344CB8AC3E}">
-        <p14:creationId xmlns:p14="http://schemas.microsoft.com/office/powerpoint/2010/main" val="826101229"/>
-      </p:ext>
-    </p:extLst>
-  </p:cSld>
-  <p:clrMapOvr>
-    <a:masterClrMapping/>
-  </p:clrMapOvr>
-  <p:timing>
-    <p:tnLst>
-      <p:par>
-        <p:cTn xmlns:p14="http://schemas.microsoft.com/office/powerpoint/2010/main" id="1" dur="indefinite" restart="never" nodeType="tmRoot"/>
-      </p:par>
-    </p:tnLst>
-  </p:timing>
-</p:sld>
-</file>
-
-<file path=ppt/slides/slide17.xml><?xml version="1.0" encoding="utf-8"?>
-<p:sld xmlns:a="http://schemas.openxmlformats.org/drawingml/2006/main" xmlns:r="http://schemas.openxmlformats.org/officeDocument/2006/relationships" xmlns:p="http://schemas.openxmlformats.org/presentationml/2006/main">
-  <p:cSld>
-    <p:spTree>
-      <p:nvGrpSpPr>
-        <p:cNvPr id="1" name=""/>
-        <p:cNvGrpSpPr/>
-        <p:nvPr/>
-      </p:nvGrpSpPr>
-      <p:grpSpPr>
-        <a:xfrm>
-          <a:off x="0" y="0"/>
-          <a:ext cx="0" cy="0"/>
-          <a:chOff x="0" y="0"/>
-          <a:chExt cx="0" cy="0"/>
-        </a:xfrm>
-      </p:grpSpPr>
-      <p:sp>
-        <p:nvSpPr>
-          <p:cNvPr id="2" name="标题 1"/>
-          <p:cNvSpPr>
-            <a:spLocks noGrp="1"/>
-          </p:cNvSpPr>
-          <p:nvPr>
-            <p:ph type="ctrTitle"/>
-          </p:nvPr>
-        </p:nvSpPr>
-        <p:spPr/>
-        <p:txBody>
-          <a:bodyPr/>
-          <a:lstStyle/>
-          <a:p>
-            <a:endParaRPr kumimoji="1" lang="zh-CN" altLang="en-US" dirty="0"/>
-          </a:p>
-        </p:txBody>
-      </p:sp>
-      <p:sp>
-        <p:nvSpPr>
-          <p:cNvPr id="3" name="副标题 2"/>
-          <p:cNvSpPr>
-            <a:spLocks noGrp="1"/>
-          </p:cNvSpPr>
-          <p:nvPr>
-            <p:ph type="subTitle" idx="1"/>
-          </p:nvPr>
-        </p:nvSpPr>
-        <p:spPr/>
-        <p:txBody>
-          <a:bodyPr/>
-          <a:lstStyle/>
-          <a:p>
-            <a:endParaRPr kumimoji="1" lang="zh-CN" altLang="en-US"/>
-          </a:p>
-        </p:txBody>
-      </p:sp>
-      <p:pic>
-        <p:nvPicPr>
-          <p:cNvPr id="5" name="图片 4" descr="maintheme.jpg"/>
-          <p:cNvPicPr>
-            <a:picLocks noChangeAspect="1"/>
-          </p:cNvPicPr>
-          <p:nvPr/>
-        </p:nvPicPr>
-        <p:blipFill>
-          <a:blip r:embed="rId2">
-            <a:extLst>
-              <a:ext uri="{28A0092B-C50C-407E-A947-70E740481C1C}">
-                <a14:useLocalDpi xmlns:a14="http://schemas.microsoft.com/office/drawing/2010/main" val="0"/>
-              </a:ext>
-            </a:extLst>
-          </a:blip>
-          <a:stretch>
-            <a:fillRect/>
-          </a:stretch>
-        </p:blipFill>
-        <p:spPr>
-          <a:xfrm>
-            <a:off x="0" y="0"/>
-            <a:ext cx="9144000" cy="6858000"/>
-          </a:xfrm>
-          <a:prstGeom prst="rect">
-            <a:avLst/>
-          </a:prstGeom>
-        </p:spPr>
-      </p:pic>
-    </p:spTree>
-    <p:extLst>
-      <p:ext uri="{BB962C8B-B14F-4D97-AF65-F5344CB8AC3E}">
-        <p14:creationId xmlns:p14="http://schemas.microsoft.com/office/powerpoint/2010/main" val="992447303"/>
-      </p:ext>
-    </p:extLst>
-  </p:cSld>
-  <p:clrMapOvr>
-    <a:masterClrMapping/>
-  </p:clrMapOvr>
-  <p:timing>
-    <p:tnLst>
-      <p:par>
-        <p:cTn xmlns:p14="http://schemas.microsoft.com/office/powerpoint/2010/main" id="1" dur="indefinite" restart="never" nodeType="tmRoot"/>
-      </p:par>
-    </p:tnLst>
-  </p:timing>
-</p:sld>
-</file>
-
-<file path=ppt/slides/slide18.xml><?xml version="1.0" encoding="utf-8"?>
-<p:sld xmlns:a="http://schemas.openxmlformats.org/drawingml/2006/main" xmlns:r="http://schemas.openxmlformats.org/officeDocument/2006/relationships" xmlns:p="http://schemas.openxmlformats.org/presentationml/2006/main">
-  <p:cSld>
-    <p:spTree>
-      <p:nvGrpSpPr>
-        <p:cNvPr id="1" name=""/>
-        <p:cNvGrpSpPr/>
-        <p:nvPr/>
-      </p:nvGrpSpPr>
-      <p:grpSpPr>
-        <a:xfrm>
-          <a:off x="0" y="0"/>
-          <a:ext cx="0" cy="0"/>
-          <a:chOff x="0" y="0"/>
-          <a:chExt cx="0" cy="0"/>
-        </a:xfrm>
-      </p:grpSpPr>
-      <p:sp>
-        <p:nvSpPr>
-          <p:cNvPr id="2" name="标题 1"/>
-          <p:cNvSpPr>
-            <a:spLocks noGrp="1"/>
-          </p:cNvSpPr>
-          <p:nvPr>
-            <p:ph type="ctrTitle"/>
-          </p:nvPr>
-        </p:nvSpPr>
-        <p:spPr/>
-        <p:txBody>
-          <a:bodyPr/>
-          <a:lstStyle/>
-          <a:p>
-            <a:endParaRPr kumimoji="1" lang="zh-CN" altLang="en-US" dirty="0"/>
-          </a:p>
-        </p:txBody>
-      </p:sp>
-      <p:sp>
-        <p:nvSpPr>
-          <p:cNvPr id="3" name="副标题 2"/>
-          <p:cNvSpPr>
-            <a:spLocks noGrp="1"/>
-          </p:cNvSpPr>
-          <p:nvPr>
-            <p:ph type="subTitle" idx="1"/>
-          </p:nvPr>
-        </p:nvSpPr>
-        <p:spPr/>
-        <p:txBody>
-          <a:bodyPr/>
-          <a:lstStyle/>
-          <a:p>
-            <a:endParaRPr kumimoji="1" lang="zh-CN" altLang="en-US"/>
-          </a:p>
-        </p:txBody>
-      </p:sp>
-      <p:pic>
-        <p:nvPicPr>
-          <p:cNvPr id="5" name="图片 4" descr="maintheme.jpg"/>
-          <p:cNvPicPr>
-            <a:picLocks noChangeAspect="1"/>
-          </p:cNvPicPr>
-          <p:nvPr/>
-        </p:nvPicPr>
-        <p:blipFill>
-          <a:blip r:embed="rId2">
-            <a:extLst>
-              <a:ext uri="{28A0092B-C50C-407E-A947-70E740481C1C}">
-                <a14:useLocalDpi xmlns:a14="http://schemas.microsoft.com/office/drawing/2010/main" val="0"/>
-              </a:ext>
-            </a:extLst>
-          </a:blip>
-          <a:stretch>
-            <a:fillRect/>
-          </a:stretch>
-        </p:blipFill>
-        <p:spPr>
-          <a:xfrm>
-            <a:off x="0" y="0"/>
-            <a:ext cx="9144000" cy="6858000"/>
-          </a:xfrm>
-          <a:prstGeom prst="rect">
-            <a:avLst/>
-          </a:prstGeom>
-        </p:spPr>
-      </p:pic>
-    </p:spTree>
-    <p:extLst>
-      <p:ext uri="{BB962C8B-B14F-4D97-AF65-F5344CB8AC3E}">
-        <p14:creationId xmlns:p14="http://schemas.microsoft.com/office/powerpoint/2010/main" val="2593589496"/>
-      </p:ext>
-    </p:extLst>
-  </p:cSld>
-  <p:clrMapOvr>
-    <a:masterClrMapping/>
-  </p:clrMapOvr>
-  <p:timing>
-    <p:tnLst>
-      <p:par>
-        <p:cTn xmlns:p14="http://schemas.microsoft.com/office/powerpoint/2010/main" id="1" dur="indefinite" restart="never" nodeType="tmRoot"/>
-      </p:par>
-    </p:tnLst>
-  </p:timing>
-</p:sld>
-</file>
-
-<file path=ppt/slides/slide19.xml><?xml version="1.0" encoding="utf-8"?>
-<p:sld xmlns:a="http://schemas.openxmlformats.org/drawingml/2006/main" xmlns:r="http://schemas.openxmlformats.org/officeDocument/2006/relationships" xmlns:p="http://schemas.openxmlformats.org/presentationml/2006/main">
-  <p:cSld>
-    <p:spTree>
-      <p:nvGrpSpPr>
-        <p:cNvPr id="1" name=""/>
-        <p:cNvGrpSpPr/>
-        <p:nvPr/>
-      </p:nvGrpSpPr>
-      <p:grpSpPr>
-        <a:xfrm>
-          <a:off x="0" y="0"/>
-          <a:ext cx="0" cy="0"/>
-          <a:chOff x="0" y="0"/>
-          <a:chExt cx="0" cy="0"/>
-        </a:xfrm>
-      </p:grpSpPr>
-      <p:sp>
-        <p:nvSpPr>
-          <p:cNvPr id="2" name="标题 1"/>
-          <p:cNvSpPr>
-            <a:spLocks noGrp="1"/>
-          </p:cNvSpPr>
-          <p:nvPr>
-            <p:ph type="ctrTitle"/>
-          </p:nvPr>
-        </p:nvSpPr>
-        <p:spPr/>
-        <p:txBody>
-          <a:bodyPr/>
-          <a:lstStyle/>
-          <a:p>
-            <a:endParaRPr kumimoji="1" lang="zh-CN" altLang="en-US" dirty="0"/>
-          </a:p>
-        </p:txBody>
-      </p:sp>
-      <p:sp>
-        <p:nvSpPr>
-          <p:cNvPr id="3" name="副标题 2"/>
-          <p:cNvSpPr>
-            <a:spLocks noGrp="1"/>
-          </p:cNvSpPr>
-          <p:nvPr>
-            <p:ph type="subTitle" idx="1"/>
-          </p:nvPr>
-        </p:nvSpPr>
-        <p:spPr/>
-        <p:txBody>
-          <a:bodyPr/>
-          <a:lstStyle/>
-          <a:p>
-            <a:endParaRPr kumimoji="1" lang="zh-CN" altLang="en-US"/>
-          </a:p>
-        </p:txBody>
-      </p:sp>
-      <p:pic>
-        <p:nvPicPr>
-          <p:cNvPr id="5" name="图片 4" descr="maintheme.jpg"/>
-          <p:cNvPicPr>
-            <a:picLocks noChangeAspect="1"/>
-          </p:cNvPicPr>
-          <p:nvPr/>
-        </p:nvPicPr>
-        <p:blipFill>
-          <a:blip r:embed="rId2">
-            <a:extLst>
-              <a:ext uri="{28A0092B-C50C-407E-A947-70E740481C1C}">
-                <a14:useLocalDpi xmlns:a14="http://schemas.microsoft.com/office/drawing/2010/main" val="0"/>
-              </a:ext>
-            </a:extLst>
-          </a:blip>
-          <a:stretch>
-            <a:fillRect/>
-          </a:stretch>
-        </p:blipFill>
-        <p:spPr>
-          <a:xfrm>
-            <a:off x="0" y="0"/>
-            <a:ext cx="9144000" cy="6858000"/>
-          </a:xfrm>
-          <a:prstGeom prst="rect">
-            <a:avLst/>
-          </a:prstGeom>
-        </p:spPr>
-      </p:pic>
-    </p:spTree>
-    <p:extLst>
-      <p:ext uri="{BB962C8B-B14F-4D97-AF65-F5344CB8AC3E}">
-        <p14:creationId xmlns:p14="http://schemas.microsoft.com/office/powerpoint/2010/main" val="708419844"/>
-      </p:ext>
-    </p:extLst>
-  </p:cSld>
-  <p:clrMapOvr>
-    <a:masterClrMapping/>
-  </p:clrMapOvr>
-  <p:timing>
-    <p:tnLst>
-      <p:par>
-        <p:cTn xmlns:p14="http://schemas.microsoft.com/office/powerpoint/2010/main" id="1" dur="indefinite" restart="never" nodeType="tmRoot"/>
-      </p:par>
-    </p:tnLst>
   </p:timing>
 </p:sld>
 </file>
@@ -5794,10 +6128,96 @@
           </a:prstGeom>
         </p:spPr>
       </p:pic>
+      <p:sp>
+        <p:nvSpPr>
+          <p:cNvPr id="4" name="文本框 3"/>
+          <p:cNvSpPr txBox="1"/>
+          <p:nvPr/>
+        </p:nvSpPr>
+        <p:spPr>
+          <a:xfrm>
+            <a:off x="1371600" y="1106577"/>
+            <a:ext cx="6336632" cy="2031325"/>
+          </a:xfrm>
+          <a:prstGeom prst="rect">
+            <a:avLst/>
+          </a:prstGeom>
+          <a:noFill/>
+        </p:spPr>
+        <p:txBody>
+          <a:bodyPr wrap="square" rtlCol="0">
+            <a:spAutoFit/>
+          </a:bodyPr>
+          <a:lstStyle/>
+          <a:p>
+            <a:r>
+              <a:rPr kumimoji="1" lang="zh-TW" altLang="en-US" dirty="0"/>
+              <a:t>实现形式 </a:t>
+            </a:r>
+            <a:r>
+              <a:rPr kumimoji="1" lang="mr-IN" altLang="zh-TW" dirty="0" smtClean="0"/>
+              <a:t>–</a:t>
+            </a:r>
+            <a:r>
+              <a:rPr kumimoji="1" lang="en-US" altLang="zh-TW" dirty="0" smtClean="0"/>
+              <a:t> Scrum</a:t>
+            </a:r>
+          </a:p>
+          <a:p>
+            <a:r>
+              <a:rPr kumimoji="1" lang="zh-CN" altLang="en-US" dirty="0"/>
+              <a:t>快速迭代式</a:t>
+            </a:r>
+            <a:r>
+              <a:rPr kumimoji="1" lang="en-US" altLang="zh-CN" dirty="0"/>
+              <a:t>+</a:t>
+            </a:r>
+            <a:r>
+              <a:rPr kumimoji="1" lang="zh-CN" altLang="en-US" dirty="0"/>
+              <a:t>增量式软件开发过程，是敏捷软件开发的常用形式 </a:t>
+            </a:r>
+            <a:r>
+              <a:rPr kumimoji="1" lang="zh-CN" altLang="en-US" dirty="0" smtClean="0"/>
+              <a:t>。</a:t>
+            </a:r>
+            <a:endParaRPr kumimoji="1" lang="en-US" altLang="zh-CN" dirty="0" smtClean="0"/>
+          </a:p>
+          <a:p>
+            <a:endParaRPr kumimoji="1" lang="en-US" altLang="zh-CN" dirty="0" smtClean="0"/>
+          </a:p>
+          <a:p>
+            <a:r>
+              <a:rPr kumimoji="1" lang="zh-CN" altLang="en-US" dirty="0" smtClean="0"/>
+              <a:t>具体实施要求：</a:t>
+            </a:r>
+            <a:endParaRPr kumimoji="1" lang="en-US" altLang="zh-CN" dirty="0"/>
+          </a:p>
+          <a:p>
+            <a:r>
+              <a:rPr kumimoji="1" lang="zh-CN" altLang="en-US" dirty="0"/>
+              <a:t>合作型</a:t>
+            </a:r>
+            <a:r>
+              <a:rPr kumimoji="1" lang="en-US" altLang="zh-CN" dirty="0"/>
+              <a:t>+</a:t>
+            </a:r>
+            <a:r>
+              <a:rPr kumimoji="1" lang="zh-CN" altLang="en-US" dirty="0"/>
+              <a:t>面对变更、广泛的技能</a:t>
+            </a:r>
+          </a:p>
+          <a:p>
+            <a:r>
+              <a:rPr kumimoji="1" lang="zh-CN" altLang="en-US" dirty="0"/>
+              <a:t>依据实际情况筛选、裁剪。</a:t>
+            </a:r>
+          </a:p>
+        </p:txBody>
+      </p:sp>
     </p:spTree>
     <p:extLst>
       <p:ext uri="{BB962C8B-B14F-4D97-AF65-F5344CB8AC3E}">
-        <p14:creationId xmlns:p14="http://schemas.microsoft.com/office/powerpoint/2010/main" val="1960858079"/>
+        <p14:creationId xmlns:p14="http://schemas.microsoft.com/office/powerpoint/2010/main" val="3339805766"/>
       </p:ext>
     </p:extLst>
   </p:cSld>
@@ -5846,6 +6266,10 @@
           <a:bodyPr/>
           <a:lstStyle/>
           <a:p>
+            <a:r>
+              <a:rPr kumimoji="1" lang="en-US" altLang="zh-CN" dirty="0" smtClean="0"/>
+              <a:t> </a:t>
+            </a:r>
             <a:endParaRPr kumimoji="1" lang="zh-CN" altLang="en-US" dirty="0"/>
           </a:p>
         </p:txBody>
@@ -5899,10 +6323,386 @@
           </a:prstGeom>
         </p:spPr>
       </p:pic>
+      <p:sp>
+        <p:nvSpPr>
+          <p:cNvPr id="6" name="文本框 5"/>
+          <p:cNvSpPr txBox="1"/>
+          <p:nvPr/>
+        </p:nvSpPr>
+        <p:spPr>
+          <a:xfrm>
+            <a:off x="1371600" y="628316"/>
+            <a:ext cx="6609347" cy="707886"/>
+          </a:xfrm>
+          <a:prstGeom prst="rect">
+            <a:avLst/>
+          </a:prstGeom>
+          <a:noFill/>
+        </p:spPr>
+        <p:txBody>
+          <a:bodyPr wrap="square" rtlCol="0">
+            <a:spAutoFit/>
+          </a:bodyPr>
+          <a:lstStyle/>
+          <a:p>
+            <a:r>
+              <a:rPr kumimoji="1" lang="zh-CN" altLang="en-US" sz="4000" dirty="0" smtClean="0">
+                <a:solidFill>
+                  <a:schemeClr val="accent6"/>
+                </a:solidFill>
+              </a:rPr>
+              <a:t>第五部分</a:t>
+            </a:r>
+            <a:r>
+              <a:rPr kumimoji="1" lang="en-US" altLang="zh-CN" sz="4000" dirty="0" smtClean="0">
+                <a:solidFill>
+                  <a:schemeClr val="accent6"/>
+                </a:solidFill>
+              </a:rPr>
+              <a:t> </a:t>
+            </a:r>
+            <a:r>
+              <a:rPr kumimoji="1" lang="en-US" altLang="zh-CN" sz="4000" dirty="0" err="1">
+                <a:solidFill>
+                  <a:schemeClr val="accent6"/>
+                </a:solidFill>
+                <a:latin typeface="+mn-ea"/>
+              </a:rPr>
+              <a:t>DevOps</a:t>
+            </a:r>
+            <a:endParaRPr kumimoji="1" lang="zh-CN" altLang="en-US" sz="4000" dirty="0">
+              <a:solidFill>
+                <a:schemeClr val="accent6"/>
+              </a:solidFill>
+            </a:endParaRPr>
+          </a:p>
+        </p:txBody>
+      </p:sp>
     </p:spTree>
     <p:extLst>
       <p:ext uri="{BB962C8B-B14F-4D97-AF65-F5344CB8AC3E}">
-        <p14:creationId xmlns:p14="http://schemas.microsoft.com/office/powerpoint/2010/main" val="4209232060"/>
+        <p14:creationId xmlns:p14="http://schemas.microsoft.com/office/powerpoint/2010/main" val="497512822"/>
+      </p:ext>
+    </p:extLst>
+  </p:cSld>
+  <p:clrMapOvr>
+    <a:masterClrMapping/>
+  </p:clrMapOvr>
+  <p:timing>
+    <p:tnLst>
+      <p:par>
+        <p:cTn xmlns:p14="http://schemas.microsoft.com/office/powerpoint/2010/main" id="1" dur="indefinite" restart="never" nodeType="tmRoot"/>
+      </p:par>
+    </p:tnLst>
+  </p:timing>
+</p:sld>
+</file>
+
+<file path=ppt/slides/slide22.xml><?xml version="1.0" encoding="utf-8"?>
+<p:sld xmlns:a="http://schemas.openxmlformats.org/drawingml/2006/main" xmlns:r="http://schemas.openxmlformats.org/officeDocument/2006/relationships" xmlns:p="http://schemas.openxmlformats.org/presentationml/2006/main">
+  <p:cSld>
+    <p:spTree>
+      <p:nvGrpSpPr>
+        <p:cNvPr id="1" name=""/>
+        <p:cNvGrpSpPr/>
+        <p:nvPr/>
+      </p:nvGrpSpPr>
+      <p:grpSpPr>
+        <a:xfrm>
+          <a:off x="0" y="0"/>
+          <a:ext cx="0" cy="0"/>
+          <a:chOff x="0" y="0"/>
+          <a:chExt cx="0" cy="0"/>
+        </a:xfrm>
+      </p:grpSpPr>
+      <p:sp>
+        <p:nvSpPr>
+          <p:cNvPr id="2" name="标题 1"/>
+          <p:cNvSpPr>
+            <a:spLocks noGrp="1"/>
+          </p:cNvSpPr>
+          <p:nvPr>
+            <p:ph type="ctrTitle"/>
+          </p:nvPr>
+        </p:nvSpPr>
+        <p:spPr/>
+        <p:txBody>
+          <a:bodyPr/>
+          <a:lstStyle/>
+          <a:p>
+            <a:endParaRPr kumimoji="1" lang="zh-CN" altLang="en-US" dirty="0"/>
+          </a:p>
+        </p:txBody>
+      </p:sp>
+      <p:sp>
+        <p:nvSpPr>
+          <p:cNvPr id="3" name="副标题 2"/>
+          <p:cNvSpPr>
+            <a:spLocks noGrp="1"/>
+          </p:cNvSpPr>
+          <p:nvPr>
+            <p:ph type="subTitle" idx="1"/>
+          </p:nvPr>
+        </p:nvSpPr>
+        <p:spPr/>
+        <p:txBody>
+          <a:bodyPr/>
+          <a:lstStyle/>
+          <a:p>
+            <a:endParaRPr kumimoji="1" lang="zh-CN" altLang="en-US"/>
+          </a:p>
+        </p:txBody>
+      </p:sp>
+      <p:pic>
+        <p:nvPicPr>
+          <p:cNvPr id="5" name="图片 4" descr="maintheme.jpg"/>
+          <p:cNvPicPr>
+            <a:picLocks noChangeAspect="1"/>
+          </p:cNvPicPr>
+          <p:nvPr/>
+        </p:nvPicPr>
+        <p:blipFill>
+          <a:blip r:embed="rId2">
+            <a:extLst>
+              <a:ext uri="{28A0092B-C50C-407E-A947-70E740481C1C}">
+                <a14:useLocalDpi xmlns:a14="http://schemas.microsoft.com/office/drawing/2010/main" val="0"/>
+              </a:ext>
+            </a:extLst>
+          </a:blip>
+          <a:stretch>
+            <a:fillRect/>
+          </a:stretch>
+        </p:blipFill>
+        <p:spPr>
+          <a:xfrm>
+            <a:off x="0" y="0"/>
+            <a:ext cx="9144000" cy="6858000"/>
+          </a:xfrm>
+          <a:prstGeom prst="rect">
+            <a:avLst/>
+          </a:prstGeom>
+        </p:spPr>
+      </p:pic>
+      <p:sp>
+        <p:nvSpPr>
+          <p:cNvPr id="4" name="文本框 3"/>
+          <p:cNvSpPr txBox="1"/>
+          <p:nvPr/>
+        </p:nvSpPr>
+        <p:spPr>
+          <a:xfrm>
+            <a:off x="1497263" y="1109579"/>
+            <a:ext cx="6275137" cy="3693319"/>
+          </a:xfrm>
+          <a:prstGeom prst="rect">
+            <a:avLst/>
+          </a:prstGeom>
+          <a:noFill/>
+        </p:spPr>
+        <p:txBody>
+          <a:bodyPr wrap="square" rtlCol="0">
+            <a:spAutoFit/>
+          </a:bodyPr>
+          <a:lstStyle/>
+          <a:p>
+            <a:r>
+              <a:rPr kumimoji="1" lang="zh-CN" altLang="en-US" dirty="0" smtClean="0">
+                <a:solidFill>
+                  <a:srgbClr val="F79646"/>
+                </a:solidFill>
+              </a:rPr>
+              <a:t>参考：</a:t>
+            </a:r>
+            <a:endParaRPr kumimoji="1" lang="en-US" altLang="zh-CN" dirty="0" smtClean="0">
+              <a:solidFill>
+                <a:srgbClr val="F79646"/>
+              </a:solidFill>
+            </a:endParaRPr>
+          </a:p>
+          <a:p>
+            <a:endParaRPr kumimoji="1" lang="en-US" altLang="zh-CN" dirty="0" smtClean="0">
+              <a:solidFill>
+                <a:srgbClr val="F79646"/>
+              </a:solidFill>
+              <a:hlinkClick r:id="rId3"/>
+            </a:endParaRPr>
+          </a:p>
+          <a:p>
+            <a:r>
+              <a:rPr kumimoji="1" lang="zh-CN" altLang="en-US" dirty="0" smtClean="0">
+                <a:solidFill>
+                  <a:srgbClr val="F79646"/>
+                </a:solidFill>
+                <a:hlinkClick r:id="rId3"/>
+              </a:rPr>
+              <a:t>谈谈敏捷开发和 </a:t>
+            </a:r>
+            <a:r>
+              <a:rPr kumimoji="1" lang="en-US" altLang="zh-CN" dirty="0" smtClean="0">
+                <a:solidFill>
+                  <a:srgbClr val="F79646"/>
+                </a:solidFill>
+                <a:hlinkClick r:id="rId3"/>
+              </a:rPr>
+              <a:t>Scrum</a:t>
+            </a:r>
+            <a:endParaRPr kumimoji="1" lang="en-US" altLang="zh-CN" dirty="0" smtClean="0">
+              <a:solidFill>
+                <a:srgbClr val="F79646"/>
+              </a:solidFill>
+            </a:endParaRPr>
+          </a:p>
+          <a:p>
+            <a:r>
+              <a:rPr kumimoji="1" lang="en-US" altLang="zh-CN" dirty="0" smtClean="0">
+                <a:solidFill>
+                  <a:srgbClr val="F79646"/>
+                </a:solidFill>
+              </a:rPr>
+              <a:t> </a:t>
+            </a:r>
+          </a:p>
+          <a:p>
+            <a:r>
+              <a:rPr kumimoji="1" lang="zh-CN" altLang="en-US" dirty="0" smtClean="0">
+                <a:solidFill>
+                  <a:srgbClr val="F79646"/>
+                </a:solidFill>
+                <a:hlinkClick r:id="rId4"/>
+              </a:rPr>
+              <a:t>没有人喜欢，但却不得不选择的敏捷开发</a:t>
+            </a:r>
+            <a:endParaRPr kumimoji="1" lang="en-US" altLang="zh-CN" dirty="0" smtClean="0">
+              <a:solidFill>
+                <a:srgbClr val="F79646"/>
+              </a:solidFill>
+            </a:endParaRPr>
+          </a:p>
+          <a:p>
+            <a:endParaRPr kumimoji="1" lang="en-US" altLang="zh-CN" dirty="0">
+              <a:solidFill>
+                <a:srgbClr val="F79646"/>
+              </a:solidFill>
+            </a:endParaRPr>
+          </a:p>
+          <a:p>
+            <a:r>
+              <a:rPr kumimoji="1" lang="zh-CN" altLang="en-US" dirty="0" smtClean="0">
+                <a:solidFill>
+                  <a:srgbClr val="F79646"/>
+                </a:solidFill>
+                <a:hlinkClick r:id="rId5"/>
+              </a:rPr>
+              <a:t>什么是敏捷开发？</a:t>
+            </a:r>
+            <a:endParaRPr kumimoji="1" lang="en-US" altLang="zh-CN" dirty="0" smtClean="0">
+              <a:solidFill>
+                <a:srgbClr val="F79646"/>
+              </a:solidFill>
+            </a:endParaRPr>
+          </a:p>
+          <a:p>
+            <a:endParaRPr kumimoji="1" lang="en-US" altLang="zh-CN" dirty="0">
+              <a:solidFill>
+                <a:srgbClr val="F79646"/>
+              </a:solidFill>
+            </a:endParaRPr>
+          </a:p>
+          <a:p>
+            <a:r>
+              <a:rPr kumimoji="1" lang="zh-CN" altLang="en-US" dirty="0" smtClean="0">
+                <a:solidFill>
+                  <a:srgbClr val="F79646"/>
+                </a:solidFill>
+                <a:hlinkClick r:id="rId6"/>
+              </a:rPr>
+              <a:t>你大概走了假敏捷：认真说说敏捷的实现和问题（手绘版）</a:t>
+            </a:r>
+            <a:endParaRPr kumimoji="1" lang="en-US" altLang="zh-CN" dirty="0" smtClean="0">
+              <a:solidFill>
+                <a:srgbClr val="F79646"/>
+              </a:solidFill>
+            </a:endParaRPr>
+          </a:p>
+          <a:p>
+            <a:endParaRPr kumimoji="1" lang="en-US" altLang="zh-CN" dirty="0">
+              <a:solidFill>
+                <a:srgbClr val="F79646"/>
+              </a:solidFill>
+            </a:endParaRPr>
+          </a:p>
+          <a:p>
+            <a:r>
+              <a:rPr kumimoji="1" lang="en-US" altLang="zh-CN" dirty="0" smtClean="0">
+                <a:solidFill>
+                  <a:srgbClr val="F79646"/>
+                </a:solidFill>
+                <a:hlinkClick r:id="rId7"/>
+              </a:rPr>
+              <a:t>DevOps</a:t>
+            </a:r>
+            <a:r>
+              <a:rPr kumimoji="1" lang="zh-CN" altLang="en-US" dirty="0" smtClean="0">
+                <a:solidFill>
+                  <a:srgbClr val="F79646"/>
+                </a:solidFill>
+                <a:hlinkClick r:id="rId7"/>
+              </a:rPr>
+              <a:t>第一讲：什么是</a:t>
+            </a:r>
+            <a:r>
+              <a:rPr kumimoji="1" lang="en-US" altLang="zh-CN" dirty="0" smtClean="0">
+                <a:solidFill>
+                  <a:srgbClr val="F79646"/>
+                </a:solidFill>
+                <a:hlinkClick r:id="rId7"/>
+              </a:rPr>
+              <a:t>DevOps</a:t>
+            </a:r>
+            <a:endParaRPr kumimoji="1" lang="en-US" altLang="zh-CN" dirty="0" smtClean="0">
+              <a:solidFill>
+                <a:srgbClr val="F79646"/>
+              </a:solidFill>
+            </a:endParaRPr>
+          </a:p>
+          <a:p>
+            <a:endParaRPr kumimoji="1" lang="en-US" altLang="zh-CN" dirty="0">
+              <a:solidFill>
+                <a:srgbClr val="F79646"/>
+              </a:solidFill>
+            </a:endParaRPr>
+          </a:p>
+          <a:p>
+            <a:r>
+              <a:rPr kumimoji="1" lang="en-US" altLang="zh-CN" dirty="0" smtClean="0">
+                <a:solidFill>
+                  <a:srgbClr val="F79646"/>
+                </a:solidFill>
+                <a:hlinkClick r:id="rId8"/>
+              </a:rPr>
+              <a:t>DevOps</a:t>
+            </a:r>
+            <a:r>
+              <a:rPr kumimoji="1" lang="zh-CN" altLang="en-US" dirty="0" smtClean="0">
+                <a:solidFill>
+                  <a:srgbClr val="F79646"/>
+                </a:solidFill>
+                <a:hlinkClick r:id="rId8"/>
+              </a:rPr>
+              <a:t>简介</a:t>
+            </a:r>
+            <a:endParaRPr kumimoji="1" lang="en-US" altLang="zh-CN" dirty="0" smtClean="0">
+              <a:solidFill>
+                <a:srgbClr val="F79646"/>
+              </a:solidFill>
+            </a:endParaRPr>
+          </a:p>
+        </p:txBody>
+      </p:sp>
+    </p:spTree>
+    <p:extLst>
+      <p:ext uri="{BB962C8B-B14F-4D97-AF65-F5344CB8AC3E}">
+        <p14:creationId xmlns:p14="http://schemas.microsoft.com/office/powerpoint/2010/main" val="1708010977"/>
       </p:ext>
     </p:extLst>
   </p:cSld>
@@ -8296,11 +9096,7 @@
             </a:r>
             <a:r>
               <a:rPr kumimoji="1" lang="zh-CN" altLang="en-US" dirty="0" smtClean="0"/>
-              <a:t>项目</a:t>
-            </a:r>
-            <a:r>
-              <a:rPr kumimoji="1" lang="zh-CN" altLang="en-US" dirty="0" smtClean="0"/>
-              <a:t>管理最终要达成</a:t>
+              <a:t>项目管理最终要达成</a:t>
             </a:r>
             <a:endParaRPr kumimoji="1" lang="zh-CN" altLang="en-US" dirty="0"/>
           </a:p>
@@ -8387,11 +9183,7 @@
             <a:pPr algn="ctr"/>
             <a:r>
               <a:rPr kumimoji="1" lang="zh-CN" altLang="en-US" dirty="0" smtClean="0"/>
-              <a:t>要符合</a:t>
-            </a:r>
-            <a:r>
-              <a:rPr kumimoji="1" lang="zh-CN" altLang="en-US" dirty="0" smtClean="0"/>
-              <a:t> </a:t>
+              <a:t>要符合 </a:t>
             </a:r>
             <a:r>
               <a:rPr kumimoji="1" lang="en-US" altLang="zh-CN" dirty="0" smtClean="0"/>
@@ -8399,11 +9191,7 @@
             </a:r>
             <a:r>
               <a:rPr kumimoji="1" lang="zh-CN" altLang="en-US" dirty="0" smtClean="0"/>
-              <a:t> </a:t>
-            </a:r>
-            <a:r>
-              <a:rPr kumimoji="1" lang="zh-CN" altLang="en-US" dirty="0" smtClean="0"/>
-              <a:t>原则</a:t>
+              <a:t> 原则</a:t>
             </a:r>
             <a:endParaRPr kumimoji="1" lang="zh-CN" altLang="en-US" dirty="0"/>
           </a:p>
@@ -8580,9 +9368,6 @@
                     <p:cTn id="3" fill="hold">
                       <p:stCondLst>
                         <p:cond delay="indefinite"/>
-                        <p:cond evt="onBegin" delay="0">
-                          <p:tn val="2"/>
-                        </p:cond>
                       </p:stCondLst>
                       <p:childTnLst>
                         <p:par>
@@ -8592,7 +9377,7 @@
                             </p:stCondLst>
                             <p:childTnLst>
                               <p:par>
-                                <p:cTn id="5" presetID="3" presetClass="entr" presetSubtype="10" fill="hold" grpId="0" nodeType="withEffect">
+                                <p:cTn id="5" presetID="2" presetClass="entr" presetSubtype="4" fill="hold" grpId="0" nodeType="clickEffect">
                                   <p:stCondLst>
                                     <p:cond delay="0"/>
                                   </p:stCondLst>
@@ -8600,94 +9385,6 @@
                                     <p:set>
                                       <p:cBhvr>
                                         <p:cTn id="6" dur="1" fill="hold">
-                                          <p:stCondLst>
-                                            <p:cond delay="0"/>
-                                          </p:stCondLst>
-                                        </p:cTn>
-                                        <p:tgtEl>
-                                          <p:spTgt spid="9"/>
-                                        </p:tgtEl>
-                                        <p:attrNameLst>
-                                          <p:attrName>style.visibility</p:attrName>
-                                        </p:attrNameLst>
-                                      </p:cBhvr>
-                                      <p:to>
-                                        <p:strVal val="visible"/>
-                                      </p:to>
-                                    </p:set>
-                                    <p:animEffect transition="in" filter="blinds(horizontal)">
-                                      <p:cBhvr>
-                                        <p:cTn id="7" dur="500"/>
-                                        <p:tgtEl>
-                                          <p:spTgt spid="9"/>
-                                        </p:tgtEl>
-                                      </p:cBhvr>
-                                    </p:animEffect>
-                                  </p:childTnLst>
-                                </p:cTn>
-                              </p:par>
-                              <p:par>
-                                <p:cTn id="8" presetID="3" presetClass="entr" presetSubtype="10" fill="hold" grpId="0" nodeType="withEffect">
-                                  <p:stCondLst>
-                                    <p:cond delay="0"/>
-                                  </p:stCondLst>
-                                  <p:childTnLst>
-                                    <p:set>
-                                      <p:cBhvr>
-                                        <p:cTn id="9" dur="1" fill="hold">
-                                          <p:stCondLst>
-                                            <p:cond delay="0"/>
-                                          </p:stCondLst>
-                                        </p:cTn>
-                                        <p:tgtEl>
-                                          <p:spTgt spid="12"/>
-                                        </p:tgtEl>
-                                        <p:attrNameLst>
-                                          <p:attrName>style.visibility</p:attrName>
-                                        </p:attrNameLst>
-                                      </p:cBhvr>
-                                      <p:to>
-                                        <p:strVal val="visible"/>
-                                      </p:to>
-                                    </p:set>
-                                    <p:animEffect transition="in" filter="blinds(horizontal)">
-                                      <p:cBhvr>
-                                        <p:cTn id="10" dur="500"/>
-                                        <p:tgtEl>
-                                          <p:spTgt spid="12"/>
-                                        </p:tgtEl>
-                                      </p:cBhvr>
-                                    </p:animEffect>
-                                  </p:childTnLst>
-                                </p:cTn>
-                              </p:par>
-                            </p:childTnLst>
-                          </p:cTn>
-                        </p:par>
-                      </p:childTnLst>
-                    </p:cTn>
-                  </p:par>
-                  <p:par>
-                    <p:cTn id="11" fill="hold">
-                      <p:stCondLst>
-                        <p:cond delay="indefinite"/>
-                      </p:stCondLst>
-                      <p:childTnLst>
-                        <p:par>
-                          <p:cTn id="12" fill="hold">
-                            <p:stCondLst>
-                              <p:cond delay="0"/>
-                            </p:stCondLst>
-                            <p:childTnLst>
-                              <p:par>
-                                <p:cTn id="13" presetID="2" presetClass="entr" presetSubtype="4" fill="hold" grpId="0" nodeType="clickEffect">
-                                  <p:stCondLst>
-                                    <p:cond delay="0"/>
-                                  </p:stCondLst>
-                                  <p:childTnLst>
-                                    <p:set>
-                                      <p:cBhvr>
-                                        <p:cTn id="14" dur="1" fill="hold">
                                           <p:stCondLst>
                                             <p:cond delay="0"/>
                                           </p:stCondLst>
@@ -8705,7 +9402,7 @@
                                     </p:set>
                                     <p:anim calcmode="lin" valueType="num">
                                       <p:cBhvr additive="base">
-                                        <p:cTn id="15" dur="500" fill="hold"/>
+                                        <p:cTn id="7" dur="500" fill="hold"/>
                                         <p:tgtEl>
                                           <p:spTgt spid="6"/>
                                         </p:tgtEl>
@@ -8728,7 +9425,7 @@
                                     </p:anim>
                                     <p:anim calcmode="lin" valueType="num">
                                       <p:cBhvr additive="base">
-                                        <p:cTn id="16" dur="500" fill="hold"/>
+                                        <p:cTn id="8" dur="500" fill="hold"/>
                                         <p:tgtEl>
                                           <p:spTgt spid="6"/>
                                         </p:tgtEl>
@@ -8759,26 +9456,26 @@
                     </p:cTn>
                   </p:par>
                   <p:par>
-                    <p:cTn id="17" fill="hold">
+                    <p:cTn id="9" fill="hold">
                       <p:stCondLst>
                         <p:cond delay="indefinite"/>
                       </p:stCondLst>
                       <p:childTnLst>
                         <p:par>
-                          <p:cTn id="18" fill="hold">
+                          <p:cTn id="10" fill="hold">
                             <p:stCondLst>
                               <p:cond delay="0"/>
                             </p:stCondLst>
                             <p:childTnLst>
                               <p:par>
-                                <p:cTn id="19" presetID="2" presetClass="entr" presetSubtype="4" fill="hold" grpId="0" nodeType="clickEffect">
+                                <p:cTn id="11" presetID="2" presetClass="entr" presetSubtype="4" fill="hold" grpId="0" nodeType="clickEffect">
                                   <p:stCondLst>
                                     <p:cond delay="0"/>
                                   </p:stCondLst>
                                   <p:childTnLst>
                                     <p:set>
                                       <p:cBhvr>
-                                        <p:cTn id="20" dur="1" fill="hold">
+                                        <p:cTn id="12" dur="1" fill="hold">
                                           <p:stCondLst>
                                             <p:cond delay="0"/>
                                           </p:stCondLst>
@@ -8796,7 +9493,7 @@
                                     </p:set>
                                     <p:anim calcmode="lin" valueType="num">
                                       <p:cBhvr additive="base">
-                                        <p:cTn id="21" dur="500" fill="hold"/>
+                                        <p:cTn id="13" dur="500" fill="hold"/>
                                         <p:tgtEl>
                                           <p:spTgt spid="7"/>
                                         </p:tgtEl>
@@ -8819,7 +9516,7 @@
                                     </p:anim>
                                     <p:anim calcmode="lin" valueType="num">
                                       <p:cBhvr additive="base">
-                                        <p:cTn id="22" dur="500" fill="hold"/>
+                                        <p:cTn id="14" dur="500" fill="hold"/>
                                         <p:tgtEl>
                                           <p:spTgt spid="7"/>
                                         </p:tgtEl>
@@ -8844,14 +9541,14 @@
                                 </p:cTn>
                               </p:par>
                               <p:par>
-                                <p:cTn id="23" presetID="2" presetClass="entr" presetSubtype="4" fill="hold" grpId="0" nodeType="withEffect">
+                                <p:cTn id="15" presetID="2" presetClass="entr" presetSubtype="4" fill="hold" grpId="0" nodeType="withEffect">
                                   <p:stCondLst>
                                     <p:cond delay="0"/>
                                   </p:stCondLst>
                                   <p:childTnLst>
                                     <p:set>
                                       <p:cBhvr>
-                                        <p:cTn id="24" dur="1" fill="hold">
+                                        <p:cTn id="16" dur="1" fill="hold">
                                           <p:stCondLst>
                                             <p:cond delay="0"/>
                                           </p:stCondLst>
@@ -8869,7 +9566,7 @@
                                     </p:set>
                                     <p:anim calcmode="lin" valueType="num">
                                       <p:cBhvr additive="base">
-                                        <p:cTn id="25" dur="500" fill="hold"/>
+                                        <p:cTn id="17" dur="500" fill="hold"/>
                                         <p:tgtEl>
                                           <p:spTgt spid="4"/>
                                         </p:tgtEl>
@@ -8892,9 +9589,155 @@
                                     </p:anim>
                                     <p:anim calcmode="lin" valueType="num">
                                       <p:cBhvr additive="base">
+                                        <p:cTn id="18" dur="500" fill="hold"/>
+                                        <p:tgtEl>
+                                          <p:spTgt spid="4"/>
+                                        </p:tgtEl>
+                                        <p:attrNameLst>
+                                          <p:attrName>ppt_y</p:attrName>
+                                        </p:attrNameLst>
+                                      </p:cBhvr>
+                                      <p:tavLst>
+                                        <p:tav tm="0">
+                                          <p:val>
+                                            <p:strVal val="1+#ppt_h/2"/>
+                                          </p:val>
+                                        </p:tav>
+                                        <p:tav tm="100000">
+                                          <p:val>
+                                            <p:strVal val="#ppt_y"/>
+                                          </p:val>
+                                        </p:tav>
+                                      </p:tavLst>
+                                    </p:anim>
+                                  </p:childTnLst>
+                                </p:cTn>
+                              </p:par>
+                              <p:par>
+                                <p:cTn id="19" presetID="2" presetClass="entr" presetSubtype="4" fill="hold" grpId="0" nodeType="withEffect">
+                                  <p:stCondLst>
+                                    <p:cond delay="0"/>
+                                  </p:stCondLst>
+                                  <p:childTnLst>
+                                    <p:set>
+                                      <p:cBhvr>
+                                        <p:cTn id="20" dur="1" fill="hold">
+                                          <p:stCondLst>
+                                            <p:cond delay="0"/>
+                                          </p:stCondLst>
+                                        </p:cTn>
+                                        <p:tgtEl>
+                                          <p:spTgt spid="10"/>
+                                        </p:tgtEl>
+                                        <p:attrNameLst>
+                                          <p:attrName>style.visibility</p:attrName>
+                                        </p:attrNameLst>
+                                      </p:cBhvr>
+                                      <p:to>
+                                        <p:strVal val="visible"/>
+                                      </p:to>
+                                    </p:set>
+                                    <p:anim calcmode="lin" valueType="num">
+                                      <p:cBhvr additive="base">
+                                        <p:cTn id="21" dur="500" fill="hold"/>
+                                        <p:tgtEl>
+                                          <p:spTgt spid="10"/>
+                                        </p:tgtEl>
+                                        <p:attrNameLst>
+                                          <p:attrName>ppt_x</p:attrName>
+                                        </p:attrNameLst>
+                                      </p:cBhvr>
+                                      <p:tavLst>
+                                        <p:tav tm="0">
+                                          <p:val>
+                                            <p:strVal val="#ppt_x"/>
+                                          </p:val>
+                                        </p:tav>
+                                        <p:tav tm="100000">
+                                          <p:val>
+                                            <p:strVal val="#ppt_x"/>
+                                          </p:val>
+                                        </p:tav>
+                                      </p:tavLst>
+                                    </p:anim>
+                                    <p:anim calcmode="lin" valueType="num">
+                                      <p:cBhvr additive="base">
+                                        <p:cTn id="22" dur="500" fill="hold"/>
+                                        <p:tgtEl>
+                                          <p:spTgt spid="10"/>
+                                        </p:tgtEl>
+                                        <p:attrNameLst>
+                                          <p:attrName>ppt_y</p:attrName>
+                                        </p:attrNameLst>
+                                      </p:cBhvr>
+                                      <p:tavLst>
+                                        <p:tav tm="0">
+                                          <p:val>
+                                            <p:strVal val="1+#ppt_h/2"/>
+                                          </p:val>
+                                        </p:tav>
+                                        <p:tav tm="100000">
+                                          <p:val>
+                                            <p:strVal val="#ppt_y"/>
+                                          </p:val>
+                                        </p:tav>
+                                      </p:tavLst>
+                                    </p:anim>
+                                  </p:childTnLst>
+                                </p:cTn>
+                              </p:par>
+                              <p:par>
+                                <p:cTn id="23" presetID="2" presetClass="entr" presetSubtype="4" fill="hold" grpId="1" nodeType="withEffect">
+                                  <p:stCondLst>
+                                    <p:cond delay="0"/>
+                                  </p:stCondLst>
+                                  <p:childTnLst>
+                                    <p:set>
+                                      <p:cBhvr>
+                                        <p:cTn id="24" dur="1" fill="hold">
+                                          <p:stCondLst>
+                                            <p:cond delay="0"/>
+                                          </p:stCondLst>
+                                        </p:cTn>
+                                        <p:tgtEl>
+                                          <p:spTgt spid="9"/>
+                                        </p:tgtEl>
+                                        <p:attrNameLst>
+                                          <p:attrName>style.visibility</p:attrName>
+                                        </p:attrNameLst>
+                                      </p:cBhvr>
+                                      <p:to>
+                                        <p:strVal val="visible"/>
+                                      </p:to>
+                                    </p:set>
+                                    <p:anim calcmode="lin" valueType="num">
+                                      <p:cBhvr additive="base">
+                                        <p:cTn id="25" dur="500" fill="hold"/>
+                                        <p:tgtEl>
+                                          <p:spTgt spid="9"/>
+                                        </p:tgtEl>
+                                        <p:attrNameLst>
+                                          <p:attrName>ppt_x</p:attrName>
+                                        </p:attrNameLst>
+                                      </p:cBhvr>
+                                      <p:tavLst>
+                                        <p:tav tm="0">
+                                          <p:val>
+                                            <p:strVal val="#ppt_x"/>
+                                          </p:val>
+                                        </p:tav>
+                                        <p:tav tm="100000">
+                                          <p:val>
+                                            <p:strVal val="#ppt_x"/>
+                                          </p:val>
+                                        </p:tav>
+                                      </p:tavLst>
+                                    </p:anim>
+                                    <p:anim calcmode="lin" valueType="num">
+                                      <p:cBhvr additive="base">
                                         <p:cTn id="26" dur="500" fill="hold"/>
                                         <p:tgtEl>
-                                          <p:spTgt spid="4"/>
+                                          <p:spTgt spid="9"/>
                                         </p:tgtEl>
                                         <p:attrNameLst>
                                           <p:attrName>ppt_y</p:attrName>
@@ -8930,7 +9773,7 @@
                                           </p:stCondLst>
                                         </p:cTn>
                                         <p:tgtEl>
-                                          <p:spTgt spid="10"/>
+                                          <p:spTgt spid="11"/>
                                         </p:tgtEl>
                                         <p:attrNameLst>
                                           <p:attrName>style.visibility</p:attrName>
@@ -8943,152 +9786,6 @@
                                     <p:anim calcmode="lin" valueType="num">
                                       <p:cBhvr additive="base">
                                         <p:cTn id="29" dur="500" fill="hold"/>
-                                        <p:tgtEl>
-                                          <p:spTgt spid="10"/>
-                                        </p:tgtEl>
-                                        <p:attrNameLst>
-                                          <p:attrName>ppt_x</p:attrName>
-                                        </p:attrNameLst>
-                                      </p:cBhvr>
-                                      <p:tavLst>
-                                        <p:tav tm="0">
-                                          <p:val>
-                                            <p:strVal val="#ppt_x"/>
-                                          </p:val>
-                                        </p:tav>
-                                        <p:tav tm="100000">
-                                          <p:val>
-                                            <p:strVal val="#ppt_x"/>
-                                          </p:val>
-                                        </p:tav>
-                                      </p:tavLst>
-                                    </p:anim>
-                                    <p:anim calcmode="lin" valueType="num">
-                                      <p:cBhvr additive="base">
-                                        <p:cTn id="30" dur="500" fill="hold"/>
-                                        <p:tgtEl>
-                                          <p:spTgt spid="10"/>
-                                        </p:tgtEl>
-                                        <p:attrNameLst>
-                                          <p:attrName>ppt_y</p:attrName>
-                                        </p:attrNameLst>
-                                      </p:cBhvr>
-                                      <p:tavLst>
-                                        <p:tav tm="0">
-                                          <p:val>
-                                            <p:strVal val="1+#ppt_h/2"/>
-                                          </p:val>
-                                        </p:tav>
-                                        <p:tav tm="100000">
-                                          <p:val>
-                                            <p:strVal val="#ppt_y"/>
-                                          </p:val>
-                                        </p:tav>
-                                      </p:tavLst>
-                                    </p:anim>
-                                  </p:childTnLst>
-                                </p:cTn>
-                              </p:par>
-                              <p:par>
-                                <p:cTn id="31" presetID="2" presetClass="entr" presetSubtype="4" fill="hold" grpId="1" nodeType="withEffect">
-                                  <p:stCondLst>
-                                    <p:cond delay="0"/>
-                                  </p:stCondLst>
-                                  <p:childTnLst>
-                                    <p:set>
-                                      <p:cBhvr>
-                                        <p:cTn id="32" dur="1" fill="hold">
-                                          <p:stCondLst>
-                                            <p:cond delay="0"/>
-                                          </p:stCondLst>
-                                        </p:cTn>
-                                        <p:tgtEl>
-                                          <p:spTgt spid="9"/>
-                                        </p:tgtEl>
-                                        <p:attrNameLst>
-                                          <p:attrName>style.visibility</p:attrName>
-                                        </p:attrNameLst>
-                                      </p:cBhvr>
-                                      <p:to>
-                                        <p:strVal val="visible"/>
-                                      </p:to>
-                                    </p:set>
-                                    <p:anim calcmode="lin" valueType="num">
-                                      <p:cBhvr additive="base">
-                                        <p:cTn id="33" dur="500" fill="hold"/>
-                                        <p:tgtEl>
-                                          <p:spTgt spid="9"/>
-                                        </p:tgtEl>
-                                        <p:attrNameLst>
-                                          <p:attrName>ppt_x</p:attrName>
-                                        </p:attrNameLst>
-                                      </p:cBhvr>
-                                      <p:tavLst>
-                                        <p:tav tm="0">
-                                          <p:val>
-                                            <p:strVal val="#ppt_x"/>
-                                          </p:val>
-                                        </p:tav>
-                                        <p:tav tm="100000">
-                                          <p:val>
-                                            <p:strVal val="#ppt_x"/>
-                                          </p:val>
-                                        </p:tav>
-                                      </p:tavLst>
-                                    </p:anim>
-                                    <p:anim calcmode="lin" valueType="num">
-                                      <p:cBhvr additive="base">
-                                        <p:cTn id="34" dur="500" fill="hold"/>
-                                        <p:tgtEl>
-                                          <p:spTgt spid="9"/>
-                                        </p:tgtEl>
-                                        <p:attrNameLst>
-                                          <p:attrName>ppt_y</p:attrName>
-                                        </p:attrNameLst>
-                                      </p:cBhvr>
-                                      <p:tavLst>
-                                        <p:tav tm="0">
-                                          <p:val>
-                                            <p:strVal val="1+#ppt_h/2"/>
-                                          </p:val>
-                                        </p:tav>
-                                        <p:tav tm="100000">
-                                          <p:val>
-                                            <p:strVal val="#ppt_y"/>
-                                          </p:val>
-                                        </p:tav>
-                                      </p:tavLst>
-                                    </p:anim>
-                                  </p:childTnLst>
-                                </p:cTn>
-                              </p:par>
-                              <p:par>
-                                <p:cTn id="35" presetID="2" presetClass="entr" presetSubtype="4" fill="hold" grpId="0" nodeType="withEffect">
-                                  <p:stCondLst>
-                                    <p:cond delay="0"/>
-                                  </p:stCondLst>
-                                  <p:childTnLst>
-                                    <p:set>
-                                      <p:cBhvr>
-                                        <p:cTn id="36" dur="1" fill="hold">
-                                          <p:stCondLst>
-                                            <p:cond delay="0"/>
-                                          </p:stCondLst>
-                                        </p:cTn>
-                                        <p:tgtEl>
-                                          <p:spTgt spid="11"/>
-                                        </p:tgtEl>
-                                        <p:attrNameLst>
-                                          <p:attrName>style.visibility</p:attrName>
-                                        </p:attrNameLst>
-                                      </p:cBhvr>
-                                      <p:to>
-                                        <p:strVal val="visible"/>
-                                      </p:to>
-                                    </p:set>
-                                    <p:anim calcmode="lin" valueType="num">
-                                      <p:cBhvr additive="base">
-                                        <p:cTn id="37" dur="500" fill="hold"/>
                                         <p:tgtEl>
                                           <p:spTgt spid="11"/>
                                         </p:tgtEl>
@@ -9111,7 +9808,7 @@
                                     </p:anim>
                                     <p:anim calcmode="lin" valueType="num">
                                       <p:cBhvr additive="base">
-                                        <p:cTn id="38" dur="500" fill="hold"/>
+                                        <p:cTn id="30" dur="500" fill="hold"/>
                                         <p:tgtEl>
                                           <p:spTgt spid="11"/>
                                         </p:tgtEl>
@@ -9136,14 +9833,14 @@
                                 </p:cTn>
                               </p:par>
                               <p:par>
-                                <p:cTn id="39" presetID="2" presetClass="entr" presetSubtype="4" fill="hold" grpId="0" nodeType="withEffect">
+                                <p:cTn id="31" presetID="2" presetClass="entr" presetSubtype="4" fill="hold" grpId="0" nodeType="withEffect">
                                   <p:stCondLst>
                                     <p:cond delay="0"/>
                                   </p:stCondLst>
                                   <p:childTnLst>
                                     <p:set>
                                       <p:cBhvr>
-                                        <p:cTn id="40" dur="1" fill="hold">
+                                        <p:cTn id="32" dur="1" fill="hold">
                                           <p:stCondLst>
                                             <p:cond delay="0"/>
                                           </p:stCondLst>
@@ -9161,7 +9858,7 @@
                                     </p:set>
                                     <p:anim calcmode="lin" valueType="num">
                                       <p:cBhvr additive="base">
-                                        <p:cTn id="41" dur="500" fill="hold"/>
+                                        <p:cTn id="33" dur="500" fill="hold"/>
                                         <p:tgtEl>
                                           <p:spTgt spid="13"/>
                                         </p:tgtEl>
@@ -9184,7 +9881,7 @@
                                     </p:anim>
                                     <p:anim calcmode="lin" valueType="num">
                                       <p:cBhvr additive="base">
-                                        <p:cTn id="42" dur="500" fill="hold"/>
+                                        <p:cTn id="34" dur="500" fill="hold"/>
                                         <p:tgtEl>
                                           <p:spTgt spid="13"/>
                                         </p:tgtEl>
@@ -9209,14 +9906,14 @@
                                 </p:cTn>
                               </p:par>
                               <p:par>
-                                <p:cTn id="43" presetID="2" presetClass="entr" presetSubtype="4" fill="hold" grpId="1" nodeType="withEffect">
+                                <p:cTn id="35" presetID="2" presetClass="entr" presetSubtype="4" fill="hold" grpId="1" nodeType="withEffect">
                                   <p:stCondLst>
                                     <p:cond delay="0"/>
                                   </p:stCondLst>
                                   <p:childTnLst>
                                     <p:set>
                                       <p:cBhvr>
-                                        <p:cTn id="44" dur="1" fill="hold">
+                                        <p:cTn id="36" dur="1" fill="hold">
                                           <p:stCondLst>
                                             <p:cond delay="0"/>
                                           </p:stCondLst>
@@ -9234,7 +9931,7 @@
                                     </p:set>
                                     <p:anim calcmode="lin" valueType="num">
                                       <p:cBhvr additive="base">
-                                        <p:cTn id="45" dur="500" fill="hold"/>
+                                        <p:cTn id="37" dur="500" fill="hold"/>
                                         <p:tgtEl>
                                           <p:spTgt spid="12"/>
                                         </p:tgtEl>
@@ -9257,7 +9954,7 @@
                                     </p:anim>
                                     <p:anim calcmode="lin" valueType="num">
                                       <p:cBhvr additive="base">
-                                        <p:cTn id="46" dur="500" fill="hold"/>
+                                        <p:cTn id="38" dur="500" fill="hold"/>
                                         <p:tgtEl>
                                           <p:spTgt spid="12"/>
                                         </p:tgtEl>
@@ -9312,11 +10009,9 @@
       <p:bldP spid="6" grpId="0"/>
       <p:bldP spid="7" grpId="0" animBg="1"/>
       <p:bldP spid="4" grpId="0" animBg="1"/>
-      <p:bldP spid="9" grpId="0" animBg="1"/>
       <p:bldP spid="9" grpId="1" animBg="1"/>
       <p:bldP spid="10" grpId="0"/>
       <p:bldP spid="11" grpId="0" animBg="1"/>
-      <p:bldP spid="12" grpId="0" animBg="1"/>
       <p:bldP spid="12" grpId="1" animBg="1"/>
       <p:bldP spid="13" grpId="0"/>
     </p:bldLst>
@@ -9409,6 +10104,270 @@
           </a:prstGeom>
         </p:spPr>
       </p:pic>
+      <p:sp>
+        <p:nvSpPr>
+          <p:cNvPr id="6" name="文本框 5"/>
+          <p:cNvSpPr txBox="1"/>
+          <p:nvPr/>
+        </p:nvSpPr>
+        <p:spPr>
+          <a:xfrm>
+            <a:off x="899895" y="854452"/>
+            <a:ext cx="1882103" cy="369332"/>
+          </a:xfrm>
+          <a:prstGeom prst="rect">
+            <a:avLst/>
+          </a:prstGeom>
+          <a:solidFill>
+            <a:srgbClr val="FF6600"/>
+          </a:solidFill>
+        </p:spPr>
+        <p:txBody>
+          <a:bodyPr wrap="square" rtlCol="0">
+            <a:spAutoFit/>
+          </a:bodyPr>
+          <a:lstStyle/>
+          <a:p>
+            <a:pPr algn="ctr"/>
+            <a:r>
+              <a:rPr kumimoji="1" lang="zh-CN" altLang="en-US" dirty="0"/>
+              <a:t> </a:t>
+            </a:r>
+            <a:r>
+              <a:rPr kumimoji="1" lang="en-US" altLang="zh-CN" dirty="0"/>
+              <a:t>SMART</a:t>
+            </a:r>
+            <a:r>
+              <a:rPr kumimoji="1" lang="zh-CN" altLang="en-US" dirty="0"/>
+              <a:t> 原则</a:t>
+            </a:r>
+            <a:endParaRPr kumimoji="1" lang="zh-CN" altLang="en-US" dirty="0"/>
+          </a:p>
+        </p:txBody>
+      </p:sp>
+      <p:sp>
+        <p:nvSpPr>
+          <p:cNvPr id="7" name="文本框 6"/>
+          <p:cNvSpPr txBox="1"/>
+          <p:nvPr/>
+        </p:nvSpPr>
+        <p:spPr>
+          <a:xfrm>
+            <a:off x="899895" y="1739381"/>
+            <a:ext cx="3191244" cy="369332"/>
+          </a:xfrm>
+          <a:prstGeom prst="rect">
+            <a:avLst/>
+          </a:prstGeom>
+          <a:solidFill>
+            <a:schemeClr val="accent6">
+              <a:lumMod val="60000"/>
+              <a:lumOff val="40000"/>
+            </a:schemeClr>
+          </a:solidFill>
+        </p:spPr>
+        <p:txBody>
+          <a:bodyPr wrap="square" rtlCol="0">
+            <a:spAutoFit/>
+          </a:bodyPr>
+          <a:lstStyle/>
+          <a:p>
+            <a:r>
+              <a:rPr kumimoji="1" lang="en-US" altLang="zh-CN" dirty="0" smtClean="0"/>
+              <a:t>Specific(</a:t>
+            </a:r>
+            <a:r>
+              <a:rPr kumimoji="1" lang="zh-CN" altLang="en-US" dirty="0" smtClean="0"/>
+              <a:t>具体的、明确的</a:t>
+            </a:r>
+            <a:r>
+              <a:rPr kumimoji="1" lang="en-US" altLang="zh-CN" dirty="0" smtClean="0"/>
+              <a:t>) </a:t>
+            </a:r>
+            <a:endParaRPr kumimoji="1" lang="zh-CN" altLang="en-US" dirty="0"/>
+          </a:p>
+        </p:txBody>
+      </p:sp>
+      <p:sp>
+        <p:nvSpPr>
+          <p:cNvPr id="8" name="文本框 7"/>
+          <p:cNvSpPr txBox="1"/>
+          <p:nvPr/>
+        </p:nvSpPr>
+        <p:spPr>
+          <a:xfrm>
+            <a:off x="899895" y="2646153"/>
+            <a:ext cx="3191244" cy="369332"/>
+          </a:xfrm>
+          <a:prstGeom prst="rect">
+            <a:avLst/>
+          </a:prstGeom>
+          <a:solidFill>
+            <a:schemeClr val="accent6">
+              <a:lumMod val="60000"/>
+              <a:lumOff val="40000"/>
+            </a:schemeClr>
+          </a:solidFill>
+        </p:spPr>
+        <p:txBody>
+          <a:bodyPr wrap="square" rtlCol="0">
+            <a:spAutoFit/>
+          </a:bodyPr>
+          <a:lstStyle/>
+          <a:p>
+            <a:r>
+              <a:rPr kumimoji="1" lang="en-US" altLang="zh-CN" dirty="0" smtClean="0"/>
+              <a:t>Measurable(</a:t>
+            </a:r>
+            <a:r>
+              <a:rPr kumimoji="1" lang="zh-CN" altLang="en-US" dirty="0" smtClean="0"/>
+              <a:t>可衡量</a:t>
+            </a:r>
+            <a:r>
+              <a:rPr kumimoji="1" lang="en-US" altLang="zh-CN" dirty="0" smtClean="0"/>
+              <a:t>)</a:t>
+            </a:r>
+            <a:endParaRPr kumimoji="1" lang="zh-CN" altLang="en-US" dirty="0"/>
+          </a:p>
+        </p:txBody>
+      </p:sp>
+      <p:sp>
+        <p:nvSpPr>
+          <p:cNvPr id="9" name="文本框 8"/>
+          <p:cNvSpPr txBox="1"/>
+          <p:nvPr/>
+        </p:nvSpPr>
+        <p:spPr>
+          <a:xfrm>
+            <a:off x="899895" y="3600450"/>
+            <a:ext cx="3191244" cy="369332"/>
+          </a:xfrm>
+          <a:prstGeom prst="rect">
+            <a:avLst/>
+          </a:prstGeom>
+          <a:solidFill>
+            <a:schemeClr val="accent6">
+              <a:lumMod val="60000"/>
+              <a:lumOff val="40000"/>
+            </a:schemeClr>
+          </a:solidFill>
+        </p:spPr>
+        <p:txBody>
+          <a:bodyPr wrap="square" rtlCol="0">
+            <a:spAutoFit/>
+          </a:bodyPr>
+          <a:lstStyle/>
+          <a:p>
+            <a:r>
+              <a:rPr kumimoji="1" lang="en-US" altLang="zh-CN" dirty="0"/>
+              <a:t>Achievable</a:t>
+            </a:r>
+            <a:r>
+              <a:rPr kumimoji="1" lang="en-US" altLang="zh-CN" dirty="0" smtClean="0"/>
+              <a:t>(</a:t>
+            </a:r>
+            <a:r>
+              <a:rPr kumimoji="1" lang="zh-CN" altLang="en-US" dirty="0" smtClean="0"/>
+              <a:t>可达成</a:t>
+            </a:r>
+            <a:r>
+              <a:rPr kumimoji="1" lang="en-US" altLang="zh-CN" dirty="0" smtClean="0"/>
+              <a:t>)  </a:t>
+            </a:r>
+            <a:endParaRPr kumimoji="1" lang="zh-CN" altLang="en-US" dirty="0"/>
+          </a:p>
+        </p:txBody>
+      </p:sp>
+      <p:sp>
+        <p:nvSpPr>
+          <p:cNvPr id="10" name="文本框 9"/>
+          <p:cNvSpPr txBox="1"/>
+          <p:nvPr/>
+        </p:nvSpPr>
+        <p:spPr>
+          <a:xfrm>
+            <a:off x="899895" y="4562804"/>
+            <a:ext cx="3191244" cy="369332"/>
+          </a:xfrm>
+          <a:prstGeom prst="rect">
+            <a:avLst/>
+          </a:prstGeom>
+          <a:solidFill>
+            <a:schemeClr val="accent6">
+              <a:lumMod val="60000"/>
+              <a:lumOff val="40000"/>
+            </a:schemeClr>
+          </a:solidFill>
+        </p:spPr>
+        <p:txBody>
+          <a:bodyPr wrap="square" rtlCol="0">
+            <a:spAutoFit/>
+          </a:bodyPr>
+          <a:lstStyle/>
+          <a:p>
+            <a:r>
+              <a:rPr kumimoji="1" lang="en-US" altLang="zh-CN" dirty="0"/>
+              <a:t>Relevant</a:t>
+            </a:r>
+            <a:r>
+              <a:rPr kumimoji="1" lang="en-US" altLang="zh-CN" dirty="0" smtClean="0"/>
+              <a:t>(</a:t>
+            </a:r>
+            <a:r>
+              <a:rPr kumimoji="1" lang="zh-CN" altLang="en-US" dirty="0" smtClean="0"/>
+              <a:t>相关</a:t>
+            </a:r>
+            <a:r>
+              <a:rPr kumimoji="1" lang="en-US" altLang="zh-CN" dirty="0" smtClean="0"/>
+              <a:t>)</a:t>
+            </a:r>
+            <a:endParaRPr kumimoji="1" lang="zh-CN" altLang="en-US" dirty="0"/>
+          </a:p>
+        </p:txBody>
+      </p:sp>
+      <p:sp>
+        <p:nvSpPr>
+          <p:cNvPr id="11" name="文本框 10"/>
+          <p:cNvSpPr txBox="1"/>
+          <p:nvPr/>
+        </p:nvSpPr>
+        <p:spPr>
+          <a:xfrm>
+            <a:off x="899895" y="5454134"/>
+            <a:ext cx="3191244" cy="369332"/>
+          </a:xfrm>
+          <a:prstGeom prst="rect">
+            <a:avLst/>
+          </a:prstGeom>
+          <a:solidFill>
+            <a:schemeClr val="accent6">
+              <a:lumMod val="60000"/>
+              <a:lumOff val="40000"/>
+            </a:schemeClr>
+          </a:solidFill>
+        </p:spPr>
+        <p:txBody>
+          <a:bodyPr wrap="square" rtlCol="0">
+            <a:spAutoFit/>
+          </a:bodyPr>
+          <a:lstStyle/>
+          <a:p>
+            <a:r>
+              <a:rPr kumimoji="1" lang="en-US" altLang="zh-CN" dirty="0" smtClean="0"/>
+              <a:t>Time-Bound(</a:t>
+            </a:r>
+            <a:r>
+              <a:rPr kumimoji="1" lang="zh-CN" altLang="en-US" dirty="0" smtClean="0"/>
+              <a:t>时间限定</a:t>
+            </a:r>
+            <a:r>
+              <a:rPr kumimoji="1" lang="en-US" altLang="zh-CN" dirty="0" smtClean="0"/>
+              <a:t>)</a:t>
+            </a:r>
+            <a:endParaRPr kumimoji="1" lang="zh-CN" altLang="en-US" dirty="0"/>
+          </a:p>
+        </p:txBody>
+      </p:sp>
     </p:spTree>
     <p:extLst>
       <p:ext uri="{BB962C8B-B14F-4D97-AF65-F5344CB8AC3E}">
@@ -9422,9 +10381,419 @@
   <p:timing>
     <p:tnLst>
       <p:par>
-        <p:cTn xmlns:p14="http://schemas.microsoft.com/office/powerpoint/2010/main" id="1" dur="indefinite" restart="never" nodeType="tmRoot"/>
+        <p:cTn xmlns:p14="http://schemas.microsoft.com/office/powerpoint/2010/main" id="1" dur="indefinite" restart="never" nodeType="tmRoot">
+          <p:childTnLst>
+            <p:seq concurrent="1" nextAc="seek">
+              <p:cTn id="2" dur="indefinite" nodeType="mainSeq">
+                <p:childTnLst>
+                  <p:par>
+                    <p:cTn id="3" fill="hold">
+                      <p:stCondLst>
+                        <p:cond delay="indefinite"/>
+                      </p:stCondLst>
+                      <p:childTnLst>
+                        <p:par>
+                          <p:cTn id="4" fill="hold">
+                            <p:stCondLst>
+                              <p:cond delay="0"/>
+                            </p:stCondLst>
+                            <p:childTnLst>
+                              <p:par>
+                                <p:cTn id="5" presetID="12" presetClass="entr" presetSubtype="4" fill="hold" grpId="0" nodeType="clickEffect">
+                                  <p:stCondLst>
+                                    <p:cond delay="0"/>
+                                  </p:stCondLst>
+                                  <p:childTnLst>
+                                    <p:set>
+                                      <p:cBhvr>
+                                        <p:cTn id="6" dur="1" fill="hold">
+                                          <p:stCondLst>
+                                            <p:cond delay="0"/>
+                                          </p:stCondLst>
+                                        </p:cTn>
+                                        <p:tgtEl>
+                                          <p:spTgt spid="7"/>
+                                        </p:tgtEl>
+                                        <p:attrNameLst>
+                                          <p:attrName>style.visibility</p:attrName>
+                                        </p:attrNameLst>
+                                      </p:cBhvr>
+                                      <p:to>
+                                        <p:strVal val="visible"/>
+                                      </p:to>
+                                    </p:set>
+                                    <p:anim calcmode="lin" valueType="num">
+                                      <p:cBhvr additive="base">
+                                        <p:cTn id="7" dur="500"/>
+                                        <p:tgtEl>
+                                          <p:spTgt spid="7"/>
+                                        </p:tgtEl>
+                                        <p:attrNameLst>
+                                          <p:attrName>ppt_y</p:attrName>
+                                        </p:attrNameLst>
+                                      </p:cBhvr>
+                                      <p:tavLst>
+                                        <p:tav tm="0">
+                                          <p:val>
+                                            <p:strVal val="#ppt_y+#ppt_h*1.125000"/>
+                                          </p:val>
+                                        </p:tav>
+                                        <p:tav tm="100000">
+                                          <p:val>
+                                            <p:strVal val="#ppt_y"/>
+                                          </p:val>
+                                        </p:tav>
+                                      </p:tavLst>
+                                    </p:anim>
+                                    <p:animEffect transition="in" filter="wipe(up)">
+                                      <p:cBhvr>
+                                        <p:cTn id="8" dur="500"/>
+                                        <p:tgtEl>
+                                          <p:spTgt spid="7"/>
+                                        </p:tgtEl>
+                                      </p:cBhvr>
+                                    </p:animEffect>
+                                  </p:childTnLst>
+                                </p:cTn>
+                              </p:par>
+                            </p:childTnLst>
+                          </p:cTn>
+                        </p:par>
+                      </p:childTnLst>
+                    </p:cTn>
+                  </p:par>
+                  <p:par>
+                    <p:cTn id="9" fill="hold">
+                      <p:stCondLst>
+                        <p:cond delay="indefinite"/>
+                      </p:stCondLst>
+                      <p:childTnLst>
+                        <p:par>
+                          <p:cTn id="10" fill="hold">
+                            <p:stCondLst>
+                              <p:cond delay="0"/>
+                            </p:stCondLst>
+                            <p:childTnLst>
+                              <p:par>
+                                <p:cTn id="11" presetID="12" presetClass="entr" presetSubtype="4" fill="hold" grpId="0" nodeType="clickEffect">
+                                  <p:stCondLst>
+                                    <p:cond delay="0"/>
+                                  </p:stCondLst>
+                                  <p:childTnLst>
+                                    <p:set>
+                                      <p:cBhvr>
+                                        <p:cTn id="12" dur="1" fill="hold">
+                                          <p:stCondLst>
+                                            <p:cond delay="0"/>
+                                          </p:stCondLst>
+                                        </p:cTn>
+                                        <p:tgtEl>
+                                          <p:spTgt spid="8"/>
+                                        </p:tgtEl>
+                                        <p:attrNameLst>
+                                          <p:attrName>style.visibility</p:attrName>
+                                        </p:attrNameLst>
+                                      </p:cBhvr>
+                                      <p:to>
+                                        <p:strVal val="visible"/>
+                                      </p:to>
+                                    </p:set>
+                                    <p:anim calcmode="lin" valueType="num">
+                                      <p:cBhvr additive="base">
+                                        <p:cTn id="13" dur="500"/>
+                                        <p:tgtEl>
+                                          <p:spTgt spid="8"/>
+                                        </p:tgtEl>
+                                        <p:attrNameLst>
+                                          <p:attrName>ppt_y</p:attrName>
+                                        </p:attrNameLst>
+                                      </p:cBhvr>
+                                      <p:tavLst>
+                                        <p:tav tm="0">
+                                          <p:val>
+                                            <p:strVal val="#ppt_y+#ppt_h*1.125000"/>
+                                          </p:val>
+                                        </p:tav>
+                                        <p:tav tm="100000">
+                                          <p:val>
+                                            <p:strVal val="#ppt_y"/>
+                                          </p:val>
+                                        </p:tav>
+                                      </p:tavLst>
+                                    </p:anim>
+                                    <p:animEffect transition="in" filter="wipe(up)">
+                                      <p:cBhvr>
+                                        <p:cTn id="14" dur="500"/>
+                                        <p:tgtEl>
+                                          <p:spTgt spid="8"/>
+                                        </p:tgtEl>
+                                      </p:cBhvr>
+                                    </p:animEffect>
+                                  </p:childTnLst>
+                                </p:cTn>
+                              </p:par>
+                            </p:childTnLst>
+                          </p:cTn>
+                        </p:par>
+                      </p:childTnLst>
+                    </p:cTn>
+                  </p:par>
+                  <p:par>
+                    <p:cTn id="15" fill="hold">
+                      <p:stCondLst>
+                        <p:cond delay="indefinite"/>
+                      </p:stCondLst>
+                      <p:childTnLst>
+                        <p:par>
+                          <p:cTn id="16" fill="hold">
+                            <p:stCondLst>
+                              <p:cond delay="0"/>
+                            </p:stCondLst>
+                            <p:childTnLst>
+                              <p:par>
+                                <p:cTn id="17" presetID="12" presetClass="entr" presetSubtype="4" fill="hold" grpId="0" nodeType="clickEffect">
+                                  <p:stCondLst>
+                                    <p:cond delay="0"/>
+                                  </p:stCondLst>
+                                  <p:childTnLst>
+                                    <p:set>
+                                      <p:cBhvr>
+                                        <p:cTn id="18" dur="1" fill="hold">
+                                          <p:stCondLst>
+                                            <p:cond delay="0"/>
+                                          </p:stCondLst>
+                                        </p:cTn>
+                                        <p:tgtEl>
+                                          <p:spTgt spid="9"/>
+                                        </p:tgtEl>
+                                        <p:attrNameLst>
+                                          <p:attrName>style.visibility</p:attrName>
+                                        </p:attrNameLst>
+                                      </p:cBhvr>
+                                      <p:to>
+                                        <p:strVal val="visible"/>
+                                      </p:to>
+                                    </p:set>
+                                    <p:anim calcmode="lin" valueType="num">
+                                      <p:cBhvr additive="base">
+                                        <p:cTn id="19" dur="500"/>
+                                        <p:tgtEl>
+                                          <p:spTgt spid="9"/>
+                                        </p:tgtEl>
+                                        <p:attrNameLst>
+                                          <p:attrName>ppt_y</p:attrName>
+                                        </p:attrNameLst>
+                                      </p:cBhvr>
+                                      <p:tavLst>
+                                        <p:tav tm="0">
+                                          <p:val>
+                                            <p:strVal val="#ppt_y+#ppt_h*1.125000"/>
+                                          </p:val>
+                                        </p:tav>
+                                        <p:tav tm="100000">
+                                          <p:val>
+                                            <p:strVal val="#ppt_y"/>
+                                          </p:val>
+                                        </p:tav>
+                                      </p:tavLst>
+                                    </p:anim>
+                                    <p:animEffect transition="in" filter="wipe(up)">
+                                      <p:cBhvr>
+                                        <p:cTn id="20" dur="500"/>
+                                        <p:tgtEl>
+                                          <p:spTgt spid="9"/>
+                                        </p:tgtEl>
+                                      </p:cBhvr>
+                                    </p:animEffect>
+                                  </p:childTnLst>
+                                </p:cTn>
+                              </p:par>
+                            </p:childTnLst>
+                          </p:cTn>
+                        </p:par>
+                      </p:childTnLst>
+                    </p:cTn>
+                  </p:par>
+                  <p:par>
+                    <p:cTn id="21" fill="hold">
+                      <p:stCondLst>
+                        <p:cond delay="indefinite"/>
+                      </p:stCondLst>
+                      <p:childTnLst>
+                        <p:par>
+                          <p:cTn id="22" fill="hold">
+                            <p:stCondLst>
+                              <p:cond delay="0"/>
+                            </p:stCondLst>
+                            <p:childTnLst>
+                              <p:par>
+                                <p:cTn id="23" presetID="12" presetClass="entr" presetSubtype="4" fill="hold" grpId="0" nodeType="clickEffect">
+                                  <p:stCondLst>
+                                    <p:cond delay="0"/>
+                                  </p:stCondLst>
+                                  <p:childTnLst>
+                                    <p:set>
+                                      <p:cBhvr>
+                                        <p:cTn id="24" dur="1" fill="hold">
+                                          <p:stCondLst>
+                                            <p:cond delay="0"/>
+                                          </p:stCondLst>
+                                        </p:cTn>
+                                        <p:tgtEl>
+                                          <p:spTgt spid="10"/>
+                                        </p:tgtEl>
+                                        <p:attrNameLst>
+                                          <p:attrName>style.visibility</p:attrName>
+                                        </p:attrNameLst>
+                                      </p:cBhvr>
+                                      <p:to>
+                                        <p:strVal val="visible"/>
+                                      </p:to>
+                                    </p:set>
+                                    <p:anim calcmode="lin" valueType="num">
+                                      <p:cBhvr additive="base">
+                                        <p:cTn id="25" dur="500"/>
+                                        <p:tgtEl>
+                                          <p:spTgt spid="10"/>
+                                        </p:tgtEl>
+                                        <p:attrNameLst>
+                                          <p:attrName>ppt_y</p:attrName>
+                                        </p:attrNameLst>
+                                      </p:cBhvr>
+                                      <p:tavLst>
+                                        <p:tav tm="0">
+                                          <p:val>
+                                            <p:strVal val="#ppt_y+#ppt_h*1.125000"/>
+                                          </p:val>
+                                        </p:tav>
+                                        <p:tav tm="100000">
+                                          <p:val>
+                                            <p:strVal val="#ppt_y"/>
+                                          </p:val>
+                                        </p:tav>
+                                      </p:tavLst>
+                                    </p:anim>
+                                    <p:animEffect transition="in" filter="wipe(up)">
+                                      <p:cBhvr>
+                                        <p:cTn id="26" dur="500"/>
+                                        <p:tgtEl>
+                                          <p:spTgt spid="10"/>
+                                        </p:tgtEl>
+                                      </p:cBhvr>
+                                    </p:animEffect>
+                                  </p:childTnLst>
+                                </p:cTn>
+                              </p:par>
+                            </p:childTnLst>
+                          </p:cTn>
+                        </p:par>
+                      </p:childTnLst>
+                    </p:cTn>
+                  </p:par>
+                  <p:par>
+                    <p:cTn id="27" fill="hold">
+                      <p:stCondLst>
+                        <p:cond delay="indefinite"/>
+                      </p:stCondLst>
+                      <p:childTnLst>
+                        <p:par>
+                          <p:cTn id="28" fill="hold">
+                            <p:stCondLst>
+                              <p:cond delay="0"/>
+                            </p:stCondLst>
+                            <p:childTnLst>
+                              <p:par>
+                                <p:cTn id="29" presetID="12" presetClass="entr" presetSubtype="4" fill="hold" grpId="0" nodeType="clickEffect">
+                                  <p:stCondLst>
+                                    <p:cond delay="0"/>
+                                  </p:stCondLst>
+                                  <p:childTnLst>
+                                    <p:set>
+                                      <p:cBhvr>
+                                        <p:cTn id="30" dur="1" fill="hold">
+                                          <p:stCondLst>
+                                            <p:cond delay="0"/>
+                                          </p:stCondLst>
+                                        </p:cTn>
+                                        <p:tgtEl>
+                                          <p:spTgt spid="11"/>
+                                        </p:tgtEl>
+                                        <p:attrNameLst>
+                                          <p:attrName>style.visibility</p:attrName>
+                                        </p:attrNameLst>
+                                      </p:cBhvr>
+                                      <p:to>
+                                        <p:strVal val="visible"/>
+                                      </p:to>
+                                    </p:set>
+                                    <p:anim calcmode="lin" valueType="num">
+                                      <p:cBhvr additive="base">
+                                        <p:cTn id="31" dur="500"/>
+                                        <p:tgtEl>
+                                          <p:spTgt spid="11"/>
+                                        </p:tgtEl>
+                                        <p:attrNameLst>
+                                          <p:attrName>ppt_y</p:attrName>
+                                        </p:attrNameLst>
+                                      </p:cBhvr>
+                                      <p:tavLst>
+                                        <p:tav tm="0">
+                                          <p:val>
+                                            <p:strVal val="#ppt_y+#ppt_h*1.125000"/>
+                                          </p:val>
+                                        </p:tav>
+                                        <p:tav tm="100000">
+                                          <p:val>
+                                            <p:strVal val="#ppt_y"/>
+                                          </p:val>
+                                        </p:tav>
+                                      </p:tavLst>
+                                    </p:anim>
+                                    <p:animEffect transition="in" filter="wipe(up)">
+                                      <p:cBhvr>
+                                        <p:cTn id="32" dur="500"/>
+                                        <p:tgtEl>
+                                          <p:spTgt spid="11"/>
+                                        </p:tgtEl>
+                                      </p:cBhvr>
+                                    </p:animEffect>
+                                  </p:childTnLst>
+                                </p:cTn>
+                              </p:par>
+                            </p:childTnLst>
+                          </p:cTn>
+                        </p:par>
+                      </p:childTnLst>
+                    </p:cTn>
+                  </p:par>
+                </p:childTnLst>
+              </p:cTn>
+              <p:prevCondLst>
+                <p:cond evt="onPrev" delay="0">
+                  <p:tgtEl>
+                    <p:sldTgt/>
+                  </p:tgtEl>
+                </p:cond>
+              </p:prevCondLst>
+              <p:nextCondLst>
+                <p:cond evt="onNext" delay="0">
+                  <p:tgtEl>
+                    <p:sldTgt/>
+                  </p:tgtEl>
+                </p:cond>
+              </p:nextCondLst>
+            </p:seq>
+          </p:childTnLst>
+        </p:cTn>
       </p:par>
     </p:tnLst>
+    <p:bldLst>
+      <p:bldP spid="7" grpId="0" animBg="1"/>
+      <p:bldP spid="8" grpId="0" animBg="1"/>
+      <p:bldP spid="9" grpId="0" animBg="1"/>
+      <p:bldP spid="10" grpId="0" animBg="1"/>
+      <p:bldP spid="11" grpId="0" animBg="1"/>
+    </p:bldLst>
   </p:timing>
 </p:sld>
 </file>
@@ -9927,36 +11296,6 @@
             <a:r>
               <a:rPr kumimoji="1" lang="zh-CN" altLang="en-US" dirty="0" smtClean="0"/>
               <a:t>项目商业价值尽可能最大化</a:t>
-            </a:r>
-            <a:endParaRPr kumimoji="1" lang="zh-CN" altLang="en-US" dirty="0"/>
-          </a:p>
-        </p:txBody>
-      </p:sp>
-      <p:sp>
-        <p:nvSpPr>
-          <p:cNvPr id="21" name="文本框 20"/>
-          <p:cNvSpPr txBox="1"/>
-          <p:nvPr/>
-        </p:nvSpPr>
-        <p:spPr>
-          <a:xfrm>
-            <a:off x="1716506" y="3886200"/>
-            <a:ext cx="6055894" cy="646331"/>
-          </a:xfrm>
-          <a:prstGeom prst="rect">
-            <a:avLst/>
-          </a:prstGeom>
-          <a:noFill/>
-        </p:spPr>
-        <p:txBody>
-          <a:bodyPr wrap="square" rtlCol="0">
-            <a:spAutoFit/>
-          </a:bodyPr>
-          <a:lstStyle/>
-          <a:p>
-            <a:r>
-              <a:rPr kumimoji="1" lang="zh-CN" altLang="en-US" dirty="0" smtClean="0"/>
-              <a:t>项目管理就是将知识、技能、工具与技术应用于项目活动中，以完成项目。</a:t>
             </a:r>
             <a:endParaRPr kumimoji="1" lang="zh-CN" altLang="en-US" dirty="0"/>
           </a:p>
@@ -10444,7 +11783,23 @@
                   <a:schemeClr val="accent6"/>
                 </a:solidFill>
               </a:rPr>
-              <a:t>第四部分</a:t>
+              <a:t>第</a:t>
+            </a:r>
+            <a:r>
+              <a:rPr kumimoji="1" lang="zh-CN" altLang="en-US" sz="4000" dirty="0" smtClean="0">
+                <a:solidFill>
+                  <a:schemeClr val="accent6"/>
+                </a:solidFill>
+              </a:rPr>
+              <a:t>二</a:t>
+            </a:r>
+            <a:r>
+              <a:rPr kumimoji="1" lang="zh-CN" altLang="en-US" sz="4000" dirty="0" smtClean="0">
+                <a:solidFill>
+                  <a:schemeClr val="accent6"/>
+                </a:solidFill>
+              </a:rPr>
+              <a:t>部分</a:t>
             </a:r>
             <a:r>
               <a:rPr kumimoji="1" lang="en-US" altLang="zh-CN" sz="4000" dirty="0" smtClean="0">
@@ -10459,25 +11814,8 @@
                 <a:solidFill>
                   <a:schemeClr val="accent6"/>
                 </a:solidFill>
-                <a:latin typeface="+mn-ea"/>
               </a:rPr>
-              <a:t>敏捷开发</a:t>
-            </a:r>
-            <a:r>
-              <a:rPr kumimoji="1" lang="en-US" altLang="zh-CN" sz="4000" dirty="0" smtClean="0">
-                <a:solidFill>
-                  <a:schemeClr val="accent6"/>
-                </a:solidFill>
-              </a:rPr>
-              <a:t>/</a:t>
-            </a:r>
-            <a:r>
-              <a:rPr kumimoji="1" lang="zh-CN" altLang="en-US" sz="4000" dirty="0" smtClean="0">
-                <a:solidFill>
-                  <a:schemeClr val="accent6"/>
-                </a:solidFill>
-              </a:rPr>
-              <a:t>管理</a:t>
+              <a:t>项目管理知识体系</a:t>
             </a:r>
             <a:endParaRPr kumimoji="1" lang="zh-CN" altLang="en-US" sz="4000" dirty="0">
               <a:solidFill>
@@ -10487,16 +11825,46 @@
           </a:p>
         </p:txBody>
       </p:sp>
-      <p:sp>
-        <p:nvSpPr>
-          <p:cNvPr id="6" name="文本框 5"/>
+      <p:pic>
+        <p:nvPicPr>
+          <p:cNvPr id="7" name="图片 6" descr="软件开发瀑布模型.png"/>
+          <p:cNvPicPr>
+            <a:picLocks noChangeAspect="1"/>
+          </p:cNvPicPr>
+          <p:nvPr/>
+        </p:nvPicPr>
+        <p:blipFill>
+          <a:blip r:embed="rId3">
+            <a:extLst>
+              <a:ext uri="{28A0092B-C50C-407E-A947-70E740481C1C}">
+                <a14:useLocalDpi xmlns:a14="http://schemas.microsoft.com/office/drawing/2010/main" val="0"/>
+              </a:ext>
+            </a:extLst>
+          </a:blip>
+          <a:stretch>
+            <a:fillRect/>
+          </a:stretch>
+        </p:blipFill>
+        <p:spPr>
+          <a:xfrm>
+            <a:off x="1728193" y="2367061"/>
+            <a:ext cx="6044207" cy="3843496"/>
+          </a:xfrm>
+          <a:prstGeom prst="rect">
+            <a:avLst/>
+          </a:prstGeom>
+        </p:spPr>
+      </p:pic>
+      <p:sp>
+        <p:nvSpPr>
+          <p:cNvPr id="11" name="文本框 10"/>
           <p:cNvSpPr txBox="1"/>
           <p:nvPr/>
         </p:nvSpPr>
         <p:spPr>
           <a:xfrm>
-            <a:off x="1371600" y="1657684"/>
-            <a:ext cx="6609347" cy="646331"/>
+            <a:off x="1575394" y="1709539"/>
+            <a:ext cx="3956802" cy="369332"/>
           </a:xfrm>
           <a:prstGeom prst="rect">
             <a:avLst/>
@@ -10511,149 +11879,17 @@
           <a:p>
             <a:r>
               <a:rPr kumimoji="1" lang="zh-CN" altLang="en-US" dirty="0" smtClean="0"/>
-              <a:t>已经有了标准化</a:t>
-            </a:r>
-            <a:r>
-              <a:rPr kumimoji="1" lang="zh-CN" altLang="en-US" dirty="0"/>
-              <a:t>的项目管理体系为什么还有其他的项目管理过程</a:t>
-            </a:r>
-            <a:r>
-              <a:rPr kumimoji="1" lang="en-US" altLang="zh-CN" dirty="0"/>
+              <a:t>软件工程领域项目常见模式</a:t>
+            </a:r>
+            <a:r>
+              <a:rPr kumimoji="1" lang="en-US" altLang="zh-CN" dirty="0" smtClean="0"/>
               <a:t>/</a:t>
             </a:r>
             <a:r>
-              <a:rPr kumimoji="1" lang="zh-CN" altLang="en-US" dirty="0"/>
-              <a:t>理论 </a:t>
-            </a:r>
-            <a:r>
               <a:rPr kumimoji="1" lang="zh-CN" altLang="en-US" dirty="0" smtClean="0"/>
-              <a:t>？</a:t>
+              <a:t>流程：</a:t>
             </a:r>
             <a:endParaRPr kumimoji="1" lang="zh-CN" altLang="en-US" dirty="0"/>
-          </a:p>
-        </p:txBody>
-      </p:sp>
-      <p:sp>
-        <p:nvSpPr>
-          <p:cNvPr id="8" name="文本框 7"/>
-          <p:cNvSpPr txBox="1"/>
-          <p:nvPr/>
-        </p:nvSpPr>
-        <p:spPr>
-          <a:xfrm>
-            <a:off x="1371600" y="2513263"/>
-            <a:ext cx="6443579" cy="646331"/>
-          </a:xfrm>
-          <a:prstGeom prst="rect">
-            <a:avLst/>
-          </a:prstGeom>
-          <a:noFill/>
-        </p:spPr>
-        <p:txBody>
-          <a:bodyPr wrap="square" rtlCol="0">
-            <a:spAutoFit/>
-          </a:bodyPr>
-          <a:lstStyle/>
-          <a:p>
-            <a:r>
-              <a:rPr kumimoji="1" lang="en-US" altLang="zh-CN" dirty="0"/>
-              <a:t>1. </a:t>
-            </a:r>
-            <a:r>
-              <a:rPr kumimoji="1" lang="zh-CN" altLang="en-US" dirty="0"/>
-              <a:t>项</a:t>
-            </a:r>
-            <a:r>
-              <a:rPr kumimoji="1" lang="zh-CN" altLang="en-US" dirty="0" smtClean="0"/>
-              <a:t>目处在竞争愈发激烈的环境中，产品胜出不单单在产品本身质量也在于产品推向市场的速度 。</a:t>
-            </a:r>
-          </a:p>
-        </p:txBody>
-      </p:sp>
-      <p:sp>
-        <p:nvSpPr>
-          <p:cNvPr id="9" name="文本框 8"/>
-          <p:cNvSpPr txBox="1"/>
-          <p:nvPr/>
-        </p:nvSpPr>
-        <p:spPr>
-          <a:xfrm>
-            <a:off x="1371600" y="3708709"/>
-            <a:ext cx="6443579" cy="646331"/>
-          </a:xfrm>
-          <a:prstGeom prst="rect">
-            <a:avLst/>
-          </a:prstGeom>
-          <a:noFill/>
-        </p:spPr>
-        <p:txBody>
-          <a:bodyPr wrap="square" rtlCol="0">
-            <a:spAutoFit/>
-          </a:bodyPr>
-          <a:lstStyle/>
-          <a:p>
-            <a:r>
-              <a:rPr kumimoji="1" lang="en-US" altLang="zh-CN" dirty="0" smtClean="0"/>
-              <a:t>2</a:t>
-            </a:r>
-            <a:r>
-              <a:rPr kumimoji="1" lang="en-US" altLang="zh-CN" dirty="0"/>
-              <a:t>. </a:t>
-            </a:r>
-            <a:r>
-              <a:rPr kumimoji="1" lang="zh-CN" altLang="en-US" dirty="0"/>
-              <a:t>本质上，降低沟通成本和试错成本的方式方法；快速迭代出可高质量</a:t>
-            </a:r>
-            <a:r>
-              <a:rPr kumimoji="1" lang="en-US" altLang="zh-CN" dirty="0"/>
-              <a:t>&amp;</a:t>
-            </a:r>
-            <a:r>
-              <a:rPr kumimoji="1" lang="zh-CN" altLang="en-US" dirty="0"/>
-              <a:t>稳定的产品</a:t>
-            </a:r>
-            <a:r>
-              <a:rPr kumimoji="1" lang="zh-CN" altLang="en-US" dirty="0" smtClean="0"/>
-              <a:t>。</a:t>
-            </a:r>
-            <a:endParaRPr kumimoji="1" lang="zh-CN" altLang="en-US" dirty="0"/>
-          </a:p>
-        </p:txBody>
-      </p:sp>
-      <p:sp>
-        <p:nvSpPr>
-          <p:cNvPr id="10" name="文本框 9"/>
-          <p:cNvSpPr txBox="1"/>
-          <p:nvPr/>
-        </p:nvSpPr>
-        <p:spPr>
-          <a:xfrm>
-            <a:off x="1371600" y="5012976"/>
-            <a:ext cx="6443579" cy="369332"/>
-          </a:xfrm>
-          <a:prstGeom prst="rect">
-            <a:avLst/>
-          </a:prstGeom>
-          <a:noFill/>
-        </p:spPr>
-        <p:txBody>
-          <a:bodyPr wrap="square" rtlCol="0">
-            <a:spAutoFit/>
-          </a:bodyPr>
-          <a:lstStyle/>
-          <a:p>
-            <a:r>
-              <a:rPr kumimoji="1" lang="en-US" altLang="zh-CN" dirty="0" smtClean="0"/>
-              <a:t>3</a:t>
-            </a:r>
-            <a:r>
-              <a:rPr kumimoji="1" lang="en-US" altLang="zh-CN" dirty="0"/>
-              <a:t>. </a:t>
-            </a:r>
-            <a:r>
-              <a:rPr kumimoji="1" lang="zh-CN" altLang="en-US" dirty="0"/>
-              <a:t>开发用户真正需要的产品。</a:t>
-            </a:r>
           </a:p>
         </p:txBody>
       </p:sp>
@@ -10670,402 +11906,9 @@
   <p:timing>
     <p:tnLst>
       <p:par>
-        <p:cTn xmlns:p14="http://schemas.microsoft.com/office/powerpoint/2010/main" id="1" dur="indefinite" restart="never" nodeType="tmRoot">
-          <p:childTnLst>
-            <p:seq concurrent="1" nextAc="seek">
-              <p:cTn id="2" dur="indefinite" nodeType="mainSeq">
-                <p:childTnLst>
-                  <p:par>
-                    <p:cTn id="3" fill="hold">
-                      <p:stCondLst>
-                        <p:cond delay="indefinite"/>
-                      </p:stCondLst>
-                      <p:childTnLst>
-                        <p:par>
-                          <p:cTn id="4" fill="hold">
-                            <p:stCondLst>
-                              <p:cond delay="0"/>
-                            </p:stCondLst>
-                            <p:childTnLst>
-                              <p:par>
-                                <p:cTn id="5" presetID="2" presetClass="entr" presetSubtype="4" fill="hold" grpId="0" nodeType="clickEffect">
-                                  <p:stCondLst>
-                                    <p:cond delay="0"/>
-                                  </p:stCondLst>
-                                  <p:childTnLst>
-                                    <p:set>
-                                      <p:cBhvr>
-                                        <p:cTn id="6" dur="1" fill="hold">
-                                          <p:stCondLst>
-                                            <p:cond delay="0"/>
-                                          </p:stCondLst>
-                                        </p:cTn>
-                                        <p:tgtEl>
-                                          <p:spTgt spid="6"/>
-                                        </p:tgtEl>
-                                        <p:attrNameLst>
-                                          <p:attrName>style.visibility</p:attrName>
-                                        </p:attrNameLst>
-                                      </p:cBhvr>
-                                      <p:to>
-                                        <p:strVal val="visible"/>
-                                      </p:to>
-                                    </p:set>
-                                    <p:anim calcmode="lin" valueType="num">
-                                      <p:cBhvr additive="base">
-                                        <p:cTn id="7" dur="500" fill="hold"/>
-                                        <p:tgtEl>
-                                          <p:spTgt spid="6"/>
-                                        </p:tgtEl>
-                                        <p:attrNameLst>
-                                          <p:attrName>ppt_x</p:attrName>
-                                        </p:attrNameLst>
-                                      </p:cBhvr>
-                                      <p:tavLst>
-                                        <p:tav tm="0">
-                                          <p:val>
-                                            <p:strVal val="#ppt_x"/>
-                                          </p:val>
-                                        </p:tav>
-                                        <p:tav tm="100000">
-                                          <p:val>
-                                            <p:strVal val="#ppt_x"/>
-                                          </p:val>
-                                        </p:tav>
-                                      </p:tavLst>
-                                    </p:anim>
-                                    <p:anim calcmode="lin" valueType="num">
-                                      <p:cBhvr additive="base">
-                                        <p:cTn id="8" dur="500" fill="hold"/>
-                                        <p:tgtEl>
-                                          <p:spTgt spid="6"/>
-                                        </p:tgtEl>
-                                        <p:attrNameLst>
-                                          <p:attrName>ppt_y</p:attrName>
-                                        </p:attrNameLst>
-                                      </p:cBhvr>
-                                      <p:tavLst>
-                                        <p:tav tm="0">
-                                          <p:val>
-                                            <p:strVal val="1+#ppt_h/2"/>
-                                          </p:val>
-                                        </p:tav>
-                                        <p:tav tm="100000">
-                                          <p:val>
-                                            <p:strVal val="#ppt_y"/>
-                                          </p:val>
-                                        </p:tav>
-                                      </p:tavLst>
-                                    </p:anim>
-                                  </p:childTnLst>
-                                </p:cTn>
-                              </p:par>
-                            </p:childTnLst>
-                          </p:cTn>
-                        </p:par>
-                      </p:childTnLst>
-                    </p:cTn>
-                  </p:par>
-                  <p:par>
-                    <p:cTn id="9" fill="hold">
-                      <p:stCondLst>
-                        <p:cond delay="indefinite"/>
-                      </p:stCondLst>
-                      <p:childTnLst>
-                        <p:par>
-                          <p:cTn id="10" fill="hold">
-                            <p:stCondLst>
-                              <p:cond delay="0"/>
-                            </p:stCondLst>
-                            <p:childTnLst>
-                              <p:par>
-                                <p:cTn id="11" presetID="2" presetClass="entr" presetSubtype="4" fill="hold" grpId="0" nodeType="clickEffect">
-                                  <p:stCondLst>
-                                    <p:cond delay="0"/>
-                                  </p:stCondLst>
-                                  <p:childTnLst>
-                                    <p:set>
-                                      <p:cBhvr>
-                                        <p:cTn id="12" dur="1" fill="hold">
-                                          <p:stCondLst>
-                                            <p:cond delay="0"/>
-                                          </p:stCondLst>
-                                        </p:cTn>
-                                        <p:tgtEl>
-                                          <p:spTgt spid="8"/>
-                                        </p:tgtEl>
-                                        <p:attrNameLst>
-                                          <p:attrName>style.visibility</p:attrName>
-                                        </p:attrNameLst>
-                                      </p:cBhvr>
-                                      <p:to>
-                                        <p:strVal val="visible"/>
-                                      </p:to>
-                                    </p:set>
-                                    <p:anim calcmode="lin" valueType="num">
-                                      <p:cBhvr additive="base">
-                                        <p:cTn id="13" dur="500" fill="hold"/>
-                                        <p:tgtEl>
-                                          <p:spTgt spid="8"/>
-                                        </p:tgtEl>
-                                        <p:attrNameLst>
-                                          <p:attrName>ppt_x</p:attrName>
-                                        </p:attrNameLst>
-                                      </p:cBhvr>
-                                      <p:tavLst>
-                                        <p:tav tm="0">
-                                          <p:val>
-                                            <p:strVal val="#ppt_x"/>
-                                          </p:val>
-                                        </p:tav>
-                                        <p:tav tm="100000">
-                                          <p:val>
-                                            <p:strVal val="#ppt_x"/>
-                                          </p:val>
-                                        </p:tav>
-                                      </p:tavLst>
-                                    </p:anim>
-                                    <p:anim calcmode="lin" valueType="num">
-                                      <p:cBhvr additive="base">
-                                        <p:cTn id="14" dur="500" fill="hold"/>
-                                        <p:tgtEl>
-                                          <p:spTgt spid="8"/>
-                                        </p:tgtEl>
-                                        <p:attrNameLst>
-                                          <p:attrName>ppt_y</p:attrName>
-                                        </p:attrNameLst>
-                                      </p:cBhvr>
-                                      <p:tavLst>
-                                        <p:tav tm="0">
-                                          <p:val>
-                                            <p:strVal val="1+#ppt_h/2"/>
-                                          </p:val>
-                                        </p:tav>
-                                        <p:tav tm="100000">
-                                          <p:val>
-                                            <p:strVal val="#ppt_y"/>
-                                          </p:val>
-                                        </p:tav>
-                                      </p:tavLst>
-                                    </p:anim>
-                                  </p:childTnLst>
-                                </p:cTn>
-                              </p:par>
-                            </p:childTnLst>
-                          </p:cTn>
-                        </p:par>
-                      </p:childTnLst>
-                    </p:cTn>
-                  </p:par>
-                  <p:par>
-                    <p:cTn id="15" fill="hold">
-                      <p:stCondLst>
-                        <p:cond delay="indefinite"/>
-                      </p:stCondLst>
-                      <p:childTnLst>
-                        <p:par>
-                          <p:cTn id="16" fill="hold">
-                            <p:stCondLst>
-                              <p:cond delay="0"/>
-                            </p:stCondLst>
-                            <p:childTnLst>
-                              <p:par>
-                                <p:cTn id="17" presetID="2" presetClass="entr" presetSubtype="4" fill="hold" grpId="0" nodeType="clickEffect">
-                                  <p:stCondLst>
-                                    <p:cond delay="0"/>
-                                  </p:stCondLst>
-                                  <p:childTnLst>
-                                    <p:set>
-                                      <p:cBhvr>
-                                        <p:cTn id="18" dur="1" fill="hold">
-                                          <p:stCondLst>
-                                            <p:cond delay="0"/>
-                                          </p:stCondLst>
-                                        </p:cTn>
-                                        <p:tgtEl>
-                                          <p:spTgt spid="9"/>
-                                        </p:tgtEl>
-                                        <p:attrNameLst>
-                                          <p:attrName>style.visibility</p:attrName>
-                                        </p:attrNameLst>
-                                      </p:cBhvr>
-                                      <p:to>
-                                        <p:strVal val="visible"/>
-                                      </p:to>
-                                    </p:set>
-                                    <p:anim calcmode="lin" valueType="num">
-                                      <p:cBhvr additive="base">
-                                        <p:cTn id="19" dur="500" fill="hold"/>
-                                        <p:tgtEl>
-                                          <p:spTgt spid="9"/>
-                                        </p:tgtEl>
-                                        <p:attrNameLst>
-                                          <p:attrName>ppt_x</p:attrName>
-                                        </p:attrNameLst>
-                                      </p:cBhvr>
-                                      <p:tavLst>
-                                        <p:tav tm="0">
-                                          <p:val>
-                                            <p:strVal val="#ppt_x"/>
-                                          </p:val>
-                                        </p:tav>
-                                        <p:tav tm="100000">
-                                          <p:val>
-                                            <p:strVal val="#ppt_x"/>
-                                          </p:val>
-                                        </p:tav>
-                                      </p:tavLst>
-                                    </p:anim>
-                                    <p:anim calcmode="lin" valueType="num">
-                                      <p:cBhvr additive="base">
-                                        <p:cTn id="20" dur="500" fill="hold"/>
-                                        <p:tgtEl>
-                                          <p:spTgt spid="9"/>
-                                        </p:tgtEl>
-                                        <p:attrNameLst>
-                                          <p:attrName>ppt_y</p:attrName>
-                                        </p:attrNameLst>
-                                      </p:cBhvr>
-                                      <p:tavLst>
-                                        <p:tav tm="0">
-                                          <p:val>
-                                            <p:strVal val="1+#ppt_h/2"/>
-                                          </p:val>
-                                        </p:tav>
-                                        <p:tav tm="100000">
-                                          <p:val>
-                                            <p:strVal val="#ppt_y"/>
-                                          </p:val>
-                                        </p:tav>
-                                      </p:tavLst>
-                                    </p:anim>
-                                  </p:childTnLst>
-                                </p:cTn>
-                              </p:par>
-                            </p:childTnLst>
-                          </p:cTn>
-                        </p:par>
-                      </p:childTnLst>
-                    </p:cTn>
-                  </p:par>
-                  <p:par>
-                    <p:cTn id="21" fill="hold">
-                      <p:stCondLst>
-                        <p:cond delay="indefinite"/>
-                      </p:stCondLst>
-                      <p:childTnLst>
-                        <p:par>
-                          <p:cTn id="22" fill="hold">
-                            <p:stCondLst>
-                              <p:cond delay="0"/>
-                            </p:stCondLst>
-                            <p:childTnLst>
-                              <p:par>
-                                <p:cTn id="23" presetID="2" presetClass="entr" presetSubtype="4" fill="hold" grpId="0" nodeType="clickEffect">
-                                  <p:stCondLst>
-                                    <p:cond delay="0"/>
-                                  </p:stCondLst>
-                                  <p:childTnLst>
-                                    <p:set>
-                                      <p:cBhvr>
-                                        <p:cTn id="24" dur="1" fill="hold">
-                                          <p:stCondLst>
-                                            <p:cond delay="0"/>
-                                          </p:stCondLst>
-                                        </p:cTn>
-                                        <p:tgtEl>
-                                          <p:spTgt spid="10"/>
-                                        </p:tgtEl>
-                                        <p:attrNameLst>
-                                          <p:attrName>style.visibility</p:attrName>
-                                        </p:attrNameLst>
-                                      </p:cBhvr>
-                                      <p:to>
-                                        <p:strVal val="visible"/>
-                                      </p:to>
-                                    </p:set>
-                                    <p:anim calcmode="lin" valueType="num">
-                                      <p:cBhvr additive="base">
-                                        <p:cTn id="25" dur="500" fill="hold"/>
-                                        <p:tgtEl>
-                                          <p:spTgt spid="10"/>
-                                        </p:tgtEl>
-                                        <p:attrNameLst>
-                                          <p:attrName>ppt_x</p:attrName>
-                                        </p:attrNameLst>
-                                      </p:cBhvr>
-                                      <p:tavLst>
-                                        <p:tav tm="0">
-                                          <p:val>
-                                            <p:strVal val="#ppt_x"/>
-                                          </p:val>
-                                        </p:tav>
-                                        <p:tav tm="100000">
-                                          <p:val>
-                                            <p:strVal val="#ppt_x"/>
-                                          </p:val>
-                                        </p:tav>
-                                      </p:tavLst>
-                                    </p:anim>
-                                    <p:anim calcmode="lin" valueType="num">
-                                      <p:cBhvr additive="base">
-                                        <p:cTn id="26" dur="500" fill="hold"/>
-                                        <p:tgtEl>
-                                          <p:spTgt spid="10"/>
-                                        </p:tgtEl>
-                                        <p:attrNameLst>
-                                          <p:attrName>ppt_y</p:attrName>
-                                        </p:attrNameLst>
-                                      </p:cBhvr>
-                                      <p:tavLst>
-                                        <p:tav tm="0">
-                                          <p:val>
-                                            <p:strVal val="1+#ppt_h/2"/>
-                                          </p:val>
-                                        </p:tav>
-                                        <p:tav tm="100000">
-                                          <p:val>
-                                            <p:strVal val="#ppt_y"/>
-                                          </p:val>
-                                        </p:tav>
-                                      </p:tavLst>
-                                    </p:anim>
-                                  </p:childTnLst>
-                                </p:cTn>
-                              </p:par>
-                            </p:childTnLst>
-                          </p:cTn>
-                        </p:par>
-                      </p:childTnLst>
-                    </p:cTn>
-                  </p:par>
-                </p:childTnLst>
-              </p:cTn>
-              <p:prevCondLst>
-                <p:cond evt="onPrev" delay="0">
-                  <p:tgtEl>
-                    <p:sldTgt/>
-                  </p:tgtEl>
-                </p:cond>
-              </p:prevCondLst>
-              <p:nextCondLst>
-                <p:cond evt="onNext" delay="0">
-                  <p:tgtEl>
-                    <p:sldTgt/>
-                  </p:tgtEl>
-                </p:cond>
-              </p:nextCondLst>
-            </p:seq>
-          </p:childTnLst>
-        </p:cTn>
+        <p:cTn xmlns:p14="http://schemas.microsoft.com/office/powerpoint/2010/main" id="1" dur="indefinite" restart="never" nodeType="tmRoot"/>
       </p:par>
     </p:tnLst>
-    <p:bldLst>
-      <p:bldP spid="6" grpId="0"/>
-      <p:bldP spid="8" grpId="0"/>
-      <p:bldP spid="9" grpId="0"/>
-      <p:bldP spid="10" grpId="0"/>
-    </p:bldLst>
   </p:timing>
 </p:sld>
 </file>

--- a/HaiNaBian_PM知识分享/201812/PM.pptx
+++ b/HaiNaBian_PM知识分享/201812/PM.pptx
@@ -14,19 +14,24 @@
     <p:sldId id="281" r:id="rId8"/>
     <p:sldId id="275" r:id="rId9"/>
     <p:sldId id="261" r:id="rId10"/>
-    <p:sldId id="283" r:id="rId11"/>
-    <p:sldId id="284" r:id="rId12"/>
-    <p:sldId id="285" r:id="rId13"/>
-    <p:sldId id="286" r:id="rId14"/>
-    <p:sldId id="287" r:id="rId15"/>
-    <p:sldId id="288" r:id="rId16"/>
-    <p:sldId id="289" r:id="rId17"/>
-    <p:sldId id="290" r:id="rId18"/>
-    <p:sldId id="282" r:id="rId19"/>
-    <p:sldId id="259" r:id="rId20"/>
-    <p:sldId id="262" r:id="rId21"/>
-    <p:sldId id="263" r:id="rId22"/>
-    <p:sldId id="264" r:id="rId23"/>
+    <p:sldId id="295" r:id="rId11"/>
+    <p:sldId id="294" r:id="rId12"/>
+    <p:sldId id="293" r:id="rId13"/>
+    <p:sldId id="292" r:id="rId14"/>
+    <p:sldId id="291" r:id="rId15"/>
+    <p:sldId id="283" r:id="rId16"/>
+    <p:sldId id="284" r:id="rId17"/>
+    <p:sldId id="285" r:id="rId18"/>
+    <p:sldId id="286" r:id="rId19"/>
+    <p:sldId id="287" r:id="rId20"/>
+    <p:sldId id="288" r:id="rId21"/>
+    <p:sldId id="289" r:id="rId22"/>
+    <p:sldId id="290" r:id="rId23"/>
+    <p:sldId id="282" r:id="rId24"/>
+    <p:sldId id="259" r:id="rId25"/>
+    <p:sldId id="262" r:id="rId26"/>
+    <p:sldId id="263" r:id="rId27"/>
+    <p:sldId id="264" r:id="rId28"/>
   </p:sldIdLst>
   <p:sldSz cx="9144000" cy="6858000" type="screen4x3"/>
   <p:notesSz cx="6858000" cy="9144000"/>
@@ -309,7 +314,7 @@
           <a:p>
             <a:fld id="{0BAC3E48-7ABA-D441-94D0-3B3C6F86371F}" type="datetimeFigureOut">
               <a:rPr kumimoji="1" lang="zh-CN" altLang="en-US" smtClean="0"/>
-              <a:t>19/3/25</a:t>
+              <a:t>19/3/26</a:t>
             </a:fld>
             <a:endParaRPr kumimoji="1" lang="zh-CN" altLang="en-US"/>
           </a:p>
@@ -479,7 +484,7 @@
           <a:p>
             <a:fld id="{0BAC3E48-7ABA-D441-94D0-3B3C6F86371F}" type="datetimeFigureOut">
               <a:rPr kumimoji="1" lang="zh-CN" altLang="en-US" smtClean="0"/>
-              <a:t>19/3/25</a:t>
+              <a:t>19/3/26</a:t>
             </a:fld>
             <a:endParaRPr kumimoji="1" lang="zh-CN" altLang="en-US"/>
           </a:p>
@@ -659,7 +664,7 @@
           <a:p>
             <a:fld id="{0BAC3E48-7ABA-D441-94D0-3B3C6F86371F}" type="datetimeFigureOut">
               <a:rPr kumimoji="1" lang="zh-CN" altLang="en-US" smtClean="0"/>
-              <a:t>19/3/25</a:t>
+              <a:t>19/3/26</a:t>
             </a:fld>
             <a:endParaRPr kumimoji="1" lang="zh-CN" altLang="en-US"/>
           </a:p>
@@ -829,7 +834,7 @@
           <a:p>
             <a:fld id="{0BAC3E48-7ABA-D441-94D0-3B3C6F86371F}" type="datetimeFigureOut">
               <a:rPr kumimoji="1" lang="zh-CN" altLang="en-US" smtClean="0"/>
-              <a:t>19/3/25</a:t>
+              <a:t>19/3/26</a:t>
             </a:fld>
             <a:endParaRPr kumimoji="1" lang="zh-CN" altLang="en-US"/>
           </a:p>
@@ -1075,7 +1080,7 @@
           <a:p>
             <a:fld id="{0BAC3E48-7ABA-D441-94D0-3B3C6F86371F}" type="datetimeFigureOut">
               <a:rPr kumimoji="1" lang="zh-CN" altLang="en-US" smtClean="0"/>
-              <a:t>19/3/25</a:t>
+              <a:t>19/3/26</a:t>
             </a:fld>
             <a:endParaRPr kumimoji="1" lang="zh-CN" altLang="en-US"/>
           </a:p>
@@ -1363,7 +1368,7 @@
           <a:p>
             <a:fld id="{0BAC3E48-7ABA-D441-94D0-3B3C6F86371F}" type="datetimeFigureOut">
               <a:rPr kumimoji="1" lang="zh-CN" altLang="en-US" smtClean="0"/>
-              <a:t>19/3/25</a:t>
+              <a:t>19/3/26</a:t>
             </a:fld>
             <a:endParaRPr kumimoji="1" lang="zh-CN" altLang="en-US"/>
           </a:p>
@@ -1785,7 +1790,7 @@
           <a:p>
             <a:fld id="{0BAC3E48-7ABA-D441-94D0-3B3C6F86371F}" type="datetimeFigureOut">
               <a:rPr kumimoji="1" lang="zh-CN" altLang="en-US" smtClean="0"/>
-              <a:t>19/3/25</a:t>
+              <a:t>19/3/26</a:t>
             </a:fld>
             <a:endParaRPr kumimoji="1" lang="zh-CN" altLang="en-US"/>
           </a:p>
@@ -1903,7 +1908,7 @@
           <a:p>
             <a:fld id="{0BAC3E48-7ABA-D441-94D0-3B3C6F86371F}" type="datetimeFigureOut">
               <a:rPr kumimoji="1" lang="zh-CN" altLang="en-US" smtClean="0"/>
-              <a:t>19/3/25</a:t>
+              <a:t>19/3/26</a:t>
             </a:fld>
             <a:endParaRPr kumimoji="1" lang="zh-CN" altLang="en-US"/>
           </a:p>
@@ -1998,7 +2003,7 @@
           <a:p>
             <a:fld id="{0BAC3E48-7ABA-D441-94D0-3B3C6F86371F}" type="datetimeFigureOut">
               <a:rPr kumimoji="1" lang="zh-CN" altLang="en-US" smtClean="0"/>
-              <a:t>19/3/25</a:t>
+              <a:t>19/3/26</a:t>
             </a:fld>
             <a:endParaRPr kumimoji="1" lang="zh-CN" altLang="en-US"/>
           </a:p>
@@ -2275,7 +2280,7 @@
           <a:p>
             <a:fld id="{0BAC3E48-7ABA-D441-94D0-3B3C6F86371F}" type="datetimeFigureOut">
               <a:rPr kumimoji="1" lang="zh-CN" altLang="en-US" smtClean="0"/>
-              <a:t>19/3/25</a:t>
+              <a:t>19/3/26</a:t>
             </a:fld>
             <a:endParaRPr kumimoji="1" lang="zh-CN" altLang="en-US"/>
           </a:p>
@@ -2528,7 +2533,7 @@
           <a:p>
             <a:fld id="{0BAC3E48-7ABA-D441-94D0-3B3C6F86371F}" type="datetimeFigureOut">
               <a:rPr kumimoji="1" lang="zh-CN" altLang="en-US" smtClean="0"/>
-              <a:t>19/3/25</a:t>
+              <a:t>19/3/26</a:t>
             </a:fld>
             <a:endParaRPr kumimoji="1" lang="zh-CN" altLang="en-US"/>
           </a:p>
@@ -2741,7 +2746,7 @@
           <a:p>
             <a:fld id="{0BAC3E48-7ABA-D441-94D0-3B3C6F86371F}" type="datetimeFigureOut">
               <a:rPr kumimoji="1" lang="zh-CN" altLang="en-US" smtClean="0"/>
-              <a:t>19/3/25</a:t>
+              <a:t>19/3/26</a:t>
             </a:fld>
             <a:endParaRPr kumimoji="1" lang="zh-CN" altLang="en-US"/>
           </a:p>
@@ -3334,42 +3339,786 @@
           <a:prstGeom prst="rect">
             <a:avLst/>
           </a:prstGeom>
+          <a:ln>
+            <a:solidFill>
+              <a:schemeClr val="tx1"/>
+            </a:solidFill>
+          </a:ln>
         </p:spPr>
       </p:pic>
-      <p:pic>
-        <p:nvPicPr>
-          <p:cNvPr id="4" name="图片 3" descr="五大过程组.jpeg"/>
-          <p:cNvPicPr>
-            <a:picLocks noChangeAspect="1"/>
-          </p:cNvPicPr>
+      <p:sp>
+        <p:nvSpPr>
+          <p:cNvPr id="6" name="文本框 5"/>
+          <p:cNvSpPr txBox="1"/>
           <p:nvPr/>
-        </p:nvPicPr>
-        <p:blipFill>
-          <a:blip r:embed="rId3">
-            <a:extLst>
-              <a:ext uri="{28A0092B-C50C-407E-A947-70E740481C1C}">
-                <a14:useLocalDpi xmlns:a14="http://schemas.microsoft.com/office/drawing/2010/main" val="0"/>
-              </a:ext>
-            </a:extLst>
-          </a:blip>
-          <a:stretch>
-            <a:fillRect/>
-          </a:stretch>
-        </p:blipFill>
-        <p:spPr>
-          <a:xfrm>
-            <a:off x="446407" y="1854200"/>
-            <a:ext cx="8289347" cy="3784600"/>
+        </p:nvSpPr>
+        <p:spPr>
+          <a:xfrm>
+            <a:off x="3022348" y="681366"/>
+            <a:ext cx="2094470" cy="369332"/>
           </a:xfrm>
           <a:prstGeom prst="rect">
             <a:avLst/>
           </a:prstGeom>
-        </p:spPr>
-      </p:pic>
+          <a:solidFill>
+            <a:srgbClr val="FF6600"/>
+          </a:solidFill>
+        </p:spPr>
+        <p:txBody>
+          <a:bodyPr wrap="square" rtlCol="0">
+            <a:spAutoFit/>
+          </a:bodyPr>
+          <a:lstStyle/>
+          <a:p>
+            <a:pPr algn="ctr"/>
+            <a:r>
+              <a:rPr kumimoji="1" lang="zh-CN" altLang="en-US" dirty="0" smtClean="0"/>
+              <a:t>项目环境</a:t>
+            </a:r>
+            <a:endParaRPr kumimoji="1" lang="zh-CN" altLang="en-US" dirty="0"/>
+          </a:p>
+        </p:txBody>
+      </p:sp>
+      <p:sp>
+        <p:nvSpPr>
+          <p:cNvPr id="7" name="文本框 6"/>
+          <p:cNvSpPr txBox="1"/>
+          <p:nvPr/>
+        </p:nvSpPr>
+        <p:spPr>
+          <a:xfrm>
+            <a:off x="1374673" y="1746812"/>
+            <a:ext cx="1713997" cy="369332"/>
+          </a:xfrm>
+          <a:prstGeom prst="rect">
+            <a:avLst/>
+          </a:prstGeom>
+          <a:solidFill>
+            <a:schemeClr val="accent6">
+              <a:lumMod val="60000"/>
+              <a:lumOff val="40000"/>
+            </a:schemeClr>
+          </a:solidFill>
+        </p:spPr>
+        <p:txBody>
+          <a:bodyPr wrap="square" rtlCol="0">
+            <a:spAutoFit/>
+          </a:bodyPr>
+          <a:lstStyle/>
+          <a:p>
+            <a:r>
+              <a:rPr kumimoji="1" lang="en-US" altLang="zh-CN" dirty="0" smtClean="0"/>
+              <a:t> </a:t>
+            </a:r>
+            <a:r>
+              <a:rPr kumimoji="1" lang="zh-CN" altLang="en-US" dirty="0" smtClean="0"/>
+              <a:t>事业环境因素</a:t>
+            </a:r>
+            <a:endParaRPr kumimoji="1" lang="zh-CN" altLang="en-US" dirty="0"/>
+          </a:p>
+        </p:txBody>
+      </p:sp>
+      <p:sp>
+        <p:nvSpPr>
+          <p:cNvPr id="8" name="文本框 7"/>
+          <p:cNvSpPr txBox="1"/>
+          <p:nvPr/>
+        </p:nvSpPr>
+        <p:spPr>
+          <a:xfrm>
+            <a:off x="5662747" y="1761093"/>
+            <a:ext cx="1645333" cy="369332"/>
+          </a:xfrm>
+          <a:prstGeom prst="rect">
+            <a:avLst/>
+          </a:prstGeom>
+          <a:solidFill>
+            <a:schemeClr val="accent6">
+              <a:lumMod val="60000"/>
+              <a:lumOff val="40000"/>
+            </a:schemeClr>
+          </a:solidFill>
+        </p:spPr>
+        <p:txBody>
+          <a:bodyPr wrap="square" rtlCol="0">
+            <a:spAutoFit/>
+          </a:bodyPr>
+          <a:lstStyle/>
+          <a:p>
+            <a:r>
+              <a:rPr kumimoji="1" lang="zh-CN" altLang="en-US" dirty="0" smtClean="0"/>
+              <a:t>组织过程资产</a:t>
+            </a:r>
+            <a:endParaRPr kumimoji="1" lang="zh-CN" altLang="en-US" dirty="0"/>
+          </a:p>
+        </p:txBody>
+      </p:sp>
+      <p:sp>
+        <p:nvSpPr>
+          <p:cNvPr id="11" name="左大括号 10"/>
+          <p:cNvSpPr/>
+          <p:nvPr/>
+        </p:nvSpPr>
+        <p:spPr>
+          <a:xfrm rot="5400000">
+            <a:off x="3786342" y="-713574"/>
+            <a:ext cx="626558" cy="4155105"/>
+          </a:xfrm>
+          <a:prstGeom prst="leftBrace">
+            <a:avLst/>
+          </a:prstGeom>
+          <a:ln>
+            <a:solidFill>
+              <a:schemeClr val="accent6"/>
+            </a:solidFill>
+          </a:ln>
+        </p:spPr>
+        <p:style>
+          <a:lnRef idx="2">
+            <a:schemeClr val="accent1"/>
+          </a:lnRef>
+          <a:fillRef idx="0">
+            <a:schemeClr val="accent1"/>
+          </a:fillRef>
+          <a:effectRef idx="1">
+            <a:schemeClr val="accent1"/>
+          </a:effectRef>
+          <a:fontRef idx="minor">
+            <a:schemeClr val="tx1"/>
+          </a:fontRef>
+        </p:style>
+        <p:txBody>
+          <a:bodyPr rtlCol="0" anchor="ctr"/>
+          <a:lstStyle/>
+          <a:p>
+            <a:pPr algn="ctr"/>
+            <a:endParaRPr kumimoji="1" lang="zh-CN" altLang="en-US"/>
+          </a:p>
+        </p:txBody>
+      </p:sp>
+      <p:sp>
+        <p:nvSpPr>
+          <p:cNvPr id="12" name="左大括号 11"/>
+          <p:cNvSpPr/>
+          <p:nvPr/>
+        </p:nvSpPr>
+        <p:spPr>
+          <a:xfrm rot="5400000">
+            <a:off x="1965677" y="1113121"/>
+            <a:ext cx="545410" cy="2551457"/>
+          </a:xfrm>
+          <a:prstGeom prst="leftBrace">
+            <a:avLst/>
+          </a:prstGeom>
+          <a:ln>
+            <a:solidFill>
+              <a:schemeClr val="accent6"/>
+            </a:solidFill>
+          </a:ln>
+        </p:spPr>
+        <p:style>
+          <a:lnRef idx="2">
+            <a:schemeClr val="accent1"/>
+          </a:lnRef>
+          <a:fillRef idx="0">
+            <a:schemeClr val="accent1"/>
+          </a:fillRef>
+          <a:effectRef idx="1">
+            <a:schemeClr val="accent1"/>
+          </a:effectRef>
+          <a:fontRef idx="minor">
+            <a:schemeClr val="tx1"/>
+          </a:fontRef>
+        </p:style>
+        <p:txBody>
+          <a:bodyPr rtlCol="0" anchor="ctr"/>
+          <a:lstStyle/>
+          <a:p>
+            <a:pPr algn="ctr"/>
+            <a:endParaRPr kumimoji="1" lang="zh-CN" altLang="en-US"/>
+          </a:p>
+        </p:txBody>
+      </p:sp>
+      <p:sp>
+        <p:nvSpPr>
+          <p:cNvPr id="14" name="文本框 13"/>
+          <p:cNvSpPr txBox="1"/>
+          <p:nvPr/>
+        </p:nvSpPr>
+        <p:spPr>
+          <a:xfrm>
+            <a:off x="343080" y="2661555"/>
+            <a:ext cx="1039306" cy="338554"/>
+          </a:xfrm>
+          <a:prstGeom prst="rect">
+            <a:avLst/>
+          </a:prstGeom>
+          <a:solidFill>
+            <a:schemeClr val="accent6">
+              <a:lumMod val="60000"/>
+              <a:lumOff val="40000"/>
+            </a:schemeClr>
+          </a:solidFill>
+        </p:spPr>
+        <p:txBody>
+          <a:bodyPr wrap="square" rtlCol="0">
+            <a:spAutoFit/>
+          </a:bodyPr>
+          <a:lstStyle/>
+          <a:p>
+            <a:r>
+              <a:rPr kumimoji="1" lang="en-US" altLang="zh-CN" sz="1600" dirty="0" smtClean="0"/>
+              <a:t> </a:t>
+            </a:r>
+            <a:r>
+              <a:rPr kumimoji="1" lang="zh-CN" altLang="en-US" sz="1600" dirty="0" smtClean="0"/>
+              <a:t>员工能力</a:t>
+            </a:r>
+            <a:endParaRPr kumimoji="1" lang="zh-CN" altLang="en-US" sz="1600" dirty="0"/>
+          </a:p>
+        </p:txBody>
+      </p:sp>
+      <p:sp>
+        <p:nvSpPr>
+          <p:cNvPr id="24" name="文本框 23"/>
+          <p:cNvSpPr txBox="1"/>
+          <p:nvPr/>
+        </p:nvSpPr>
+        <p:spPr>
+          <a:xfrm>
+            <a:off x="345716" y="3152509"/>
+            <a:ext cx="1039306" cy="338554"/>
+          </a:xfrm>
+          <a:prstGeom prst="rect">
+            <a:avLst/>
+          </a:prstGeom>
+          <a:solidFill>
+            <a:schemeClr val="accent6">
+              <a:lumMod val="60000"/>
+              <a:lumOff val="40000"/>
+            </a:schemeClr>
+          </a:solidFill>
+        </p:spPr>
+        <p:txBody>
+          <a:bodyPr wrap="square" rtlCol="0">
+            <a:spAutoFit/>
+          </a:bodyPr>
+          <a:lstStyle/>
+          <a:p>
+            <a:r>
+              <a:rPr kumimoji="1" lang="zh-CN" altLang="en-US" sz="1600" dirty="0" smtClean="0"/>
+              <a:t>基础设施</a:t>
+            </a:r>
+            <a:endParaRPr kumimoji="1" lang="zh-CN" altLang="en-US" sz="1600" dirty="0"/>
+          </a:p>
+        </p:txBody>
+      </p:sp>
+      <p:sp>
+        <p:nvSpPr>
+          <p:cNvPr id="25" name="文本框 24"/>
+          <p:cNvSpPr txBox="1"/>
+          <p:nvPr/>
+        </p:nvSpPr>
+        <p:spPr>
+          <a:xfrm>
+            <a:off x="339005" y="3643689"/>
+            <a:ext cx="1039306" cy="338554"/>
+          </a:xfrm>
+          <a:prstGeom prst="rect">
+            <a:avLst/>
+          </a:prstGeom>
+          <a:solidFill>
+            <a:schemeClr val="accent6">
+              <a:lumMod val="60000"/>
+              <a:lumOff val="40000"/>
+            </a:schemeClr>
+          </a:solidFill>
+        </p:spPr>
+        <p:txBody>
+          <a:bodyPr wrap="square" rtlCol="0">
+            <a:spAutoFit/>
+          </a:bodyPr>
+          <a:lstStyle/>
+          <a:p>
+            <a:r>
+              <a:rPr kumimoji="1" lang="zh-CN" altLang="en-US" sz="1600" dirty="0" smtClean="0"/>
+              <a:t>地理位置</a:t>
+            </a:r>
+            <a:endParaRPr kumimoji="1" lang="zh-CN" altLang="en-US" sz="1600" dirty="0"/>
+          </a:p>
+        </p:txBody>
+      </p:sp>
+      <p:sp>
+        <p:nvSpPr>
+          <p:cNvPr id="27" name="文本框 26"/>
+          <p:cNvSpPr txBox="1"/>
+          <p:nvPr/>
+        </p:nvSpPr>
+        <p:spPr>
+          <a:xfrm>
+            <a:off x="345716" y="4155609"/>
+            <a:ext cx="1039306" cy="584776"/>
+          </a:xfrm>
+          <a:prstGeom prst="rect">
+            <a:avLst/>
+          </a:prstGeom>
+          <a:solidFill>
+            <a:schemeClr val="accent6">
+              <a:lumMod val="60000"/>
+              <a:lumOff val="40000"/>
+            </a:schemeClr>
+          </a:solidFill>
+        </p:spPr>
+        <p:txBody>
+          <a:bodyPr wrap="square" rtlCol="0">
+            <a:spAutoFit/>
+          </a:bodyPr>
+          <a:lstStyle/>
+          <a:p>
+            <a:r>
+              <a:rPr kumimoji="1" lang="zh-CN" altLang="en-US" sz="1600" dirty="0" smtClean="0"/>
+              <a:t>组织文化与结构</a:t>
+            </a:r>
+            <a:endParaRPr kumimoji="1" lang="zh-CN" altLang="en-US" sz="1600" dirty="0"/>
+          </a:p>
+        </p:txBody>
+      </p:sp>
+      <p:sp>
+        <p:nvSpPr>
+          <p:cNvPr id="28" name="文本框 27"/>
+          <p:cNvSpPr txBox="1"/>
+          <p:nvPr/>
+        </p:nvSpPr>
+        <p:spPr>
+          <a:xfrm>
+            <a:off x="2575728" y="3142749"/>
+            <a:ext cx="1039306" cy="338554"/>
+          </a:xfrm>
+          <a:prstGeom prst="rect">
+            <a:avLst/>
+          </a:prstGeom>
+          <a:solidFill>
+            <a:schemeClr val="accent6">
+              <a:lumMod val="60000"/>
+              <a:lumOff val="40000"/>
+            </a:schemeClr>
+          </a:solidFill>
+        </p:spPr>
+        <p:txBody>
+          <a:bodyPr wrap="square" rtlCol="0">
+            <a:spAutoFit/>
+          </a:bodyPr>
+          <a:lstStyle/>
+          <a:p>
+            <a:r>
+              <a:rPr kumimoji="1" lang="zh-CN" altLang="en-US" sz="1600" dirty="0" smtClean="0"/>
+              <a:t>政府政策</a:t>
+            </a:r>
+            <a:endParaRPr kumimoji="1" lang="zh-CN" altLang="en-US" sz="1600" dirty="0"/>
+          </a:p>
+        </p:txBody>
+      </p:sp>
+      <p:sp>
+        <p:nvSpPr>
+          <p:cNvPr id="29" name="文本框 28"/>
+          <p:cNvSpPr txBox="1"/>
+          <p:nvPr/>
+        </p:nvSpPr>
+        <p:spPr>
+          <a:xfrm>
+            <a:off x="2575728" y="2661555"/>
+            <a:ext cx="1039306" cy="338554"/>
+          </a:xfrm>
+          <a:prstGeom prst="rect">
+            <a:avLst/>
+          </a:prstGeom>
+          <a:solidFill>
+            <a:schemeClr val="accent6">
+              <a:lumMod val="60000"/>
+              <a:lumOff val="40000"/>
+            </a:schemeClr>
+          </a:solidFill>
+        </p:spPr>
+        <p:txBody>
+          <a:bodyPr wrap="square" rtlCol="0">
+            <a:spAutoFit/>
+          </a:bodyPr>
+          <a:lstStyle/>
+          <a:p>
+            <a:r>
+              <a:rPr kumimoji="1" lang="zh-CN" altLang="en-US" sz="1600" dirty="0" smtClean="0"/>
+              <a:t>市场环境</a:t>
+            </a:r>
+            <a:endParaRPr kumimoji="1" lang="zh-CN" altLang="en-US" sz="1600" dirty="0"/>
+          </a:p>
+        </p:txBody>
+      </p:sp>
+      <p:sp>
+        <p:nvSpPr>
+          <p:cNvPr id="30" name="文本框 29"/>
+          <p:cNvSpPr txBox="1"/>
+          <p:nvPr/>
+        </p:nvSpPr>
+        <p:spPr>
+          <a:xfrm>
+            <a:off x="2575728" y="3649971"/>
+            <a:ext cx="1039306" cy="338554"/>
+          </a:xfrm>
+          <a:prstGeom prst="rect">
+            <a:avLst/>
+          </a:prstGeom>
+          <a:solidFill>
+            <a:schemeClr val="accent6">
+              <a:lumMod val="60000"/>
+              <a:lumOff val="40000"/>
+            </a:schemeClr>
+          </a:solidFill>
+        </p:spPr>
+        <p:txBody>
+          <a:bodyPr wrap="square" rtlCol="0">
+            <a:spAutoFit/>
+          </a:bodyPr>
+          <a:lstStyle/>
+          <a:p>
+            <a:r>
+              <a:rPr kumimoji="1" lang="zh-CN" altLang="en-US" sz="1600" dirty="0" smtClean="0"/>
+              <a:t>行业标准</a:t>
+            </a:r>
+            <a:endParaRPr kumimoji="1" lang="zh-CN" altLang="en-US" sz="1600" dirty="0"/>
+          </a:p>
+        </p:txBody>
+      </p:sp>
+      <p:sp>
+        <p:nvSpPr>
+          <p:cNvPr id="31" name="文本框 30"/>
+          <p:cNvSpPr txBox="1"/>
+          <p:nvPr/>
+        </p:nvSpPr>
+        <p:spPr>
+          <a:xfrm>
+            <a:off x="2593828" y="4155609"/>
+            <a:ext cx="1039306" cy="338554"/>
+          </a:xfrm>
+          <a:prstGeom prst="rect">
+            <a:avLst/>
+          </a:prstGeom>
+          <a:solidFill>
+            <a:schemeClr val="accent6">
+              <a:lumMod val="60000"/>
+              <a:lumOff val="40000"/>
+            </a:schemeClr>
+          </a:solidFill>
+        </p:spPr>
+        <p:txBody>
+          <a:bodyPr wrap="square" rtlCol="0">
+            <a:spAutoFit/>
+          </a:bodyPr>
+          <a:lstStyle/>
+          <a:p>
+            <a:r>
+              <a:rPr kumimoji="1" lang="zh-CN" altLang="en-US" sz="1600" dirty="0" smtClean="0"/>
+              <a:t>税务制服</a:t>
+            </a:r>
+            <a:endParaRPr kumimoji="1" lang="zh-CN" altLang="en-US" sz="1600" dirty="0"/>
+          </a:p>
+        </p:txBody>
+      </p:sp>
+      <p:sp>
+        <p:nvSpPr>
+          <p:cNvPr id="32" name="文本框 31"/>
+          <p:cNvSpPr txBox="1"/>
+          <p:nvPr/>
+        </p:nvSpPr>
+        <p:spPr>
+          <a:xfrm>
+            <a:off x="2593828" y="4740385"/>
+            <a:ext cx="1039306" cy="584776"/>
+          </a:xfrm>
+          <a:prstGeom prst="rect">
+            <a:avLst/>
+          </a:prstGeom>
+          <a:solidFill>
+            <a:schemeClr val="accent6">
+              <a:lumMod val="60000"/>
+              <a:lumOff val="40000"/>
+            </a:schemeClr>
+          </a:solidFill>
+        </p:spPr>
+        <p:txBody>
+          <a:bodyPr wrap="square" rtlCol="0">
+            <a:spAutoFit/>
+          </a:bodyPr>
+          <a:lstStyle/>
+          <a:p>
+            <a:r>
+              <a:rPr kumimoji="1" lang="zh-CN" altLang="en-US" sz="1600" dirty="0" smtClean="0"/>
+              <a:t>法律与人文</a:t>
+            </a:r>
+            <a:endParaRPr kumimoji="1" lang="zh-CN" altLang="en-US" sz="1600" dirty="0"/>
+          </a:p>
+        </p:txBody>
+      </p:sp>
+      <p:sp>
+        <p:nvSpPr>
+          <p:cNvPr id="33" name="左大括号 32"/>
+          <p:cNvSpPr/>
+          <p:nvPr/>
+        </p:nvSpPr>
+        <p:spPr>
+          <a:xfrm rot="5400000">
+            <a:off x="6223967" y="1150553"/>
+            <a:ext cx="545410" cy="2551457"/>
+          </a:xfrm>
+          <a:prstGeom prst="leftBrace">
+            <a:avLst/>
+          </a:prstGeom>
+          <a:ln>
+            <a:solidFill>
+              <a:schemeClr val="accent6"/>
+            </a:solidFill>
+          </a:ln>
+        </p:spPr>
+        <p:style>
+          <a:lnRef idx="2">
+            <a:schemeClr val="accent1"/>
+          </a:lnRef>
+          <a:fillRef idx="0">
+            <a:schemeClr val="accent1"/>
+          </a:fillRef>
+          <a:effectRef idx="1">
+            <a:schemeClr val="accent1"/>
+          </a:effectRef>
+          <a:fontRef idx="minor">
+            <a:schemeClr val="tx1"/>
+          </a:fontRef>
+        </p:style>
+        <p:txBody>
+          <a:bodyPr rtlCol="0" anchor="ctr"/>
+          <a:lstStyle/>
+          <a:p>
+            <a:pPr algn="ctr"/>
+            <a:endParaRPr kumimoji="1" lang="zh-CN" altLang="en-US"/>
+          </a:p>
+        </p:txBody>
+      </p:sp>
+      <p:sp>
+        <p:nvSpPr>
+          <p:cNvPr id="34" name="文本框 33"/>
+          <p:cNvSpPr txBox="1"/>
+          <p:nvPr/>
+        </p:nvSpPr>
+        <p:spPr>
+          <a:xfrm>
+            <a:off x="4601370" y="2698987"/>
+            <a:ext cx="1039306" cy="338554"/>
+          </a:xfrm>
+          <a:prstGeom prst="rect">
+            <a:avLst/>
+          </a:prstGeom>
+          <a:solidFill>
+            <a:schemeClr val="accent6">
+              <a:lumMod val="60000"/>
+              <a:lumOff val="40000"/>
+            </a:schemeClr>
+          </a:solidFill>
+        </p:spPr>
+        <p:txBody>
+          <a:bodyPr wrap="square" rtlCol="0">
+            <a:spAutoFit/>
+          </a:bodyPr>
+          <a:lstStyle/>
+          <a:p>
+            <a:r>
+              <a:rPr kumimoji="1" lang="en-US" altLang="zh-CN" sz="1600" dirty="0" smtClean="0"/>
+              <a:t> </a:t>
+            </a:r>
+            <a:r>
+              <a:rPr kumimoji="1" lang="zh-CN" altLang="en-US" sz="1600" dirty="0" smtClean="0"/>
+              <a:t>公司制度</a:t>
+            </a:r>
+            <a:endParaRPr kumimoji="1" lang="zh-CN" altLang="en-US" sz="1600" dirty="0"/>
+          </a:p>
+        </p:txBody>
+      </p:sp>
+      <p:sp>
+        <p:nvSpPr>
+          <p:cNvPr id="35" name="文本框 34"/>
+          <p:cNvSpPr txBox="1"/>
+          <p:nvPr/>
+        </p:nvSpPr>
+        <p:spPr>
+          <a:xfrm>
+            <a:off x="4604006" y="3189941"/>
+            <a:ext cx="1039306" cy="338554"/>
+          </a:xfrm>
+          <a:prstGeom prst="rect">
+            <a:avLst/>
+          </a:prstGeom>
+          <a:solidFill>
+            <a:schemeClr val="accent6">
+              <a:lumMod val="60000"/>
+              <a:lumOff val="40000"/>
+            </a:schemeClr>
+          </a:solidFill>
+        </p:spPr>
+        <p:txBody>
+          <a:bodyPr wrap="square" rtlCol="0">
+            <a:spAutoFit/>
+          </a:bodyPr>
+          <a:lstStyle/>
+          <a:p>
+            <a:r>
+              <a:rPr kumimoji="1" lang="zh-CN" altLang="en-US" sz="1600" dirty="0" smtClean="0"/>
+              <a:t>数据库</a:t>
+            </a:r>
+            <a:endParaRPr kumimoji="1" lang="zh-CN" altLang="en-US" sz="1600" dirty="0"/>
+          </a:p>
+        </p:txBody>
+      </p:sp>
+      <p:sp>
+        <p:nvSpPr>
+          <p:cNvPr id="36" name="文本框 35"/>
+          <p:cNvSpPr txBox="1"/>
+          <p:nvPr/>
+        </p:nvSpPr>
+        <p:spPr>
+          <a:xfrm>
+            <a:off x="4597295" y="3681121"/>
+            <a:ext cx="1039306" cy="338554"/>
+          </a:xfrm>
+          <a:prstGeom prst="rect">
+            <a:avLst/>
+          </a:prstGeom>
+          <a:solidFill>
+            <a:schemeClr val="accent6">
+              <a:lumMod val="60000"/>
+              <a:lumOff val="40000"/>
+            </a:schemeClr>
+          </a:solidFill>
+        </p:spPr>
+        <p:txBody>
+          <a:bodyPr wrap="square" rtlCol="0">
+            <a:spAutoFit/>
+          </a:bodyPr>
+          <a:lstStyle/>
+          <a:p>
+            <a:r>
+              <a:rPr kumimoji="1" lang="zh-CN" altLang="en-US" sz="1600" dirty="0" smtClean="0"/>
+              <a:t>程序</a:t>
+            </a:r>
+            <a:endParaRPr kumimoji="1" lang="zh-CN" altLang="en-US" sz="1600" dirty="0"/>
+          </a:p>
+        </p:txBody>
+      </p:sp>
+      <p:sp>
+        <p:nvSpPr>
+          <p:cNvPr id="38" name="文本框 37"/>
+          <p:cNvSpPr txBox="1"/>
+          <p:nvPr/>
+        </p:nvSpPr>
+        <p:spPr>
+          <a:xfrm>
+            <a:off x="6834018" y="3180181"/>
+            <a:ext cx="1039306" cy="338554"/>
+          </a:xfrm>
+          <a:prstGeom prst="rect">
+            <a:avLst/>
+          </a:prstGeom>
+          <a:solidFill>
+            <a:schemeClr val="accent6">
+              <a:lumMod val="60000"/>
+              <a:lumOff val="40000"/>
+            </a:schemeClr>
+          </a:solidFill>
+        </p:spPr>
+        <p:txBody>
+          <a:bodyPr wrap="square" rtlCol="0">
+            <a:spAutoFit/>
+          </a:bodyPr>
+          <a:lstStyle/>
+          <a:p>
+            <a:r>
+              <a:rPr kumimoji="1" lang="zh-CN" altLang="en-US" sz="1600" dirty="0" smtClean="0"/>
+              <a:t>文档</a:t>
+            </a:r>
+            <a:endParaRPr kumimoji="1" lang="zh-CN" altLang="en-US" sz="1600" dirty="0"/>
+          </a:p>
+        </p:txBody>
+      </p:sp>
+      <p:sp>
+        <p:nvSpPr>
+          <p:cNvPr id="39" name="文本框 38"/>
+          <p:cNvSpPr txBox="1"/>
+          <p:nvPr/>
+        </p:nvSpPr>
+        <p:spPr>
+          <a:xfrm>
+            <a:off x="6834018" y="2698987"/>
+            <a:ext cx="1039306" cy="338554"/>
+          </a:xfrm>
+          <a:prstGeom prst="rect">
+            <a:avLst/>
+          </a:prstGeom>
+          <a:solidFill>
+            <a:schemeClr val="accent6">
+              <a:lumMod val="60000"/>
+              <a:lumOff val="40000"/>
+            </a:schemeClr>
+          </a:solidFill>
+        </p:spPr>
+        <p:txBody>
+          <a:bodyPr wrap="square" rtlCol="0">
+            <a:spAutoFit/>
+          </a:bodyPr>
+          <a:lstStyle/>
+          <a:p>
+            <a:r>
+              <a:rPr kumimoji="1" lang="zh-CN" altLang="en-US" sz="1600" dirty="0" smtClean="0"/>
+              <a:t>人事档案</a:t>
+            </a:r>
+            <a:endParaRPr kumimoji="1" lang="zh-CN" altLang="en-US" sz="1600" dirty="0"/>
+          </a:p>
+        </p:txBody>
+      </p:sp>
+      <p:sp>
+        <p:nvSpPr>
+          <p:cNvPr id="40" name="文本框 39"/>
+          <p:cNvSpPr txBox="1"/>
+          <p:nvPr/>
+        </p:nvSpPr>
+        <p:spPr>
+          <a:xfrm>
+            <a:off x="6834018" y="3687403"/>
+            <a:ext cx="1039306" cy="338554"/>
+          </a:xfrm>
+          <a:prstGeom prst="rect">
+            <a:avLst/>
+          </a:prstGeom>
+          <a:solidFill>
+            <a:schemeClr val="accent6">
+              <a:lumMod val="60000"/>
+              <a:lumOff val="40000"/>
+            </a:schemeClr>
+          </a:solidFill>
+        </p:spPr>
+        <p:txBody>
+          <a:bodyPr wrap="square" rtlCol="0">
+            <a:spAutoFit/>
+          </a:bodyPr>
+          <a:lstStyle/>
+          <a:p>
+            <a:r>
+              <a:rPr kumimoji="1" lang="zh-CN" altLang="en-US" sz="1600" dirty="0" smtClean="0"/>
+              <a:t>会议纪要</a:t>
+            </a:r>
+            <a:endParaRPr kumimoji="1" lang="zh-CN" altLang="en-US" sz="1600" dirty="0"/>
+          </a:p>
+        </p:txBody>
+      </p:sp>
     </p:spTree>
     <p:extLst>
       <p:ext uri="{BB962C8B-B14F-4D97-AF65-F5344CB8AC3E}">
-        <p14:creationId xmlns:p14="http://schemas.microsoft.com/office/powerpoint/2010/main" val="4154426245"/>
+        <p14:creationId xmlns:p14="http://schemas.microsoft.com/office/powerpoint/2010/main" val="3208515412"/>
       </p:ext>
     </p:extLst>
   </p:cSld>
@@ -3471,40 +4220,74 @@
           </a:prstGeom>
         </p:spPr>
       </p:pic>
-      <p:pic>
-        <p:nvPicPr>
-          <p:cNvPr id="4" name="图片 3" descr="过程组与知识领域.png"/>
-          <p:cNvPicPr>
-            <a:picLocks noChangeAspect="1"/>
-          </p:cNvPicPr>
+      <p:sp>
+        <p:nvSpPr>
+          <p:cNvPr id="6" name="文本框 5"/>
+          <p:cNvSpPr txBox="1"/>
           <p:nvPr/>
-        </p:nvPicPr>
-        <p:blipFill>
-          <a:blip r:embed="rId3">
-            <a:extLst>
-              <a:ext uri="{28A0092B-C50C-407E-A947-70E740481C1C}">
-                <a14:useLocalDpi xmlns:a14="http://schemas.microsoft.com/office/drawing/2010/main" val="0"/>
-              </a:ext>
-            </a:extLst>
-          </a:blip>
-          <a:stretch>
-            <a:fillRect/>
-          </a:stretch>
-        </p:blipFill>
-        <p:spPr>
-          <a:xfrm>
-            <a:off x="2032000" y="0"/>
-            <a:ext cx="5063529" cy="6858000"/>
+        </p:nvSpPr>
+        <p:spPr>
+          <a:xfrm>
+            <a:off x="899895" y="681366"/>
+            <a:ext cx="3567826" cy="369332"/>
           </a:xfrm>
           <a:prstGeom prst="rect">
             <a:avLst/>
           </a:prstGeom>
-        </p:spPr>
-      </p:pic>
+          <a:solidFill>
+            <a:srgbClr val="FF6600"/>
+          </a:solidFill>
+        </p:spPr>
+        <p:txBody>
+          <a:bodyPr wrap="square" rtlCol="0">
+            <a:spAutoFit/>
+          </a:bodyPr>
+          <a:lstStyle/>
+          <a:p>
+            <a:pPr algn="ctr"/>
+            <a:endParaRPr kumimoji="1" lang="zh-CN" altLang="en-US" dirty="0"/>
+          </a:p>
+        </p:txBody>
+      </p:sp>
+      <p:sp>
+        <p:nvSpPr>
+          <p:cNvPr id="7" name="文本框 6"/>
+          <p:cNvSpPr txBox="1"/>
+          <p:nvPr/>
+        </p:nvSpPr>
+        <p:spPr>
+          <a:xfrm>
+            <a:off x="899895" y="1739381"/>
+            <a:ext cx="3191244" cy="369332"/>
+          </a:xfrm>
+          <a:prstGeom prst="rect">
+            <a:avLst/>
+          </a:prstGeom>
+          <a:solidFill>
+            <a:schemeClr val="accent6">
+              <a:lumMod val="60000"/>
+              <a:lumOff val="40000"/>
+            </a:schemeClr>
+          </a:solidFill>
+        </p:spPr>
+        <p:txBody>
+          <a:bodyPr wrap="square" rtlCol="0">
+            <a:spAutoFit/>
+          </a:bodyPr>
+          <a:lstStyle/>
+          <a:p>
+            <a:r>
+              <a:rPr kumimoji="1" lang="en-US" altLang="zh-CN" dirty="0" smtClean="0"/>
+              <a:t> </a:t>
+            </a:r>
+            <a:endParaRPr kumimoji="1" lang="zh-CN" altLang="en-US" dirty="0"/>
+          </a:p>
+        </p:txBody>
+      </p:sp>
     </p:spTree>
     <p:extLst>
       <p:ext uri="{BB962C8B-B14F-4D97-AF65-F5344CB8AC3E}">
-        <p14:creationId xmlns:p14="http://schemas.microsoft.com/office/powerpoint/2010/main" val="3329961660"/>
+        <p14:creationId xmlns:p14="http://schemas.microsoft.com/office/powerpoint/2010/main" val="3208515412"/>
       </p:ext>
     </p:extLst>
   </p:cSld>
@@ -3598,7 +4381,7 @@
         </p:blipFill>
         <p:spPr>
           <a:xfrm>
-            <a:off x="0" y="0"/>
+            <a:off x="-24659" y="0"/>
             <a:ext cx="9144000" cy="6858000"/>
           </a:xfrm>
           <a:prstGeom prst="rect">
@@ -3606,10 +4389,78 @@
           </a:prstGeom>
         </p:spPr>
       </p:pic>
+      <p:pic>
+        <p:nvPicPr>
+          <p:cNvPr id="7" name="图片 6" descr="软件开发瀑布模型.png"/>
+          <p:cNvPicPr>
+            <a:picLocks noChangeAspect="1"/>
+          </p:cNvPicPr>
+          <p:nvPr/>
+        </p:nvPicPr>
+        <p:blipFill>
+          <a:blip r:embed="rId3">
+            <a:extLst>
+              <a:ext uri="{28A0092B-C50C-407E-A947-70E740481C1C}">
+                <a14:useLocalDpi xmlns:a14="http://schemas.microsoft.com/office/drawing/2010/main" val="0"/>
+              </a:ext>
+            </a:extLst>
+          </a:blip>
+          <a:stretch>
+            <a:fillRect/>
+          </a:stretch>
+        </p:blipFill>
+        <p:spPr>
+          <a:xfrm>
+            <a:off x="1703534" y="1627322"/>
+            <a:ext cx="6044207" cy="3843496"/>
+          </a:xfrm>
+          <a:prstGeom prst="rect">
+            <a:avLst/>
+          </a:prstGeom>
+        </p:spPr>
+      </p:pic>
+      <p:sp>
+        <p:nvSpPr>
+          <p:cNvPr id="11" name="文本框 10"/>
+          <p:cNvSpPr txBox="1"/>
+          <p:nvPr/>
+        </p:nvSpPr>
+        <p:spPr>
+          <a:xfrm>
+            <a:off x="1575394" y="969800"/>
+            <a:ext cx="3956802" cy="369332"/>
+          </a:xfrm>
+          <a:prstGeom prst="rect">
+            <a:avLst/>
+          </a:prstGeom>
+          <a:noFill/>
+        </p:spPr>
+        <p:txBody>
+          <a:bodyPr wrap="square" rtlCol="0">
+            <a:spAutoFit/>
+          </a:bodyPr>
+          <a:lstStyle/>
+          <a:p>
+            <a:r>
+              <a:rPr kumimoji="1" lang="zh-CN" altLang="en-US" dirty="0" smtClean="0"/>
+              <a:t>软件工程领域项目常见模式</a:t>
+            </a:r>
+            <a:r>
+              <a:rPr kumimoji="1" lang="en-US" altLang="zh-CN" dirty="0" smtClean="0"/>
+              <a:t>/</a:t>
+            </a:r>
+            <a:r>
+              <a:rPr kumimoji="1" lang="zh-CN" altLang="en-US" dirty="0" smtClean="0"/>
+              <a:t>流程：</a:t>
+            </a:r>
+            <a:endParaRPr kumimoji="1" lang="zh-CN" altLang="en-US" dirty="0"/>
+          </a:p>
+        </p:txBody>
+      </p:sp>
     </p:spTree>
     <p:extLst>
       <p:ext uri="{BB962C8B-B14F-4D97-AF65-F5344CB8AC3E}">
-        <p14:creationId xmlns:p14="http://schemas.microsoft.com/office/powerpoint/2010/main" val="101245657"/>
+        <p14:creationId xmlns:p14="http://schemas.microsoft.com/office/powerpoint/2010/main" val="3935484303"/>
       </p:ext>
     </p:extLst>
   </p:cSld>
@@ -3711,10 +4562,74 @@
           </a:prstGeom>
         </p:spPr>
       </p:pic>
+      <p:sp>
+        <p:nvSpPr>
+          <p:cNvPr id="6" name="文本框 5"/>
+          <p:cNvSpPr txBox="1"/>
+          <p:nvPr/>
+        </p:nvSpPr>
+        <p:spPr>
+          <a:xfrm>
+            <a:off x="899895" y="681366"/>
+            <a:ext cx="3567826" cy="369332"/>
+          </a:xfrm>
+          <a:prstGeom prst="rect">
+            <a:avLst/>
+          </a:prstGeom>
+          <a:solidFill>
+            <a:srgbClr val="FF6600"/>
+          </a:solidFill>
+        </p:spPr>
+        <p:txBody>
+          <a:bodyPr wrap="square" rtlCol="0">
+            <a:spAutoFit/>
+          </a:bodyPr>
+          <a:lstStyle/>
+          <a:p>
+            <a:pPr algn="ctr"/>
+            <a:endParaRPr kumimoji="1" lang="zh-CN" altLang="en-US" dirty="0"/>
+          </a:p>
+        </p:txBody>
+      </p:sp>
+      <p:sp>
+        <p:nvSpPr>
+          <p:cNvPr id="7" name="文本框 6"/>
+          <p:cNvSpPr txBox="1"/>
+          <p:nvPr/>
+        </p:nvSpPr>
+        <p:spPr>
+          <a:xfrm>
+            <a:off x="899895" y="1739381"/>
+            <a:ext cx="3191244" cy="369332"/>
+          </a:xfrm>
+          <a:prstGeom prst="rect">
+            <a:avLst/>
+          </a:prstGeom>
+          <a:solidFill>
+            <a:schemeClr val="accent6">
+              <a:lumMod val="60000"/>
+              <a:lumOff val="40000"/>
+            </a:schemeClr>
+          </a:solidFill>
+        </p:spPr>
+        <p:txBody>
+          <a:bodyPr wrap="square" rtlCol="0">
+            <a:spAutoFit/>
+          </a:bodyPr>
+          <a:lstStyle/>
+          <a:p>
+            <a:r>
+              <a:rPr kumimoji="1" lang="en-US" altLang="zh-CN" dirty="0" smtClean="0"/>
+              <a:t> </a:t>
+            </a:r>
+            <a:endParaRPr kumimoji="1" lang="zh-CN" altLang="en-US" dirty="0"/>
+          </a:p>
+        </p:txBody>
+      </p:sp>
     </p:spTree>
     <p:extLst>
       <p:ext uri="{BB962C8B-B14F-4D97-AF65-F5344CB8AC3E}">
-        <p14:creationId xmlns:p14="http://schemas.microsoft.com/office/powerpoint/2010/main" val="2679894954"/>
+        <p14:creationId xmlns:p14="http://schemas.microsoft.com/office/powerpoint/2010/main" val="1813868126"/>
       </p:ext>
     </p:extLst>
   </p:cSld>
@@ -3816,10 +4731,258 @@
           </a:prstGeom>
         </p:spPr>
       </p:pic>
+      <p:sp>
+        <p:nvSpPr>
+          <p:cNvPr id="6" name="文本框 5"/>
+          <p:cNvSpPr txBox="1"/>
+          <p:nvPr/>
+        </p:nvSpPr>
+        <p:spPr>
+          <a:xfrm>
+            <a:off x="899895" y="672846"/>
+            <a:ext cx="3567826" cy="369332"/>
+          </a:xfrm>
+          <a:prstGeom prst="rect">
+            <a:avLst/>
+          </a:prstGeom>
+          <a:solidFill>
+            <a:srgbClr val="FF6600"/>
+          </a:solidFill>
+        </p:spPr>
+        <p:txBody>
+          <a:bodyPr wrap="square" rtlCol="0">
+            <a:spAutoFit/>
+          </a:bodyPr>
+          <a:lstStyle/>
+          <a:p>
+            <a:pPr algn="ctr"/>
+            <a:r>
+              <a:rPr kumimoji="1" lang="zh-CN" altLang="en-US" dirty="0"/>
+              <a:t> </a:t>
+            </a:r>
+            <a:r>
+              <a:rPr kumimoji="1" lang="zh-CN" altLang="en-US" dirty="0" smtClean="0"/>
+              <a:t>常见项</a:t>
+            </a:r>
+            <a:r>
+              <a:rPr kumimoji="1" lang="zh-CN" altLang="en-US" dirty="0"/>
+              <a:t>目</a:t>
+            </a:r>
+            <a:r>
+              <a:rPr kumimoji="1" lang="zh-CN" altLang="en-US" dirty="0" smtClean="0"/>
+              <a:t>生命周期</a:t>
+            </a:r>
+            <a:r>
+              <a:rPr kumimoji="1" lang="en-US" altLang="zh-CN" dirty="0" smtClean="0"/>
+              <a:t>/</a:t>
+            </a:r>
+            <a:r>
+              <a:rPr kumimoji="1" lang="zh-CN" altLang="en-US" dirty="0" smtClean="0"/>
+              <a:t>开发模型：</a:t>
+            </a:r>
+            <a:endParaRPr kumimoji="1" lang="zh-CN" altLang="en-US" dirty="0"/>
+          </a:p>
+        </p:txBody>
+      </p:sp>
+      <p:sp>
+        <p:nvSpPr>
+          <p:cNvPr id="7" name="文本框 6"/>
+          <p:cNvSpPr txBox="1"/>
+          <p:nvPr/>
+        </p:nvSpPr>
+        <p:spPr>
+          <a:xfrm>
+            <a:off x="899895" y="1739381"/>
+            <a:ext cx="3191244" cy="369332"/>
+          </a:xfrm>
+          <a:prstGeom prst="rect">
+            <a:avLst/>
+          </a:prstGeom>
+          <a:solidFill>
+            <a:schemeClr val="accent6">
+              <a:lumMod val="60000"/>
+              <a:lumOff val="40000"/>
+            </a:schemeClr>
+          </a:solidFill>
+        </p:spPr>
+        <p:txBody>
+          <a:bodyPr wrap="square" rtlCol="0">
+            <a:spAutoFit/>
+          </a:bodyPr>
+          <a:lstStyle/>
+          <a:p>
+            <a:r>
+              <a:rPr kumimoji="1" lang="en-US" altLang="zh-CN" dirty="0" smtClean="0"/>
+              <a:t> </a:t>
+            </a:r>
+            <a:r>
+              <a:rPr kumimoji="1" lang="zh-CN" altLang="en-US" dirty="0" smtClean="0"/>
+              <a:t>预测型生命周期</a:t>
+            </a:r>
+            <a:endParaRPr kumimoji="1" lang="zh-CN" altLang="en-US" dirty="0"/>
+          </a:p>
+        </p:txBody>
+      </p:sp>
+      <p:sp>
+        <p:nvSpPr>
+          <p:cNvPr id="8" name="文本框 7"/>
+          <p:cNvSpPr txBox="1"/>
+          <p:nvPr/>
+        </p:nvSpPr>
+        <p:spPr>
+          <a:xfrm>
+            <a:off x="899895" y="2483572"/>
+            <a:ext cx="3191244" cy="369332"/>
+          </a:xfrm>
+          <a:prstGeom prst="rect">
+            <a:avLst/>
+          </a:prstGeom>
+          <a:solidFill>
+            <a:schemeClr val="accent6">
+              <a:lumMod val="60000"/>
+              <a:lumOff val="40000"/>
+            </a:schemeClr>
+          </a:solidFill>
+        </p:spPr>
+        <p:txBody>
+          <a:bodyPr wrap="square" rtlCol="0">
+            <a:spAutoFit/>
+          </a:bodyPr>
+          <a:lstStyle/>
+          <a:p>
+            <a:r>
+              <a:rPr kumimoji="1" lang="en-US" altLang="zh-CN" dirty="0" smtClean="0"/>
+              <a:t> </a:t>
+            </a:r>
+            <a:r>
+              <a:rPr kumimoji="1" lang="zh-CN" altLang="en-US" dirty="0" smtClean="0"/>
+              <a:t>迭代型生命周期</a:t>
+            </a:r>
+            <a:endParaRPr kumimoji="1" lang="zh-CN" altLang="en-US" dirty="0"/>
+          </a:p>
+        </p:txBody>
+      </p:sp>
+      <p:sp>
+        <p:nvSpPr>
+          <p:cNvPr id="9" name="文本框 8"/>
+          <p:cNvSpPr txBox="1"/>
+          <p:nvPr/>
+        </p:nvSpPr>
+        <p:spPr>
+          <a:xfrm>
+            <a:off x="899895" y="3413971"/>
+            <a:ext cx="3191244" cy="369332"/>
+          </a:xfrm>
+          <a:prstGeom prst="rect">
+            <a:avLst/>
+          </a:prstGeom>
+          <a:solidFill>
+            <a:schemeClr val="accent6">
+              <a:lumMod val="60000"/>
+              <a:lumOff val="40000"/>
+            </a:schemeClr>
+          </a:solidFill>
+        </p:spPr>
+        <p:txBody>
+          <a:bodyPr wrap="square" rtlCol="0">
+            <a:spAutoFit/>
+          </a:bodyPr>
+          <a:lstStyle/>
+          <a:p>
+            <a:r>
+              <a:rPr kumimoji="1" lang="en-US" altLang="zh-CN" dirty="0" smtClean="0"/>
+              <a:t> </a:t>
+            </a:r>
+            <a:r>
+              <a:rPr kumimoji="1" lang="zh-CN" altLang="en-US" dirty="0" smtClean="0"/>
+              <a:t>增量型生命周期</a:t>
+            </a:r>
+            <a:endParaRPr kumimoji="1" lang="zh-CN" altLang="en-US" dirty="0"/>
+          </a:p>
+        </p:txBody>
+      </p:sp>
+      <p:sp>
+        <p:nvSpPr>
+          <p:cNvPr id="12" name="文本框 11"/>
+          <p:cNvSpPr txBox="1"/>
+          <p:nvPr/>
+        </p:nvSpPr>
+        <p:spPr>
+          <a:xfrm>
+            <a:off x="899895" y="4380084"/>
+            <a:ext cx="3191244" cy="369332"/>
+          </a:xfrm>
+          <a:prstGeom prst="rect">
+            <a:avLst/>
+          </a:prstGeom>
+          <a:solidFill>
+            <a:schemeClr val="accent6">
+              <a:lumMod val="60000"/>
+              <a:lumOff val="40000"/>
+            </a:schemeClr>
+          </a:solidFill>
+        </p:spPr>
+        <p:txBody>
+          <a:bodyPr wrap="square" rtlCol="0">
+            <a:spAutoFit/>
+          </a:bodyPr>
+          <a:lstStyle/>
+          <a:p>
+            <a:r>
+              <a:rPr kumimoji="1" lang="en-US" altLang="zh-CN" dirty="0" smtClean="0"/>
+              <a:t> </a:t>
+            </a:r>
+            <a:r>
+              <a:rPr kumimoji="1" lang="zh-CN" altLang="en-US" dirty="0" smtClean="0"/>
+              <a:t>螺旋</a:t>
+            </a:r>
+            <a:r>
+              <a:rPr kumimoji="1" lang="zh-CN" altLang="en-US" dirty="0" smtClean="0"/>
+              <a:t>型生命周期</a:t>
+            </a:r>
+            <a:endParaRPr kumimoji="1" lang="zh-CN" altLang="en-US" dirty="0"/>
+          </a:p>
+        </p:txBody>
+      </p:sp>
+      <p:sp>
+        <p:nvSpPr>
+          <p:cNvPr id="13" name="文本框 12"/>
+          <p:cNvSpPr txBox="1"/>
+          <p:nvPr/>
+        </p:nvSpPr>
+        <p:spPr>
+          <a:xfrm>
+            <a:off x="899895" y="5454134"/>
+            <a:ext cx="3191244" cy="369332"/>
+          </a:xfrm>
+          <a:prstGeom prst="rect">
+            <a:avLst/>
+          </a:prstGeom>
+          <a:solidFill>
+            <a:schemeClr val="accent6">
+              <a:lumMod val="60000"/>
+              <a:lumOff val="40000"/>
+            </a:schemeClr>
+          </a:solidFill>
+        </p:spPr>
+        <p:txBody>
+          <a:bodyPr wrap="square" rtlCol="0">
+            <a:spAutoFit/>
+          </a:bodyPr>
+          <a:lstStyle/>
+          <a:p>
+            <a:r>
+              <a:rPr kumimoji="1" lang="zh-CN" altLang="en-US" dirty="0" smtClean="0"/>
+              <a:t>混合型生命周期</a:t>
+            </a:r>
+            <a:endParaRPr kumimoji="1" lang="zh-CN" altLang="en-US" dirty="0"/>
+          </a:p>
+        </p:txBody>
+      </p:sp>
     </p:spTree>
     <p:extLst>
       <p:ext uri="{BB962C8B-B14F-4D97-AF65-F5344CB8AC3E}">
-        <p14:creationId xmlns:p14="http://schemas.microsoft.com/office/powerpoint/2010/main" val="158482912"/>
+        <p14:creationId xmlns:p14="http://schemas.microsoft.com/office/powerpoint/2010/main" val="3351914811"/>
       </p:ext>
     </p:extLst>
   </p:cSld>
@@ -3921,10 +5084,40 @@
           </a:prstGeom>
         </p:spPr>
       </p:pic>
+      <p:pic>
+        <p:nvPicPr>
+          <p:cNvPr id="4" name="图片 3" descr="五大过程组.jpeg"/>
+          <p:cNvPicPr>
+            <a:picLocks noChangeAspect="1"/>
+          </p:cNvPicPr>
+          <p:nvPr/>
+        </p:nvPicPr>
+        <p:blipFill>
+          <a:blip r:embed="rId3">
+            <a:extLst>
+              <a:ext uri="{28A0092B-C50C-407E-A947-70E740481C1C}">
+                <a14:useLocalDpi xmlns:a14="http://schemas.microsoft.com/office/drawing/2010/main" val="0"/>
+              </a:ext>
+            </a:extLst>
+          </a:blip>
+          <a:stretch>
+            <a:fillRect/>
+          </a:stretch>
+        </p:blipFill>
+        <p:spPr>
+          <a:xfrm>
+            <a:off x="446407" y="1854200"/>
+            <a:ext cx="8289347" cy="3784600"/>
+          </a:xfrm>
+          <a:prstGeom prst="rect">
+            <a:avLst/>
+          </a:prstGeom>
+        </p:spPr>
+      </p:pic>
     </p:spTree>
     <p:extLst>
       <p:ext uri="{BB962C8B-B14F-4D97-AF65-F5344CB8AC3E}">
-        <p14:creationId xmlns:p14="http://schemas.microsoft.com/office/powerpoint/2010/main" val="2022837066"/>
+        <p14:creationId xmlns:p14="http://schemas.microsoft.com/office/powerpoint/2010/main" val="4154426245"/>
       </p:ext>
     </p:extLst>
   </p:cSld>
@@ -4026,10 +5219,41 @@
           </a:prstGeom>
         </p:spPr>
       </p:pic>
+      <p:pic>
+        <p:nvPicPr>
+          <p:cNvPr id="4" name="图片 3" descr="过程组与知识领域.png"/>
+          <p:cNvPicPr>
+            <a:picLocks noChangeAspect="1"/>
+          </p:cNvPicPr>
+          <p:nvPr/>
+        </p:nvPicPr>
+        <p:blipFill>
+          <a:blip r:embed="rId3">
+            <a:extLst>
+              <a:ext uri="{28A0092B-C50C-407E-A947-70E740481C1C}">
+                <a14:useLocalDpi xmlns:a14="http://schemas.microsoft.com/office/drawing/2010/main" val="0"/>
+              </a:ext>
+            </a:extLst>
+          </a:blip>
+          <a:stretch>
+            <a:fillRect/>
+          </a:stretch>
+        </p:blipFill>
+        <p:spPr>
+          <a:xfrm>
+            <a:off x="2032000" y="0"/>
+            <a:ext cx="5063529" cy="6858000"/>
+          </a:xfrm>
+          <a:prstGeom prst="rect">
+            <a:avLst/>
+          </a:prstGeom>
+          <a:effectLst/>
+        </p:spPr>
+      </p:pic>
     </p:spTree>
     <p:extLst>
       <p:ext uri="{BB962C8B-B14F-4D97-AF65-F5344CB8AC3E}">
-        <p14:creationId xmlns:p14="http://schemas.microsoft.com/office/powerpoint/2010/main" val="1240615458"/>
+        <p14:creationId xmlns:p14="http://schemas.microsoft.com/office/powerpoint/2010/main" val="3329961660"/>
       </p:ext>
     </p:extLst>
   </p:cSld>
@@ -4131,10 +5355,74 @@
           </a:prstGeom>
         </p:spPr>
       </p:pic>
+      <p:sp>
+        <p:nvSpPr>
+          <p:cNvPr id="6" name="文本框 5"/>
+          <p:cNvSpPr txBox="1"/>
+          <p:nvPr/>
+        </p:nvSpPr>
+        <p:spPr>
+          <a:xfrm>
+            <a:off x="899895" y="681366"/>
+            <a:ext cx="3567826" cy="369332"/>
+          </a:xfrm>
+          <a:prstGeom prst="rect">
+            <a:avLst/>
+          </a:prstGeom>
+          <a:solidFill>
+            <a:srgbClr val="FF6600"/>
+          </a:solidFill>
+        </p:spPr>
+        <p:txBody>
+          <a:bodyPr wrap="square" rtlCol="0">
+            <a:spAutoFit/>
+          </a:bodyPr>
+          <a:lstStyle/>
+          <a:p>
+            <a:pPr algn="ctr"/>
+            <a:endParaRPr kumimoji="1" lang="zh-CN" altLang="en-US" dirty="0"/>
+          </a:p>
+        </p:txBody>
+      </p:sp>
+      <p:sp>
+        <p:nvSpPr>
+          <p:cNvPr id="7" name="文本框 6"/>
+          <p:cNvSpPr txBox="1"/>
+          <p:nvPr/>
+        </p:nvSpPr>
+        <p:spPr>
+          <a:xfrm>
+            <a:off x="899895" y="1739381"/>
+            <a:ext cx="3191244" cy="369332"/>
+          </a:xfrm>
+          <a:prstGeom prst="rect">
+            <a:avLst/>
+          </a:prstGeom>
+          <a:solidFill>
+            <a:schemeClr val="accent6">
+              <a:lumMod val="60000"/>
+              <a:lumOff val="40000"/>
+            </a:schemeClr>
+          </a:solidFill>
+        </p:spPr>
+        <p:txBody>
+          <a:bodyPr wrap="square" rtlCol="0">
+            <a:spAutoFit/>
+          </a:bodyPr>
+          <a:lstStyle/>
+          <a:p>
+            <a:r>
+              <a:rPr kumimoji="1" lang="en-US" altLang="zh-CN" dirty="0" smtClean="0"/>
+              <a:t> </a:t>
+            </a:r>
+            <a:endParaRPr kumimoji="1" lang="zh-CN" altLang="en-US" dirty="0"/>
+          </a:p>
+        </p:txBody>
+      </p:sp>
     </p:spTree>
     <p:extLst>
       <p:ext uri="{BB962C8B-B14F-4D97-AF65-F5344CB8AC3E}">
-        <p14:creationId xmlns:p14="http://schemas.microsoft.com/office/powerpoint/2010/main" val="3855994952"/>
+        <p14:creationId xmlns:p14="http://schemas.microsoft.com/office/powerpoint/2010/main" val="101245657"/>
       </p:ext>
     </p:extLst>
   </p:cSld>
@@ -4236,251 +5524,10 @@
           </a:prstGeom>
         </p:spPr>
       </p:pic>
-      <p:sp>
-        <p:nvSpPr>
-          <p:cNvPr id="4" name="文本框 3"/>
-          <p:cNvSpPr txBox="1"/>
-          <p:nvPr/>
-        </p:nvSpPr>
-        <p:spPr>
-          <a:xfrm>
-            <a:off x="1371600" y="628316"/>
-            <a:ext cx="6609347" cy="707886"/>
-          </a:xfrm>
-          <a:prstGeom prst="rect">
-            <a:avLst/>
-          </a:prstGeom>
-          <a:noFill/>
-        </p:spPr>
-        <p:txBody>
-          <a:bodyPr wrap="square" rtlCol="0">
-            <a:spAutoFit/>
-          </a:bodyPr>
-          <a:lstStyle/>
-          <a:p>
-            <a:r>
-              <a:rPr kumimoji="1" lang="zh-CN" altLang="en-US" sz="4000" dirty="0" smtClean="0">
-                <a:solidFill>
-                  <a:schemeClr val="accent6"/>
-                </a:solidFill>
-              </a:rPr>
-              <a:t>第四部分</a:t>
-            </a:r>
-            <a:r>
-              <a:rPr kumimoji="1" lang="en-US" altLang="zh-CN" sz="4000" dirty="0" smtClean="0">
-                <a:solidFill>
-                  <a:schemeClr val="accent6"/>
-                </a:solidFill>
-              </a:rPr>
-              <a:t> </a:t>
-            </a:r>
-            <a:r>
-              <a:rPr kumimoji="1" lang="zh-CN" altLang="en-US" sz="4000" dirty="0" smtClean="0">
-                <a:solidFill>
-                  <a:schemeClr val="accent6"/>
-                </a:solidFill>
-                <a:latin typeface="+mn-ea"/>
-              </a:rPr>
-              <a:t>敏捷开发</a:t>
-            </a:r>
-            <a:r>
-              <a:rPr kumimoji="1" lang="en-US" altLang="zh-CN" sz="4000" dirty="0" smtClean="0">
-                <a:solidFill>
-                  <a:schemeClr val="accent6"/>
-                </a:solidFill>
-              </a:rPr>
-              <a:t>/</a:t>
-            </a:r>
-            <a:r>
-              <a:rPr kumimoji="1" lang="zh-CN" altLang="en-US" sz="4000" dirty="0" smtClean="0">
-                <a:solidFill>
-                  <a:schemeClr val="accent6"/>
-                </a:solidFill>
-              </a:rPr>
-              <a:t>管理</a:t>
-            </a:r>
-            <a:endParaRPr kumimoji="1" lang="zh-CN" altLang="en-US" sz="4000" dirty="0">
-              <a:solidFill>
-                <a:schemeClr val="accent6"/>
-              </a:solidFill>
-            </a:endParaRPr>
-          </a:p>
-        </p:txBody>
-      </p:sp>
-      <p:sp>
-        <p:nvSpPr>
-          <p:cNvPr id="6" name="文本框 5"/>
-          <p:cNvSpPr txBox="1"/>
-          <p:nvPr/>
-        </p:nvSpPr>
-        <p:spPr>
-          <a:xfrm>
-            <a:off x="1371600" y="1657684"/>
-            <a:ext cx="6609347" cy="646331"/>
-          </a:xfrm>
-          <a:prstGeom prst="rect">
-            <a:avLst/>
-          </a:prstGeom>
-          <a:noFill/>
-        </p:spPr>
-        <p:txBody>
-          <a:bodyPr wrap="square" rtlCol="0">
-            <a:spAutoFit/>
-          </a:bodyPr>
-          <a:lstStyle/>
-          <a:p>
-            <a:r>
-              <a:rPr kumimoji="1" lang="zh-CN" altLang="en-US" dirty="0" smtClean="0"/>
-              <a:t>已经有了标准化</a:t>
-            </a:r>
-            <a:r>
-              <a:rPr kumimoji="1" lang="zh-CN" altLang="en-US" dirty="0"/>
-              <a:t>的项目管理体系为什么还有其他的项目管理过程</a:t>
-            </a:r>
-            <a:r>
-              <a:rPr kumimoji="1" lang="en-US" altLang="zh-CN" dirty="0"/>
-              <a:t>/</a:t>
-            </a:r>
-            <a:r>
-              <a:rPr kumimoji="1" lang="zh-CN" altLang="en-US" dirty="0"/>
-              <a:t>理论 </a:t>
-            </a:r>
-            <a:r>
-              <a:rPr kumimoji="1" lang="zh-CN" altLang="en-US" dirty="0" smtClean="0"/>
-              <a:t>？</a:t>
-            </a:r>
-            <a:endParaRPr kumimoji="1" lang="zh-CN" altLang="en-US" dirty="0"/>
-          </a:p>
-        </p:txBody>
-      </p:sp>
-      <p:sp>
-        <p:nvSpPr>
-          <p:cNvPr id="8" name="文本框 7"/>
-          <p:cNvSpPr txBox="1"/>
-          <p:nvPr/>
-        </p:nvSpPr>
-        <p:spPr>
-          <a:xfrm>
-            <a:off x="1371600" y="2513263"/>
-            <a:ext cx="6443579" cy="646331"/>
-          </a:xfrm>
-          <a:prstGeom prst="rect">
-            <a:avLst/>
-          </a:prstGeom>
-          <a:noFill/>
-        </p:spPr>
-        <p:txBody>
-          <a:bodyPr wrap="square" rtlCol="0">
-            <a:spAutoFit/>
-          </a:bodyPr>
-          <a:lstStyle/>
-          <a:p>
-            <a:r>
-              <a:rPr kumimoji="1" lang="en-US" altLang="zh-CN" dirty="0"/>
-              <a:t>1. </a:t>
-            </a:r>
-            <a:r>
-              <a:rPr kumimoji="1" lang="zh-CN" altLang="en-US" dirty="0"/>
-              <a:t>项</a:t>
-            </a:r>
-            <a:r>
-              <a:rPr kumimoji="1" lang="zh-CN" altLang="en-US" dirty="0" smtClean="0"/>
-              <a:t>目处在竞争愈发激烈的环境中，产品胜出不单单在产品本身质量也在于产品推向市场的速度 。</a:t>
-            </a:r>
-          </a:p>
-        </p:txBody>
-      </p:sp>
-      <p:sp>
-        <p:nvSpPr>
-          <p:cNvPr id="9" name="文本框 8"/>
-          <p:cNvSpPr txBox="1"/>
-          <p:nvPr/>
-        </p:nvSpPr>
-        <p:spPr>
-          <a:xfrm>
-            <a:off x="1371600" y="3708709"/>
-            <a:ext cx="6443579" cy="646331"/>
-          </a:xfrm>
-          <a:prstGeom prst="rect">
-            <a:avLst/>
-          </a:prstGeom>
-          <a:noFill/>
-        </p:spPr>
-        <p:txBody>
-          <a:bodyPr wrap="square" rtlCol="0">
-            <a:spAutoFit/>
-          </a:bodyPr>
-          <a:lstStyle/>
-          <a:p>
-            <a:r>
-              <a:rPr kumimoji="1" lang="en-US" altLang="zh-CN" dirty="0" smtClean="0"/>
-              <a:t>2</a:t>
-            </a:r>
-            <a:r>
-              <a:rPr kumimoji="1" lang="en-US" altLang="zh-CN" dirty="0"/>
-              <a:t>. </a:t>
-            </a:r>
-            <a:r>
-              <a:rPr kumimoji="1" lang="zh-CN" altLang="en-US" dirty="0"/>
-              <a:t>本质上，降低沟通成本和试错成本的方式方法；快速迭代出可高质量</a:t>
-            </a:r>
-            <a:r>
-              <a:rPr kumimoji="1" lang="en-US" altLang="zh-CN" dirty="0"/>
-              <a:t>&amp;</a:t>
-            </a:r>
-            <a:r>
-              <a:rPr kumimoji="1" lang="zh-CN" altLang="en-US" dirty="0"/>
-              <a:t>稳定的产品</a:t>
-            </a:r>
-            <a:r>
-              <a:rPr kumimoji="1" lang="zh-CN" altLang="en-US" dirty="0" smtClean="0"/>
-              <a:t>。</a:t>
-            </a:r>
-            <a:endParaRPr kumimoji="1" lang="zh-CN" altLang="en-US" dirty="0"/>
-          </a:p>
-        </p:txBody>
-      </p:sp>
-      <p:sp>
-        <p:nvSpPr>
-          <p:cNvPr id="10" name="文本框 9"/>
-          <p:cNvSpPr txBox="1"/>
-          <p:nvPr/>
-        </p:nvSpPr>
-        <p:spPr>
-          <a:xfrm>
-            <a:off x="1371600" y="5012976"/>
-            <a:ext cx="6443579" cy="369332"/>
-          </a:xfrm>
-          <a:prstGeom prst="rect">
-            <a:avLst/>
-          </a:prstGeom>
-          <a:noFill/>
-        </p:spPr>
-        <p:txBody>
-          <a:bodyPr wrap="square" rtlCol="0">
-            <a:spAutoFit/>
-          </a:bodyPr>
-          <a:lstStyle/>
-          <a:p>
-            <a:r>
-              <a:rPr kumimoji="1" lang="en-US" altLang="zh-CN" dirty="0" smtClean="0"/>
-              <a:t>3</a:t>
-            </a:r>
-            <a:r>
-              <a:rPr kumimoji="1" lang="en-US" altLang="zh-CN" dirty="0"/>
-              <a:t>. </a:t>
-            </a:r>
-            <a:r>
-              <a:rPr kumimoji="1" lang="zh-CN" altLang="en-US" dirty="0"/>
-              <a:t>开发用户真正需要的产品。</a:t>
-            </a:r>
-          </a:p>
-        </p:txBody>
-      </p:sp>
     </p:spTree>
     <p:extLst>
       <p:ext uri="{BB962C8B-B14F-4D97-AF65-F5344CB8AC3E}">
-        <p14:creationId xmlns:p14="http://schemas.microsoft.com/office/powerpoint/2010/main" val="3201790668"/>
+        <p14:creationId xmlns:p14="http://schemas.microsoft.com/office/powerpoint/2010/main" val="2679894954"/>
       </p:ext>
     </p:extLst>
   </p:cSld>
@@ -4490,402 +5537,9 @@
   <p:timing>
     <p:tnLst>
       <p:par>
-        <p:cTn xmlns:p14="http://schemas.microsoft.com/office/powerpoint/2010/main" id="1" dur="indefinite" restart="never" nodeType="tmRoot">
-          <p:childTnLst>
-            <p:seq concurrent="1" nextAc="seek">
-              <p:cTn id="2" dur="indefinite" nodeType="mainSeq">
-                <p:childTnLst>
-                  <p:par>
-                    <p:cTn id="3" fill="hold">
-                      <p:stCondLst>
-                        <p:cond delay="indefinite"/>
-                      </p:stCondLst>
-                      <p:childTnLst>
-                        <p:par>
-                          <p:cTn id="4" fill="hold">
-                            <p:stCondLst>
-                              <p:cond delay="0"/>
-                            </p:stCondLst>
-                            <p:childTnLst>
-                              <p:par>
-                                <p:cTn id="5" presetID="2" presetClass="entr" presetSubtype="4" fill="hold" grpId="0" nodeType="clickEffect">
-                                  <p:stCondLst>
-                                    <p:cond delay="0"/>
-                                  </p:stCondLst>
-                                  <p:childTnLst>
-                                    <p:set>
-                                      <p:cBhvr>
-                                        <p:cTn id="6" dur="1" fill="hold">
-                                          <p:stCondLst>
-                                            <p:cond delay="0"/>
-                                          </p:stCondLst>
-                                        </p:cTn>
-                                        <p:tgtEl>
-                                          <p:spTgt spid="6"/>
-                                        </p:tgtEl>
-                                        <p:attrNameLst>
-                                          <p:attrName>style.visibility</p:attrName>
-                                        </p:attrNameLst>
-                                      </p:cBhvr>
-                                      <p:to>
-                                        <p:strVal val="visible"/>
-                                      </p:to>
-                                    </p:set>
-                                    <p:anim calcmode="lin" valueType="num">
-                                      <p:cBhvr additive="base">
-                                        <p:cTn id="7" dur="500" fill="hold"/>
-                                        <p:tgtEl>
-                                          <p:spTgt spid="6"/>
-                                        </p:tgtEl>
-                                        <p:attrNameLst>
-                                          <p:attrName>ppt_x</p:attrName>
-                                        </p:attrNameLst>
-                                      </p:cBhvr>
-                                      <p:tavLst>
-                                        <p:tav tm="0">
-                                          <p:val>
-                                            <p:strVal val="#ppt_x"/>
-                                          </p:val>
-                                        </p:tav>
-                                        <p:tav tm="100000">
-                                          <p:val>
-                                            <p:strVal val="#ppt_x"/>
-                                          </p:val>
-                                        </p:tav>
-                                      </p:tavLst>
-                                    </p:anim>
-                                    <p:anim calcmode="lin" valueType="num">
-                                      <p:cBhvr additive="base">
-                                        <p:cTn id="8" dur="500" fill="hold"/>
-                                        <p:tgtEl>
-                                          <p:spTgt spid="6"/>
-                                        </p:tgtEl>
-                                        <p:attrNameLst>
-                                          <p:attrName>ppt_y</p:attrName>
-                                        </p:attrNameLst>
-                                      </p:cBhvr>
-                                      <p:tavLst>
-                                        <p:tav tm="0">
-                                          <p:val>
-                                            <p:strVal val="1+#ppt_h/2"/>
-                                          </p:val>
-                                        </p:tav>
-                                        <p:tav tm="100000">
-                                          <p:val>
-                                            <p:strVal val="#ppt_y"/>
-                                          </p:val>
-                                        </p:tav>
-                                      </p:tavLst>
-                                    </p:anim>
-                                  </p:childTnLst>
-                                </p:cTn>
-                              </p:par>
-                            </p:childTnLst>
-                          </p:cTn>
-                        </p:par>
-                      </p:childTnLst>
-                    </p:cTn>
-                  </p:par>
-                  <p:par>
-                    <p:cTn id="9" fill="hold">
-                      <p:stCondLst>
-                        <p:cond delay="indefinite"/>
-                      </p:stCondLst>
-                      <p:childTnLst>
-                        <p:par>
-                          <p:cTn id="10" fill="hold">
-                            <p:stCondLst>
-                              <p:cond delay="0"/>
-                            </p:stCondLst>
-                            <p:childTnLst>
-                              <p:par>
-                                <p:cTn id="11" presetID="2" presetClass="entr" presetSubtype="4" fill="hold" grpId="0" nodeType="clickEffect">
-                                  <p:stCondLst>
-                                    <p:cond delay="0"/>
-                                  </p:stCondLst>
-                                  <p:childTnLst>
-                                    <p:set>
-                                      <p:cBhvr>
-                                        <p:cTn id="12" dur="1" fill="hold">
-                                          <p:stCondLst>
-                                            <p:cond delay="0"/>
-                                          </p:stCondLst>
-                                        </p:cTn>
-                                        <p:tgtEl>
-                                          <p:spTgt spid="8"/>
-                                        </p:tgtEl>
-                                        <p:attrNameLst>
-                                          <p:attrName>style.visibility</p:attrName>
-                                        </p:attrNameLst>
-                                      </p:cBhvr>
-                                      <p:to>
-                                        <p:strVal val="visible"/>
-                                      </p:to>
-                                    </p:set>
-                                    <p:anim calcmode="lin" valueType="num">
-                                      <p:cBhvr additive="base">
-                                        <p:cTn id="13" dur="500" fill="hold"/>
-                                        <p:tgtEl>
-                                          <p:spTgt spid="8"/>
-                                        </p:tgtEl>
-                                        <p:attrNameLst>
-                                          <p:attrName>ppt_x</p:attrName>
-                                        </p:attrNameLst>
-                                      </p:cBhvr>
-                                      <p:tavLst>
-                                        <p:tav tm="0">
-                                          <p:val>
-                                            <p:strVal val="#ppt_x"/>
-                                          </p:val>
-                                        </p:tav>
-                                        <p:tav tm="100000">
-                                          <p:val>
-                                            <p:strVal val="#ppt_x"/>
-                                          </p:val>
-                                        </p:tav>
-                                      </p:tavLst>
-                                    </p:anim>
-                                    <p:anim calcmode="lin" valueType="num">
-                                      <p:cBhvr additive="base">
-                                        <p:cTn id="14" dur="500" fill="hold"/>
-                                        <p:tgtEl>
-                                          <p:spTgt spid="8"/>
-                                        </p:tgtEl>
-                                        <p:attrNameLst>
-                                          <p:attrName>ppt_y</p:attrName>
-                                        </p:attrNameLst>
-                                      </p:cBhvr>
-                                      <p:tavLst>
-                                        <p:tav tm="0">
-                                          <p:val>
-                                            <p:strVal val="1+#ppt_h/2"/>
-                                          </p:val>
-                                        </p:tav>
-                                        <p:tav tm="100000">
-                                          <p:val>
-                                            <p:strVal val="#ppt_y"/>
-                                          </p:val>
-                                        </p:tav>
-                                      </p:tavLst>
-                                    </p:anim>
-                                  </p:childTnLst>
-                                </p:cTn>
-                              </p:par>
-                            </p:childTnLst>
-                          </p:cTn>
-                        </p:par>
-                      </p:childTnLst>
-                    </p:cTn>
-                  </p:par>
-                  <p:par>
-                    <p:cTn id="15" fill="hold">
-                      <p:stCondLst>
-                        <p:cond delay="indefinite"/>
-                      </p:stCondLst>
-                      <p:childTnLst>
-                        <p:par>
-                          <p:cTn id="16" fill="hold">
-                            <p:stCondLst>
-                              <p:cond delay="0"/>
-                            </p:stCondLst>
-                            <p:childTnLst>
-                              <p:par>
-                                <p:cTn id="17" presetID="2" presetClass="entr" presetSubtype="4" fill="hold" grpId="0" nodeType="clickEffect">
-                                  <p:stCondLst>
-                                    <p:cond delay="0"/>
-                                  </p:stCondLst>
-                                  <p:childTnLst>
-                                    <p:set>
-                                      <p:cBhvr>
-                                        <p:cTn id="18" dur="1" fill="hold">
-                                          <p:stCondLst>
-                                            <p:cond delay="0"/>
-                                          </p:stCondLst>
-                                        </p:cTn>
-                                        <p:tgtEl>
-                                          <p:spTgt spid="9"/>
-                                        </p:tgtEl>
-                                        <p:attrNameLst>
-                                          <p:attrName>style.visibility</p:attrName>
-                                        </p:attrNameLst>
-                                      </p:cBhvr>
-                                      <p:to>
-                                        <p:strVal val="visible"/>
-                                      </p:to>
-                                    </p:set>
-                                    <p:anim calcmode="lin" valueType="num">
-                                      <p:cBhvr additive="base">
-                                        <p:cTn id="19" dur="500" fill="hold"/>
-                                        <p:tgtEl>
-                                          <p:spTgt spid="9"/>
-                                        </p:tgtEl>
-                                        <p:attrNameLst>
-                                          <p:attrName>ppt_x</p:attrName>
-                                        </p:attrNameLst>
-                                      </p:cBhvr>
-                                      <p:tavLst>
-                                        <p:tav tm="0">
-                                          <p:val>
-                                            <p:strVal val="#ppt_x"/>
-                                          </p:val>
-                                        </p:tav>
-                                        <p:tav tm="100000">
-                                          <p:val>
-                                            <p:strVal val="#ppt_x"/>
-                                          </p:val>
-                                        </p:tav>
-                                      </p:tavLst>
-                                    </p:anim>
-                                    <p:anim calcmode="lin" valueType="num">
-                                      <p:cBhvr additive="base">
-                                        <p:cTn id="20" dur="500" fill="hold"/>
-                                        <p:tgtEl>
-                                          <p:spTgt spid="9"/>
-                                        </p:tgtEl>
-                                        <p:attrNameLst>
-                                          <p:attrName>ppt_y</p:attrName>
-                                        </p:attrNameLst>
-                                      </p:cBhvr>
-                                      <p:tavLst>
-                                        <p:tav tm="0">
-                                          <p:val>
-                                            <p:strVal val="1+#ppt_h/2"/>
-                                          </p:val>
-                                        </p:tav>
-                                        <p:tav tm="100000">
-                                          <p:val>
-                                            <p:strVal val="#ppt_y"/>
-                                          </p:val>
-                                        </p:tav>
-                                      </p:tavLst>
-                                    </p:anim>
-                                  </p:childTnLst>
-                                </p:cTn>
-                              </p:par>
-                            </p:childTnLst>
-                          </p:cTn>
-                        </p:par>
-                      </p:childTnLst>
-                    </p:cTn>
-                  </p:par>
-                  <p:par>
-                    <p:cTn id="21" fill="hold">
-                      <p:stCondLst>
-                        <p:cond delay="indefinite"/>
-                      </p:stCondLst>
-                      <p:childTnLst>
-                        <p:par>
-                          <p:cTn id="22" fill="hold">
-                            <p:stCondLst>
-                              <p:cond delay="0"/>
-                            </p:stCondLst>
-                            <p:childTnLst>
-                              <p:par>
-                                <p:cTn id="23" presetID="2" presetClass="entr" presetSubtype="4" fill="hold" grpId="0" nodeType="clickEffect">
-                                  <p:stCondLst>
-                                    <p:cond delay="0"/>
-                                  </p:stCondLst>
-                                  <p:childTnLst>
-                                    <p:set>
-                                      <p:cBhvr>
-                                        <p:cTn id="24" dur="1" fill="hold">
-                                          <p:stCondLst>
-                                            <p:cond delay="0"/>
-                                          </p:stCondLst>
-                                        </p:cTn>
-                                        <p:tgtEl>
-                                          <p:spTgt spid="10"/>
-                                        </p:tgtEl>
-                                        <p:attrNameLst>
-                                          <p:attrName>style.visibility</p:attrName>
-                                        </p:attrNameLst>
-                                      </p:cBhvr>
-                                      <p:to>
-                                        <p:strVal val="visible"/>
-                                      </p:to>
-                                    </p:set>
-                                    <p:anim calcmode="lin" valueType="num">
-                                      <p:cBhvr additive="base">
-                                        <p:cTn id="25" dur="500" fill="hold"/>
-                                        <p:tgtEl>
-                                          <p:spTgt spid="10"/>
-                                        </p:tgtEl>
-                                        <p:attrNameLst>
-                                          <p:attrName>ppt_x</p:attrName>
-                                        </p:attrNameLst>
-                                      </p:cBhvr>
-                                      <p:tavLst>
-                                        <p:tav tm="0">
-                                          <p:val>
-                                            <p:strVal val="#ppt_x"/>
-                                          </p:val>
-                                        </p:tav>
-                                        <p:tav tm="100000">
-                                          <p:val>
-                                            <p:strVal val="#ppt_x"/>
-                                          </p:val>
-                                        </p:tav>
-                                      </p:tavLst>
-                                    </p:anim>
-                                    <p:anim calcmode="lin" valueType="num">
-                                      <p:cBhvr additive="base">
-                                        <p:cTn id="26" dur="500" fill="hold"/>
-                                        <p:tgtEl>
-                                          <p:spTgt spid="10"/>
-                                        </p:tgtEl>
-                                        <p:attrNameLst>
-                                          <p:attrName>ppt_y</p:attrName>
-                                        </p:attrNameLst>
-                                      </p:cBhvr>
-                                      <p:tavLst>
-                                        <p:tav tm="0">
-                                          <p:val>
-                                            <p:strVal val="1+#ppt_h/2"/>
-                                          </p:val>
-                                        </p:tav>
-                                        <p:tav tm="100000">
-                                          <p:val>
-                                            <p:strVal val="#ppt_y"/>
-                                          </p:val>
-                                        </p:tav>
-                                      </p:tavLst>
-                                    </p:anim>
-                                  </p:childTnLst>
-                                </p:cTn>
-                              </p:par>
-                            </p:childTnLst>
-                          </p:cTn>
-                        </p:par>
-                      </p:childTnLst>
-                    </p:cTn>
-                  </p:par>
-                </p:childTnLst>
-              </p:cTn>
-              <p:prevCondLst>
-                <p:cond evt="onPrev" delay="0">
-                  <p:tgtEl>
-                    <p:sldTgt/>
-                  </p:tgtEl>
-                </p:cond>
-              </p:prevCondLst>
-              <p:nextCondLst>
-                <p:cond evt="onNext" delay="0">
-                  <p:tgtEl>
-                    <p:sldTgt/>
-                  </p:tgtEl>
-                </p:cond>
-              </p:nextCondLst>
-            </p:seq>
-          </p:childTnLst>
-        </p:cTn>
+        <p:cTn xmlns:p14="http://schemas.microsoft.com/office/powerpoint/2010/main" id="1" dur="indefinite" restart="never" nodeType="tmRoot"/>
       </p:par>
     </p:tnLst>
-    <p:bldLst>
-      <p:bldP spid="6" grpId="0"/>
-      <p:bldP spid="8" grpId="0"/>
-      <p:bldP spid="9" grpId="0"/>
-      <p:bldP spid="10" grpId="0"/>
-    </p:bldLst>
   </p:timing>
 </p:sld>
 </file>
@@ -4975,145 +5629,10 @@
           </a:prstGeom>
         </p:spPr>
       </p:pic>
-      <p:sp>
-        <p:nvSpPr>
-          <p:cNvPr id="6" name="文本框 5"/>
-          <p:cNvSpPr txBox="1"/>
-          <p:nvPr/>
-        </p:nvSpPr>
-        <p:spPr>
-          <a:xfrm>
-            <a:off x="1328821" y="943464"/>
-            <a:ext cx="6906126" cy="1200329"/>
-          </a:xfrm>
-          <a:prstGeom prst="rect">
-            <a:avLst/>
-          </a:prstGeom>
-          <a:noFill/>
-        </p:spPr>
-        <p:txBody>
-          <a:bodyPr wrap="square" rtlCol="0">
-            <a:spAutoFit/>
-          </a:bodyPr>
-          <a:lstStyle/>
-          <a:p>
-            <a:r>
-              <a:rPr kumimoji="1" lang="zh-CN" altLang="en-US" dirty="0" smtClean="0"/>
-              <a:t>定义：</a:t>
-            </a:r>
-            <a:endParaRPr kumimoji="1" lang="en-US" altLang="zh-CN" dirty="0" smtClean="0"/>
-          </a:p>
-          <a:p>
-            <a:r>
-              <a:rPr kumimoji="1" lang="zh-CN" altLang="en-US" dirty="0" smtClean="0"/>
-              <a:t>敏捷开发是一种团队</a:t>
-            </a:r>
-            <a:r>
-              <a:rPr kumimoji="1" lang="zh-CN" altLang="en-US" dirty="0"/>
-              <a:t>管理工作的方式，以人为核心、迭代、循序渐进的开发方法。在敏捷开发中，软件项目的构建被切分成多个子项目，各个子项目的成果都经过测试，具备集成和可运行的特征。</a:t>
-            </a:r>
-          </a:p>
-        </p:txBody>
-      </p:sp>
-      <p:sp>
-        <p:nvSpPr>
-          <p:cNvPr id="7" name="文本框 6"/>
-          <p:cNvSpPr txBox="1"/>
-          <p:nvPr/>
-        </p:nvSpPr>
-        <p:spPr>
-          <a:xfrm>
-            <a:off x="1328821" y="3030621"/>
-            <a:ext cx="6906126" cy="3139321"/>
-          </a:xfrm>
-          <a:prstGeom prst="rect">
-            <a:avLst/>
-          </a:prstGeom>
-          <a:noFill/>
-        </p:spPr>
-        <p:txBody>
-          <a:bodyPr wrap="square" rtlCol="0">
-            <a:spAutoFit/>
-          </a:bodyPr>
-          <a:lstStyle/>
-          <a:p>
-            <a:r>
-              <a:rPr kumimoji="1" lang="zh-CN" altLang="en-US" dirty="0"/>
-              <a:t>宣言</a:t>
-            </a:r>
-            <a:r>
-              <a:rPr kumimoji="1" lang="zh-CN" altLang="en-US" dirty="0" smtClean="0"/>
-              <a:t>：</a:t>
-            </a:r>
-            <a:endParaRPr kumimoji="1" lang="en-US" altLang="zh-CN" dirty="0" smtClean="0"/>
-          </a:p>
-          <a:p>
-            <a:r>
-              <a:rPr kumimoji="1" lang="zh-CN" altLang="en-US" dirty="0"/>
-              <a:t>个体和互动 高于 流程和工具 （人是团队核心，流程和工具只是为了提供效率）</a:t>
-            </a:r>
-          </a:p>
-          <a:p>
-            <a:r>
-              <a:rPr kumimoji="1" lang="zh-CN" altLang="en-US" dirty="0"/>
-              <a:t>工作的软件 高于 详尽的文档  </a:t>
-            </a:r>
-            <a:r>
-              <a:rPr kumimoji="1" lang="en-US" altLang="zh-CN" dirty="0"/>
-              <a:t>(</a:t>
-            </a:r>
-            <a:r>
-              <a:rPr kumimoji="1" lang="zh-CN" altLang="en-US" dirty="0"/>
-              <a:t>文档应当短小精悍、主次分明、分类清楚</a:t>
-            </a:r>
-            <a:r>
-              <a:rPr kumimoji="1" lang="en-US" altLang="zh-CN" dirty="0"/>
-              <a:t>)</a:t>
-            </a:r>
-          </a:p>
-          <a:p>
-            <a:r>
-              <a:rPr kumimoji="1" lang="zh-CN" altLang="en-US" dirty="0"/>
-              <a:t>客户合作   高于 合同谈判   </a:t>
-            </a:r>
-            <a:r>
-              <a:rPr kumimoji="1" lang="en-US" altLang="zh-CN" dirty="0"/>
-              <a:t>(</a:t>
-            </a:r>
-            <a:r>
-              <a:rPr kumimoji="1" lang="zh-CN" altLang="en-US" dirty="0"/>
-              <a:t>项目环境不明朗与变化导致需求不确定与变更，需要项目团队与客户彼此精诚合作，常沟通、及时反馈</a:t>
-            </a:r>
-            <a:r>
-              <a:rPr kumimoji="1" lang="en-US" altLang="zh-CN" dirty="0"/>
-              <a:t>)</a:t>
-            </a:r>
-          </a:p>
-          <a:p>
-            <a:r>
-              <a:rPr kumimoji="1" lang="zh-CN" altLang="en-US" dirty="0"/>
-              <a:t>响应变化   高于 遵循计划   </a:t>
-            </a:r>
-            <a:r>
-              <a:rPr kumimoji="1" lang="en-US" altLang="zh-CN" dirty="0"/>
-              <a:t>(</a:t>
-            </a:r>
-            <a:r>
-              <a:rPr kumimoji="1" lang="zh-CN" altLang="en-US" dirty="0"/>
-              <a:t>项目环境不明朗与变化导致需求不确定与变更，需要项目团队与客户彼此精诚合作，常沟通、及时反馈</a:t>
-            </a:r>
-            <a:r>
-              <a:rPr kumimoji="1" lang="en-US" altLang="zh-CN" dirty="0"/>
-              <a:t>)</a:t>
-            </a:r>
-            <a:endParaRPr kumimoji="1" lang="zh-CN" altLang="en-US" dirty="0"/>
-          </a:p>
-        </p:txBody>
-      </p:sp>
     </p:spTree>
     <p:extLst>
       <p:ext uri="{BB962C8B-B14F-4D97-AF65-F5344CB8AC3E}">
-        <p14:creationId xmlns:p14="http://schemas.microsoft.com/office/powerpoint/2010/main" val="1781727684"/>
+        <p14:creationId xmlns:p14="http://schemas.microsoft.com/office/powerpoint/2010/main" val="158482912"/>
       </p:ext>
     </p:extLst>
   </p:cSld>
@@ -5123,126 +5642,9 @@
   <p:timing>
     <p:tnLst>
       <p:par>
-        <p:cTn xmlns:p14="http://schemas.microsoft.com/office/powerpoint/2010/main" id="1" dur="indefinite" restart="never" nodeType="tmRoot">
-          <p:childTnLst>
-            <p:seq concurrent="1" nextAc="seek">
-              <p:cTn id="2" dur="indefinite" nodeType="mainSeq">
-                <p:childTnLst>
-                  <p:par>
-                    <p:cTn id="3" fill="hold">
-                      <p:stCondLst>
-                        <p:cond delay="indefinite"/>
-                      </p:stCondLst>
-                      <p:childTnLst>
-                        <p:par>
-                          <p:cTn id="4" fill="hold">
-                            <p:stCondLst>
-                              <p:cond delay="0"/>
-                            </p:stCondLst>
-                            <p:childTnLst>
-                              <p:par>
-                                <p:cTn id="5" presetID="2" presetClass="entr" presetSubtype="4" fill="hold" grpId="0" nodeType="clickEffect">
-                                  <p:stCondLst>
-                                    <p:cond delay="0"/>
-                                  </p:stCondLst>
-                                  <p:childTnLst>
-                                    <p:set>
-                                      <p:cBhvr>
-                                        <p:cTn id="6" dur="1" fill="hold">
-                                          <p:stCondLst>
-                                            <p:cond delay="0"/>
-                                          </p:stCondLst>
-                                        </p:cTn>
-                                        <p:tgtEl>
-                                          <p:spTgt spid="7"/>
-                                        </p:tgtEl>
-                                        <p:attrNameLst>
-                                          <p:attrName>style.visibility</p:attrName>
-                                        </p:attrNameLst>
-                                      </p:cBhvr>
-                                      <p:to>
-                                        <p:strVal val="visible"/>
-                                      </p:to>
-                                    </p:set>
-                                    <p:anim calcmode="lin" valueType="num">
-                                      <p:cBhvr additive="base">
-                                        <p:cTn id="7" dur="500" fill="hold"/>
-                                        <p:tgtEl>
-                                          <p:spTgt spid="7"/>
-                                        </p:tgtEl>
-                                        <p:attrNameLst>
-                                          <p:attrName>ppt_x</p:attrName>
-                                        </p:attrNameLst>
-                                      </p:cBhvr>
-                                      <p:tavLst>
-                                        <p:tav tm="0">
-                                          <p:val>
-                                            <p:strVal val="#ppt_x"/>
-                                          </p:val>
-                                        </p:tav>
-                                        <p:tav tm="100000">
-                                          <p:val>
-                                            <p:strVal val="#ppt_x"/>
-                                          </p:val>
-                                        </p:tav>
-                                      </p:tavLst>
-                                    </p:anim>
-                                    <p:anim calcmode="lin" valueType="num">
-                                      <p:cBhvr additive="base">
-                                        <p:cTn id="8" dur="500" fill="hold"/>
-                                        <p:tgtEl>
-                                          <p:spTgt spid="7"/>
-                                        </p:tgtEl>
-                                        <p:attrNameLst>
-                                          <p:attrName>ppt_y</p:attrName>
-                                        </p:attrNameLst>
-                                      </p:cBhvr>
-                                      <p:tavLst>
-                                        <p:tav tm="0">
-                                          <p:val>
-                                            <p:strVal val="1+#ppt_h/2"/>
-                                          </p:val>
-                                        </p:tav>
-                                        <p:tav tm="100000">
-                                          <p:val>
-                                            <p:strVal val="#ppt_y"/>
-                                          </p:val>
-                                        </p:tav>
-                                      </p:tavLst>
-                                    </p:anim>
-                                  </p:childTnLst>
-                                </p:cTn>
-                              </p:par>
-                            </p:childTnLst>
-                          </p:cTn>
-                        </p:par>
-                      </p:childTnLst>
-                    </p:cTn>
-                  </p:par>
-                </p:childTnLst>
-              </p:cTn>
-              <p:prevCondLst>
-                <p:cond evt="onPrev" delay="0">
-                  <p:tgtEl>
-                    <p:sldTgt/>
-                  </p:tgtEl>
-                </p:cond>
-              </p:prevCondLst>
-              <p:nextCondLst>
-                <p:cond evt="onNext" delay="0">
-                  <p:tgtEl>
-                    <p:sldTgt/>
-                  </p:tgtEl>
-                </p:cond>
-              </p:nextCondLst>
-            </p:seq>
-          </p:childTnLst>
-        </p:cTn>
+        <p:cTn xmlns:p14="http://schemas.microsoft.com/office/powerpoint/2010/main" id="1" dur="indefinite" restart="never" nodeType="tmRoot"/>
       </p:par>
     </p:tnLst>
-    <p:bldLst>
-      <p:bldP spid="7" grpId="0"/>
-    </p:bldLst>
   </p:timing>
 </p:sld>
 </file>
@@ -6128,96 +6530,10 @@
           </a:prstGeom>
         </p:spPr>
       </p:pic>
-      <p:sp>
-        <p:nvSpPr>
-          <p:cNvPr id="4" name="文本框 3"/>
-          <p:cNvSpPr txBox="1"/>
-          <p:nvPr/>
-        </p:nvSpPr>
-        <p:spPr>
-          <a:xfrm>
-            <a:off x="1371600" y="1106577"/>
-            <a:ext cx="6336632" cy="2031325"/>
-          </a:xfrm>
-          <a:prstGeom prst="rect">
-            <a:avLst/>
-          </a:prstGeom>
-          <a:noFill/>
-        </p:spPr>
-        <p:txBody>
-          <a:bodyPr wrap="square" rtlCol="0">
-            <a:spAutoFit/>
-          </a:bodyPr>
-          <a:lstStyle/>
-          <a:p>
-            <a:r>
-              <a:rPr kumimoji="1" lang="zh-TW" altLang="en-US" dirty="0"/>
-              <a:t>实现形式 </a:t>
-            </a:r>
-            <a:r>
-              <a:rPr kumimoji="1" lang="mr-IN" altLang="zh-TW" dirty="0" smtClean="0"/>
-              <a:t>–</a:t>
-            </a:r>
-            <a:r>
-              <a:rPr kumimoji="1" lang="en-US" altLang="zh-TW" dirty="0" smtClean="0"/>
-              <a:t> Scrum</a:t>
-            </a:r>
-          </a:p>
-          <a:p>
-            <a:r>
-              <a:rPr kumimoji="1" lang="zh-CN" altLang="en-US" dirty="0"/>
-              <a:t>快速迭代式</a:t>
-            </a:r>
-            <a:r>
-              <a:rPr kumimoji="1" lang="en-US" altLang="zh-CN" dirty="0"/>
-              <a:t>+</a:t>
-            </a:r>
-            <a:r>
-              <a:rPr kumimoji="1" lang="zh-CN" altLang="en-US" dirty="0"/>
-              <a:t>增量式软件开发过程，是敏捷软件开发的常用形式 </a:t>
-            </a:r>
-            <a:r>
-              <a:rPr kumimoji="1" lang="zh-CN" altLang="en-US" dirty="0" smtClean="0"/>
-              <a:t>。</a:t>
-            </a:r>
-            <a:endParaRPr kumimoji="1" lang="en-US" altLang="zh-CN" dirty="0" smtClean="0"/>
-          </a:p>
-          <a:p>
-            <a:endParaRPr kumimoji="1" lang="en-US" altLang="zh-CN" dirty="0" smtClean="0"/>
-          </a:p>
-          <a:p>
-            <a:r>
-              <a:rPr kumimoji="1" lang="zh-CN" altLang="en-US" dirty="0" smtClean="0"/>
-              <a:t>具体实施要求：</a:t>
-            </a:r>
-            <a:endParaRPr kumimoji="1" lang="en-US" altLang="zh-CN" dirty="0"/>
-          </a:p>
-          <a:p>
-            <a:r>
-              <a:rPr kumimoji="1" lang="zh-CN" altLang="en-US" dirty="0"/>
-              <a:t>合作型</a:t>
-            </a:r>
-            <a:r>
-              <a:rPr kumimoji="1" lang="en-US" altLang="zh-CN" dirty="0"/>
-              <a:t>+</a:t>
-            </a:r>
-            <a:r>
-              <a:rPr kumimoji="1" lang="zh-CN" altLang="en-US" dirty="0"/>
-              <a:t>面对变更、广泛的技能</a:t>
-            </a:r>
-          </a:p>
-          <a:p>
-            <a:r>
-              <a:rPr kumimoji="1" lang="zh-CN" altLang="en-US" dirty="0"/>
-              <a:t>依据实际情况筛选、裁剪。</a:t>
-            </a:r>
-          </a:p>
-        </p:txBody>
-      </p:sp>
     </p:spTree>
     <p:extLst>
       <p:ext uri="{BB962C8B-B14F-4D97-AF65-F5344CB8AC3E}">
-        <p14:creationId xmlns:p14="http://schemas.microsoft.com/office/powerpoint/2010/main" val="3339805766"/>
+        <p14:creationId xmlns:p14="http://schemas.microsoft.com/office/powerpoint/2010/main" val="2022837066"/>
       </p:ext>
     </p:extLst>
   </p:cSld>
@@ -6266,10 +6582,6 @@
           <a:bodyPr/>
           <a:lstStyle/>
           <a:p>
-            <a:r>
-              <a:rPr kumimoji="1" lang="en-US" altLang="zh-CN" dirty="0" smtClean="0"/>
-              <a:t> </a:t>
-            </a:r>
             <a:endParaRPr kumimoji="1" lang="zh-CN" altLang="en-US" dirty="0"/>
           </a:p>
         </p:txBody>
@@ -6323,6 +6635,1507 @@
           </a:prstGeom>
         </p:spPr>
       </p:pic>
+    </p:spTree>
+    <p:extLst>
+      <p:ext uri="{BB962C8B-B14F-4D97-AF65-F5344CB8AC3E}">
+        <p14:creationId xmlns:p14="http://schemas.microsoft.com/office/powerpoint/2010/main" val="1240615458"/>
+      </p:ext>
+    </p:extLst>
+  </p:cSld>
+  <p:clrMapOvr>
+    <a:masterClrMapping/>
+  </p:clrMapOvr>
+  <p:timing>
+    <p:tnLst>
+      <p:par>
+        <p:cTn xmlns:p14="http://schemas.microsoft.com/office/powerpoint/2010/main" id="1" dur="indefinite" restart="never" nodeType="tmRoot"/>
+      </p:par>
+    </p:tnLst>
+  </p:timing>
+</p:sld>
+</file>
+
+<file path=ppt/slides/slide22.xml><?xml version="1.0" encoding="utf-8"?>
+<p:sld xmlns:a="http://schemas.openxmlformats.org/drawingml/2006/main" xmlns:r="http://schemas.openxmlformats.org/officeDocument/2006/relationships" xmlns:p="http://schemas.openxmlformats.org/presentationml/2006/main">
+  <p:cSld>
+    <p:spTree>
+      <p:nvGrpSpPr>
+        <p:cNvPr id="1" name=""/>
+        <p:cNvGrpSpPr/>
+        <p:nvPr/>
+      </p:nvGrpSpPr>
+      <p:grpSpPr>
+        <a:xfrm>
+          <a:off x="0" y="0"/>
+          <a:ext cx="0" cy="0"/>
+          <a:chOff x="0" y="0"/>
+          <a:chExt cx="0" cy="0"/>
+        </a:xfrm>
+      </p:grpSpPr>
+      <p:sp>
+        <p:nvSpPr>
+          <p:cNvPr id="2" name="标题 1"/>
+          <p:cNvSpPr>
+            <a:spLocks noGrp="1"/>
+          </p:cNvSpPr>
+          <p:nvPr>
+            <p:ph type="ctrTitle"/>
+          </p:nvPr>
+        </p:nvSpPr>
+        <p:spPr/>
+        <p:txBody>
+          <a:bodyPr/>
+          <a:lstStyle/>
+          <a:p>
+            <a:endParaRPr kumimoji="1" lang="zh-CN" altLang="en-US" dirty="0"/>
+          </a:p>
+        </p:txBody>
+      </p:sp>
+      <p:sp>
+        <p:nvSpPr>
+          <p:cNvPr id="3" name="副标题 2"/>
+          <p:cNvSpPr>
+            <a:spLocks noGrp="1"/>
+          </p:cNvSpPr>
+          <p:nvPr>
+            <p:ph type="subTitle" idx="1"/>
+          </p:nvPr>
+        </p:nvSpPr>
+        <p:spPr/>
+        <p:txBody>
+          <a:bodyPr/>
+          <a:lstStyle/>
+          <a:p>
+            <a:endParaRPr kumimoji="1" lang="zh-CN" altLang="en-US"/>
+          </a:p>
+        </p:txBody>
+      </p:sp>
+      <p:pic>
+        <p:nvPicPr>
+          <p:cNvPr id="5" name="图片 4" descr="maintheme.jpg"/>
+          <p:cNvPicPr>
+            <a:picLocks noChangeAspect="1"/>
+          </p:cNvPicPr>
+          <p:nvPr/>
+        </p:nvPicPr>
+        <p:blipFill>
+          <a:blip r:embed="rId2">
+            <a:extLst>
+              <a:ext uri="{28A0092B-C50C-407E-A947-70E740481C1C}">
+                <a14:useLocalDpi xmlns:a14="http://schemas.microsoft.com/office/drawing/2010/main" val="0"/>
+              </a:ext>
+            </a:extLst>
+          </a:blip>
+          <a:stretch>
+            <a:fillRect/>
+          </a:stretch>
+        </p:blipFill>
+        <p:spPr>
+          <a:xfrm>
+            <a:off x="0" y="0"/>
+            <a:ext cx="9144000" cy="6858000"/>
+          </a:xfrm>
+          <a:prstGeom prst="rect">
+            <a:avLst/>
+          </a:prstGeom>
+        </p:spPr>
+      </p:pic>
+    </p:spTree>
+    <p:extLst>
+      <p:ext uri="{BB962C8B-B14F-4D97-AF65-F5344CB8AC3E}">
+        <p14:creationId xmlns:p14="http://schemas.microsoft.com/office/powerpoint/2010/main" val="3855994952"/>
+      </p:ext>
+    </p:extLst>
+  </p:cSld>
+  <p:clrMapOvr>
+    <a:masterClrMapping/>
+  </p:clrMapOvr>
+  <p:timing>
+    <p:tnLst>
+      <p:par>
+        <p:cTn xmlns:p14="http://schemas.microsoft.com/office/powerpoint/2010/main" id="1" dur="indefinite" restart="never" nodeType="tmRoot"/>
+      </p:par>
+    </p:tnLst>
+  </p:timing>
+</p:sld>
+</file>
+
+<file path=ppt/slides/slide23.xml><?xml version="1.0" encoding="utf-8"?>
+<p:sld xmlns:a="http://schemas.openxmlformats.org/drawingml/2006/main" xmlns:r="http://schemas.openxmlformats.org/officeDocument/2006/relationships" xmlns:p="http://schemas.openxmlformats.org/presentationml/2006/main">
+  <p:cSld>
+    <p:spTree>
+      <p:nvGrpSpPr>
+        <p:cNvPr id="1" name=""/>
+        <p:cNvGrpSpPr/>
+        <p:nvPr/>
+      </p:nvGrpSpPr>
+      <p:grpSpPr>
+        <a:xfrm>
+          <a:off x="0" y="0"/>
+          <a:ext cx="0" cy="0"/>
+          <a:chOff x="0" y="0"/>
+          <a:chExt cx="0" cy="0"/>
+        </a:xfrm>
+      </p:grpSpPr>
+      <p:sp>
+        <p:nvSpPr>
+          <p:cNvPr id="2" name="标题 1"/>
+          <p:cNvSpPr>
+            <a:spLocks noGrp="1"/>
+          </p:cNvSpPr>
+          <p:nvPr>
+            <p:ph type="ctrTitle"/>
+          </p:nvPr>
+        </p:nvSpPr>
+        <p:spPr/>
+        <p:txBody>
+          <a:bodyPr/>
+          <a:lstStyle/>
+          <a:p>
+            <a:endParaRPr kumimoji="1" lang="zh-CN" altLang="en-US" dirty="0"/>
+          </a:p>
+        </p:txBody>
+      </p:sp>
+      <p:sp>
+        <p:nvSpPr>
+          <p:cNvPr id="3" name="副标题 2"/>
+          <p:cNvSpPr>
+            <a:spLocks noGrp="1"/>
+          </p:cNvSpPr>
+          <p:nvPr>
+            <p:ph type="subTitle" idx="1"/>
+          </p:nvPr>
+        </p:nvSpPr>
+        <p:spPr/>
+        <p:txBody>
+          <a:bodyPr/>
+          <a:lstStyle/>
+          <a:p>
+            <a:endParaRPr kumimoji="1" lang="zh-CN" altLang="en-US"/>
+          </a:p>
+        </p:txBody>
+      </p:sp>
+      <p:pic>
+        <p:nvPicPr>
+          <p:cNvPr id="5" name="图片 4" descr="maintheme.jpg"/>
+          <p:cNvPicPr>
+            <a:picLocks noChangeAspect="1"/>
+          </p:cNvPicPr>
+          <p:nvPr/>
+        </p:nvPicPr>
+        <p:blipFill>
+          <a:blip r:embed="rId2">
+            <a:extLst>
+              <a:ext uri="{28A0092B-C50C-407E-A947-70E740481C1C}">
+                <a14:useLocalDpi xmlns:a14="http://schemas.microsoft.com/office/drawing/2010/main" val="0"/>
+              </a:ext>
+            </a:extLst>
+          </a:blip>
+          <a:stretch>
+            <a:fillRect/>
+          </a:stretch>
+        </p:blipFill>
+        <p:spPr>
+          <a:xfrm>
+            <a:off x="0" y="0"/>
+            <a:ext cx="9144000" cy="6858000"/>
+          </a:xfrm>
+          <a:prstGeom prst="rect">
+            <a:avLst/>
+          </a:prstGeom>
+        </p:spPr>
+      </p:pic>
+      <p:sp>
+        <p:nvSpPr>
+          <p:cNvPr id="4" name="文本框 3"/>
+          <p:cNvSpPr txBox="1"/>
+          <p:nvPr/>
+        </p:nvSpPr>
+        <p:spPr>
+          <a:xfrm>
+            <a:off x="1371600" y="628316"/>
+            <a:ext cx="6609347" cy="707886"/>
+          </a:xfrm>
+          <a:prstGeom prst="rect">
+            <a:avLst/>
+          </a:prstGeom>
+          <a:noFill/>
+        </p:spPr>
+        <p:txBody>
+          <a:bodyPr wrap="square" rtlCol="0">
+            <a:spAutoFit/>
+          </a:bodyPr>
+          <a:lstStyle/>
+          <a:p>
+            <a:r>
+              <a:rPr kumimoji="1" lang="zh-CN" altLang="en-US" sz="4000" dirty="0" smtClean="0">
+                <a:solidFill>
+                  <a:schemeClr val="accent6"/>
+                </a:solidFill>
+              </a:rPr>
+              <a:t>第四部分</a:t>
+            </a:r>
+            <a:r>
+              <a:rPr kumimoji="1" lang="en-US" altLang="zh-CN" sz="4000" dirty="0" smtClean="0">
+                <a:solidFill>
+                  <a:schemeClr val="accent6"/>
+                </a:solidFill>
+              </a:rPr>
+              <a:t> </a:t>
+            </a:r>
+            <a:r>
+              <a:rPr kumimoji="1" lang="zh-CN" altLang="en-US" sz="4000" dirty="0" smtClean="0">
+                <a:solidFill>
+                  <a:schemeClr val="accent6"/>
+                </a:solidFill>
+                <a:latin typeface="+mn-ea"/>
+              </a:rPr>
+              <a:t>敏捷开发</a:t>
+            </a:r>
+            <a:r>
+              <a:rPr kumimoji="1" lang="en-US" altLang="zh-CN" sz="4000" dirty="0" smtClean="0">
+                <a:solidFill>
+                  <a:schemeClr val="accent6"/>
+                </a:solidFill>
+              </a:rPr>
+              <a:t>/</a:t>
+            </a:r>
+            <a:r>
+              <a:rPr kumimoji="1" lang="zh-CN" altLang="en-US" sz="4000" dirty="0" smtClean="0">
+                <a:solidFill>
+                  <a:schemeClr val="accent6"/>
+                </a:solidFill>
+              </a:rPr>
+              <a:t>管理</a:t>
+            </a:r>
+            <a:endParaRPr kumimoji="1" lang="zh-CN" altLang="en-US" sz="4000" dirty="0">
+              <a:solidFill>
+                <a:schemeClr val="accent6"/>
+              </a:solidFill>
+            </a:endParaRPr>
+          </a:p>
+        </p:txBody>
+      </p:sp>
+      <p:sp>
+        <p:nvSpPr>
+          <p:cNvPr id="6" name="文本框 5"/>
+          <p:cNvSpPr txBox="1"/>
+          <p:nvPr/>
+        </p:nvSpPr>
+        <p:spPr>
+          <a:xfrm>
+            <a:off x="1371600" y="1657684"/>
+            <a:ext cx="6609347" cy="646331"/>
+          </a:xfrm>
+          <a:prstGeom prst="rect">
+            <a:avLst/>
+          </a:prstGeom>
+          <a:noFill/>
+        </p:spPr>
+        <p:txBody>
+          <a:bodyPr wrap="square" rtlCol="0">
+            <a:spAutoFit/>
+          </a:bodyPr>
+          <a:lstStyle/>
+          <a:p>
+            <a:r>
+              <a:rPr kumimoji="1" lang="zh-CN" altLang="en-US" dirty="0" smtClean="0"/>
+              <a:t>已经有了标准化</a:t>
+            </a:r>
+            <a:r>
+              <a:rPr kumimoji="1" lang="zh-CN" altLang="en-US" dirty="0"/>
+              <a:t>的项目管理体系为什么还有其他的项目管理过程</a:t>
+            </a:r>
+            <a:r>
+              <a:rPr kumimoji="1" lang="en-US" altLang="zh-CN" dirty="0"/>
+              <a:t>/</a:t>
+            </a:r>
+            <a:r>
+              <a:rPr kumimoji="1" lang="zh-CN" altLang="en-US" dirty="0"/>
+              <a:t>理论 </a:t>
+            </a:r>
+            <a:r>
+              <a:rPr kumimoji="1" lang="zh-CN" altLang="en-US" dirty="0" smtClean="0"/>
+              <a:t>？</a:t>
+            </a:r>
+            <a:endParaRPr kumimoji="1" lang="zh-CN" altLang="en-US" dirty="0"/>
+          </a:p>
+        </p:txBody>
+      </p:sp>
+      <p:sp>
+        <p:nvSpPr>
+          <p:cNvPr id="8" name="文本框 7"/>
+          <p:cNvSpPr txBox="1"/>
+          <p:nvPr/>
+        </p:nvSpPr>
+        <p:spPr>
+          <a:xfrm>
+            <a:off x="1371600" y="2513263"/>
+            <a:ext cx="6443579" cy="646331"/>
+          </a:xfrm>
+          <a:prstGeom prst="rect">
+            <a:avLst/>
+          </a:prstGeom>
+          <a:noFill/>
+        </p:spPr>
+        <p:txBody>
+          <a:bodyPr wrap="square" rtlCol="0">
+            <a:spAutoFit/>
+          </a:bodyPr>
+          <a:lstStyle/>
+          <a:p>
+            <a:r>
+              <a:rPr kumimoji="1" lang="en-US" altLang="zh-CN" dirty="0"/>
+              <a:t>1. </a:t>
+            </a:r>
+            <a:r>
+              <a:rPr kumimoji="1" lang="zh-CN" altLang="en-US" dirty="0"/>
+              <a:t>项</a:t>
+            </a:r>
+            <a:r>
+              <a:rPr kumimoji="1" lang="zh-CN" altLang="en-US" dirty="0" smtClean="0"/>
+              <a:t>目处在竞争愈发激烈的环境中，产品胜出不单单在产品本身质量也在于产品推向市场的速度 。</a:t>
+            </a:r>
+          </a:p>
+        </p:txBody>
+      </p:sp>
+      <p:sp>
+        <p:nvSpPr>
+          <p:cNvPr id="9" name="文本框 8"/>
+          <p:cNvSpPr txBox="1"/>
+          <p:nvPr/>
+        </p:nvSpPr>
+        <p:spPr>
+          <a:xfrm>
+            <a:off x="1371600" y="3708709"/>
+            <a:ext cx="6443579" cy="646331"/>
+          </a:xfrm>
+          <a:prstGeom prst="rect">
+            <a:avLst/>
+          </a:prstGeom>
+          <a:noFill/>
+        </p:spPr>
+        <p:txBody>
+          <a:bodyPr wrap="square" rtlCol="0">
+            <a:spAutoFit/>
+          </a:bodyPr>
+          <a:lstStyle/>
+          <a:p>
+            <a:r>
+              <a:rPr kumimoji="1" lang="en-US" altLang="zh-CN" dirty="0" smtClean="0"/>
+              <a:t>2</a:t>
+            </a:r>
+            <a:r>
+              <a:rPr kumimoji="1" lang="en-US" altLang="zh-CN" dirty="0"/>
+              <a:t>. </a:t>
+            </a:r>
+            <a:r>
+              <a:rPr kumimoji="1" lang="zh-CN" altLang="en-US" dirty="0"/>
+              <a:t>本质上，降低沟通成本和试错成本的方式方法；快速迭代出可高质量</a:t>
+            </a:r>
+            <a:r>
+              <a:rPr kumimoji="1" lang="en-US" altLang="zh-CN" dirty="0"/>
+              <a:t>&amp;</a:t>
+            </a:r>
+            <a:r>
+              <a:rPr kumimoji="1" lang="zh-CN" altLang="en-US" dirty="0"/>
+              <a:t>稳定的产品</a:t>
+            </a:r>
+            <a:r>
+              <a:rPr kumimoji="1" lang="zh-CN" altLang="en-US" dirty="0" smtClean="0"/>
+              <a:t>。</a:t>
+            </a:r>
+            <a:endParaRPr kumimoji="1" lang="zh-CN" altLang="en-US" dirty="0"/>
+          </a:p>
+        </p:txBody>
+      </p:sp>
+      <p:sp>
+        <p:nvSpPr>
+          <p:cNvPr id="10" name="文本框 9"/>
+          <p:cNvSpPr txBox="1"/>
+          <p:nvPr/>
+        </p:nvSpPr>
+        <p:spPr>
+          <a:xfrm>
+            <a:off x="1371600" y="5012976"/>
+            <a:ext cx="6443579" cy="369332"/>
+          </a:xfrm>
+          <a:prstGeom prst="rect">
+            <a:avLst/>
+          </a:prstGeom>
+          <a:noFill/>
+        </p:spPr>
+        <p:txBody>
+          <a:bodyPr wrap="square" rtlCol="0">
+            <a:spAutoFit/>
+          </a:bodyPr>
+          <a:lstStyle/>
+          <a:p>
+            <a:r>
+              <a:rPr kumimoji="1" lang="en-US" altLang="zh-CN" dirty="0" smtClean="0"/>
+              <a:t>3</a:t>
+            </a:r>
+            <a:r>
+              <a:rPr kumimoji="1" lang="en-US" altLang="zh-CN" dirty="0"/>
+              <a:t>. </a:t>
+            </a:r>
+            <a:r>
+              <a:rPr kumimoji="1" lang="zh-CN" altLang="en-US" dirty="0"/>
+              <a:t>开发用户真正需要的产品。</a:t>
+            </a:r>
+          </a:p>
+        </p:txBody>
+      </p:sp>
+    </p:spTree>
+    <p:extLst>
+      <p:ext uri="{BB962C8B-B14F-4D97-AF65-F5344CB8AC3E}">
+        <p14:creationId xmlns:p14="http://schemas.microsoft.com/office/powerpoint/2010/main" val="3201790668"/>
+      </p:ext>
+    </p:extLst>
+  </p:cSld>
+  <p:clrMapOvr>
+    <a:masterClrMapping/>
+  </p:clrMapOvr>
+  <p:timing>
+    <p:tnLst>
+      <p:par>
+        <p:cTn xmlns:p14="http://schemas.microsoft.com/office/powerpoint/2010/main" id="1" dur="indefinite" restart="never" nodeType="tmRoot">
+          <p:childTnLst>
+            <p:seq concurrent="1" nextAc="seek">
+              <p:cTn id="2" dur="indefinite" nodeType="mainSeq">
+                <p:childTnLst>
+                  <p:par>
+                    <p:cTn id="3" fill="hold">
+                      <p:stCondLst>
+                        <p:cond delay="indefinite"/>
+                      </p:stCondLst>
+                      <p:childTnLst>
+                        <p:par>
+                          <p:cTn id="4" fill="hold">
+                            <p:stCondLst>
+                              <p:cond delay="0"/>
+                            </p:stCondLst>
+                            <p:childTnLst>
+                              <p:par>
+                                <p:cTn id="5" presetID="2" presetClass="entr" presetSubtype="4" fill="hold" grpId="0" nodeType="clickEffect">
+                                  <p:stCondLst>
+                                    <p:cond delay="0"/>
+                                  </p:stCondLst>
+                                  <p:childTnLst>
+                                    <p:set>
+                                      <p:cBhvr>
+                                        <p:cTn id="6" dur="1" fill="hold">
+                                          <p:stCondLst>
+                                            <p:cond delay="0"/>
+                                          </p:stCondLst>
+                                        </p:cTn>
+                                        <p:tgtEl>
+                                          <p:spTgt spid="6"/>
+                                        </p:tgtEl>
+                                        <p:attrNameLst>
+                                          <p:attrName>style.visibility</p:attrName>
+                                        </p:attrNameLst>
+                                      </p:cBhvr>
+                                      <p:to>
+                                        <p:strVal val="visible"/>
+                                      </p:to>
+                                    </p:set>
+                                    <p:anim calcmode="lin" valueType="num">
+                                      <p:cBhvr additive="base">
+                                        <p:cTn id="7" dur="500" fill="hold"/>
+                                        <p:tgtEl>
+                                          <p:spTgt spid="6"/>
+                                        </p:tgtEl>
+                                        <p:attrNameLst>
+                                          <p:attrName>ppt_x</p:attrName>
+                                        </p:attrNameLst>
+                                      </p:cBhvr>
+                                      <p:tavLst>
+                                        <p:tav tm="0">
+                                          <p:val>
+                                            <p:strVal val="#ppt_x"/>
+                                          </p:val>
+                                        </p:tav>
+                                        <p:tav tm="100000">
+                                          <p:val>
+                                            <p:strVal val="#ppt_x"/>
+                                          </p:val>
+                                        </p:tav>
+                                      </p:tavLst>
+                                    </p:anim>
+                                    <p:anim calcmode="lin" valueType="num">
+                                      <p:cBhvr additive="base">
+                                        <p:cTn id="8" dur="500" fill="hold"/>
+                                        <p:tgtEl>
+                                          <p:spTgt spid="6"/>
+                                        </p:tgtEl>
+                                        <p:attrNameLst>
+                                          <p:attrName>ppt_y</p:attrName>
+                                        </p:attrNameLst>
+                                      </p:cBhvr>
+                                      <p:tavLst>
+                                        <p:tav tm="0">
+                                          <p:val>
+                                            <p:strVal val="1+#ppt_h/2"/>
+                                          </p:val>
+                                        </p:tav>
+                                        <p:tav tm="100000">
+                                          <p:val>
+                                            <p:strVal val="#ppt_y"/>
+                                          </p:val>
+                                        </p:tav>
+                                      </p:tavLst>
+                                    </p:anim>
+                                  </p:childTnLst>
+                                </p:cTn>
+                              </p:par>
+                            </p:childTnLst>
+                          </p:cTn>
+                        </p:par>
+                      </p:childTnLst>
+                    </p:cTn>
+                  </p:par>
+                  <p:par>
+                    <p:cTn id="9" fill="hold">
+                      <p:stCondLst>
+                        <p:cond delay="indefinite"/>
+                      </p:stCondLst>
+                      <p:childTnLst>
+                        <p:par>
+                          <p:cTn id="10" fill="hold">
+                            <p:stCondLst>
+                              <p:cond delay="0"/>
+                            </p:stCondLst>
+                            <p:childTnLst>
+                              <p:par>
+                                <p:cTn id="11" presetID="2" presetClass="entr" presetSubtype="4" fill="hold" grpId="0" nodeType="clickEffect">
+                                  <p:stCondLst>
+                                    <p:cond delay="0"/>
+                                  </p:stCondLst>
+                                  <p:childTnLst>
+                                    <p:set>
+                                      <p:cBhvr>
+                                        <p:cTn id="12" dur="1" fill="hold">
+                                          <p:stCondLst>
+                                            <p:cond delay="0"/>
+                                          </p:stCondLst>
+                                        </p:cTn>
+                                        <p:tgtEl>
+                                          <p:spTgt spid="8"/>
+                                        </p:tgtEl>
+                                        <p:attrNameLst>
+                                          <p:attrName>style.visibility</p:attrName>
+                                        </p:attrNameLst>
+                                      </p:cBhvr>
+                                      <p:to>
+                                        <p:strVal val="visible"/>
+                                      </p:to>
+                                    </p:set>
+                                    <p:anim calcmode="lin" valueType="num">
+                                      <p:cBhvr additive="base">
+                                        <p:cTn id="13" dur="500" fill="hold"/>
+                                        <p:tgtEl>
+                                          <p:spTgt spid="8"/>
+                                        </p:tgtEl>
+                                        <p:attrNameLst>
+                                          <p:attrName>ppt_x</p:attrName>
+                                        </p:attrNameLst>
+                                      </p:cBhvr>
+                                      <p:tavLst>
+                                        <p:tav tm="0">
+                                          <p:val>
+                                            <p:strVal val="#ppt_x"/>
+                                          </p:val>
+                                        </p:tav>
+                                        <p:tav tm="100000">
+                                          <p:val>
+                                            <p:strVal val="#ppt_x"/>
+                                          </p:val>
+                                        </p:tav>
+                                      </p:tavLst>
+                                    </p:anim>
+                                    <p:anim calcmode="lin" valueType="num">
+                                      <p:cBhvr additive="base">
+                                        <p:cTn id="14" dur="500" fill="hold"/>
+                                        <p:tgtEl>
+                                          <p:spTgt spid="8"/>
+                                        </p:tgtEl>
+                                        <p:attrNameLst>
+                                          <p:attrName>ppt_y</p:attrName>
+                                        </p:attrNameLst>
+                                      </p:cBhvr>
+                                      <p:tavLst>
+                                        <p:tav tm="0">
+                                          <p:val>
+                                            <p:strVal val="1+#ppt_h/2"/>
+                                          </p:val>
+                                        </p:tav>
+                                        <p:tav tm="100000">
+                                          <p:val>
+                                            <p:strVal val="#ppt_y"/>
+                                          </p:val>
+                                        </p:tav>
+                                      </p:tavLst>
+                                    </p:anim>
+                                  </p:childTnLst>
+                                </p:cTn>
+                              </p:par>
+                            </p:childTnLst>
+                          </p:cTn>
+                        </p:par>
+                      </p:childTnLst>
+                    </p:cTn>
+                  </p:par>
+                  <p:par>
+                    <p:cTn id="15" fill="hold">
+                      <p:stCondLst>
+                        <p:cond delay="indefinite"/>
+                      </p:stCondLst>
+                      <p:childTnLst>
+                        <p:par>
+                          <p:cTn id="16" fill="hold">
+                            <p:stCondLst>
+                              <p:cond delay="0"/>
+                            </p:stCondLst>
+                            <p:childTnLst>
+                              <p:par>
+                                <p:cTn id="17" presetID="2" presetClass="entr" presetSubtype="4" fill="hold" grpId="0" nodeType="clickEffect">
+                                  <p:stCondLst>
+                                    <p:cond delay="0"/>
+                                  </p:stCondLst>
+                                  <p:childTnLst>
+                                    <p:set>
+                                      <p:cBhvr>
+                                        <p:cTn id="18" dur="1" fill="hold">
+                                          <p:stCondLst>
+                                            <p:cond delay="0"/>
+                                          </p:stCondLst>
+                                        </p:cTn>
+                                        <p:tgtEl>
+                                          <p:spTgt spid="9"/>
+                                        </p:tgtEl>
+                                        <p:attrNameLst>
+                                          <p:attrName>style.visibility</p:attrName>
+                                        </p:attrNameLst>
+                                      </p:cBhvr>
+                                      <p:to>
+                                        <p:strVal val="visible"/>
+                                      </p:to>
+                                    </p:set>
+                                    <p:anim calcmode="lin" valueType="num">
+                                      <p:cBhvr additive="base">
+                                        <p:cTn id="19" dur="500" fill="hold"/>
+                                        <p:tgtEl>
+                                          <p:spTgt spid="9"/>
+                                        </p:tgtEl>
+                                        <p:attrNameLst>
+                                          <p:attrName>ppt_x</p:attrName>
+                                        </p:attrNameLst>
+                                      </p:cBhvr>
+                                      <p:tavLst>
+                                        <p:tav tm="0">
+                                          <p:val>
+                                            <p:strVal val="#ppt_x"/>
+                                          </p:val>
+                                        </p:tav>
+                                        <p:tav tm="100000">
+                                          <p:val>
+                                            <p:strVal val="#ppt_x"/>
+                                          </p:val>
+                                        </p:tav>
+                                      </p:tavLst>
+                                    </p:anim>
+                                    <p:anim calcmode="lin" valueType="num">
+                                      <p:cBhvr additive="base">
+                                        <p:cTn id="20" dur="500" fill="hold"/>
+                                        <p:tgtEl>
+                                          <p:spTgt spid="9"/>
+                                        </p:tgtEl>
+                                        <p:attrNameLst>
+                                          <p:attrName>ppt_y</p:attrName>
+                                        </p:attrNameLst>
+                                      </p:cBhvr>
+                                      <p:tavLst>
+                                        <p:tav tm="0">
+                                          <p:val>
+                                            <p:strVal val="1+#ppt_h/2"/>
+                                          </p:val>
+                                        </p:tav>
+                                        <p:tav tm="100000">
+                                          <p:val>
+                                            <p:strVal val="#ppt_y"/>
+                                          </p:val>
+                                        </p:tav>
+                                      </p:tavLst>
+                                    </p:anim>
+                                  </p:childTnLst>
+                                </p:cTn>
+                              </p:par>
+                            </p:childTnLst>
+                          </p:cTn>
+                        </p:par>
+                      </p:childTnLst>
+                    </p:cTn>
+                  </p:par>
+                  <p:par>
+                    <p:cTn id="21" fill="hold">
+                      <p:stCondLst>
+                        <p:cond delay="indefinite"/>
+                      </p:stCondLst>
+                      <p:childTnLst>
+                        <p:par>
+                          <p:cTn id="22" fill="hold">
+                            <p:stCondLst>
+                              <p:cond delay="0"/>
+                            </p:stCondLst>
+                            <p:childTnLst>
+                              <p:par>
+                                <p:cTn id="23" presetID="2" presetClass="entr" presetSubtype="4" fill="hold" grpId="0" nodeType="clickEffect">
+                                  <p:stCondLst>
+                                    <p:cond delay="0"/>
+                                  </p:stCondLst>
+                                  <p:childTnLst>
+                                    <p:set>
+                                      <p:cBhvr>
+                                        <p:cTn id="24" dur="1" fill="hold">
+                                          <p:stCondLst>
+                                            <p:cond delay="0"/>
+                                          </p:stCondLst>
+                                        </p:cTn>
+                                        <p:tgtEl>
+                                          <p:spTgt spid="10"/>
+                                        </p:tgtEl>
+                                        <p:attrNameLst>
+                                          <p:attrName>style.visibility</p:attrName>
+                                        </p:attrNameLst>
+                                      </p:cBhvr>
+                                      <p:to>
+                                        <p:strVal val="visible"/>
+                                      </p:to>
+                                    </p:set>
+                                    <p:anim calcmode="lin" valueType="num">
+                                      <p:cBhvr additive="base">
+                                        <p:cTn id="25" dur="500" fill="hold"/>
+                                        <p:tgtEl>
+                                          <p:spTgt spid="10"/>
+                                        </p:tgtEl>
+                                        <p:attrNameLst>
+                                          <p:attrName>ppt_x</p:attrName>
+                                        </p:attrNameLst>
+                                      </p:cBhvr>
+                                      <p:tavLst>
+                                        <p:tav tm="0">
+                                          <p:val>
+                                            <p:strVal val="#ppt_x"/>
+                                          </p:val>
+                                        </p:tav>
+                                        <p:tav tm="100000">
+                                          <p:val>
+                                            <p:strVal val="#ppt_x"/>
+                                          </p:val>
+                                        </p:tav>
+                                      </p:tavLst>
+                                    </p:anim>
+                                    <p:anim calcmode="lin" valueType="num">
+                                      <p:cBhvr additive="base">
+                                        <p:cTn id="26" dur="500" fill="hold"/>
+                                        <p:tgtEl>
+                                          <p:spTgt spid="10"/>
+                                        </p:tgtEl>
+                                        <p:attrNameLst>
+                                          <p:attrName>ppt_y</p:attrName>
+                                        </p:attrNameLst>
+                                      </p:cBhvr>
+                                      <p:tavLst>
+                                        <p:tav tm="0">
+                                          <p:val>
+                                            <p:strVal val="1+#ppt_h/2"/>
+                                          </p:val>
+                                        </p:tav>
+                                        <p:tav tm="100000">
+                                          <p:val>
+                                            <p:strVal val="#ppt_y"/>
+                                          </p:val>
+                                        </p:tav>
+                                      </p:tavLst>
+                                    </p:anim>
+                                  </p:childTnLst>
+                                </p:cTn>
+                              </p:par>
+                            </p:childTnLst>
+                          </p:cTn>
+                        </p:par>
+                      </p:childTnLst>
+                    </p:cTn>
+                  </p:par>
+                </p:childTnLst>
+              </p:cTn>
+              <p:prevCondLst>
+                <p:cond evt="onPrev" delay="0">
+                  <p:tgtEl>
+                    <p:sldTgt/>
+                  </p:tgtEl>
+                </p:cond>
+              </p:prevCondLst>
+              <p:nextCondLst>
+                <p:cond evt="onNext" delay="0">
+                  <p:tgtEl>
+                    <p:sldTgt/>
+                  </p:tgtEl>
+                </p:cond>
+              </p:nextCondLst>
+            </p:seq>
+          </p:childTnLst>
+        </p:cTn>
+      </p:par>
+    </p:tnLst>
+    <p:bldLst>
+      <p:bldP spid="6" grpId="0"/>
+      <p:bldP spid="8" grpId="0"/>
+      <p:bldP spid="9" grpId="0"/>
+      <p:bldP spid="10" grpId="0"/>
+    </p:bldLst>
+  </p:timing>
+</p:sld>
+</file>
+
+<file path=ppt/slides/slide24.xml><?xml version="1.0" encoding="utf-8"?>
+<p:sld xmlns:a="http://schemas.openxmlformats.org/drawingml/2006/main" xmlns:r="http://schemas.openxmlformats.org/officeDocument/2006/relationships" xmlns:p="http://schemas.openxmlformats.org/presentationml/2006/main">
+  <p:cSld>
+    <p:spTree>
+      <p:nvGrpSpPr>
+        <p:cNvPr id="1" name=""/>
+        <p:cNvGrpSpPr/>
+        <p:nvPr/>
+      </p:nvGrpSpPr>
+      <p:grpSpPr>
+        <a:xfrm>
+          <a:off x="0" y="0"/>
+          <a:ext cx="0" cy="0"/>
+          <a:chOff x="0" y="0"/>
+          <a:chExt cx="0" cy="0"/>
+        </a:xfrm>
+      </p:grpSpPr>
+      <p:sp>
+        <p:nvSpPr>
+          <p:cNvPr id="2" name="标题 1"/>
+          <p:cNvSpPr>
+            <a:spLocks noGrp="1"/>
+          </p:cNvSpPr>
+          <p:nvPr>
+            <p:ph type="ctrTitle"/>
+          </p:nvPr>
+        </p:nvSpPr>
+        <p:spPr/>
+        <p:txBody>
+          <a:bodyPr/>
+          <a:lstStyle/>
+          <a:p>
+            <a:endParaRPr kumimoji="1" lang="zh-CN" altLang="en-US" dirty="0"/>
+          </a:p>
+        </p:txBody>
+      </p:sp>
+      <p:sp>
+        <p:nvSpPr>
+          <p:cNvPr id="3" name="副标题 2"/>
+          <p:cNvSpPr>
+            <a:spLocks noGrp="1"/>
+          </p:cNvSpPr>
+          <p:nvPr>
+            <p:ph type="subTitle" idx="1"/>
+          </p:nvPr>
+        </p:nvSpPr>
+        <p:spPr/>
+        <p:txBody>
+          <a:bodyPr/>
+          <a:lstStyle/>
+          <a:p>
+            <a:endParaRPr kumimoji="1" lang="zh-CN" altLang="en-US"/>
+          </a:p>
+        </p:txBody>
+      </p:sp>
+      <p:pic>
+        <p:nvPicPr>
+          <p:cNvPr id="5" name="图片 4" descr="maintheme.jpg"/>
+          <p:cNvPicPr>
+            <a:picLocks noChangeAspect="1"/>
+          </p:cNvPicPr>
+          <p:nvPr/>
+        </p:nvPicPr>
+        <p:blipFill>
+          <a:blip r:embed="rId2">
+            <a:extLst>
+              <a:ext uri="{28A0092B-C50C-407E-A947-70E740481C1C}">
+                <a14:useLocalDpi xmlns:a14="http://schemas.microsoft.com/office/drawing/2010/main" val="0"/>
+              </a:ext>
+            </a:extLst>
+          </a:blip>
+          <a:stretch>
+            <a:fillRect/>
+          </a:stretch>
+        </p:blipFill>
+        <p:spPr>
+          <a:xfrm>
+            <a:off x="0" y="0"/>
+            <a:ext cx="9144000" cy="6858000"/>
+          </a:xfrm>
+          <a:prstGeom prst="rect">
+            <a:avLst/>
+          </a:prstGeom>
+        </p:spPr>
+      </p:pic>
+      <p:sp>
+        <p:nvSpPr>
+          <p:cNvPr id="6" name="文本框 5"/>
+          <p:cNvSpPr txBox="1"/>
+          <p:nvPr/>
+        </p:nvSpPr>
+        <p:spPr>
+          <a:xfrm>
+            <a:off x="1328821" y="943464"/>
+            <a:ext cx="6906126" cy="1200329"/>
+          </a:xfrm>
+          <a:prstGeom prst="rect">
+            <a:avLst/>
+          </a:prstGeom>
+          <a:noFill/>
+        </p:spPr>
+        <p:txBody>
+          <a:bodyPr wrap="square" rtlCol="0">
+            <a:spAutoFit/>
+          </a:bodyPr>
+          <a:lstStyle/>
+          <a:p>
+            <a:r>
+              <a:rPr kumimoji="1" lang="zh-CN" altLang="en-US" dirty="0" smtClean="0"/>
+              <a:t>定义：</a:t>
+            </a:r>
+            <a:endParaRPr kumimoji="1" lang="en-US" altLang="zh-CN" dirty="0" smtClean="0"/>
+          </a:p>
+          <a:p>
+            <a:r>
+              <a:rPr kumimoji="1" lang="zh-CN" altLang="en-US" dirty="0" smtClean="0"/>
+              <a:t>敏捷开发是一种团队</a:t>
+            </a:r>
+            <a:r>
+              <a:rPr kumimoji="1" lang="zh-CN" altLang="en-US" dirty="0"/>
+              <a:t>管理工作的方式，以人为核心、迭代、循序渐进的开发方法。在敏捷开发中，软件项目的构建被切分成多个子项目，各个子项目的成果都经过测试，具备集成和可运行的特征。</a:t>
+            </a:r>
+          </a:p>
+        </p:txBody>
+      </p:sp>
+      <p:sp>
+        <p:nvSpPr>
+          <p:cNvPr id="7" name="文本框 6"/>
+          <p:cNvSpPr txBox="1"/>
+          <p:nvPr/>
+        </p:nvSpPr>
+        <p:spPr>
+          <a:xfrm>
+            <a:off x="1328821" y="3030621"/>
+            <a:ext cx="6906126" cy="3139321"/>
+          </a:xfrm>
+          <a:prstGeom prst="rect">
+            <a:avLst/>
+          </a:prstGeom>
+          <a:noFill/>
+        </p:spPr>
+        <p:txBody>
+          <a:bodyPr wrap="square" rtlCol="0">
+            <a:spAutoFit/>
+          </a:bodyPr>
+          <a:lstStyle/>
+          <a:p>
+            <a:r>
+              <a:rPr kumimoji="1" lang="zh-CN" altLang="en-US" dirty="0"/>
+              <a:t>宣言</a:t>
+            </a:r>
+            <a:r>
+              <a:rPr kumimoji="1" lang="zh-CN" altLang="en-US" dirty="0" smtClean="0"/>
+              <a:t>：</a:t>
+            </a:r>
+            <a:endParaRPr kumimoji="1" lang="en-US" altLang="zh-CN" dirty="0" smtClean="0"/>
+          </a:p>
+          <a:p>
+            <a:r>
+              <a:rPr kumimoji="1" lang="zh-CN" altLang="en-US" dirty="0"/>
+              <a:t>个体和互动 高于 流程和工具 （人是团队核心，流程和工具只是为了提供效率）</a:t>
+            </a:r>
+          </a:p>
+          <a:p>
+            <a:r>
+              <a:rPr kumimoji="1" lang="zh-CN" altLang="en-US" dirty="0"/>
+              <a:t>工作的软件 高于 详尽的文档  </a:t>
+            </a:r>
+            <a:r>
+              <a:rPr kumimoji="1" lang="en-US" altLang="zh-CN" dirty="0"/>
+              <a:t>(</a:t>
+            </a:r>
+            <a:r>
+              <a:rPr kumimoji="1" lang="zh-CN" altLang="en-US" dirty="0"/>
+              <a:t>文档应当短小精悍、主次分明、分类清楚</a:t>
+            </a:r>
+            <a:r>
+              <a:rPr kumimoji="1" lang="en-US" altLang="zh-CN" dirty="0"/>
+              <a:t>)</a:t>
+            </a:r>
+          </a:p>
+          <a:p>
+            <a:r>
+              <a:rPr kumimoji="1" lang="zh-CN" altLang="en-US" dirty="0"/>
+              <a:t>客户合作   高于 合同谈判   </a:t>
+            </a:r>
+            <a:r>
+              <a:rPr kumimoji="1" lang="en-US" altLang="zh-CN" dirty="0"/>
+              <a:t>(</a:t>
+            </a:r>
+            <a:r>
+              <a:rPr kumimoji="1" lang="zh-CN" altLang="en-US" dirty="0"/>
+              <a:t>项目环境不明朗与变化导致需求不确定与变更，需要项目团队与客户彼此精诚合作，常沟通、及时反馈</a:t>
+            </a:r>
+            <a:r>
+              <a:rPr kumimoji="1" lang="en-US" altLang="zh-CN" dirty="0"/>
+              <a:t>)</a:t>
+            </a:r>
+          </a:p>
+          <a:p>
+            <a:r>
+              <a:rPr kumimoji="1" lang="zh-CN" altLang="en-US" dirty="0"/>
+              <a:t>响应变化   高于 遵循计划   </a:t>
+            </a:r>
+            <a:r>
+              <a:rPr kumimoji="1" lang="en-US" altLang="zh-CN" dirty="0"/>
+              <a:t>(</a:t>
+            </a:r>
+            <a:r>
+              <a:rPr kumimoji="1" lang="zh-CN" altLang="en-US" dirty="0"/>
+              <a:t>项目环境不明朗与变化导致需求不确定与变更，需要项目团队与客户彼此精诚合作，常沟通、及时反馈</a:t>
+            </a:r>
+            <a:r>
+              <a:rPr kumimoji="1" lang="en-US" altLang="zh-CN" dirty="0"/>
+              <a:t>)</a:t>
+            </a:r>
+            <a:endParaRPr kumimoji="1" lang="zh-CN" altLang="en-US" dirty="0"/>
+          </a:p>
+        </p:txBody>
+      </p:sp>
+    </p:spTree>
+    <p:extLst>
+      <p:ext uri="{BB962C8B-B14F-4D97-AF65-F5344CB8AC3E}">
+        <p14:creationId xmlns:p14="http://schemas.microsoft.com/office/powerpoint/2010/main" val="1781727684"/>
+      </p:ext>
+    </p:extLst>
+  </p:cSld>
+  <p:clrMapOvr>
+    <a:masterClrMapping/>
+  </p:clrMapOvr>
+  <p:timing>
+    <p:tnLst>
+      <p:par>
+        <p:cTn xmlns:p14="http://schemas.microsoft.com/office/powerpoint/2010/main" id="1" dur="indefinite" restart="never" nodeType="tmRoot">
+          <p:childTnLst>
+            <p:seq concurrent="1" nextAc="seek">
+              <p:cTn id="2" dur="indefinite" nodeType="mainSeq">
+                <p:childTnLst>
+                  <p:par>
+                    <p:cTn id="3" fill="hold">
+                      <p:stCondLst>
+                        <p:cond delay="indefinite"/>
+                      </p:stCondLst>
+                      <p:childTnLst>
+                        <p:par>
+                          <p:cTn id="4" fill="hold">
+                            <p:stCondLst>
+                              <p:cond delay="0"/>
+                            </p:stCondLst>
+                            <p:childTnLst>
+                              <p:par>
+                                <p:cTn id="5" presetID="2" presetClass="entr" presetSubtype="4" fill="hold" grpId="0" nodeType="clickEffect">
+                                  <p:stCondLst>
+                                    <p:cond delay="0"/>
+                                  </p:stCondLst>
+                                  <p:childTnLst>
+                                    <p:set>
+                                      <p:cBhvr>
+                                        <p:cTn id="6" dur="1" fill="hold">
+                                          <p:stCondLst>
+                                            <p:cond delay="0"/>
+                                          </p:stCondLst>
+                                        </p:cTn>
+                                        <p:tgtEl>
+                                          <p:spTgt spid="7"/>
+                                        </p:tgtEl>
+                                        <p:attrNameLst>
+                                          <p:attrName>style.visibility</p:attrName>
+                                        </p:attrNameLst>
+                                      </p:cBhvr>
+                                      <p:to>
+                                        <p:strVal val="visible"/>
+                                      </p:to>
+                                    </p:set>
+                                    <p:anim calcmode="lin" valueType="num">
+                                      <p:cBhvr additive="base">
+                                        <p:cTn id="7" dur="500" fill="hold"/>
+                                        <p:tgtEl>
+                                          <p:spTgt spid="7"/>
+                                        </p:tgtEl>
+                                        <p:attrNameLst>
+                                          <p:attrName>ppt_x</p:attrName>
+                                        </p:attrNameLst>
+                                      </p:cBhvr>
+                                      <p:tavLst>
+                                        <p:tav tm="0">
+                                          <p:val>
+                                            <p:strVal val="#ppt_x"/>
+                                          </p:val>
+                                        </p:tav>
+                                        <p:tav tm="100000">
+                                          <p:val>
+                                            <p:strVal val="#ppt_x"/>
+                                          </p:val>
+                                        </p:tav>
+                                      </p:tavLst>
+                                    </p:anim>
+                                    <p:anim calcmode="lin" valueType="num">
+                                      <p:cBhvr additive="base">
+                                        <p:cTn id="8" dur="500" fill="hold"/>
+                                        <p:tgtEl>
+                                          <p:spTgt spid="7"/>
+                                        </p:tgtEl>
+                                        <p:attrNameLst>
+                                          <p:attrName>ppt_y</p:attrName>
+                                        </p:attrNameLst>
+                                      </p:cBhvr>
+                                      <p:tavLst>
+                                        <p:tav tm="0">
+                                          <p:val>
+                                            <p:strVal val="1+#ppt_h/2"/>
+                                          </p:val>
+                                        </p:tav>
+                                        <p:tav tm="100000">
+                                          <p:val>
+                                            <p:strVal val="#ppt_y"/>
+                                          </p:val>
+                                        </p:tav>
+                                      </p:tavLst>
+                                    </p:anim>
+                                  </p:childTnLst>
+                                </p:cTn>
+                              </p:par>
+                            </p:childTnLst>
+                          </p:cTn>
+                        </p:par>
+                      </p:childTnLst>
+                    </p:cTn>
+                  </p:par>
+                </p:childTnLst>
+              </p:cTn>
+              <p:prevCondLst>
+                <p:cond evt="onPrev" delay="0">
+                  <p:tgtEl>
+                    <p:sldTgt/>
+                  </p:tgtEl>
+                </p:cond>
+              </p:prevCondLst>
+              <p:nextCondLst>
+                <p:cond evt="onNext" delay="0">
+                  <p:tgtEl>
+                    <p:sldTgt/>
+                  </p:tgtEl>
+                </p:cond>
+              </p:nextCondLst>
+            </p:seq>
+          </p:childTnLst>
+        </p:cTn>
+      </p:par>
+    </p:tnLst>
+    <p:bldLst>
+      <p:bldP spid="7" grpId="0"/>
+    </p:bldLst>
+  </p:timing>
+</p:sld>
+</file>
+
+<file path=ppt/slides/slide25.xml><?xml version="1.0" encoding="utf-8"?>
+<p:sld xmlns:a="http://schemas.openxmlformats.org/drawingml/2006/main" xmlns:r="http://schemas.openxmlformats.org/officeDocument/2006/relationships" xmlns:p="http://schemas.openxmlformats.org/presentationml/2006/main">
+  <p:cSld>
+    <p:spTree>
+      <p:nvGrpSpPr>
+        <p:cNvPr id="1" name=""/>
+        <p:cNvGrpSpPr/>
+        <p:nvPr/>
+      </p:nvGrpSpPr>
+      <p:grpSpPr>
+        <a:xfrm>
+          <a:off x="0" y="0"/>
+          <a:ext cx="0" cy="0"/>
+          <a:chOff x="0" y="0"/>
+          <a:chExt cx="0" cy="0"/>
+        </a:xfrm>
+      </p:grpSpPr>
+      <p:sp>
+        <p:nvSpPr>
+          <p:cNvPr id="2" name="标题 1"/>
+          <p:cNvSpPr>
+            <a:spLocks noGrp="1"/>
+          </p:cNvSpPr>
+          <p:nvPr>
+            <p:ph type="ctrTitle"/>
+          </p:nvPr>
+        </p:nvSpPr>
+        <p:spPr/>
+        <p:txBody>
+          <a:bodyPr/>
+          <a:lstStyle/>
+          <a:p>
+            <a:endParaRPr kumimoji="1" lang="zh-CN" altLang="en-US" dirty="0"/>
+          </a:p>
+        </p:txBody>
+      </p:sp>
+      <p:sp>
+        <p:nvSpPr>
+          <p:cNvPr id="3" name="副标题 2"/>
+          <p:cNvSpPr>
+            <a:spLocks noGrp="1"/>
+          </p:cNvSpPr>
+          <p:nvPr>
+            <p:ph type="subTitle" idx="1"/>
+          </p:nvPr>
+        </p:nvSpPr>
+        <p:spPr/>
+        <p:txBody>
+          <a:bodyPr/>
+          <a:lstStyle/>
+          <a:p>
+            <a:endParaRPr kumimoji="1" lang="zh-CN" altLang="en-US"/>
+          </a:p>
+        </p:txBody>
+      </p:sp>
+      <p:pic>
+        <p:nvPicPr>
+          <p:cNvPr id="5" name="图片 4" descr="maintheme.jpg"/>
+          <p:cNvPicPr>
+            <a:picLocks noChangeAspect="1"/>
+          </p:cNvPicPr>
+          <p:nvPr/>
+        </p:nvPicPr>
+        <p:blipFill>
+          <a:blip r:embed="rId2">
+            <a:extLst>
+              <a:ext uri="{28A0092B-C50C-407E-A947-70E740481C1C}">
+                <a14:useLocalDpi xmlns:a14="http://schemas.microsoft.com/office/drawing/2010/main" val="0"/>
+              </a:ext>
+            </a:extLst>
+          </a:blip>
+          <a:stretch>
+            <a:fillRect/>
+          </a:stretch>
+        </p:blipFill>
+        <p:spPr>
+          <a:xfrm>
+            <a:off x="0" y="0"/>
+            <a:ext cx="9144000" cy="6858000"/>
+          </a:xfrm>
+          <a:prstGeom prst="rect">
+            <a:avLst/>
+          </a:prstGeom>
+        </p:spPr>
+      </p:pic>
+      <p:sp>
+        <p:nvSpPr>
+          <p:cNvPr id="4" name="文本框 3"/>
+          <p:cNvSpPr txBox="1"/>
+          <p:nvPr/>
+        </p:nvSpPr>
+        <p:spPr>
+          <a:xfrm>
+            <a:off x="1371600" y="1106577"/>
+            <a:ext cx="6336632" cy="2031325"/>
+          </a:xfrm>
+          <a:prstGeom prst="rect">
+            <a:avLst/>
+          </a:prstGeom>
+          <a:noFill/>
+        </p:spPr>
+        <p:txBody>
+          <a:bodyPr wrap="square" rtlCol="0">
+            <a:spAutoFit/>
+          </a:bodyPr>
+          <a:lstStyle/>
+          <a:p>
+            <a:r>
+              <a:rPr kumimoji="1" lang="zh-TW" altLang="en-US" dirty="0"/>
+              <a:t>实现形式 </a:t>
+            </a:r>
+            <a:r>
+              <a:rPr kumimoji="1" lang="mr-IN" altLang="zh-TW" dirty="0" smtClean="0"/>
+              <a:t>–</a:t>
+            </a:r>
+            <a:r>
+              <a:rPr kumimoji="1" lang="en-US" altLang="zh-TW" dirty="0" smtClean="0"/>
+              <a:t> Scrum</a:t>
+            </a:r>
+          </a:p>
+          <a:p>
+            <a:r>
+              <a:rPr kumimoji="1" lang="zh-CN" altLang="en-US" dirty="0"/>
+              <a:t>快速迭代式</a:t>
+            </a:r>
+            <a:r>
+              <a:rPr kumimoji="1" lang="en-US" altLang="zh-CN" dirty="0"/>
+              <a:t>+</a:t>
+            </a:r>
+            <a:r>
+              <a:rPr kumimoji="1" lang="zh-CN" altLang="en-US" dirty="0"/>
+              <a:t>增量式软件开发过程，是敏捷软件开发的常用形式 </a:t>
+            </a:r>
+            <a:r>
+              <a:rPr kumimoji="1" lang="zh-CN" altLang="en-US" dirty="0" smtClean="0"/>
+              <a:t>。</a:t>
+            </a:r>
+            <a:endParaRPr kumimoji="1" lang="en-US" altLang="zh-CN" dirty="0" smtClean="0"/>
+          </a:p>
+          <a:p>
+            <a:endParaRPr kumimoji="1" lang="en-US" altLang="zh-CN" dirty="0" smtClean="0"/>
+          </a:p>
+          <a:p>
+            <a:r>
+              <a:rPr kumimoji="1" lang="zh-CN" altLang="en-US" dirty="0" smtClean="0"/>
+              <a:t>具体实施要求：</a:t>
+            </a:r>
+            <a:endParaRPr kumimoji="1" lang="en-US" altLang="zh-CN" dirty="0"/>
+          </a:p>
+          <a:p>
+            <a:r>
+              <a:rPr kumimoji="1" lang="zh-CN" altLang="en-US" dirty="0"/>
+              <a:t>合作型</a:t>
+            </a:r>
+            <a:r>
+              <a:rPr kumimoji="1" lang="en-US" altLang="zh-CN" dirty="0"/>
+              <a:t>+</a:t>
+            </a:r>
+            <a:r>
+              <a:rPr kumimoji="1" lang="zh-CN" altLang="en-US" dirty="0"/>
+              <a:t>面对变更、广泛的技能</a:t>
+            </a:r>
+          </a:p>
+          <a:p>
+            <a:r>
+              <a:rPr kumimoji="1" lang="zh-CN" altLang="en-US" dirty="0"/>
+              <a:t>依据实际情况筛选、裁剪。</a:t>
+            </a:r>
+          </a:p>
+        </p:txBody>
+      </p:sp>
+    </p:spTree>
+    <p:extLst>
+      <p:ext uri="{BB962C8B-B14F-4D97-AF65-F5344CB8AC3E}">
+        <p14:creationId xmlns:p14="http://schemas.microsoft.com/office/powerpoint/2010/main" val="3339805766"/>
+      </p:ext>
+    </p:extLst>
+  </p:cSld>
+  <p:clrMapOvr>
+    <a:masterClrMapping/>
+  </p:clrMapOvr>
+  <p:timing>
+    <p:tnLst>
+      <p:par>
+        <p:cTn xmlns:p14="http://schemas.microsoft.com/office/powerpoint/2010/main" id="1" dur="indefinite" restart="never" nodeType="tmRoot"/>
+      </p:par>
+    </p:tnLst>
+  </p:timing>
+</p:sld>
+</file>
+
+<file path=ppt/slides/slide26.xml><?xml version="1.0" encoding="utf-8"?>
+<p:sld xmlns:a="http://schemas.openxmlformats.org/drawingml/2006/main" xmlns:r="http://schemas.openxmlformats.org/officeDocument/2006/relationships" xmlns:p="http://schemas.openxmlformats.org/presentationml/2006/main">
+  <p:cSld>
+    <p:spTree>
+      <p:nvGrpSpPr>
+        <p:cNvPr id="1" name=""/>
+        <p:cNvGrpSpPr/>
+        <p:nvPr/>
+      </p:nvGrpSpPr>
+      <p:grpSpPr>
+        <a:xfrm>
+          <a:off x="0" y="0"/>
+          <a:ext cx="0" cy="0"/>
+          <a:chOff x="0" y="0"/>
+          <a:chExt cx="0" cy="0"/>
+        </a:xfrm>
+      </p:grpSpPr>
+      <p:sp>
+        <p:nvSpPr>
+          <p:cNvPr id="2" name="标题 1"/>
+          <p:cNvSpPr>
+            <a:spLocks noGrp="1"/>
+          </p:cNvSpPr>
+          <p:nvPr>
+            <p:ph type="ctrTitle"/>
+          </p:nvPr>
+        </p:nvSpPr>
+        <p:spPr/>
+        <p:txBody>
+          <a:bodyPr/>
+          <a:lstStyle/>
+          <a:p>
+            <a:r>
+              <a:rPr kumimoji="1" lang="en-US" altLang="zh-CN" dirty="0" smtClean="0"/>
+              <a:t> </a:t>
+            </a:r>
+            <a:endParaRPr kumimoji="1" lang="zh-CN" altLang="en-US" dirty="0"/>
+          </a:p>
+        </p:txBody>
+      </p:sp>
+      <p:sp>
+        <p:nvSpPr>
+          <p:cNvPr id="3" name="副标题 2"/>
+          <p:cNvSpPr>
+            <a:spLocks noGrp="1"/>
+          </p:cNvSpPr>
+          <p:nvPr>
+            <p:ph type="subTitle" idx="1"/>
+          </p:nvPr>
+        </p:nvSpPr>
+        <p:spPr/>
+        <p:txBody>
+          <a:bodyPr/>
+          <a:lstStyle/>
+          <a:p>
+            <a:endParaRPr kumimoji="1" lang="zh-CN" altLang="en-US"/>
+          </a:p>
+        </p:txBody>
+      </p:sp>
+      <p:pic>
+        <p:nvPicPr>
+          <p:cNvPr id="5" name="图片 4" descr="maintheme.jpg"/>
+          <p:cNvPicPr>
+            <a:picLocks noChangeAspect="1"/>
+          </p:cNvPicPr>
+          <p:nvPr/>
+        </p:nvPicPr>
+        <p:blipFill>
+          <a:blip r:embed="rId2">
+            <a:extLst>
+              <a:ext uri="{28A0092B-C50C-407E-A947-70E740481C1C}">
+                <a14:useLocalDpi xmlns:a14="http://schemas.microsoft.com/office/drawing/2010/main" val="0"/>
+              </a:ext>
+            </a:extLst>
+          </a:blip>
+          <a:stretch>
+            <a:fillRect/>
+          </a:stretch>
+        </p:blipFill>
+        <p:spPr>
+          <a:xfrm>
+            <a:off x="0" y="0"/>
+            <a:ext cx="9144000" cy="6858000"/>
+          </a:xfrm>
+          <a:prstGeom prst="rect">
+            <a:avLst/>
+          </a:prstGeom>
+        </p:spPr>
+      </p:pic>
       <p:sp>
         <p:nvSpPr>
           <p:cNvPr id="6" name="文本框 5"/>
@@ -6398,7 +8211,7 @@
 </p:sld>
 </file>
 
-<file path=ppt/slides/slide22.xml><?xml version="1.0" encoding="utf-8"?>
+<file path=ppt/slides/slide27.xml><?xml version="1.0" encoding="utf-8"?>
 <p:sld xmlns:a="http://schemas.openxmlformats.org/drawingml/2006/main" xmlns:r="http://schemas.openxmlformats.org/officeDocument/2006/relationships" xmlns:p="http://schemas.openxmlformats.org/presentationml/2006/main">
   <p:cSld>
     <p:spTree>
@@ -10141,7 +11954,6 @@
               <a:rPr kumimoji="1" lang="zh-CN" altLang="en-US" dirty="0"/>
               <a:t> 原则</a:t>
             </a:r>
-            <a:endParaRPr kumimoji="1" lang="zh-CN" altLang="en-US" dirty="0"/>
           </a:p>
         </p:txBody>
       </p:sp>
@@ -11095,7 +12907,7 @@
         </p:nvSpPr>
         <p:spPr>
           <a:xfrm>
-            <a:off x="2251242" y="3382210"/>
+            <a:off x="2090956" y="3382210"/>
             <a:ext cx="735263" cy="646331"/>
           </a:xfrm>
           <a:prstGeom prst="rect">
@@ -11298,6 +13110,221 @@
               <a:t>项目商业价值尽可能最大化</a:t>
             </a:r>
             <a:endParaRPr kumimoji="1" lang="zh-CN" altLang="en-US" dirty="0"/>
+          </a:p>
+        </p:txBody>
+      </p:sp>
+      <p:sp>
+        <p:nvSpPr>
+          <p:cNvPr id="4" name="文本框 3"/>
+          <p:cNvSpPr txBox="1"/>
+          <p:nvPr/>
+        </p:nvSpPr>
+        <p:spPr>
+          <a:xfrm>
+            <a:off x="2765198" y="2493227"/>
+            <a:ext cx="1908379" cy="1323439"/>
+          </a:xfrm>
+          <a:prstGeom prst="rect">
+            <a:avLst/>
+          </a:prstGeom>
+          <a:noFill/>
+        </p:spPr>
+        <p:txBody>
+          <a:bodyPr wrap="square" rtlCol="0">
+            <a:spAutoFit/>
+          </a:bodyPr>
+          <a:lstStyle/>
+          <a:p>
+            <a:r>
+              <a:rPr kumimoji="1" lang="zh-CN" altLang="en-US" sz="1600" dirty="0" smtClean="0">
+                <a:solidFill>
+                  <a:srgbClr val="660066"/>
+                </a:solidFill>
+              </a:rPr>
+              <a:t>净现值</a:t>
+            </a:r>
+            <a:r>
+              <a:rPr kumimoji="1" lang="en-US" altLang="zh-CN" sz="1600" dirty="0" smtClean="0">
+                <a:solidFill>
+                  <a:srgbClr val="660066"/>
+                </a:solidFill>
+              </a:rPr>
+              <a:t>(NPV)</a:t>
+            </a:r>
+            <a:endParaRPr kumimoji="1" lang="en-US" altLang="zh-CN" sz="1600" dirty="0">
+              <a:solidFill>
+                <a:srgbClr val="660066"/>
+              </a:solidFill>
+            </a:endParaRPr>
+          </a:p>
+          <a:p>
+            <a:r>
+              <a:rPr kumimoji="1" lang="zh-CN" altLang="en-US" sz="1600" dirty="0" smtClean="0">
+                <a:solidFill>
+                  <a:srgbClr val="660066"/>
+                </a:solidFill>
+              </a:rPr>
+              <a:t>内部收益率</a:t>
+            </a:r>
+            <a:r>
+              <a:rPr kumimoji="1" lang="en-US" altLang="zh-CN" sz="1600" dirty="0" smtClean="0">
+                <a:solidFill>
+                  <a:srgbClr val="660066"/>
+                </a:solidFill>
+              </a:rPr>
+              <a:t>(IRR)</a:t>
+            </a:r>
+            <a:endParaRPr kumimoji="1" lang="en-US" altLang="zh-CN" sz="1600" dirty="0" smtClean="0">
+              <a:solidFill>
+                <a:srgbClr val="660066"/>
+              </a:solidFill>
+            </a:endParaRPr>
+          </a:p>
+          <a:p>
+            <a:r>
+              <a:rPr kumimoji="1" lang="zh-CN" altLang="en-US" sz="1600" dirty="0" smtClean="0">
+                <a:solidFill>
+                  <a:srgbClr val="660066"/>
+                </a:solidFill>
+              </a:rPr>
+              <a:t>回收期</a:t>
+            </a:r>
+            <a:r>
+              <a:rPr kumimoji="1" lang="en-US" altLang="zh-CN" sz="1600" dirty="0" smtClean="0">
+                <a:solidFill>
+                  <a:srgbClr val="660066"/>
+                </a:solidFill>
+              </a:rPr>
+              <a:t>(</a:t>
+            </a:r>
+            <a:r>
+              <a:rPr kumimoji="1" lang="en-US" altLang="zh-CN" sz="1600" dirty="0" err="1" smtClean="0">
+                <a:solidFill>
+                  <a:srgbClr val="660066"/>
+                </a:solidFill>
+              </a:rPr>
+              <a:t>P</a:t>
+            </a:r>
+            <a:r>
+              <a:rPr kumimoji="1" lang="en-US" altLang="zh-CN" sz="1600" dirty="0" err="1" smtClean="0">
+                <a:solidFill>
+                  <a:srgbClr val="660066"/>
+                </a:solidFill>
+              </a:rPr>
+              <a:t>ayBack</a:t>
+            </a:r>
+            <a:r>
+              <a:rPr kumimoji="1" lang="en-US" altLang="zh-CN" sz="1600" dirty="0" smtClean="0">
+                <a:solidFill>
+                  <a:srgbClr val="660066"/>
+                </a:solidFill>
+              </a:rPr>
+              <a:t>)</a:t>
+            </a:r>
+            <a:endParaRPr kumimoji="1" lang="en-US" altLang="zh-CN" sz="1600" dirty="0" smtClean="0">
+              <a:solidFill>
+                <a:srgbClr val="660066"/>
+              </a:solidFill>
+            </a:endParaRPr>
+          </a:p>
+          <a:p>
+            <a:r>
+              <a:rPr kumimoji="1" lang="zh-CN" altLang="en-US" sz="1600" dirty="0" smtClean="0">
+                <a:solidFill>
+                  <a:srgbClr val="660066"/>
+                </a:solidFill>
+              </a:rPr>
+              <a:t>效益成本率</a:t>
+            </a:r>
+            <a:r>
+              <a:rPr kumimoji="1" lang="en-US" altLang="zh-CN" sz="1600" dirty="0" smtClean="0">
+                <a:solidFill>
+                  <a:srgbClr val="660066"/>
+                </a:solidFill>
+              </a:rPr>
+              <a:t>(BCR)</a:t>
+            </a:r>
+            <a:endParaRPr kumimoji="1" lang="en-US" altLang="zh-CN" sz="1600" dirty="0" smtClean="0">
+              <a:solidFill>
+                <a:srgbClr val="660066"/>
+              </a:solidFill>
+            </a:endParaRPr>
+          </a:p>
+          <a:p>
+            <a:r>
+              <a:rPr kumimoji="1" lang="zh-CN" altLang="en-US" sz="1600" dirty="0" smtClean="0">
+                <a:solidFill>
+                  <a:srgbClr val="660066"/>
+                </a:solidFill>
+              </a:rPr>
+              <a:t>投资回报率</a:t>
+            </a:r>
+            <a:r>
+              <a:rPr kumimoji="1" lang="en-US" altLang="zh-CN" sz="1600" dirty="0" smtClean="0">
+                <a:solidFill>
+                  <a:srgbClr val="660066"/>
+                </a:solidFill>
+              </a:rPr>
+              <a:t>(ROI)</a:t>
+            </a:r>
+            <a:endParaRPr kumimoji="1" lang="zh-CN" altLang="en-US" sz="1600" dirty="0">
+              <a:solidFill>
+                <a:srgbClr val="660066"/>
+              </a:solidFill>
+            </a:endParaRPr>
+          </a:p>
+        </p:txBody>
+      </p:sp>
+      <p:sp>
+        <p:nvSpPr>
+          <p:cNvPr id="7" name="文本框 6"/>
+          <p:cNvSpPr txBox="1"/>
+          <p:nvPr/>
+        </p:nvSpPr>
+        <p:spPr>
+          <a:xfrm>
+            <a:off x="2826219" y="4028541"/>
+            <a:ext cx="1812462" cy="584776"/>
+          </a:xfrm>
+          <a:prstGeom prst="rect">
+            <a:avLst/>
+          </a:prstGeom>
+          <a:noFill/>
+        </p:spPr>
+        <p:txBody>
+          <a:bodyPr wrap="square" rtlCol="0">
+            <a:spAutoFit/>
+          </a:bodyPr>
+          <a:lstStyle/>
+          <a:p>
+            <a:r>
+              <a:rPr kumimoji="1" lang="zh-CN" altLang="en-US" sz="1600" dirty="0" smtClean="0">
+                <a:solidFill>
+                  <a:srgbClr val="660066"/>
+                </a:solidFill>
+              </a:rPr>
+              <a:t>机会成本</a:t>
+            </a:r>
+            <a:endParaRPr kumimoji="1" lang="en-US" altLang="zh-CN" sz="1600" dirty="0" smtClean="0">
+              <a:solidFill>
+                <a:srgbClr val="660066"/>
+              </a:solidFill>
+            </a:endParaRPr>
+          </a:p>
+          <a:p>
+            <a:r>
+              <a:rPr kumimoji="1" lang="zh-CN" altLang="en-US" sz="1600" dirty="0" smtClean="0">
+                <a:solidFill>
+                  <a:srgbClr val="660066"/>
+                </a:solidFill>
+              </a:rPr>
+              <a:t>沉默成本</a:t>
+            </a:r>
+            <a:endParaRPr kumimoji="1" lang="zh-CN" altLang="en-US" sz="1600" dirty="0">
+              <a:solidFill>
+                <a:srgbClr val="660066"/>
+              </a:solidFill>
+            </a:endParaRPr>
           </a:p>
         </p:txBody>
       </p:sp>
@@ -11783,23 +13810,7 @@
                   <a:schemeClr val="accent6"/>
                 </a:solidFill>
               </a:rPr>
-              <a:t>第</a:t>
-            </a:r>
-            <a:r>
-              <a:rPr kumimoji="1" lang="zh-CN" altLang="en-US" sz="4000" dirty="0" smtClean="0">
-                <a:solidFill>
-                  <a:schemeClr val="accent6"/>
-                </a:solidFill>
-              </a:rPr>
-              <a:t>二</a:t>
-            </a:r>
-            <a:r>
-              <a:rPr kumimoji="1" lang="zh-CN" altLang="en-US" sz="4000" dirty="0" smtClean="0">
-                <a:solidFill>
-                  <a:schemeClr val="accent6"/>
-                </a:solidFill>
-              </a:rPr>
-              <a:t>部分</a:t>
+              <a:t>第二部分</a:t>
             </a:r>
             <a:r>
               <a:rPr kumimoji="1" lang="en-US" altLang="zh-CN" sz="4000" dirty="0" smtClean="0">
@@ -11825,46 +13836,16 @@
           </a:p>
         </p:txBody>
       </p:sp>
-      <p:pic>
-        <p:nvPicPr>
-          <p:cNvPr id="7" name="图片 6" descr="软件开发瀑布模型.png"/>
-          <p:cNvPicPr>
-            <a:picLocks noChangeAspect="1"/>
-          </p:cNvPicPr>
-          <p:nvPr/>
-        </p:nvPicPr>
-        <p:blipFill>
-          <a:blip r:embed="rId3">
-            <a:extLst>
-              <a:ext uri="{28A0092B-C50C-407E-A947-70E740481C1C}">
-                <a14:useLocalDpi xmlns:a14="http://schemas.microsoft.com/office/drawing/2010/main" val="0"/>
-              </a:ext>
-            </a:extLst>
-          </a:blip>
-          <a:stretch>
-            <a:fillRect/>
-          </a:stretch>
-        </p:blipFill>
-        <p:spPr>
-          <a:xfrm>
-            <a:off x="1728193" y="2367061"/>
-            <a:ext cx="6044207" cy="3843496"/>
-          </a:xfrm>
-          <a:prstGeom prst="rect">
-            <a:avLst/>
-          </a:prstGeom>
-        </p:spPr>
-      </p:pic>
-      <p:sp>
-        <p:nvSpPr>
-          <p:cNvPr id="11" name="文本框 10"/>
+      <p:sp>
+        <p:nvSpPr>
+          <p:cNvPr id="6" name="文本框 5"/>
           <p:cNvSpPr txBox="1"/>
           <p:nvPr/>
         </p:nvSpPr>
         <p:spPr>
           <a:xfrm>
-            <a:off x="1575394" y="1709539"/>
-            <a:ext cx="3956802" cy="369332"/>
+            <a:off x="1763144" y="2130425"/>
+            <a:ext cx="6009256" cy="923330"/>
           </a:xfrm>
           <a:prstGeom prst="rect">
             <a:avLst/>
@@ -11878,8 +13859,76 @@
           <a:lstStyle/>
           <a:p>
             <a:r>
+              <a:rPr kumimoji="1" lang="en-US" altLang="zh-CN" dirty="0" smtClean="0"/>
+              <a:t>2.1 </a:t>
+            </a:r>
+            <a:r>
               <a:rPr kumimoji="1" lang="zh-CN" altLang="en-US" dirty="0" smtClean="0"/>
-              <a:t>软件工程领域项目常见模式</a:t>
+              <a:t>项目运行环境</a:t>
+            </a:r>
+            <a:endParaRPr kumimoji="1" lang="en-US" altLang="zh-CN" dirty="0" smtClean="0"/>
+          </a:p>
+          <a:p>
+            <a:r>
+              <a:rPr kumimoji="1" lang="en-US" altLang="zh-CN" dirty="0"/>
+              <a:t>	</a:t>
+            </a:r>
+            <a:r>
+              <a:rPr kumimoji="1" lang="en-US" altLang="zh-CN" dirty="0" smtClean="0"/>
+              <a:t>2.1.1</a:t>
+            </a:r>
+            <a:r>
+              <a:rPr kumimoji="1" lang="zh-CN" altLang="en-US" dirty="0" smtClean="0"/>
+              <a:t> 事业环境因素与组织过程资产</a:t>
+            </a:r>
+            <a:endParaRPr kumimoji="1" lang="en-US" altLang="zh-CN" dirty="0" smtClean="0"/>
+          </a:p>
+          <a:p>
+            <a:r>
+              <a:rPr kumimoji="1" lang="en-US" altLang="zh-CN" dirty="0"/>
+              <a:t>	</a:t>
+            </a:r>
+            <a:r>
+              <a:rPr kumimoji="1" lang="en-US" altLang="zh-CN" dirty="0" smtClean="0"/>
+              <a:t>2.1.2</a:t>
+            </a:r>
+            <a:r>
+              <a:rPr kumimoji="1" lang="zh-CN" altLang="en-US" dirty="0" smtClean="0"/>
+              <a:t> 组织类型</a:t>
+            </a:r>
+            <a:endParaRPr kumimoji="1" lang="zh-CN" altLang="en-US" dirty="0"/>
+          </a:p>
+        </p:txBody>
+      </p:sp>
+      <p:sp>
+        <p:nvSpPr>
+          <p:cNvPr id="10" name="文本框 9"/>
+          <p:cNvSpPr txBox="1"/>
+          <p:nvPr/>
+        </p:nvSpPr>
+        <p:spPr>
+          <a:xfrm>
+            <a:off x="1763144" y="3215243"/>
+            <a:ext cx="4451015" cy="1477328"/>
+          </a:xfrm>
+          <a:prstGeom prst="rect">
+            <a:avLst/>
+          </a:prstGeom>
+          <a:noFill/>
+        </p:spPr>
+        <p:txBody>
+          <a:bodyPr wrap="square" rtlCol="0">
+            <a:spAutoFit/>
+          </a:bodyPr>
+          <a:lstStyle/>
+          <a:p>
+            <a:r>
+              <a:rPr kumimoji="1" lang="en-US" altLang="zh-CN" dirty="0" smtClean="0"/>
+              <a:t>2.2</a:t>
+            </a:r>
+            <a:r>
+              <a:rPr kumimoji="1" lang="zh-CN" altLang="en-US" dirty="0" smtClean="0"/>
+              <a:t> 项目生命周期</a:t>
             </a:r>
             <a:r>
               <a:rPr kumimoji="1" lang="en-US" altLang="zh-CN" dirty="0" smtClean="0"/>
@@ -11887,7 +13936,139 @@
             </a:r>
             <a:r>
               <a:rPr kumimoji="1" lang="zh-CN" altLang="en-US" dirty="0" smtClean="0"/>
-              <a:t>流程：</a:t>
+              <a:t>开发模型</a:t>
+            </a:r>
+            <a:endParaRPr kumimoji="1" lang="en-US" altLang="zh-CN" dirty="0" smtClean="0"/>
+          </a:p>
+          <a:p>
+            <a:r>
+              <a:rPr kumimoji="1" lang="en-US" altLang="zh-CN" dirty="0"/>
+              <a:t>	</a:t>
+            </a:r>
+            <a:r>
+              <a:rPr kumimoji="1" lang="en-US" altLang="zh-CN" dirty="0" smtClean="0"/>
+              <a:t>2.2.1</a:t>
+            </a:r>
+            <a:r>
+              <a:rPr kumimoji="1" lang="zh-CN" altLang="en-US" dirty="0" smtClean="0"/>
+              <a:t> 预测型</a:t>
+            </a:r>
+            <a:r>
+              <a:rPr kumimoji="1" lang="en-US" altLang="zh-CN" dirty="0" smtClean="0"/>
+              <a:t>/</a:t>
+            </a:r>
+            <a:r>
+              <a:rPr kumimoji="1" lang="zh-CN" altLang="en-US" dirty="0" smtClean="0"/>
+              <a:t>瀑布式</a:t>
+            </a:r>
+            <a:endParaRPr kumimoji="1" lang="en-US" altLang="zh-CN" dirty="0" smtClean="0"/>
+          </a:p>
+          <a:p>
+            <a:r>
+              <a:rPr kumimoji="1" lang="en-US" altLang="zh-CN" dirty="0"/>
+              <a:t>	</a:t>
+            </a:r>
+            <a:r>
+              <a:rPr kumimoji="1" lang="en-US" altLang="zh-CN" dirty="0" smtClean="0"/>
+              <a:t>2.2.2  </a:t>
+            </a:r>
+            <a:r>
+              <a:rPr kumimoji="1" lang="zh-CN" altLang="en-US" dirty="0" smtClean="0"/>
+              <a:t>迭代型</a:t>
+            </a:r>
+            <a:endParaRPr kumimoji="1" lang="en-US" altLang="zh-CN" dirty="0" smtClean="0"/>
+          </a:p>
+          <a:p>
+            <a:r>
+              <a:rPr kumimoji="1" lang="en-US" altLang="zh-CN" dirty="0"/>
+              <a:t>	</a:t>
+            </a:r>
+            <a:r>
+              <a:rPr kumimoji="1" lang="en-US" altLang="zh-CN" dirty="0" smtClean="0"/>
+              <a:t>2.2.3  </a:t>
+            </a:r>
+            <a:r>
+              <a:rPr kumimoji="1" lang="zh-CN" altLang="en-US" dirty="0" smtClean="0"/>
+              <a:t>增量型</a:t>
+            </a:r>
+            <a:endParaRPr kumimoji="1" lang="en-US" altLang="zh-CN" dirty="0" smtClean="0"/>
+          </a:p>
+          <a:p>
+            <a:r>
+              <a:rPr kumimoji="1" lang="en-US" altLang="zh-CN" dirty="0" smtClean="0"/>
+              <a:t>	2.2.4</a:t>
+            </a:r>
+            <a:r>
+              <a:rPr kumimoji="1" lang="en-US" altLang="zh-CN" dirty="0" smtClean="0"/>
+              <a:t>  </a:t>
+            </a:r>
+            <a:r>
+              <a:rPr kumimoji="1" lang="zh-CN" altLang="en-US" dirty="0" smtClean="0"/>
+              <a:t>混合型</a:t>
+            </a:r>
+            <a:endParaRPr kumimoji="1" lang="zh-CN" altLang="en-US" dirty="0"/>
+          </a:p>
+        </p:txBody>
+      </p:sp>
+      <p:sp>
+        <p:nvSpPr>
+          <p:cNvPr id="13" name="文本框 12"/>
+          <p:cNvSpPr txBox="1"/>
+          <p:nvPr/>
+        </p:nvSpPr>
+        <p:spPr>
+          <a:xfrm>
+            <a:off x="1763144" y="4797425"/>
+            <a:ext cx="4451015" cy="923330"/>
+          </a:xfrm>
+          <a:prstGeom prst="rect">
+            <a:avLst/>
+          </a:prstGeom>
+          <a:noFill/>
+        </p:spPr>
+        <p:txBody>
+          <a:bodyPr wrap="square" rtlCol="0">
+            <a:spAutoFit/>
+          </a:bodyPr>
+          <a:lstStyle/>
+          <a:p>
+            <a:r>
+              <a:rPr kumimoji="1" lang="en-US" altLang="zh-CN" dirty="0" smtClean="0"/>
+              <a:t>2.3</a:t>
+            </a:r>
+            <a:r>
+              <a:rPr kumimoji="1" lang="zh-CN" altLang="en-US" dirty="0" smtClean="0"/>
+              <a:t> 项目管理系统体系</a:t>
+            </a:r>
+            <a:endParaRPr kumimoji="1" lang="en-US" altLang="zh-CN" dirty="0" smtClean="0"/>
+          </a:p>
+          <a:p>
+            <a:r>
+              <a:rPr kumimoji="1" lang="en-US" altLang="zh-CN" dirty="0"/>
+              <a:t>	</a:t>
+            </a:r>
+            <a:r>
+              <a:rPr kumimoji="1" lang="en-US" altLang="zh-CN" dirty="0" smtClean="0"/>
+              <a:t>2.3</a:t>
+            </a:r>
+            <a:r>
+              <a:rPr kumimoji="1" lang="zh-CN" altLang="en-US" dirty="0" smtClean="0"/>
+              <a:t> 管理体系表格</a:t>
+            </a:r>
+            <a:endParaRPr kumimoji="1" lang="en-US" altLang="zh-CN" dirty="0" smtClean="0"/>
+          </a:p>
+          <a:p>
+            <a:r>
+              <a:rPr kumimoji="1" lang="en-US" altLang="zh-CN" dirty="0" smtClean="0"/>
+              <a:t>	</a:t>
+            </a:r>
+            <a:r>
+              <a:rPr kumimoji="1" lang="en-US" altLang="zh-CN" dirty="0" smtClean="0"/>
+              <a:t>2.4</a:t>
+            </a:r>
+            <a:r>
+              <a:rPr kumimoji="1" lang="zh-CN" altLang="en-US" dirty="0" smtClean="0"/>
+              <a:t> 常见子过程</a:t>
             </a:r>
             <a:endParaRPr kumimoji="1" lang="zh-CN" altLang="en-US" dirty="0"/>
           </a:p>
